--- a/Presentation-LuanVan.pptx
+++ b/Presentation-LuanVan.pptx
@@ -24,11 +24,12 @@
     <p:sldId id="269" r:id="rId18"/>
     <p:sldId id="268" r:id="rId19"/>
     <p:sldId id="277" r:id="rId20"/>
-    <p:sldId id="275" r:id="rId21"/>
-    <p:sldId id="279" r:id="rId22"/>
-    <p:sldId id="280" r:id="rId23"/>
-    <p:sldId id="281" r:id="rId24"/>
-    <p:sldId id="278" r:id="rId25"/>
+    <p:sldId id="282" r:id="rId21"/>
+    <p:sldId id="275" r:id="rId22"/>
+    <p:sldId id="279" r:id="rId23"/>
+    <p:sldId id="280" r:id="rId24"/>
+    <p:sldId id="281" r:id="rId25"/>
+    <p:sldId id="278" r:id="rId26"/>
   </p:sldIdLst>
   <p:sldSz cx="12192000" cy="6858000"/>
   <p:notesSz cx="6858000" cy="9144000"/>
@@ -144,6 +145,10 @@
     </p:ext>
   </p:extLst>
 </p:presentation>
+</file>
+
+<file path=ppt/revisionInfo.xml><?xml version="1.0" encoding="utf-8"?>
+<p1510:revInfo xmlns:a="http://schemas.openxmlformats.org/drawingml/2006/main" xmlns:r="http://schemas.openxmlformats.org/officeDocument/2006/relationships" xmlns:p1510="http://schemas.microsoft.com/office/powerpoint/2015/10/main"/>
 </file>
 
 <file path=ppt/slideLayouts/slideLayout1.xml><?xml version="1.0" encoding="utf-8"?>
@@ -868,7 +873,7 @@
           <a:p>
             <a:fld id="{076F629C-99DC-4EB9-9C91-324E212D9F24}" type="datetimeFigureOut">
               <a:rPr lang="en-US" smtClean="0"/>
-              <a:t>17-Nov-17</a:t>
+              <a:t>18-Nov-17</a:t>
             </a:fld>
             <a:endParaRPr lang="en-US"/>
           </a:p>
@@ -1119,7 +1124,7 @@
           <a:p>
             <a:fld id="{076F629C-99DC-4EB9-9C91-324E212D9F24}" type="datetimeFigureOut">
               <a:rPr lang="en-US" smtClean="0"/>
-              <a:t>17-Nov-17</a:t>
+              <a:t>18-Nov-17</a:t>
             </a:fld>
             <a:endParaRPr lang="en-US"/>
           </a:p>
@@ -1433,7 +1438,7 @@
           <a:p>
             <a:fld id="{076F629C-99DC-4EB9-9C91-324E212D9F24}" type="datetimeFigureOut">
               <a:rPr lang="en-US" smtClean="0"/>
-              <a:t>17-Nov-17</a:t>
+              <a:t>18-Nov-17</a:t>
             </a:fld>
             <a:endParaRPr lang="en-US"/>
           </a:p>
@@ -1774,7 +1779,7 @@
           <a:p>
             <a:fld id="{076F629C-99DC-4EB9-9C91-324E212D9F24}" type="datetimeFigureOut">
               <a:rPr lang="en-US" smtClean="0"/>
-              <a:t>17-Nov-17</a:t>
+              <a:t>18-Nov-17</a:t>
             </a:fld>
             <a:endParaRPr lang="en-US"/>
           </a:p>
@@ -2088,7 +2093,7 @@
           <a:p>
             <a:fld id="{076F629C-99DC-4EB9-9C91-324E212D9F24}" type="datetimeFigureOut">
               <a:rPr lang="en-US" smtClean="0"/>
-              <a:t>17-Nov-17</a:t>
+              <a:t>18-Nov-17</a:t>
             </a:fld>
             <a:endParaRPr lang="en-US"/>
           </a:p>
@@ -2481,7 +2486,7 @@
           <a:p>
             <a:fld id="{076F629C-99DC-4EB9-9C91-324E212D9F24}" type="datetimeFigureOut">
               <a:rPr lang="en-US" smtClean="0"/>
-              <a:t>17-Nov-17</a:t>
+              <a:t>18-Nov-17</a:t>
             </a:fld>
             <a:endParaRPr lang="en-US"/>
           </a:p>
@@ -2651,7 +2656,7 @@
           <a:p>
             <a:fld id="{076F629C-99DC-4EB9-9C91-324E212D9F24}" type="datetimeFigureOut">
               <a:rPr lang="en-US" smtClean="0"/>
-              <a:t>17-Nov-17</a:t>
+              <a:t>18-Nov-17</a:t>
             </a:fld>
             <a:endParaRPr lang="en-US"/>
           </a:p>
@@ -2831,7 +2836,7 @@
           <a:p>
             <a:fld id="{076F629C-99DC-4EB9-9C91-324E212D9F24}" type="datetimeFigureOut">
               <a:rPr lang="en-US" smtClean="0"/>
-              <a:t>17-Nov-17</a:t>
+              <a:t>18-Nov-17</a:t>
             </a:fld>
             <a:endParaRPr lang="en-US"/>
           </a:p>
@@ -3007,7 +3012,7 @@
           <a:p>
             <a:fld id="{076F629C-99DC-4EB9-9C91-324E212D9F24}" type="datetimeFigureOut">
               <a:rPr lang="en-US" smtClean="0"/>
-              <a:t>17-Nov-17</a:t>
+              <a:t>18-Nov-17</a:t>
             </a:fld>
             <a:endParaRPr lang="en-US"/>
           </a:p>
@@ -3254,7 +3259,7 @@
           <a:p>
             <a:fld id="{076F629C-99DC-4EB9-9C91-324E212D9F24}" type="datetimeFigureOut">
               <a:rPr lang="en-US" smtClean="0"/>
-              <a:t>17-Nov-17</a:t>
+              <a:t>18-Nov-17</a:t>
             </a:fld>
             <a:endParaRPr lang="en-US"/>
           </a:p>
@@ -3486,7 +3491,7 @@
           <a:p>
             <a:fld id="{076F629C-99DC-4EB9-9C91-324E212D9F24}" type="datetimeFigureOut">
               <a:rPr lang="en-US" smtClean="0"/>
-              <a:t>17-Nov-17</a:t>
+              <a:t>18-Nov-17</a:t>
             </a:fld>
             <a:endParaRPr lang="en-US"/>
           </a:p>
@@ -3860,7 +3865,7 @@
           <a:p>
             <a:fld id="{076F629C-99DC-4EB9-9C91-324E212D9F24}" type="datetimeFigureOut">
               <a:rPr lang="en-US" smtClean="0"/>
-              <a:t>17-Nov-17</a:t>
+              <a:t>18-Nov-17</a:t>
             </a:fld>
             <a:endParaRPr lang="en-US"/>
           </a:p>
@@ -3983,7 +3988,7 @@
           <a:p>
             <a:fld id="{076F629C-99DC-4EB9-9C91-324E212D9F24}" type="datetimeFigureOut">
               <a:rPr lang="en-US" smtClean="0"/>
-              <a:t>17-Nov-17</a:t>
+              <a:t>18-Nov-17</a:t>
             </a:fld>
             <a:endParaRPr lang="en-US"/>
           </a:p>
@@ -4078,7 +4083,7 @@
           <a:p>
             <a:fld id="{076F629C-99DC-4EB9-9C91-324E212D9F24}" type="datetimeFigureOut">
               <a:rPr lang="en-US" smtClean="0"/>
-              <a:t>17-Nov-17</a:t>
+              <a:t>18-Nov-17</a:t>
             </a:fld>
             <a:endParaRPr lang="en-US"/>
           </a:p>
@@ -4333,7 +4338,7 @@
           <a:p>
             <a:fld id="{076F629C-99DC-4EB9-9C91-324E212D9F24}" type="datetimeFigureOut">
               <a:rPr lang="en-US" smtClean="0"/>
-              <a:t>17-Nov-17</a:t>
+              <a:t>18-Nov-17</a:t>
             </a:fld>
             <a:endParaRPr lang="en-US"/>
           </a:p>
@@ -4596,7 +4601,7 @@
           <a:p>
             <a:fld id="{076F629C-99DC-4EB9-9C91-324E212D9F24}" type="datetimeFigureOut">
               <a:rPr lang="en-US" smtClean="0"/>
-              <a:t>17-Nov-17</a:t>
+              <a:t>18-Nov-17</a:t>
             </a:fld>
             <a:endParaRPr lang="en-US"/>
           </a:p>
@@ -5339,7 +5344,7 @@
           <a:p>
             <a:fld id="{076F629C-99DC-4EB9-9C91-324E212D9F24}" type="datetimeFigureOut">
               <a:rPr lang="en-US" smtClean="0"/>
-              <a:t>17-Nov-17</a:t>
+              <a:t>18-Nov-17</a:t>
             </a:fld>
             <a:endParaRPr lang="en-US"/>
           </a:p>
@@ -6287,8 +6292,8 @@
         </p:nvSpPr>
         <p:spPr>
           <a:xfrm>
-            <a:off x="4393251" y="4980137"/>
-            <a:ext cx="4924746" cy="1384995"/>
+            <a:off x="4462181" y="4980137"/>
+            <a:ext cx="4786888" cy="1384995"/>
           </a:xfrm>
           <a:prstGeom prst="rect">
             <a:avLst/>
@@ -6318,7 +6323,7 @@
                   <a:srgbClr val="00B050"/>
                 </a:solidFill>
               </a:rPr>
-              <a:t>Th.S</a:t>
+              <a:t>Ths</a:t>
             </a:r>
             <a:r>
               <a:rPr lang="en-US" sz="2800" b="1" dirty="0">
@@ -10640,6 +10645,136 @@
           <p:cNvPr id="2" name="Title 1">
             <a:extLst>
               <a:ext uri="{FF2B5EF4-FFF2-40B4-BE49-F238E27FC236}">
+                <a16:creationId xmlns:a16="http://schemas.microsoft.com/office/drawing/2014/main" id="{3C098FC3-5BFB-4872-BE90-715E33B42129}"/>
+              </a:ext>
+            </a:extLst>
+          </p:cNvPr>
+          <p:cNvSpPr>
+            <a:spLocks noGrp="1"/>
+          </p:cNvSpPr>
+          <p:nvPr>
+            <p:ph type="title"/>
+          </p:nvPr>
+        </p:nvSpPr>
+        <p:spPr/>
+        <p:txBody>
+          <a:bodyPr/>
+          <a:lstStyle/>
+          <a:p>
+            <a:r>
+              <a:rPr lang="en-US" dirty="0"/>
+              <a:t>IV. DEMO</a:t>
+            </a:r>
+          </a:p>
+        </p:txBody>
+      </p:sp>
+      <p:pic>
+        <p:nvPicPr>
+          <p:cNvPr id="5" name="Picture 4">
+            <a:extLst>
+              <a:ext uri="{FF2B5EF4-FFF2-40B4-BE49-F238E27FC236}">
+                <a16:creationId xmlns:a16="http://schemas.microsoft.com/office/drawing/2014/main" id="{D2A48AA5-2A02-495B-AEFA-2CE6191AC712}"/>
+              </a:ext>
+            </a:extLst>
+          </p:cNvPr>
+          <p:cNvPicPr>
+            <a:picLocks noChangeAspect="1"/>
+          </p:cNvPicPr>
+          <p:nvPr/>
+        </p:nvPicPr>
+        <p:blipFill>
+          <a:blip r:embed="rId2">
+            <a:extLst>
+              <a:ext uri="{28A0092B-C50C-407E-A947-70E740481C1C}">
+                <a14:useLocalDpi xmlns:a14="http://schemas.microsoft.com/office/drawing/2010/main" val="0"/>
+              </a:ext>
+            </a:extLst>
+          </a:blip>
+          <a:stretch>
+            <a:fillRect/>
+          </a:stretch>
+        </p:blipFill>
+        <p:spPr>
+          <a:xfrm>
+            <a:off x="1305515" y="1270000"/>
+            <a:ext cx="3224965" cy="5588000"/>
+          </a:xfrm>
+          <a:prstGeom prst="rect">
+            <a:avLst/>
+          </a:prstGeom>
+        </p:spPr>
+      </p:pic>
+      <p:pic>
+        <p:nvPicPr>
+          <p:cNvPr id="7" name="Picture 6">
+            <a:extLst>
+              <a:ext uri="{FF2B5EF4-FFF2-40B4-BE49-F238E27FC236}">
+                <a16:creationId xmlns:a16="http://schemas.microsoft.com/office/drawing/2014/main" id="{1A057C2D-7F53-4E15-B7C9-23BF397D7352}"/>
+              </a:ext>
+            </a:extLst>
+          </p:cNvPr>
+          <p:cNvPicPr>
+            <a:picLocks noChangeAspect="1"/>
+          </p:cNvPicPr>
+          <p:nvPr/>
+        </p:nvPicPr>
+        <p:blipFill>
+          <a:blip r:embed="rId3">
+            <a:extLst>
+              <a:ext uri="{28A0092B-C50C-407E-A947-70E740481C1C}">
+                <a14:useLocalDpi xmlns:a14="http://schemas.microsoft.com/office/drawing/2010/main" val="0"/>
+              </a:ext>
+            </a:extLst>
+          </a:blip>
+          <a:stretch>
+            <a:fillRect/>
+          </a:stretch>
+        </p:blipFill>
+        <p:spPr>
+          <a:xfrm>
+            <a:off x="5064738" y="1270000"/>
+            <a:ext cx="3224965" cy="5505719"/>
+          </a:xfrm>
+          <a:prstGeom prst="rect">
+            <a:avLst/>
+          </a:prstGeom>
+        </p:spPr>
+      </p:pic>
+    </p:spTree>
+    <p:extLst>
+      <p:ext uri="{BB962C8B-B14F-4D97-AF65-F5344CB8AC3E}">
+        <p14:creationId xmlns:p14="http://schemas.microsoft.com/office/powerpoint/2010/main" val="1730101928"/>
+      </p:ext>
+    </p:extLst>
+  </p:cSld>
+  <p:clrMapOvr>
+    <a:masterClrMapping/>
+  </p:clrMapOvr>
+</p:sld>
+</file>
+
+<file path=ppt/slides/slide21.xml><?xml version="1.0" encoding="utf-8"?>
+<p:sld xmlns:a="http://schemas.openxmlformats.org/drawingml/2006/main" xmlns:r="http://schemas.openxmlformats.org/officeDocument/2006/relationships" xmlns:p="http://schemas.openxmlformats.org/presentationml/2006/main">
+  <p:cSld>
+    <p:spTree>
+      <p:nvGrpSpPr>
+        <p:cNvPr id="1" name=""/>
+        <p:cNvGrpSpPr/>
+        <p:nvPr/>
+      </p:nvGrpSpPr>
+      <p:grpSpPr>
+        <a:xfrm>
+          <a:off x="0" y="0"/>
+          <a:ext cx="0" cy="0"/>
+          <a:chOff x="0" y="0"/>
+          <a:chExt cx="0" cy="0"/>
+        </a:xfrm>
+      </p:grpSpPr>
+      <p:sp>
+        <p:nvSpPr>
+          <p:cNvPr id="2" name="Title 1">
+            <a:extLst>
+              <a:ext uri="{FF2B5EF4-FFF2-40B4-BE49-F238E27FC236}">
                 <a16:creationId xmlns:a16="http://schemas.microsoft.com/office/drawing/2014/main" id="{D980F470-DAD4-4BCA-8A3D-4B98F7EADCA8}"/>
               </a:ext>
             </a:extLst>
@@ -10789,7 +10924,7 @@
 </p:sld>
 </file>
 
-<file path=ppt/slides/slide21.xml><?xml version="1.0" encoding="utf-8"?>
+<file path=ppt/slides/slide22.xml><?xml version="1.0" encoding="utf-8"?>
 <p:sld xmlns:a="http://schemas.openxmlformats.org/drawingml/2006/main" xmlns:r="http://schemas.openxmlformats.org/officeDocument/2006/relationships" xmlns:p="http://schemas.openxmlformats.org/presentationml/2006/main">
   <p:cSld>
     <p:spTree>
@@ -10921,7 +11056,7 @@
 </p:sld>
 </file>
 
-<file path=ppt/slides/slide22.xml><?xml version="1.0" encoding="utf-8"?>
+<file path=ppt/slides/slide23.xml><?xml version="1.0" encoding="utf-8"?>
 <p:sld xmlns:a="http://schemas.openxmlformats.org/drawingml/2006/main" xmlns:r="http://schemas.openxmlformats.org/officeDocument/2006/relationships" xmlns:p="http://schemas.openxmlformats.org/presentationml/2006/main">
   <p:cSld>
     <p:spTree>
@@ -11089,7 +11224,7 @@
 </p:sld>
 </file>
 
-<file path=ppt/slides/slide23.xml><?xml version="1.0" encoding="utf-8"?>
+<file path=ppt/slides/slide24.xml><?xml version="1.0" encoding="utf-8"?>
 <p:sld xmlns:a="http://schemas.openxmlformats.org/drawingml/2006/main" xmlns:r="http://schemas.openxmlformats.org/officeDocument/2006/relationships" xmlns:p="http://schemas.openxmlformats.org/presentationml/2006/main">
   <p:cSld>
     <p:spTree>
@@ -11185,7 +11320,7 @@
 </p:sld>
 </file>
 
-<file path=ppt/slides/slide24.xml><?xml version="1.0" encoding="utf-8"?>
+<file path=ppt/slides/slide25.xml><?xml version="1.0" encoding="utf-8"?>
 <p:sld xmlns:a="http://schemas.openxmlformats.org/drawingml/2006/main" xmlns:r="http://schemas.openxmlformats.org/officeDocument/2006/relationships" xmlns:p="http://schemas.openxmlformats.org/presentationml/2006/main">
   <p:cSld>
     <p:spTree>

--- a/Presentation-LuanVan.pptx
+++ b/Presentation-LuanVan.pptx
@@ -22,14 +22,17 @@
     <p:sldId id="266" r:id="rId16"/>
     <p:sldId id="267" r:id="rId17"/>
     <p:sldId id="269" r:id="rId18"/>
-    <p:sldId id="268" r:id="rId19"/>
-    <p:sldId id="277" r:id="rId20"/>
-    <p:sldId id="282" r:id="rId21"/>
-    <p:sldId id="275" r:id="rId22"/>
-    <p:sldId id="279" r:id="rId23"/>
-    <p:sldId id="280" r:id="rId24"/>
-    <p:sldId id="281" r:id="rId25"/>
-    <p:sldId id="278" r:id="rId26"/>
+    <p:sldId id="283" r:id="rId19"/>
+    <p:sldId id="284" r:id="rId20"/>
+    <p:sldId id="285" r:id="rId21"/>
+    <p:sldId id="268" r:id="rId22"/>
+    <p:sldId id="277" r:id="rId23"/>
+    <p:sldId id="282" r:id="rId24"/>
+    <p:sldId id="275" r:id="rId25"/>
+    <p:sldId id="279" r:id="rId26"/>
+    <p:sldId id="280" r:id="rId27"/>
+    <p:sldId id="281" r:id="rId28"/>
+    <p:sldId id="278" r:id="rId29"/>
   </p:sldIdLst>
   <p:sldSz cx="12192000" cy="6858000"/>
   <p:notesSz cx="6858000" cy="9144000"/>
@@ -873,7 +876,7 @@
           <a:p>
             <a:fld id="{076F629C-99DC-4EB9-9C91-324E212D9F24}" type="datetimeFigureOut">
               <a:rPr lang="en-US" smtClean="0"/>
-              <a:t>18-Nov-17</a:t>
+              <a:t>20-Nov-17</a:t>
             </a:fld>
             <a:endParaRPr lang="en-US"/>
           </a:p>
@@ -1124,7 +1127,7 @@
           <a:p>
             <a:fld id="{076F629C-99DC-4EB9-9C91-324E212D9F24}" type="datetimeFigureOut">
               <a:rPr lang="en-US" smtClean="0"/>
-              <a:t>18-Nov-17</a:t>
+              <a:t>20-Nov-17</a:t>
             </a:fld>
             <a:endParaRPr lang="en-US"/>
           </a:p>
@@ -1438,7 +1441,7 @@
           <a:p>
             <a:fld id="{076F629C-99DC-4EB9-9C91-324E212D9F24}" type="datetimeFigureOut">
               <a:rPr lang="en-US" smtClean="0"/>
-              <a:t>18-Nov-17</a:t>
+              <a:t>20-Nov-17</a:t>
             </a:fld>
             <a:endParaRPr lang="en-US"/>
           </a:p>
@@ -1779,7 +1782,7 @@
           <a:p>
             <a:fld id="{076F629C-99DC-4EB9-9C91-324E212D9F24}" type="datetimeFigureOut">
               <a:rPr lang="en-US" smtClean="0"/>
-              <a:t>18-Nov-17</a:t>
+              <a:t>20-Nov-17</a:t>
             </a:fld>
             <a:endParaRPr lang="en-US"/>
           </a:p>
@@ -2093,7 +2096,7 @@
           <a:p>
             <a:fld id="{076F629C-99DC-4EB9-9C91-324E212D9F24}" type="datetimeFigureOut">
               <a:rPr lang="en-US" smtClean="0"/>
-              <a:t>18-Nov-17</a:t>
+              <a:t>20-Nov-17</a:t>
             </a:fld>
             <a:endParaRPr lang="en-US"/>
           </a:p>
@@ -2486,7 +2489,7 @@
           <a:p>
             <a:fld id="{076F629C-99DC-4EB9-9C91-324E212D9F24}" type="datetimeFigureOut">
               <a:rPr lang="en-US" smtClean="0"/>
-              <a:t>18-Nov-17</a:t>
+              <a:t>20-Nov-17</a:t>
             </a:fld>
             <a:endParaRPr lang="en-US"/>
           </a:p>
@@ -2656,7 +2659,7 @@
           <a:p>
             <a:fld id="{076F629C-99DC-4EB9-9C91-324E212D9F24}" type="datetimeFigureOut">
               <a:rPr lang="en-US" smtClean="0"/>
-              <a:t>18-Nov-17</a:t>
+              <a:t>20-Nov-17</a:t>
             </a:fld>
             <a:endParaRPr lang="en-US"/>
           </a:p>
@@ -2836,7 +2839,7 @@
           <a:p>
             <a:fld id="{076F629C-99DC-4EB9-9C91-324E212D9F24}" type="datetimeFigureOut">
               <a:rPr lang="en-US" smtClean="0"/>
-              <a:t>18-Nov-17</a:t>
+              <a:t>20-Nov-17</a:t>
             </a:fld>
             <a:endParaRPr lang="en-US"/>
           </a:p>
@@ -3012,7 +3015,7 @@
           <a:p>
             <a:fld id="{076F629C-99DC-4EB9-9C91-324E212D9F24}" type="datetimeFigureOut">
               <a:rPr lang="en-US" smtClean="0"/>
-              <a:t>18-Nov-17</a:t>
+              <a:t>20-Nov-17</a:t>
             </a:fld>
             <a:endParaRPr lang="en-US"/>
           </a:p>
@@ -3259,7 +3262,7 @@
           <a:p>
             <a:fld id="{076F629C-99DC-4EB9-9C91-324E212D9F24}" type="datetimeFigureOut">
               <a:rPr lang="en-US" smtClean="0"/>
-              <a:t>18-Nov-17</a:t>
+              <a:t>20-Nov-17</a:t>
             </a:fld>
             <a:endParaRPr lang="en-US"/>
           </a:p>
@@ -3491,7 +3494,7 @@
           <a:p>
             <a:fld id="{076F629C-99DC-4EB9-9C91-324E212D9F24}" type="datetimeFigureOut">
               <a:rPr lang="en-US" smtClean="0"/>
-              <a:t>18-Nov-17</a:t>
+              <a:t>20-Nov-17</a:t>
             </a:fld>
             <a:endParaRPr lang="en-US"/>
           </a:p>
@@ -3865,7 +3868,7 @@
           <a:p>
             <a:fld id="{076F629C-99DC-4EB9-9C91-324E212D9F24}" type="datetimeFigureOut">
               <a:rPr lang="en-US" smtClean="0"/>
-              <a:t>18-Nov-17</a:t>
+              <a:t>20-Nov-17</a:t>
             </a:fld>
             <a:endParaRPr lang="en-US"/>
           </a:p>
@@ -3988,7 +3991,7 @@
           <a:p>
             <a:fld id="{076F629C-99DC-4EB9-9C91-324E212D9F24}" type="datetimeFigureOut">
               <a:rPr lang="en-US" smtClean="0"/>
-              <a:t>18-Nov-17</a:t>
+              <a:t>20-Nov-17</a:t>
             </a:fld>
             <a:endParaRPr lang="en-US"/>
           </a:p>
@@ -4083,7 +4086,7 @@
           <a:p>
             <a:fld id="{076F629C-99DC-4EB9-9C91-324E212D9F24}" type="datetimeFigureOut">
               <a:rPr lang="en-US" smtClean="0"/>
-              <a:t>18-Nov-17</a:t>
+              <a:t>20-Nov-17</a:t>
             </a:fld>
             <a:endParaRPr lang="en-US"/>
           </a:p>
@@ -4338,7 +4341,7 @@
           <a:p>
             <a:fld id="{076F629C-99DC-4EB9-9C91-324E212D9F24}" type="datetimeFigureOut">
               <a:rPr lang="en-US" smtClean="0"/>
-              <a:t>18-Nov-17</a:t>
+              <a:t>20-Nov-17</a:t>
             </a:fld>
             <a:endParaRPr lang="en-US"/>
           </a:p>
@@ -4601,7 +4604,7 @@
           <a:p>
             <a:fld id="{076F629C-99DC-4EB9-9C91-324E212D9F24}" type="datetimeFigureOut">
               <a:rPr lang="en-US" smtClean="0"/>
-              <a:t>18-Nov-17</a:t>
+              <a:t>20-Nov-17</a:t>
             </a:fld>
             <a:endParaRPr lang="en-US"/>
           </a:p>
@@ -5344,7 +5347,7 @@
           <a:p>
             <a:fld id="{076F629C-99DC-4EB9-9C91-324E212D9F24}" type="datetimeFigureOut">
               <a:rPr lang="en-US" smtClean="0"/>
-              <a:t>18-Nov-17</a:t>
+              <a:t>20-Nov-17</a:t>
             </a:fld>
             <a:endParaRPr lang="en-US"/>
           </a:p>
@@ -6465,15 +6468,7 @@
             </a:r>
             <a:r>
               <a:rPr lang="en-US" sz="4500" dirty="0"/>
-              <a:t> </a:t>
-            </a:r>
-            <a:r>
-              <a:rPr lang="en-US" sz="4500" dirty="0" err="1"/>
-              <a:t>sở</a:t>
-            </a:r>
-            <a:r>
-              <a:rPr lang="en-US" sz="4500" dirty="0"/>
-              <a:t> </a:t>
+              <a:t> ` </a:t>
             </a:r>
             <a:r>
               <a:rPr lang="en-US" sz="4500" dirty="0" err="1"/>
@@ -8240,7 +8235,12 @@
             <p:ph idx="1"/>
           </p:nvPr>
         </p:nvSpPr>
-        <p:spPr/>
+        <p:spPr>
+          <a:xfrm>
+            <a:off x="677334" y="1488613"/>
+            <a:ext cx="8596668" cy="3880773"/>
+          </a:xfrm>
+        </p:spPr>
         <p:txBody>
           <a:bodyPr>
             <a:noAutofit/>
@@ -10064,6 +10064,701 @@
           <p:cNvPr id="2" name="Title 1">
             <a:extLst>
               <a:ext uri="{FF2B5EF4-FFF2-40B4-BE49-F238E27FC236}">
+                <a16:creationId xmlns:a16="http://schemas.microsoft.com/office/drawing/2014/main" id="{AFE1A62E-F835-4CEE-AF95-8B821798C43A}"/>
+              </a:ext>
+            </a:extLst>
+          </p:cNvPr>
+          <p:cNvSpPr>
+            <a:spLocks noGrp="1"/>
+          </p:cNvSpPr>
+          <p:nvPr>
+            <p:ph type="title"/>
+          </p:nvPr>
+        </p:nvSpPr>
+        <p:spPr/>
+        <p:txBody>
+          <a:bodyPr/>
+          <a:lstStyle/>
+          <a:p>
+            <a:r>
+              <a:rPr lang="en-US" dirty="0"/>
+              <a:t>IV. </a:t>
+            </a:r>
+            <a:r>
+              <a:rPr lang="en-US" dirty="0" err="1"/>
+              <a:t>Xây</a:t>
+            </a:r>
+            <a:r>
+              <a:rPr lang="en-US" dirty="0"/>
+              <a:t> </a:t>
+            </a:r>
+            <a:r>
+              <a:rPr lang="en-US" dirty="0" err="1"/>
+              <a:t>dựng</a:t>
+            </a:r>
+            <a:r>
+              <a:rPr lang="en-US" dirty="0"/>
+              <a:t> </a:t>
+            </a:r>
+            <a:r>
+              <a:rPr lang="en-US" dirty="0" err="1"/>
+              <a:t>các</a:t>
+            </a:r>
+            <a:r>
+              <a:rPr lang="en-US" dirty="0"/>
+              <a:t> API server</a:t>
+            </a:r>
+          </a:p>
+        </p:txBody>
+      </p:sp>
+      <p:pic>
+        <p:nvPicPr>
+          <p:cNvPr id="4" name="Picture 3">
+            <a:extLst>
+              <a:ext uri="{FF2B5EF4-FFF2-40B4-BE49-F238E27FC236}">
+                <a16:creationId xmlns:a16="http://schemas.microsoft.com/office/drawing/2014/main" id="{690937A3-3EC2-4FE9-AC84-077D072DD5E1}"/>
+              </a:ext>
+            </a:extLst>
+          </p:cNvPr>
+          <p:cNvPicPr>
+            <a:picLocks noChangeAspect="1"/>
+          </p:cNvPicPr>
+          <p:nvPr/>
+        </p:nvPicPr>
+        <p:blipFill>
+          <a:blip r:embed="rId2">
+            <a:extLst>
+              <a:ext uri="{28A0092B-C50C-407E-A947-70E740481C1C}">
+                <a14:useLocalDpi xmlns:a14="http://schemas.microsoft.com/office/drawing/2010/main" val="0"/>
+              </a:ext>
+            </a:extLst>
+          </a:blip>
+          <a:stretch>
+            <a:fillRect/>
+          </a:stretch>
+        </p:blipFill>
+        <p:spPr>
+          <a:xfrm>
+            <a:off x="1513500" y="1780102"/>
+            <a:ext cx="7760502" cy="4107690"/>
+          </a:xfrm>
+          <a:prstGeom prst="rect">
+            <a:avLst/>
+          </a:prstGeom>
+        </p:spPr>
+      </p:pic>
+    </p:spTree>
+    <p:extLst>
+      <p:ext uri="{BB962C8B-B14F-4D97-AF65-F5344CB8AC3E}">
+        <p14:creationId xmlns:p14="http://schemas.microsoft.com/office/powerpoint/2010/main" val="4042215011"/>
+      </p:ext>
+    </p:extLst>
+  </p:cSld>
+  <p:clrMapOvr>
+    <a:masterClrMapping/>
+  </p:clrMapOvr>
+</p:sld>
+</file>
+
+<file path=ppt/slides/slide19.xml><?xml version="1.0" encoding="utf-8"?>
+<p:sld xmlns:a="http://schemas.openxmlformats.org/drawingml/2006/main" xmlns:r="http://schemas.openxmlformats.org/officeDocument/2006/relationships" xmlns:p="http://schemas.openxmlformats.org/presentationml/2006/main">
+  <p:cSld>
+    <p:spTree>
+      <p:nvGrpSpPr>
+        <p:cNvPr id="1" name=""/>
+        <p:cNvGrpSpPr/>
+        <p:nvPr/>
+      </p:nvGrpSpPr>
+      <p:grpSpPr>
+        <a:xfrm>
+          <a:off x="0" y="0"/>
+          <a:ext cx="0" cy="0"/>
+          <a:chOff x="0" y="0"/>
+          <a:chExt cx="0" cy="0"/>
+        </a:xfrm>
+      </p:grpSpPr>
+      <p:sp>
+        <p:nvSpPr>
+          <p:cNvPr id="2" name="Title 1">
+            <a:extLst>
+              <a:ext uri="{FF2B5EF4-FFF2-40B4-BE49-F238E27FC236}">
+                <a16:creationId xmlns:a16="http://schemas.microsoft.com/office/drawing/2014/main" id="{795EB0B1-DCCE-4CB8-B174-399E52449EDE}"/>
+              </a:ext>
+            </a:extLst>
+          </p:cNvPr>
+          <p:cNvSpPr>
+            <a:spLocks noGrp="1"/>
+          </p:cNvSpPr>
+          <p:nvPr>
+            <p:ph type="title"/>
+          </p:nvPr>
+        </p:nvSpPr>
+        <p:spPr/>
+        <p:txBody>
+          <a:bodyPr/>
+          <a:lstStyle/>
+          <a:p>
+            <a:r>
+              <a:rPr lang="en-US" dirty="0"/>
+              <a:t>IV. </a:t>
+            </a:r>
+            <a:r>
+              <a:rPr lang="en-US" dirty="0" err="1"/>
+              <a:t>Xây</a:t>
+            </a:r>
+            <a:r>
+              <a:rPr lang="en-US" dirty="0"/>
+              <a:t> </a:t>
+            </a:r>
+            <a:r>
+              <a:rPr lang="en-US" dirty="0" err="1"/>
+              <a:t>dựng</a:t>
+            </a:r>
+            <a:r>
+              <a:rPr lang="en-US" dirty="0"/>
+              <a:t> </a:t>
+            </a:r>
+            <a:r>
+              <a:rPr lang="en-US" dirty="0" err="1"/>
+              <a:t>các</a:t>
+            </a:r>
+            <a:r>
+              <a:rPr lang="en-US" dirty="0"/>
+              <a:t> API server</a:t>
+            </a:r>
+          </a:p>
+        </p:txBody>
+      </p:sp>
+      <p:pic>
+        <p:nvPicPr>
+          <p:cNvPr id="4" name="Picture 3">
+            <a:extLst>
+              <a:ext uri="{FF2B5EF4-FFF2-40B4-BE49-F238E27FC236}">
+                <a16:creationId xmlns:a16="http://schemas.microsoft.com/office/drawing/2014/main" id="{35AF7415-D674-4436-AAA8-77FB19A9D7F7}"/>
+              </a:ext>
+            </a:extLst>
+          </p:cNvPr>
+          <p:cNvPicPr/>
+          <p:nvPr/>
+        </p:nvPicPr>
+        <p:blipFill>
+          <a:blip r:embed="rId2">
+            <a:extLst>
+              <a:ext uri="{28A0092B-C50C-407E-A947-70E740481C1C}">
+                <a14:useLocalDpi xmlns:a14="http://schemas.microsoft.com/office/drawing/2010/main" val="0"/>
+              </a:ext>
+            </a:extLst>
+          </a:blip>
+          <a:srcRect/>
+          <a:stretch>
+            <a:fillRect/>
+          </a:stretch>
+        </p:blipFill>
+        <p:spPr bwMode="auto">
+          <a:xfrm>
+            <a:off x="1957584" y="1270000"/>
+            <a:ext cx="6036167" cy="4744434"/>
+          </a:xfrm>
+          <a:prstGeom prst="rect">
+            <a:avLst/>
+          </a:prstGeom>
+          <a:noFill/>
+          <a:ln>
+            <a:noFill/>
+          </a:ln>
+        </p:spPr>
+      </p:pic>
+    </p:spTree>
+    <p:extLst>
+      <p:ext uri="{BB962C8B-B14F-4D97-AF65-F5344CB8AC3E}">
+        <p14:creationId xmlns:p14="http://schemas.microsoft.com/office/powerpoint/2010/main" val="1807350310"/>
+      </p:ext>
+    </p:extLst>
+  </p:cSld>
+  <p:clrMapOvr>
+    <a:masterClrMapping/>
+  </p:clrMapOvr>
+</p:sld>
+</file>
+
+<file path=ppt/slides/slide2.xml><?xml version="1.0" encoding="utf-8"?>
+<p:sld xmlns:a="http://schemas.openxmlformats.org/drawingml/2006/main" xmlns:r="http://schemas.openxmlformats.org/officeDocument/2006/relationships" xmlns:p="http://schemas.openxmlformats.org/presentationml/2006/main">
+  <p:cSld>
+    <p:spTree>
+      <p:nvGrpSpPr>
+        <p:cNvPr id="1" name=""/>
+        <p:cNvGrpSpPr/>
+        <p:nvPr/>
+      </p:nvGrpSpPr>
+      <p:grpSpPr>
+        <a:xfrm>
+          <a:off x="0" y="0"/>
+          <a:ext cx="0" cy="0"/>
+          <a:chOff x="0" y="0"/>
+          <a:chExt cx="0" cy="0"/>
+        </a:xfrm>
+      </p:grpSpPr>
+      <p:sp>
+        <p:nvSpPr>
+          <p:cNvPr id="2" name="Title 1">
+            <a:extLst>
+              <a:ext uri="{FF2B5EF4-FFF2-40B4-BE49-F238E27FC236}">
+                <a16:creationId xmlns:a16="http://schemas.microsoft.com/office/drawing/2014/main" id="{5A2BA15D-B461-4C94-8217-9961C69F1748}"/>
+              </a:ext>
+            </a:extLst>
+          </p:cNvPr>
+          <p:cNvSpPr>
+            <a:spLocks noGrp="1"/>
+          </p:cNvSpPr>
+          <p:nvPr>
+            <p:ph type="title"/>
+          </p:nvPr>
+        </p:nvSpPr>
+        <p:spPr>
+          <a:xfrm>
+            <a:off x="677335" y="609600"/>
+            <a:ext cx="8596668" cy="5912224"/>
+          </a:xfrm>
+        </p:spPr>
+        <p:txBody>
+          <a:bodyPr>
+            <a:noAutofit/>
+          </a:bodyPr>
+          <a:lstStyle/>
+          <a:p>
+            <a:r>
+              <a:rPr lang="en-US" sz="3600" dirty="0"/>
+              <a:t>I. </a:t>
+            </a:r>
+            <a:r>
+              <a:rPr lang="en-US" sz="3600" dirty="0" err="1"/>
+              <a:t>Mô</a:t>
+            </a:r>
+            <a:r>
+              <a:rPr lang="en-US" sz="3600" dirty="0"/>
+              <a:t> </a:t>
+            </a:r>
+            <a:r>
+              <a:rPr lang="en-US" sz="3600" dirty="0" err="1"/>
+              <a:t>tả</a:t>
+            </a:r>
+            <a:r>
+              <a:rPr lang="en-US" sz="3600" dirty="0"/>
+              <a:t> </a:t>
+            </a:r>
+            <a:r>
+              <a:rPr lang="en-US" sz="3600" dirty="0" err="1"/>
+              <a:t>tổng</a:t>
+            </a:r>
+            <a:r>
+              <a:rPr lang="en-US" sz="3600" dirty="0"/>
+              <a:t> </a:t>
+            </a:r>
+            <a:r>
+              <a:rPr lang="en-US" sz="3600" dirty="0" err="1"/>
+              <a:t>quan</a:t>
+            </a:r>
+            <a:br>
+              <a:rPr lang="en-US" sz="3600" dirty="0"/>
+            </a:br>
+            <a:r>
+              <a:rPr lang="en-US" sz="3600" dirty="0"/>
+              <a:t>	1. </a:t>
+            </a:r>
+            <a:r>
+              <a:rPr lang="en-US" sz="3600" dirty="0" err="1"/>
+              <a:t>Bối</a:t>
+            </a:r>
+            <a:r>
+              <a:rPr lang="en-US" sz="3600" dirty="0"/>
+              <a:t> </a:t>
+            </a:r>
+            <a:r>
+              <a:rPr lang="en-US" sz="3600" dirty="0" err="1"/>
+              <a:t>cảnh</a:t>
+            </a:r>
+            <a:r>
+              <a:rPr lang="en-US" sz="3600" dirty="0"/>
+              <a:t> </a:t>
+            </a:r>
+            <a:r>
+              <a:rPr lang="en-US" sz="3600" dirty="0" err="1"/>
+              <a:t>sản</a:t>
+            </a:r>
+            <a:r>
+              <a:rPr lang="en-US" sz="3600" dirty="0"/>
+              <a:t> </a:t>
+            </a:r>
+            <a:r>
+              <a:rPr lang="en-US" sz="3600" dirty="0" err="1"/>
+              <a:t>phẩm</a:t>
+            </a:r>
+            <a:br>
+              <a:rPr lang="en-US" sz="3600" dirty="0"/>
+            </a:br>
+            <a:r>
+              <a:rPr lang="en-US" sz="3600" dirty="0"/>
+              <a:t>	2. </a:t>
+            </a:r>
+            <a:r>
+              <a:rPr lang="en-US" sz="3600" dirty="0" err="1"/>
+              <a:t>Chức</a:t>
+            </a:r>
+            <a:r>
+              <a:rPr lang="en-US" sz="3600" dirty="0"/>
+              <a:t> </a:t>
+            </a:r>
+            <a:r>
+              <a:rPr lang="en-US" sz="3600" dirty="0" err="1"/>
+              <a:t>năng</a:t>
+            </a:r>
+            <a:r>
+              <a:rPr lang="en-US" sz="3600" dirty="0"/>
+              <a:t> </a:t>
+            </a:r>
+            <a:r>
+              <a:rPr lang="en-US" sz="3600" dirty="0" err="1"/>
+              <a:t>sản</a:t>
+            </a:r>
+            <a:r>
+              <a:rPr lang="en-US" sz="3600" dirty="0"/>
+              <a:t> </a:t>
+            </a:r>
+            <a:r>
+              <a:rPr lang="en-US" sz="3600" dirty="0" err="1"/>
+              <a:t>phẩm</a:t>
+            </a:r>
+            <a:r>
+              <a:rPr lang="en-US" sz="3600" dirty="0"/>
+              <a:t> </a:t>
+            </a:r>
+            <a:r>
+              <a:rPr lang="en-US" sz="3600" dirty="0" err="1"/>
+              <a:t>và</a:t>
+            </a:r>
+            <a:r>
+              <a:rPr lang="en-US" sz="3600" dirty="0"/>
+              <a:t> </a:t>
+            </a:r>
+            <a:r>
+              <a:rPr lang="en-US" sz="3600" dirty="0" err="1"/>
+              <a:t>môi</a:t>
+            </a:r>
+            <a:r>
+              <a:rPr lang="en-US" sz="3600" dirty="0"/>
+              <a:t> </a:t>
+            </a:r>
+            <a:r>
+              <a:rPr lang="en-US" sz="3600" dirty="0" err="1"/>
+              <a:t>tr</a:t>
+            </a:r>
+            <a:r>
+              <a:rPr lang="vi-VN" sz="3600" dirty="0"/>
+              <a:t>ư</a:t>
+            </a:r>
+            <a:r>
+              <a:rPr lang="en-US" sz="3600" dirty="0" err="1"/>
+              <a:t>ờng</a:t>
+            </a:r>
+            <a:r>
+              <a:rPr lang="en-US" sz="3600" dirty="0"/>
+              <a:t> </a:t>
+            </a:r>
+            <a:r>
+              <a:rPr lang="en-US" sz="3600" dirty="0" err="1"/>
+              <a:t>vận</a:t>
+            </a:r>
+            <a:r>
+              <a:rPr lang="en-US" sz="3600" dirty="0"/>
+              <a:t> </a:t>
+            </a:r>
+            <a:r>
+              <a:rPr lang="en-US" sz="3600" dirty="0" err="1"/>
+              <a:t>hành</a:t>
+            </a:r>
+            <a:br>
+              <a:rPr lang="en-US" sz="3600" dirty="0"/>
+            </a:br>
+            <a:r>
+              <a:rPr lang="en-US" sz="3600" dirty="0"/>
+              <a:t>II. C</a:t>
+            </a:r>
+            <a:r>
+              <a:rPr lang="vi-VN" sz="3600" dirty="0"/>
+              <a:t>ơ</a:t>
+            </a:r>
+            <a:r>
+              <a:rPr lang="en-US" sz="3600" dirty="0"/>
+              <a:t> </a:t>
+            </a:r>
+            <a:r>
+              <a:rPr lang="en-US" sz="3600" dirty="0" err="1"/>
+              <a:t>sở</a:t>
+            </a:r>
+            <a:r>
+              <a:rPr lang="en-US" sz="3600" dirty="0"/>
+              <a:t> </a:t>
+            </a:r>
+            <a:r>
+              <a:rPr lang="en-US" sz="3600" dirty="0" err="1"/>
+              <a:t>lý</a:t>
+            </a:r>
+            <a:r>
+              <a:rPr lang="en-US" sz="3600" dirty="0"/>
+              <a:t> </a:t>
+            </a:r>
+            <a:r>
+              <a:rPr lang="en-US" sz="3600" dirty="0" err="1"/>
+              <a:t>thuyết</a:t>
+            </a:r>
+            <a:br>
+              <a:rPr lang="en-US" sz="3600" dirty="0"/>
+            </a:br>
+            <a:r>
+              <a:rPr lang="en-US" sz="3600" dirty="0"/>
+              <a:t>	1. Android studio</a:t>
+            </a:r>
+            <a:br>
+              <a:rPr lang="en-US" sz="3600" dirty="0"/>
+            </a:br>
+            <a:r>
+              <a:rPr lang="en-US" sz="3600" dirty="0"/>
+              <a:t>	2. Java Web Service (RESTful)</a:t>
+            </a:r>
+            <a:br>
+              <a:rPr lang="en-US" sz="3600" dirty="0"/>
+            </a:br>
+            <a:r>
+              <a:rPr lang="en-US" sz="3600" dirty="0"/>
+              <a:t>	3. </a:t>
+            </a:r>
+            <a:r>
+              <a:rPr lang="en-US" sz="3600" dirty="0" err="1"/>
+              <a:t>mongoDB</a:t>
+            </a:r>
+            <a:br>
+              <a:rPr lang="en-US" sz="3600" dirty="0"/>
+            </a:br>
+            <a:r>
+              <a:rPr lang="en-US" sz="3600" dirty="0"/>
+              <a:t>III. </a:t>
+            </a:r>
+            <a:r>
+              <a:rPr lang="en-US" sz="3600" dirty="0" err="1"/>
+              <a:t>Thiết</a:t>
+            </a:r>
+            <a:r>
+              <a:rPr lang="en-US" sz="3600" dirty="0"/>
+              <a:t> </a:t>
+            </a:r>
+            <a:r>
+              <a:rPr lang="en-US" sz="3600" dirty="0" err="1"/>
+              <a:t>kế</a:t>
+            </a:r>
+            <a:r>
+              <a:rPr lang="en-US" sz="3600" dirty="0"/>
+              <a:t> </a:t>
+            </a:r>
+            <a:r>
+              <a:rPr lang="en-US" sz="3600" dirty="0" err="1"/>
+              <a:t>dữ</a:t>
+            </a:r>
+            <a:r>
+              <a:rPr lang="en-US" sz="3600" dirty="0"/>
+              <a:t> </a:t>
+            </a:r>
+            <a:r>
+              <a:rPr lang="en-US" sz="3600" dirty="0" err="1"/>
+              <a:t>liệu</a:t>
+            </a:r>
+            <a:br>
+              <a:rPr lang="en-US" sz="3600" dirty="0"/>
+            </a:br>
+            <a:r>
+              <a:rPr lang="en-US" sz="3600" dirty="0"/>
+              <a:t>IV. </a:t>
+            </a:r>
+            <a:r>
+              <a:rPr lang="en-US" sz="3600" dirty="0" err="1"/>
+              <a:t>Xây</a:t>
+            </a:r>
+            <a:r>
+              <a:rPr lang="en-US" sz="3600" dirty="0"/>
+              <a:t> </a:t>
+            </a:r>
+            <a:r>
+              <a:rPr lang="en-US" sz="3600" dirty="0" err="1"/>
+              <a:t>dựng</a:t>
+            </a:r>
+            <a:r>
+              <a:rPr lang="en-US" sz="3600" dirty="0"/>
+              <a:t> </a:t>
+            </a:r>
+            <a:r>
+              <a:rPr lang="en-US" sz="3600" dirty="0" err="1"/>
+              <a:t>các</a:t>
+            </a:r>
+            <a:r>
+              <a:rPr lang="en-US" sz="3600" dirty="0"/>
+              <a:t> API.</a:t>
+            </a:r>
+            <a:br>
+              <a:rPr lang="en-US" sz="3600" dirty="0"/>
+            </a:br>
+            <a:r>
+              <a:rPr lang="en-US" sz="3600" dirty="0"/>
+              <a:t>IV. DEMO</a:t>
+            </a:r>
+          </a:p>
+        </p:txBody>
+      </p:sp>
+    </p:spTree>
+    <p:extLst>
+      <p:ext uri="{BB962C8B-B14F-4D97-AF65-F5344CB8AC3E}">
+        <p14:creationId xmlns:p14="http://schemas.microsoft.com/office/powerpoint/2010/main" val="2344172528"/>
+      </p:ext>
+    </p:extLst>
+  </p:cSld>
+  <p:clrMapOvr>
+    <a:masterClrMapping/>
+  </p:clrMapOvr>
+</p:sld>
+</file>
+
+<file path=ppt/slides/slide20.xml><?xml version="1.0" encoding="utf-8"?>
+<p:sld xmlns:a="http://schemas.openxmlformats.org/drawingml/2006/main" xmlns:r="http://schemas.openxmlformats.org/officeDocument/2006/relationships" xmlns:p="http://schemas.openxmlformats.org/presentationml/2006/main">
+  <p:cSld>
+    <p:spTree>
+      <p:nvGrpSpPr>
+        <p:cNvPr id="1" name=""/>
+        <p:cNvGrpSpPr/>
+        <p:nvPr/>
+      </p:nvGrpSpPr>
+      <p:grpSpPr>
+        <a:xfrm>
+          <a:off x="0" y="0"/>
+          <a:ext cx="0" cy="0"/>
+          <a:chOff x="0" y="0"/>
+          <a:chExt cx="0" cy="0"/>
+        </a:xfrm>
+      </p:grpSpPr>
+      <p:sp>
+        <p:nvSpPr>
+          <p:cNvPr id="2" name="Title 1">
+            <a:extLst>
+              <a:ext uri="{FF2B5EF4-FFF2-40B4-BE49-F238E27FC236}">
+                <a16:creationId xmlns:a16="http://schemas.microsoft.com/office/drawing/2014/main" id="{AA6BB934-410A-4ED8-A2B8-495A660E1554}"/>
+              </a:ext>
+            </a:extLst>
+          </p:cNvPr>
+          <p:cNvSpPr>
+            <a:spLocks noGrp="1"/>
+          </p:cNvSpPr>
+          <p:nvPr>
+            <p:ph type="title"/>
+          </p:nvPr>
+        </p:nvSpPr>
+        <p:spPr/>
+        <p:txBody>
+          <a:bodyPr/>
+          <a:lstStyle/>
+          <a:p>
+            <a:r>
+              <a:rPr lang="en-US" dirty="0"/>
+              <a:t>IV. </a:t>
+            </a:r>
+            <a:r>
+              <a:rPr lang="en-US" dirty="0" err="1"/>
+              <a:t>Xây</a:t>
+            </a:r>
+            <a:r>
+              <a:rPr lang="en-US" dirty="0"/>
+              <a:t> </a:t>
+            </a:r>
+            <a:r>
+              <a:rPr lang="en-US" dirty="0" err="1"/>
+              <a:t>dựng</a:t>
+            </a:r>
+            <a:r>
+              <a:rPr lang="en-US" dirty="0"/>
+              <a:t> </a:t>
+            </a:r>
+            <a:r>
+              <a:rPr lang="en-US" dirty="0" err="1"/>
+              <a:t>các</a:t>
+            </a:r>
+            <a:r>
+              <a:rPr lang="en-US" dirty="0"/>
+              <a:t> API server</a:t>
+            </a:r>
+          </a:p>
+        </p:txBody>
+      </p:sp>
+      <p:pic>
+        <p:nvPicPr>
+          <p:cNvPr id="5" name="Picture 4">
+            <a:extLst>
+              <a:ext uri="{FF2B5EF4-FFF2-40B4-BE49-F238E27FC236}">
+                <a16:creationId xmlns:a16="http://schemas.microsoft.com/office/drawing/2014/main" id="{8C390193-146D-4443-B85D-B858AE1A9347}"/>
+              </a:ext>
+            </a:extLst>
+          </p:cNvPr>
+          <p:cNvPicPr>
+            <a:picLocks noChangeAspect="1"/>
+          </p:cNvPicPr>
+          <p:nvPr/>
+        </p:nvPicPr>
+        <p:blipFill>
+          <a:blip r:embed="rId2"/>
+          <a:stretch>
+            <a:fillRect/>
+          </a:stretch>
+        </p:blipFill>
+        <p:spPr>
+          <a:xfrm>
+            <a:off x="1981329" y="1270000"/>
+            <a:ext cx="5988677" cy="4727977"/>
+          </a:xfrm>
+          <a:prstGeom prst="rect">
+            <a:avLst/>
+          </a:prstGeom>
+        </p:spPr>
+      </p:pic>
+    </p:spTree>
+    <p:extLst>
+      <p:ext uri="{BB962C8B-B14F-4D97-AF65-F5344CB8AC3E}">
+        <p14:creationId xmlns:p14="http://schemas.microsoft.com/office/powerpoint/2010/main" val="798741818"/>
+      </p:ext>
+    </p:extLst>
+  </p:cSld>
+  <p:clrMapOvr>
+    <a:masterClrMapping/>
+  </p:clrMapOvr>
+</p:sld>
+</file>
+
+<file path=ppt/slides/slide21.xml><?xml version="1.0" encoding="utf-8"?>
+<p:sld xmlns:a="http://schemas.openxmlformats.org/drawingml/2006/main" xmlns:r="http://schemas.openxmlformats.org/officeDocument/2006/relationships" xmlns:p="http://schemas.openxmlformats.org/presentationml/2006/main">
+  <p:cSld>
+    <p:spTree>
+      <p:nvGrpSpPr>
+        <p:cNvPr id="1" name=""/>
+        <p:cNvGrpSpPr/>
+        <p:nvPr/>
+      </p:nvGrpSpPr>
+      <p:grpSpPr>
+        <a:xfrm>
+          <a:off x="0" y="0"/>
+          <a:ext cx="0" cy="0"/>
+          <a:chOff x="0" y="0"/>
+          <a:chExt cx="0" cy="0"/>
+        </a:xfrm>
+      </p:grpSpPr>
+      <p:sp>
+        <p:nvSpPr>
+          <p:cNvPr id="2" name="Title 1">
+            <a:extLst>
+              <a:ext uri="{FF2B5EF4-FFF2-40B4-BE49-F238E27FC236}">
                 <a16:creationId xmlns:a16="http://schemas.microsoft.com/office/drawing/2014/main" id="{BC939751-58B8-4ED1-A7BA-F8C22989AF7B}"/>
               </a:ext>
             </a:extLst>
@@ -10141,7 +10836,7 @@
 </p:sld>
 </file>
 
-<file path=ppt/slides/slide19.xml><?xml version="1.0" encoding="utf-8"?>
+<file path=ppt/slides/slide22.xml><?xml version="1.0" encoding="utf-8"?>
 <p:sld xmlns:a="http://schemas.openxmlformats.org/drawingml/2006/main" xmlns:r="http://schemas.openxmlformats.org/officeDocument/2006/relationships" xmlns:p="http://schemas.openxmlformats.org/presentationml/2006/main">
   <p:cSld>
     <p:spTree>
@@ -10315,315 +11010,7 @@
 </p:sld>
 </file>
 
-<file path=ppt/slides/slide2.xml><?xml version="1.0" encoding="utf-8"?>
-<p:sld xmlns:a="http://schemas.openxmlformats.org/drawingml/2006/main" xmlns:r="http://schemas.openxmlformats.org/officeDocument/2006/relationships" xmlns:p="http://schemas.openxmlformats.org/presentationml/2006/main">
-  <p:cSld>
-    <p:spTree>
-      <p:nvGrpSpPr>
-        <p:cNvPr id="1" name=""/>
-        <p:cNvGrpSpPr/>
-        <p:nvPr/>
-      </p:nvGrpSpPr>
-      <p:grpSpPr>
-        <a:xfrm>
-          <a:off x="0" y="0"/>
-          <a:ext cx="0" cy="0"/>
-          <a:chOff x="0" y="0"/>
-          <a:chExt cx="0" cy="0"/>
-        </a:xfrm>
-      </p:grpSpPr>
-      <p:sp>
-        <p:nvSpPr>
-          <p:cNvPr id="2" name="Title 1">
-            <a:extLst>
-              <a:ext uri="{FF2B5EF4-FFF2-40B4-BE49-F238E27FC236}">
-                <a16:creationId xmlns:a16="http://schemas.microsoft.com/office/drawing/2014/main" id="{5A2BA15D-B461-4C94-8217-9961C69F1748}"/>
-              </a:ext>
-            </a:extLst>
-          </p:cNvPr>
-          <p:cNvSpPr>
-            <a:spLocks noGrp="1"/>
-          </p:cNvSpPr>
-          <p:nvPr>
-            <p:ph type="title"/>
-          </p:nvPr>
-        </p:nvSpPr>
-        <p:spPr>
-          <a:xfrm>
-            <a:off x="677335" y="609600"/>
-            <a:ext cx="8596668" cy="5912224"/>
-          </a:xfrm>
-        </p:spPr>
-        <p:txBody>
-          <a:bodyPr>
-            <a:normAutofit fontScale="90000"/>
-          </a:bodyPr>
-          <a:lstStyle/>
-          <a:p>
-            <a:r>
-              <a:rPr lang="en-US" dirty="0"/>
-              <a:t>I. </a:t>
-            </a:r>
-            <a:r>
-              <a:rPr lang="en-US" dirty="0" err="1"/>
-              <a:t>Mô</a:t>
-            </a:r>
-            <a:r>
-              <a:rPr lang="en-US" dirty="0"/>
-              <a:t> </a:t>
-            </a:r>
-            <a:r>
-              <a:rPr lang="en-US" dirty="0" err="1"/>
-              <a:t>tả</a:t>
-            </a:r>
-            <a:r>
-              <a:rPr lang="en-US" dirty="0"/>
-              <a:t> </a:t>
-            </a:r>
-            <a:r>
-              <a:rPr lang="en-US" dirty="0" err="1"/>
-              <a:t>tổng</a:t>
-            </a:r>
-            <a:r>
-              <a:rPr lang="en-US" dirty="0"/>
-              <a:t> </a:t>
-            </a:r>
-            <a:r>
-              <a:rPr lang="en-US" dirty="0" err="1"/>
-              <a:t>quan</a:t>
-            </a:r>
-            <a:br>
-              <a:rPr lang="en-US" dirty="0"/>
-            </a:br>
-            <a:r>
-              <a:rPr lang="en-US" dirty="0"/>
-              <a:t>	1. </a:t>
-            </a:r>
-            <a:r>
-              <a:rPr lang="en-US" dirty="0" err="1"/>
-              <a:t>Bối</a:t>
-            </a:r>
-            <a:r>
-              <a:rPr lang="en-US" dirty="0"/>
-              <a:t> </a:t>
-            </a:r>
-            <a:r>
-              <a:rPr lang="en-US" dirty="0" err="1"/>
-              <a:t>cảnh</a:t>
-            </a:r>
-            <a:r>
-              <a:rPr lang="en-US" dirty="0"/>
-              <a:t> </a:t>
-            </a:r>
-            <a:r>
-              <a:rPr lang="en-US" dirty="0" err="1"/>
-              <a:t>sản</a:t>
-            </a:r>
-            <a:r>
-              <a:rPr lang="en-US" dirty="0"/>
-              <a:t> </a:t>
-            </a:r>
-            <a:r>
-              <a:rPr lang="en-US" dirty="0" err="1"/>
-              <a:t>phẩm</a:t>
-            </a:r>
-            <a:br>
-              <a:rPr lang="en-US" dirty="0"/>
-            </a:br>
-            <a:r>
-              <a:rPr lang="en-US" dirty="0"/>
-              <a:t>	2. </a:t>
-            </a:r>
-            <a:r>
-              <a:rPr lang="en-US" dirty="0" err="1"/>
-              <a:t>Chức</a:t>
-            </a:r>
-            <a:r>
-              <a:rPr lang="en-US" dirty="0"/>
-              <a:t> </a:t>
-            </a:r>
-            <a:r>
-              <a:rPr lang="en-US" dirty="0" err="1"/>
-              <a:t>năng</a:t>
-            </a:r>
-            <a:r>
-              <a:rPr lang="en-US" dirty="0"/>
-              <a:t> </a:t>
-            </a:r>
-            <a:r>
-              <a:rPr lang="en-US" dirty="0" err="1"/>
-              <a:t>sản</a:t>
-            </a:r>
-            <a:r>
-              <a:rPr lang="en-US" dirty="0"/>
-              <a:t> </a:t>
-            </a:r>
-            <a:r>
-              <a:rPr lang="en-US" dirty="0" err="1"/>
-              <a:t>phẩm</a:t>
-            </a:r>
-            <a:br>
-              <a:rPr lang="en-US" dirty="0"/>
-            </a:br>
-            <a:r>
-              <a:rPr lang="en-US" dirty="0"/>
-              <a:t>	3. </a:t>
-            </a:r>
-            <a:r>
-              <a:rPr lang="en-US" dirty="0" err="1"/>
-              <a:t>Môi</a:t>
-            </a:r>
-            <a:r>
-              <a:rPr lang="en-US" dirty="0"/>
-              <a:t> </a:t>
-            </a:r>
-            <a:r>
-              <a:rPr lang="en-US" dirty="0" err="1"/>
-              <a:t>tr</a:t>
-            </a:r>
-            <a:r>
-              <a:rPr lang="vi-VN" dirty="0"/>
-              <a:t>ư</a:t>
-            </a:r>
-            <a:r>
-              <a:rPr lang="en-US" dirty="0" err="1"/>
-              <a:t>ờng</a:t>
-            </a:r>
-            <a:r>
-              <a:rPr lang="en-US" dirty="0"/>
-              <a:t> </a:t>
-            </a:r>
-            <a:r>
-              <a:rPr lang="en-US" dirty="0" err="1"/>
-              <a:t>vận</a:t>
-            </a:r>
-            <a:r>
-              <a:rPr lang="en-US" dirty="0"/>
-              <a:t> </a:t>
-            </a:r>
-            <a:r>
-              <a:rPr lang="en-US" dirty="0" err="1"/>
-              <a:t>hành</a:t>
-            </a:r>
-            <a:br>
-              <a:rPr lang="en-US" dirty="0"/>
-            </a:br>
-            <a:r>
-              <a:rPr lang="en-US" dirty="0"/>
-              <a:t>II. C</a:t>
-            </a:r>
-            <a:r>
-              <a:rPr lang="vi-VN" dirty="0"/>
-              <a:t>ơ</a:t>
-            </a:r>
-            <a:r>
-              <a:rPr lang="en-US" dirty="0"/>
-              <a:t> </a:t>
-            </a:r>
-            <a:r>
-              <a:rPr lang="en-US" dirty="0" err="1"/>
-              <a:t>sở</a:t>
-            </a:r>
-            <a:r>
-              <a:rPr lang="en-US" dirty="0"/>
-              <a:t> </a:t>
-            </a:r>
-            <a:r>
-              <a:rPr lang="en-US" dirty="0" err="1"/>
-              <a:t>lý</a:t>
-            </a:r>
-            <a:r>
-              <a:rPr lang="en-US" dirty="0"/>
-              <a:t> </a:t>
-            </a:r>
-            <a:r>
-              <a:rPr lang="en-US" dirty="0" err="1"/>
-              <a:t>thuyết</a:t>
-            </a:r>
-            <a:br>
-              <a:rPr lang="en-US" dirty="0"/>
-            </a:br>
-            <a:r>
-              <a:rPr lang="en-US" dirty="0"/>
-              <a:t>	1. Android studio</a:t>
-            </a:r>
-            <a:br>
-              <a:rPr lang="en-US" dirty="0"/>
-            </a:br>
-            <a:r>
-              <a:rPr lang="en-US" dirty="0"/>
-              <a:t>	2. Java Web Service (RESTful)</a:t>
-            </a:r>
-            <a:br>
-              <a:rPr lang="en-US" dirty="0"/>
-            </a:br>
-            <a:r>
-              <a:rPr lang="en-US" dirty="0"/>
-              <a:t>	3. </a:t>
-            </a:r>
-            <a:r>
-              <a:rPr lang="en-US" dirty="0" err="1"/>
-              <a:t>mongoDB</a:t>
-            </a:r>
-            <a:br>
-              <a:rPr lang="en-US" dirty="0"/>
-            </a:br>
-            <a:r>
-              <a:rPr lang="en-US" dirty="0"/>
-              <a:t>III. </a:t>
-            </a:r>
-            <a:r>
-              <a:rPr lang="en-US" dirty="0" err="1"/>
-              <a:t>Thiết</a:t>
-            </a:r>
-            <a:r>
-              <a:rPr lang="en-US" dirty="0"/>
-              <a:t> </a:t>
-            </a:r>
-            <a:r>
-              <a:rPr lang="en-US" dirty="0" err="1"/>
-              <a:t>kế</a:t>
-            </a:r>
-            <a:r>
-              <a:rPr lang="en-US" dirty="0"/>
-              <a:t> </a:t>
-            </a:r>
-            <a:r>
-              <a:rPr lang="en-US" dirty="0" err="1"/>
-              <a:t>dữ</a:t>
-            </a:r>
-            <a:r>
-              <a:rPr lang="en-US" dirty="0"/>
-              <a:t> </a:t>
-            </a:r>
-            <a:r>
-              <a:rPr lang="en-US" dirty="0" err="1"/>
-              <a:t>liệu</a:t>
-            </a:r>
-            <a:br>
-              <a:rPr lang="en-US" dirty="0"/>
-            </a:br>
-            <a:r>
-              <a:rPr lang="en-US" dirty="0"/>
-              <a:t>IV. DEMO</a:t>
-            </a:r>
-          </a:p>
-        </p:txBody>
-      </p:sp>
-    </p:spTree>
-    <p:extLst>
-      <p:ext uri="{BB962C8B-B14F-4D97-AF65-F5344CB8AC3E}">
-        <p14:creationId xmlns:p14="http://schemas.microsoft.com/office/powerpoint/2010/main" val="2344172528"/>
-      </p:ext>
-    </p:extLst>
-  </p:cSld>
-  <p:clrMapOvr>
-    <a:masterClrMapping/>
-  </p:clrMapOvr>
-</p:sld>
-</file>
-
-<file path=ppt/slides/slide20.xml><?xml version="1.0" encoding="utf-8"?>
+<file path=ppt/slides/slide23.xml><?xml version="1.0" encoding="utf-8"?>
 <p:sld xmlns:a="http://schemas.openxmlformats.org/drawingml/2006/main" xmlns:r="http://schemas.openxmlformats.org/officeDocument/2006/relationships" xmlns:p="http://schemas.openxmlformats.org/presentationml/2006/main">
   <p:cSld>
     <p:spTree>
@@ -10753,7 +11140,7 @@
 </p:sld>
 </file>
 
-<file path=ppt/slides/slide21.xml><?xml version="1.0" encoding="utf-8"?>
+<file path=ppt/slides/slide24.xml><?xml version="1.0" encoding="utf-8"?>
 <p:sld xmlns:a="http://schemas.openxmlformats.org/drawingml/2006/main" xmlns:r="http://schemas.openxmlformats.org/officeDocument/2006/relationships" xmlns:p="http://schemas.openxmlformats.org/presentationml/2006/main">
   <p:cSld>
     <p:spTree>
@@ -10924,7 +11311,7 @@
 </p:sld>
 </file>
 
-<file path=ppt/slides/slide22.xml><?xml version="1.0" encoding="utf-8"?>
+<file path=ppt/slides/slide25.xml><?xml version="1.0" encoding="utf-8"?>
 <p:sld xmlns:a="http://schemas.openxmlformats.org/drawingml/2006/main" xmlns:r="http://schemas.openxmlformats.org/officeDocument/2006/relationships" xmlns:p="http://schemas.openxmlformats.org/presentationml/2006/main">
   <p:cSld>
     <p:spTree>
@@ -11056,7 +11443,7 @@
 </p:sld>
 </file>
 
-<file path=ppt/slides/slide23.xml><?xml version="1.0" encoding="utf-8"?>
+<file path=ppt/slides/slide26.xml><?xml version="1.0" encoding="utf-8"?>
 <p:sld xmlns:a="http://schemas.openxmlformats.org/drawingml/2006/main" xmlns:r="http://schemas.openxmlformats.org/officeDocument/2006/relationships" xmlns:p="http://schemas.openxmlformats.org/presentationml/2006/main">
   <p:cSld>
     <p:spTree>
@@ -11224,7 +11611,7 @@
 </p:sld>
 </file>
 
-<file path=ppt/slides/slide24.xml><?xml version="1.0" encoding="utf-8"?>
+<file path=ppt/slides/slide27.xml><?xml version="1.0" encoding="utf-8"?>
 <p:sld xmlns:a="http://schemas.openxmlformats.org/drawingml/2006/main" xmlns:r="http://schemas.openxmlformats.org/officeDocument/2006/relationships" xmlns:p="http://schemas.openxmlformats.org/presentationml/2006/main">
   <p:cSld>
     <p:spTree>
@@ -11320,7 +11707,7 @@
 </p:sld>
 </file>
 
-<file path=ppt/slides/slide25.xml><?xml version="1.0" encoding="utf-8"?>
+<file path=ppt/slides/slide28.xml><?xml version="1.0" encoding="utf-8"?>
 <p:sld xmlns:a="http://schemas.openxmlformats.org/drawingml/2006/main" xmlns:r="http://schemas.openxmlformats.org/officeDocument/2006/relationships" xmlns:p="http://schemas.openxmlformats.org/presentationml/2006/main">
   <p:cSld>
     <p:spTree>
@@ -12272,7 +12659,12 @@
             <p:ph idx="1"/>
           </p:nvPr>
         </p:nvSpPr>
-        <p:spPr/>
+        <p:spPr>
+          <a:xfrm>
+            <a:off x="677334" y="1488613"/>
+            <a:ext cx="8596668" cy="3880773"/>
+          </a:xfrm>
+        </p:spPr>
         <p:txBody>
           <a:bodyPr>
             <a:normAutofit/>
@@ -13514,7 +13906,7 @@
         </p:nvSpPr>
         <p:spPr>
           <a:xfrm>
-            <a:off x="677334" y="2044679"/>
+            <a:off x="677334" y="1488613"/>
             <a:ext cx="8596668" cy="3880773"/>
           </a:xfrm>
         </p:spPr>

--- a/Presentation-LuanVan.pptx
+++ b/Presentation-LuanVan.pptx
@@ -4,6 +4,12 @@
   <p:sldMasterIdLst>
     <p:sldMasterId id="2147483730" r:id="rId1"/>
   </p:sldMasterIdLst>
+  <p:notesMasterIdLst>
+    <p:notesMasterId r:id="rId30"/>
+  </p:notesMasterIdLst>
+  <p:handoutMasterIdLst>
+    <p:handoutMasterId r:id="rId31"/>
+  </p:handoutMasterIdLst>
   <p:sldIdLst>
     <p:sldId id="256" r:id="rId2"/>
     <p:sldId id="259" r:id="rId3"/>
@@ -152,6 +158,546 @@
 
 <file path=ppt/revisionInfo.xml><?xml version="1.0" encoding="utf-8"?>
 <p1510:revInfo xmlns:a="http://schemas.openxmlformats.org/drawingml/2006/main" xmlns:r="http://schemas.openxmlformats.org/officeDocument/2006/relationships" xmlns:p1510="http://schemas.microsoft.com/office/powerpoint/2015/10/main"/>
+</file>
+
+<file path=ppt/handoutMasters/handoutMaster1.xml><?xml version="1.0" encoding="utf-8"?>
+<p:handoutMaster xmlns:a="http://schemas.openxmlformats.org/drawingml/2006/main" xmlns:r="http://schemas.openxmlformats.org/officeDocument/2006/relationships" xmlns:p="http://schemas.openxmlformats.org/presentationml/2006/main">
+  <p:cSld>
+    <p:bg>
+      <p:bgRef idx="1001">
+        <a:schemeClr val="bg1"/>
+      </p:bgRef>
+    </p:bg>
+    <p:spTree>
+      <p:nvGrpSpPr>
+        <p:cNvPr id="1" name=""/>
+        <p:cNvGrpSpPr/>
+        <p:nvPr/>
+      </p:nvGrpSpPr>
+      <p:grpSpPr>
+        <a:xfrm>
+          <a:off x="0" y="0"/>
+          <a:ext cx="0" cy="0"/>
+          <a:chOff x="0" y="0"/>
+          <a:chExt cx="0" cy="0"/>
+        </a:xfrm>
+      </p:grpSpPr>
+      <p:sp>
+        <p:nvSpPr>
+          <p:cNvPr id="2" name="Header Placeholder 1">
+            <a:extLst>
+              <a:ext uri="{FF2B5EF4-FFF2-40B4-BE49-F238E27FC236}">
+                <a16:creationId xmlns:a16="http://schemas.microsoft.com/office/drawing/2014/main" id="{644FA80B-5CB1-4BE3-B3D1-AF5779975B30}"/>
+              </a:ext>
+            </a:extLst>
+          </p:cNvPr>
+          <p:cNvSpPr>
+            <a:spLocks noGrp="1"/>
+          </p:cNvSpPr>
+          <p:nvPr>
+            <p:ph type="hdr" sz="quarter"/>
+          </p:nvPr>
+        </p:nvSpPr>
+        <p:spPr>
+          <a:xfrm>
+            <a:off x="0" y="0"/>
+            <a:ext cx="2971800" cy="458788"/>
+          </a:xfrm>
+          <a:prstGeom prst="rect">
+            <a:avLst/>
+          </a:prstGeom>
+        </p:spPr>
+        <p:txBody>
+          <a:bodyPr vert="horz" lIns="91440" tIns="45720" rIns="91440" bIns="45720" rtlCol="0"/>
+          <a:lstStyle>
+            <a:lvl1pPr algn="l">
+              <a:defRPr sz="1200"/>
+            </a:lvl1pPr>
+          </a:lstStyle>
+          <a:p>
+            <a:endParaRPr lang="en-US"/>
+          </a:p>
+        </p:txBody>
+      </p:sp>
+      <p:sp>
+        <p:nvSpPr>
+          <p:cNvPr id="3" name="Date Placeholder 2">
+            <a:extLst>
+              <a:ext uri="{FF2B5EF4-FFF2-40B4-BE49-F238E27FC236}">
+                <a16:creationId xmlns:a16="http://schemas.microsoft.com/office/drawing/2014/main" id="{BE00D821-5B28-4695-819B-2C96C18B0F12}"/>
+              </a:ext>
+            </a:extLst>
+          </p:cNvPr>
+          <p:cNvSpPr>
+            <a:spLocks noGrp="1"/>
+          </p:cNvSpPr>
+          <p:nvPr>
+            <p:ph type="dt" sz="quarter" idx="1"/>
+          </p:nvPr>
+        </p:nvSpPr>
+        <p:spPr>
+          <a:xfrm>
+            <a:off x="3884613" y="0"/>
+            <a:ext cx="2971800" cy="458788"/>
+          </a:xfrm>
+          <a:prstGeom prst="rect">
+            <a:avLst/>
+          </a:prstGeom>
+        </p:spPr>
+        <p:txBody>
+          <a:bodyPr vert="horz" lIns="91440" tIns="45720" rIns="91440" bIns="45720" rtlCol="0"/>
+          <a:lstStyle>
+            <a:lvl1pPr algn="r">
+              <a:defRPr sz="1200"/>
+            </a:lvl1pPr>
+          </a:lstStyle>
+          <a:p>
+            <a:fld id="{03458F59-5BFC-4C23-A30B-0CD1767A6077}" type="datetimeFigureOut">
+              <a:rPr lang="en-US" smtClean="0"/>
+              <a:t>28-Nov-17</a:t>
+            </a:fld>
+            <a:endParaRPr lang="en-US"/>
+          </a:p>
+        </p:txBody>
+      </p:sp>
+      <p:sp>
+        <p:nvSpPr>
+          <p:cNvPr id="4" name="Footer Placeholder 3">
+            <a:extLst>
+              <a:ext uri="{FF2B5EF4-FFF2-40B4-BE49-F238E27FC236}">
+                <a16:creationId xmlns:a16="http://schemas.microsoft.com/office/drawing/2014/main" id="{6497C903-4796-4023-B45F-97ABD29E6117}"/>
+              </a:ext>
+            </a:extLst>
+          </p:cNvPr>
+          <p:cNvSpPr>
+            <a:spLocks noGrp="1"/>
+          </p:cNvSpPr>
+          <p:nvPr>
+            <p:ph type="ftr" sz="quarter" idx="2"/>
+          </p:nvPr>
+        </p:nvSpPr>
+        <p:spPr>
+          <a:xfrm>
+            <a:off x="0" y="8685213"/>
+            <a:ext cx="2971800" cy="458787"/>
+          </a:xfrm>
+          <a:prstGeom prst="rect">
+            <a:avLst/>
+          </a:prstGeom>
+        </p:spPr>
+        <p:txBody>
+          <a:bodyPr vert="horz" lIns="91440" tIns="45720" rIns="91440" bIns="45720" rtlCol="0" anchor="b"/>
+          <a:lstStyle>
+            <a:lvl1pPr algn="l">
+              <a:defRPr sz="1200"/>
+            </a:lvl1pPr>
+          </a:lstStyle>
+          <a:p>
+            <a:endParaRPr lang="en-US"/>
+          </a:p>
+        </p:txBody>
+      </p:sp>
+      <p:sp>
+        <p:nvSpPr>
+          <p:cNvPr id="5" name="Slide Number Placeholder 4">
+            <a:extLst>
+              <a:ext uri="{FF2B5EF4-FFF2-40B4-BE49-F238E27FC236}">
+                <a16:creationId xmlns:a16="http://schemas.microsoft.com/office/drawing/2014/main" id="{540365F6-3741-449A-826C-B7AFAA8A59B5}"/>
+              </a:ext>
+            </a:extLst>
+          </p:cNvPr>
+          <p:cNvSpPr>
+            <a:spLocks noGrp="1"/>
+          </p:cNvSpPr>
+          <p:nvPr>
+            <p:ph type="sldNum" sz="quarter" idx="3"/>
+          </p:nvPr>
+        </p:nvSpPr>
+        <p:spPr>
+          <a:xfrm>
+            <a:off x="3884613" y="8685213"/>
+            <a:ext cx="2971800" cy="458787"/>
+          </a:xfrm>
+          <a:prstGeom prst="rect">
+            <a:avLst/>
+          </a:prstGeom>
+        </p:spPr>
+        <p:txBody>
+          <a:bodyPr vert="horz" lIns="91440" tIns="45720" rIns="91440" bIns="45720" rtlCol="0" anchor="b"/>
+          <a:lstStyle>
+            <a:lvl1pPr algn="r">
+              <a:defRPr sz="1200"/>
+            </a:lvl1pPr>
+          </a:lstStyle>
+          <a:p>
+            <a:fld id="{24E784BB-F703-481A-8955-2F0E5DDA0CD8}" type="slidenum">
+              <a:rPr lang="en-US" smtClean="0"/>
+              <a:t>‹#›</a:t>
+            </a:fld>
+            <a:endParaRPr lang="en-US"/>
+          </a:p>
+        </p:txBody>
+      </p:sp>
+    </p:spTree>
+    <p:extLst>
+      <p:ext uri="{BB962C8B-B14F-4D97-AF65-F5344CB8AC3E}">
+        <p14:creationId xmlns:p14="http://schemas.microsoft.com/office/powerpoint/2010/main" val="3129164816"/>
+      </p:ext>
+    </p:extLst>
+  </p:cSld>
+  <p:clrMap bg1="lt1" tx1="dk1" bg2="lt2" tx2="dk2" accent1="accent1" accent2="accent2" accent3="accent3" accent4="accent4" accent5="accent5" accent6="accent6" hlink="hlink" folHlink="folHlink"/>
+  <p:hf hdr="0" ftr="0" dt="0"/>
+</p:handoutMaster>
+</file>
+
+<file path=ppt/notesMasters/notesMaster1.xml><?xml version="1.0" encoding="utf-8"?>
+<p:notesMaster xmlns:a="http://schemas.openxmlformats.org/drawingml/2006/main" xmlns:r="http://schemas.openxmlformats.org/officeDocument/2006/relationships" xmlns:p="http://schemas.openxmlformats.org/presentationml/2006/main">
+  <p:cSld>
+    <p:bg>
+      <p:bgRef idx="1001">
+        <a:schemeClr val="bg1"/>
+      </p:bgRef>
+    </p:bg>
+    <p:spTree>
+      <p:nvGrpSpPr>
+        <p:cNvPr id="1" name=""/>
+        <p:cNvGrpSpPr/>
+        <p:nvPr/>
+      </p:nvGrpSpPr>
+      <p:grpSpPr>
+        <a:xfrm>
+          <a:off x="0" y="0"/>
+          <a:ext cx="0" cy="0"/>
+          <a:chOff x="0" y="0"/>
+          <a:chExt cx="0" cy="0"/>
+        </a:xfrm>
+      </p:grpSpPr>
+      <p:sp>
+        <p:nvSpPr>
+          <p:cNvPr id="2" name="Header Placeholder 1"/>
+          <p:cNvSpPr>
+            <a:spLocks noGrp="1"/>
+          </p:cNvSpPr>
+          <p:nvPr>
+            <p:ph type="hdr" sz="quarter"/>
+          </p:nvPr>
+        </p:nvSpPr>
+        <p:spPr>
+          <a:xfrm>
+            <a:off x="0" y="0"/>
+            <a:ext cx="2971800" cy="458788"/>
+          </a:xfrm>
+          <a:prstGeom prst="rect">
+            <a:avLst/>
+          </a:prstGeom>
+        </p:spPr>
+        <p:txBody>
+          <a:bodyPr vert="horz" lIns="91440" tIns="45720" rIns="91440" bIns="45720" rtlCol="0"/>
+          <a:lstStyle>
+            <a:lvl1pPr algn="l">
+              <a:defRPr sz="1200"/>
+            </a:lvl1pPr>
+          </a:lstStyle>
+          <a:p>
+            <a:endParaRPr lang="en-US"/>
+          </a:p>
+        </p:txBody>
+      </p:sp>
+      <p:sp>
+        <p:nvSpPr>
+          <p:cNvPr id="3" name="Date Placeholder 2"/>
+          <p:cNvSpPr>
+            <a:spLocks noGrp="1"/>
+          </p:cNvSpPr>
+          <p:nvPr>
+            <p:ph type="dt" idx="1"/>
+          </p:nvPr>
+        </p:nvSpPr>
+        <p:spPr>
+          <a:xfrm>
+            <a:off x="3884613" y="0"/>
+            <a:ext cx="2971800" cy="458788"/>
+          </a:xfrm>
+          <a:prstGeom prst="rect">
+            <a:avLst/>
+          </a:prstGeom>
+        </p:spPr>
+        <p:txBody>
+          <a:bodyPr vert="horz" lIns="91440" tIns="45720" rIns="91440" bIns="45720" rtlCol="0"/>
+          <a:lstStyle>
+            <a:lvl1pPr algn="r">
+              <a:defRPr sz="1200"/>
+            </a:lvl1pPr>
+          </a:lstStyle>
+          <a:p>
+            <a:fld id="{C3485123-472A-4794-AC61-7D4BD4EA3B0F}" type="datetimeFigureOut">
+              <a:rPr lang="en-US" smtClean="0"/>
+              <a:t>28-Nov-17</a:t>
+            </a:fld>
+            <a:endParaRPr lang="en-US"/>
+          </a:p>
+        </p:txBody>
+      </p:sp>
+      <p:sp>
+        <p:nvSpPr>
+          <p:cNvPr id="4" name="Slide Image Placeholder 3"/>
+          <p:cNvSpPr>
+            <a:spLocks noGrp="1" noRot="1" noChangeAspect="1"/>
+          </p:cNvSpPr>
+          <p:nvPr>
+            <p:ph type="sldImg" idx="2"/>
+          </p:nvPr>
+        </p:nvSpPr>
+        <p:spPr>
+          <a:xfrm>
+            <a:off x="685800" y="1143000"/>
+            <a:ext cx="5486400" cy="3086100"/>
+          </a:xfrm>
+          <a:prstGeom prst="rect">
+            <a:avLst/>
+          </a:prstGeom>
+          <a:noFill/>
+          <a:ln w="12700">
+            <a:solidFill>
+              <a:prstClr val="black"/>
+            </a:solidFill>
+          </a:ln>
+        </p:spPr>
+        <p:txBody>
+          <a:bodyPr vert="horz" lIns="91440" tIns="45720" rIns="91440" bIns="45720" rtlCol="0" anchor="ctr"/>
+          <a:lstStyle/>
+          <a:p>
+            <a:endParaRPr lang="en-US"/>
+          </a:p>
+        </p:txBody>
+      </p:sp>
+      <p:sp>
+        <p:nvSpPr>
+          <p:cNvPr id="5" name="Notes Placeholder 4"/>
+          <p:cNvSpPr>
+            <a:spLocks noGrp="1"/>
+          </p:cNvSpPr>
+          <p:nvPr>
+            <p:ph type="body" sz="quarter" idx="3"/>
+          </p:nvPr>
+        </p:nvSpPr>
+        <p:spPr>
+          <a:xfrm>
+            <a:off x="685800" y="4400550"/>
+            <a:ext cx="5486400" cy="3600450"/>
+          </a:xfrm>
+          <a:prstGeom prst="rect">
+            <a:avLst/>
+          </a:prstGeom>
+        </p:spPr>
+        <p:txBody>
+          <a:bodyPr vert="horz" lIns="91440" tIns="45720" rIns="91440" bIns="45720" rtlCol="0"/>
+          <a:lstStyle/>
+          <a:p>
+            <a:pPr lvl="0"/>
+            <a:r>
+              <a:rPr lang="en-US"/>
+              <a:t>Edit Master text styles</a:t>
+            </a:r>
+          </a:p>
+          <a:p>
+            <a:pPr lvl="1"/>
+            <a:r>
+              <a:rPr lang="en-US"/>
+              <a:t>Second level</a:t>
+            </a:r>
+          </a:p>
+          <a:p>
+            <a:pPr lvl="2"/>
+            <a:r>
+              <a:rPr lang="en-US"/>
+              <a:t>Third level</a:t>
+            </a:r>
+          </a:p>
+          <a:p>
+            <a:pPr lvl="3"/>
+            <a:r>
+              <a:rPr lang="en-US"/>
+              <a:t>Fourth level</a:t>
+            </a:r>
+          </a:p>
+          <a:p>
+            <a:pPr lvl="4"/>
+            <a:r>
+              <a:rPr lang="en-US"/>
+              <a:t>Fifth level</a:t>
+            </a:r>
+          </a:p>
+        </p:txBody>
+      </p:sp>
+      <p:sp>
+        <p:nvSpPr>
+          <p:cNvPr id="6" name="Footer Placeholder 5"/>
+          <p:cNvSpPr>
+            <a:spLocks noGrp="1"/>
+          </p:cNvSpPr>
+          <p:nvPr>
+            <p:ph type="ftr" sz="quarter" idx="4"/>
+          </p:nvPr>
+        </p:nvSpPr>
+        <p:spPr>
+          <a:xfrm>
+            <a:off x="0" y="8685213"/>
+            <a:ext cx="2971800" cy="458787"/>
+          </a:xfrm>
+          <a:prstGeom prst="rect">
+            <a:avLst/>
+          </a:prstGeom>
+        </p:spPr>
+        <p:txBody>
+          <a:bodyPr vert="horz" lIns="91440" tIns="45720" rIns="91440" bIns="45720" rtlCol="0" anchor="b"/>
+          <a:lstStyle>
+            <a:lvl1pPr algn="l">
+              <a:defRPr sz="1200"/>
+            </a:lvl1pPr>
+          </a:lstStyle>
+          <a:p>
+            <a:endParaRPr lang="en-US"/>
+          </a:p>
+        </p:txBody>
+      </p:sp>
+      <p:sp>
+        <p:nvSpPr>
+          <p:cNvPr id="7" name="Slide Number Placeholder 6"/>
+          <p:cNvSpPr>
+            <a:spLocks noGrp="1"/>
+          </p:cNvSpPr>
+          <p:nvPr>
+            <p:ph type="sldNum" sz="quarter" idx="5"/>
+          </p:nvPr>
+        </p:nvSpPr>
+        <p:spPr>
+          <a:xfrm>
+            <a:off x="3884613" y="8685213"/>
+            <a:ext cx="2971800" cy="458787"/>
+          </a:xfrm>
+          <a:prstGeom prst="rect">
+            <a:avLst/>
+          </a:prstGeom>
+        </p:spPr>
+        <p:txBody>
+          <a:bodyPr vert="horz" lIns="91440" tIns="45720" rIns="91440" bIns="45720" rtlCol="0" anchor="b"/>
+          <a:lstStyle>
+            <a:lvl1pPr algn="r">
+              <a:defRPr sz="1200"/>
+            </a:lvl1pPr>
+          </a:lstStyle>
+          <a:p>
+            <a:fld id="{C5B28697-986A-40D8-A866-8267F43CAE9A}" type="slidenum">
+              <a:rPr lang="en-US" smtClean="0"/>
+              <a:t>‹#›</a:t>
+            </a:fld>
+            <a:endParaRPr lang="en-US"/>
+          </a:p>
+        </p:txBody>
+      </p:sp>
+    </p:spTree>
+    <p:extLst>
+      <p:ext uri="{BB962C8B-B14F-4D97-AF65-F5344CB8AC3E}">
+        <p14:creationId xmlns:p14="http://schemas.microsoft.com/office/powerpoint/2010/main" val="4246675578"/>
+      </p:ext>
+    </p:extLst>
+  </p:cSld>
+  <p:clrMap bg1="lt1" tx1="dk1" bg2="lt2" tx2="dk2" accent1="accent1" accent2="accent2" accent3="accent3" accent4="accent4" accent5="accent5" accent6="accent6" hlink="hlink" folHlink="folHlink"/>
+  <p:hf hdr="0" ftr="0" dt="0"/>
+  <p:notesStyle>
+    <a:lvl1pPr marL="0" algn="l" defTabSz="914400" rtl="0" eaLnBrk="1" latinLnBrk="0" hangingPunct="1">
+      <a:defRPr sz="1200" kern="1200">
+        <a:solidFill>
+          <a:schemeClr val="tx1"/>
+        </a:solidFill>
+        <a:latin typeface="+mn-lt"/>
+        <a:ea typeface="+mn-ea"/>
+        <a:cs typeface="+mn-cs"/>
+      </a:defRPr>
+    </a:lvl1pPr>
+    <a:lvl2pPr marL="457200" algn="l" defTabSz="914400" rtl="0" eaLnBrk="1" latinLnBrk="0" hangingPunct="1">
+      <a:defRPr sz="1200" kern="1200">
+        <a:solidFill>
+          <a:schemeClr val="tx1"/>
+        </a:solidFill>
+        <a:latin typeface="+mn-lt"/>
+        <a:ea typeface="+mn-ea"/>
+        <a:cs typeface="+mn-cs"/>
+      </a:defRPr>
+    </a:lvl2pPr>
+    <a:lvl3pPr marL="914400" algn="l" defTabSz="914400" rtl="0" eaLnBrk="1" latinLnBrk="0" hangingPunct="1">
+      <a:defRPr sz="1200" kern="1200">
+        <a:solidFill>
+          <a:schemeClr val="tx1"/>
+        </a:solidFill>
+        <a:latin typeface="+mn-lt"/>
+        <a:ea typeface="+mn-ea"/>
+        <a:cs typeface="+mn-cs"/>
+      </a:defRPr>
+    </a:lvl3pPr>
+    <a:lvl4pPr marL="1371600" algn="l" defTabSz="914400" rtl="0" eaLnBrk="1" latinLnBrk="0" hangingPunct="1">
+      <a:defRPr sz="1200" kern="1200">
+        <a:solidFill>
+          <a:schemeClr val="tx1"/>
+        </a:solidFill>
+        <a:latin typeface="+mn-lt"/>
+        <a:ea typeface="+mn-ea"/>
+        <a:cs typeface="+mn-cs"/>
+      </a:defRPr>
+    </a:lvl4pPr>
+    <a:lvl5pPr marL="1828800" algn="l" defTabSz="914400" rtl="0" eaLnBrk="1" latinLnBrk="0" hangingPunct="1">
+      <a:defRPr sz="1200" kern="1200">
+        <a:solidFill>
+          <a:schemeClr val="tx1"/>
+        </a:solidFill>
+        <a:latin typeface="+mn-lt"/>
+        <a:ea typeface="+mn-ea"/>
+        <a:cs typeface="+mn-cs"/>
+      </a:defRPr>
+    </a:lvl5pPr>
+    <a:lvl6pPr marL="2286000" algn="l" defTabSz="914400" rtl="0" eaLnBrk="1" latinLnBrk="0" hangingPunct="1">
+      <a:defRPr sz="1200" kern="1200">
+        <a:solidFill>
+          <a:schemeClr val="tx1"/>
+        </a:solidFill>
+        <a:latin typeface="+mn-lt"/>
+        <a:ea typeface="+mn-ea"/>
+        <a:cs typeface="+mn-cs"/>
+      </a:defRPr>
+    </a:lvl6pPr>
+    <a:lvl7pPr marL="2743200" algn="l" defTabSz="914400" rtl="0" eaLnBrk="1" latinLnBrk="0" hangingPunct="1">
+      <a:defRPr sz="1200" kern="1200">
+        <a:solidFill>
+          <a:schemeClr val="tx1"/>
+        </a:solidFill>
+        <a:latin typeface="+mn-lt"/>
+        <a:ea typeface="+mn-ea"/>
+        <a:cs typeface="+mn-cs"/>
+      </a:defRPr>
+    </a:lvl7pPr>
+    <a:lvl8pPr marL="3200400" algn="l" defTabSz="914400" rtl="0" eaLnBrk="1" latinLnBrk="0" hangingPunct="1">
+      <a:defRPr sz="1200" kern="1200">
+        <a:solidFill>
+          <a:schemeClr val="tx1"/>
+        </a:solidFill>
+        <a:latin typeface="+mn-lt"/>
+        <a:ea typeface="+mn-ea"/>
+        <a:cs typeface="+mn-cs"/>
+      </a:defRPr>
+    </a:lvl8pPr>
+    <a:lvl9pPr marL="3657600" algn="l" defTabSz="914400" rtl="0" eaLnBrk="1" latinLnBrk="0" hangingPunct="1">
+      <a:defRPr sz="1200" kern="1200">
+        <a:solidFill>
+          <a:schemeClr val="tx1"/>
+        </a:solidFill>
+        <a:latin typeface="+mn-lt"/>
+        <a:ea typeface="+mn-ea"/>
+        <a:cs typeface="+mn-cs"/>
+      </a:defRPr>
+    </a:lvl9pPr>
+  </p:notesStyle>
+</p:notesMaster>
 </file>
 
 <file path=ppt/slideLayouts/slideLayout1.xml><?xml version="1.0" encoding="utf-8"?>
@@ -874,9 +1420,9 @@
           <a:bodyPr/>
           <a:lstStyle/>
           <a:p>
-            <a:fld id="{076F629C-99DC-4EB9-9C91-324E212D9F24}" type="datetimeFigureOut">
+            <a:fld id="{735D7303-448D-4987-A713-76FC59F558D7}" type="datetime1">
               <a:rPr lang="en-US" smtClean="0"/>
-              <a:t>20-Nov-17</a:t>
+              <a:t>28-Nov-17</a:t>
             </a:fld>
             <a:endParaRPr lang="en-US"/>
           </a:p>
@@ -1125,9 +1671,9 @@
           <a:bodyPr/>
           <a:lstStyle/>
           <a:p>
-            <a:fld id="{076F629C-99DC-4EB9-9C91-324E212D9F24}" type="datetimeFigureOut">
+            <a:fld id="{3A168744-867E-4C24-8B2E-AF302187F4BF}" type="datetime1">
               <a:rPr lang="en-US" smtClean="0"/>
-              <a:t>20-Nov-17</a:t>
+              <a:t>28-Nov-17</a:t>
             </a:fld>
             <a:endParaRPr lang="en-US"/>
           </a:p>
@@ -1439,9 +1985,9 @@
           <a:bodyPr/>
           <a:lstStyle/>
           <a:p>
-            <a:fld id="{076F629C-99DC-4EB9-9C91-324E212D9F24}" type="datetimeFigureOut">
+            <a:fld id="{4E37A866-E1EF-4238-B2BE-30EF4FE8AB8B}" type="datetime1">
               <a:rPr lang="en-US" smtClean="0"/>
-              <a:t>20-Nov-17</a:t>
+              <a:t>28-Nov-17</a:t>
             </a:fld>
             <a:endParaRPr lang="en-US"/>
           </a:p>
@@ -1780,9 +2326,9 @@
           <a:bodyPr/>
           <a:lstStyle/>
           <a:p>
-            <a:fld id="{076F629C-99DC-4EB9-9C91-324E212D9F24}" type="datetimeFigureOut">
+            <a:fld id="{473C88BB-6CEE-48B5-A07A-84EC3F1C940F}" type="datetime1">
               <a:rPr lang="en-US" smtClean="0"/>
-              <a:t>20-Nov-17</a:t>
+              <a:t>28-Nov-17</a:t>
             </a:fld>
             <a:endParaRPr lang="en-US"/>
           </a:p>
@@ -2094,9 +2640,9 @@
           <a:bodyPr/>
           <a:lstStyle/>
           <a:p>
-            <a:fld id="{076F629C-99DC-4EB9-9C91-324E212D9F24}" type="datetimeFigureOut">
+            <a:fld id="{0C8D88AC-8907-4979-9AC5-0446AA2547BC}" type="datetime1">
               <a:rPr lang="en-US" smtClean="0"/>
-              <a:t>20-Nov-17</a:t>
+              <a:t>28-Nov-17</a:t>
             </a:fld>
             <a:endParaRPr lang="en-US"/>
           </a:p>
@@ -2487,9 +3033,9 @@
           <a:bodyPr/>
           <a:lstStyle/>
           <a:p>
-            <a:fld id="{076F629C-99DC-4EB9-9C91-324E212D9F24}" type="datetimeFigureOut">
+            <a:fld id="{8B6ABAD7-3757-45A7-BC7A-8CE5E952CE8A}" type="datetime1">
               <a:rPr lang="en-US" smtClean="0"/>
-              <a:t>20-Nov-17</a:t>
+              <a:t>28-Nov-17</a:t>
             </a:fld>
             <a:endParaRPr lang="en-US"/>
           </a:p>
@@ -2657,9 +3203,9 @@
           <a:bodyPr/>
           <a:lstStyle/>
           <a:p>
-            <a:fld id="{076F629C-99DC-4EB9-9C91-324E212D9F24}" type="datetimeFigureOut">
+            <a:fld id="{EDE45C13-6047-4259-9E1A-846E393D5B05}" type="datetime1">
               <a:rPr lang="en-US" smtClean="0"/>
-              <a:t>20-Nov-17</a:t>
+              <a:t>28-Nov-17</a:t>
             </a:fld>
             <a:endParaRPr lang="en-US"/>
           </a:p>
@@ -2837,9 +3383,9 @@
           <a:bodyPr/>
           <a:lstStyle/>
           <a:p>
-            <a:fld id="{076F629C-99DC-4EB9-9C91-324E212D9F24}" type="datetimeFigureOut">
+            <a:fld id="{3AF0B478-AB28-407B-B8C1-FCE727390921}" type="datetime1">
               <a:rPr lang="en-US" smtClean="0"/>
-              <a:t>20-Nov-17</a:t>
+              <a:t>28-Nov-17</a:t>
             </a:fld>
             <a:endParaRPr lang="en-US"/>
           </a:p>
@@ -3013,9 +3559,9 @@
           <a:bodyPr/>
           <a:lstStyle/>
           <a:p>
-            <a:fld id="{076F629C-99DC-4EB9-9C91-324E212D9F24}" type="datetimeFigureOut">
+            <a:fld id="{82281CFB-9E30-441C-B9D8-0729BDB9F586}" type="datetime1">
               <a:rPr lang="en-US" smtClean="0"/>
-              <a:t>20-Nov-17</a:t>
+              <a:t>28-Nov-17</a:t>
             </a:fld>
             <a:endParaRPr lang="en-US"/>
           </a:p>
@@ -3260,9 +3806,9 @@
           <a:bodyPr/>
           <a:lstStyle/>
           <a:p>
-            <a:fld id="{076F629C-99DC-4EB9-9C91-324E212D9F24}" type="datetimeFigureOut">
+            <a:fld id="{C72E0282-C93F-4BA3-BA27-9E409DBD4F37}" type="datetime1">
               <a:rPr lang="en-US" smtClean="0"/>
-              <a:t>20-Nov-17</a:t>
+              <a:t>28-Nov-17</a:t>
             </a:fld>
             <a:endParaRPr lang="en-US"/>
           </a:p>
@@ -3492,9 +4038,9 @@
           <a:bodyPr/>
           <a:lstStyle/>
           <a:p>
-            <a:fld id="{076F629C-99DC-4EB9-9C91-324E212D9F24}" type="datetimeFigureOut">
+            <a:fld id="{BFABBAD4-E38D-40D2-A1FA-160C593122CE}" type="datetime1">
               <a:rPr lang="en-US" smtClean="0"/>
-              <a:t>20-Nov-17</a:t>
+              <a:t>28-Nov-17</a:t>
             </a:fld>
             <a:endParaRPr lang="en-US"/>
           </a:p>
@@ -3866,9 +4412,9 @@
           <a:bodyPr/>
           <a:lstStyle/>
           <a:p>
-            <a:fld id="{076F629C-99DC-4EB9-9C91-324E212D9F24}" type="datetimeFigureOut">
+            <a:fld id="{79981F0E-01BA-4931-9B7C-048789FA0F66}" type="datetime1">
               <a:rPr lang="en-US" smtClean="0"/>
-              <a:t>20-Nov-17</a:t>
+              <a:t>28-Nov-17</a:t>
             </a:fld>
             <a:endParaRPr lang="en-US"/>
           </a:p>
@@ -3989,9 +4535,9 @@
           <a:bodyPr/>
           <a:lstStyle/>
           <a:p>
-            <a:fld id="{076F629C-99DC-4EB9-9C91-324E212D9F24}" type="datetimeFigureOut">
+            <a:fld id="{AD5CAD07-739F-4193-B763-9A1F340D3CA3}" type="datetime1">
               <a:rPr lang="en-US" smtClean="0"/>
-              <a:t>20-Nov-17</a:t>
+              <a:t>28-Nov-17</a:t>
             </a:fld>
             <a:endParaRPr lang="en-US"/>
           </a:p>
@@ -4084,9 +4630,9 @@
           <a:bodyPr/>
           <a:lstStyle/>
           <a:p>
-            <a:fld id="{076F629C-99DC-4EB9-9C91-324E212D9F24}" type="datetimeFigureOut">
+            <a:fld id="{8A8CA216-30D1-479F-81E1-D17C3D302EE3}" type="datetime1">
               <a:rPr lang="en-US" smtClean="0"/>
-              <a:t>20-Nov-17</a:t>
+              <a:t>28-Nov-17</a:t>
             </a:fld>
             <a:endParaRPr lang="en-US"/>
           </a:p>
@@ -4339,9 +4885,9 @@
           <a:bodyPr/>
           <a:lstStyle/>
           <a:p>
-            <a:fld id="{076F629C-99DC-4EB9-9C91-324E212D9F24}" type="datetimeFigureOut">
+            <a:fld id="{0D936126-1216-4D53-AF20-0E9966B95E8B}" type="datetime1">
               <a:rPr lang="en-US" smtClean="0"/>
-              <a:t>20-Nov-17</a:t>
+              <a:t>28-Nov-17</a:t>
             </a:fld>
             <a:endParaRPr lang="en-US"/>
           </a:p>
@@ -4602,9 +5148,9 @@
           <a:bodyPr/>
           <a:lstStyle/>
           <a:p>
-            <a:fld id="{076F629C-99DC-4EB9-9C91-324E212D9F24}" type="datetimeFigureOut">
+            <a:fld id="{2D91A28C-04A7-4BA1-A90F-F26E6C3E8D83}" type="datetime1">
               <a:rPr lang="en-US" smtClean="0"/>
-              <a:t>20-Nov-17</a:t>
+              <a:t>28-Nov-17</a:t>
             </a:fld>
             <a:endParaRPr lang="en-US"/>
           </a:p>
@@ -5345,9 +5891,9 @@
             </a:lvl1pPr>
           </a:lstStyle>
           <a:p>
-            <a:fld id="{076F629C-99DC-4EB9-9C91-324E212D9F24}" type="datetimeFigureOut">
+            <a:fld id="{08532FE4-17FC-4AA3-A264-75779A4D6D0A}" type="datetime1">
               <a:rPr lang="en-US" smtClean="0"/>
-              <a:t>20-Nov-17</a:t>
+              <a:t>28-Nov-17</a:t>
             </a:fld>
             <a:endParaRPr lang="en-US"/>
           </a:p>
@@ -5455,6 +6001,7 @@
     <p:sldLayoutId id="2147483745" r:id="rId15"/>
     <p:sldLayoutId id="2147483746" r:id="rId16"/>
   </p:sldLayoutIdLst>
+  <p:hf hdr="0" ftr="0" dt="0"/>
   <p:txStyles>
     <p:titleStyle>
       <a:lvl1pPr algn="l" defTabSz="457200" rtl="0" eaLnBrk="1" latinLnBrk="0" hangingPunct="1">
@@ -6405,6 +6952,35 @@
           </a:p>
         </p:txBody>
       </p:sp>
+      <p:sp>
+        <p:nvSpPr>
+          <p:cNvPr id="2" name="Slide Number Placeholder 1">
+            <a:extLst>
+              <a:ext uri="{FF2B5EF4-FFF2-40B4-BE49-F238E27FC236}">
+                <a16:creationId xmlns:a16="http://schemas.microsoft.com/office/drawing/2014/main" id="{176CDECA-3E3C-46E2-96C7-8E40A78DC0DC}"/>
+              </a:ext>
+            </a:extLst>
+          </p:cNvPr>
+          <p:cNvSpPr>
+            <a:spLocks noGrp="1"/>
+          </p:cNvSpPr>
+          <p:nvPr>
+            <p:ph type="sldNum" sz="quarter" idx="12"/>
+          </p:nvPr>
+        </p:nvSpPr>
+        <p:spPr/>
+        <p:txBody>
+          <a:bodyPr/>
+          <a:lstStyle/>
+          <a:p>
+            <a:fld id="{3CC90D32-697D-4F0D-8E4A-0F6F398B2A4E}" type="slidenum">
+              <a:rPr lang="en-US" smtClean="0"/>
+              <a:t>1</a:t>
+            </a:fld>
+            <a:endParaRPr lang="en-US" dirty="0"/>
+          </a:p>
+        </p:txBody>
+      </p:sp>
     </p:spTree>
     <p:extLst>
       <p:ext uri="{BB962C8B-B14F-4D97-AF65-F5344CB8AC3E}">
@@ -6525,6 +7101,35 @@
           </a:prstGeom>
         </p:spPr>
       </p:pic>
+      <p:sp>
+        <p:nvSpPr>
+          <p:cNvPr id="3" name="Slide Number Placeholder 2">
+            <a:extLst>
+              <a:ext uri="{FF2B5EF4-FFF2-40B4-BE49-F238E27FC236}">
+                <a16:creationId xmlns:a16="http://schemas.microsoft.com/office/drawing/2014/main" id="{B5BB77B1-7F61-4ADF-95F2-A7DA84EDB7B9}"/>
+              </a:ext>
+            </a:extLst>
+          </p:cNvPr>
+          <p:cNvSpPr>
+            <a:spLocks noGrp="1"/>
+          </p:cNvSpPr>
+          <p:nvPr>
+            <p:ph type="sldNum" sz="quarter" idx="12"/>
+          </p:nvPr>
+        </p:nvSpPr>
+        <p:spPr/>
+        <p:txBody>
+          <a:bodyPr/>
+          <a:lstStyle/>
+          <a:p>
+            <a:fld id="{3CC90D32-697D-4F0D-8E4A-0F6F398B2A4E}" type="slidenum">
+              <a:rPr lang="en-US" smtClean="0"/>
+              <a:t>10</a:t>
+            </a:fld>
+            <a:endParaRPr lang="en-US"/>
+          </a:p>
+        </p:txBody>
+      </p:sp>
     </p:spTree>
     <p:extLst>
       <p:ext uri="{BB962C8B-B14F-4D97-AF65-F5344CB8AC3E}">
@@ -6885,6 +7490,35 @@
               <a:t>.</a:t>
             </a:r>
             <a:endParaRPr lang="en-US" sz="2400" b="1" dirty="0"/>
+          </a:p>
+        </p:txBody>
+      </p:sp>
+      <p:sp>
+        <p:nvSpPr>
+          <p:cNvPr id="4" name="Slide Number Placeholder 3">
+            <a:extLst>
+              <a:ext uri="{FF2B5EF4-FFF2-40B4-BE49-F238E27FC236}">
+                <a16:creationId xmlns:a16="http://schemas.microsoft.com/office/drawing/2014/main" id="{D14BCE4C-0713-4C94-8AC4-464155492ADA}"/>
+              </a:ext>
+            </a:extLst>
+          </p:cNvPr>
+          <p:cNvSpPr>
+            <a:spLocks noGrp="1"/>
+          </p:cNvSpPr>
+          <p:nvPr>
+            <p:ph type="sldNum" sz="quarter" idx="12"/>
+          </p:nvPr>
+        </p:nvSpPr>
+        <p:spPr/>
+        <p:txBody>
+          <a:bodyPr/>
+          <a:lstStyle/>
+          <a:p>
+            <a:fld id="{3CC90D32-697D-4F0D-8E4A-0F6F398B2A4E}" type="slidenum">
+              <a:rPr lang="en-US" smtClean="0"/>
+              <a:t>11</a:t>
+            </a:fld>
+            <a:endParaRPr lang="en-US"/>
           </a:p>
         </p:txBody>
       </p:sp>
@@ -7723,6 +8357,35 @@
           </a:p>
         </p:txBody>
       </p:sp>
+      <p:sp>
+        <p:nvSpPr>
+          <p:cNvPr id="4" name="Slide Number Placeholder 3">
+            <a:extLst>
+              <a:ext uri="{FF2B5EF4-FFF2-40B4-BE49-F238E27FC236}">
+                <a16:creationId xmlns:a16="http://schemas.microsoft.com/office/drawing/2014/main" id="{EEDB6C31-2B4C-479B-A130-15D7ECA7DB2A}"/>
+              </a:ext>
+            </a:extLst>
+          </p:cNvPr>
+          <p:cNvSpPr>
+            <a:spLocks noGrp="1"/>
+          </p:cNvSpPr>
+          <p:nvPr>
+            <p:ph type="sldNum" sz="quarter" idx="12"/>
+          </p:nvPr>
+        </p:nvSpPr>
+        <p:spPr/>
+        <p:txBody>
+          <a:bodyPr/>
+          <a:lstStyle/>
+          <a:p>
+            <a:fld id="{3CC90D32-697D-4F0D-8E4A-0F6F398B2A4E}" type="slidenum">
+              <a:rPr lang="en-US" smtClean="0"/>
+              <a:t>12</a:t>
+            </a:fld>
+            <a:endParaRPr lang="en-US"/>
+          </a:p>
+        </p:txBody>
+      </p:sp>
     </p:spTree>
     <p:extLst>
       <p:ext uri="{BB962C8B-B14F-4D97-AF65-F5344CB8AC3E}">
@@ -8122,6 +8785,35 @@
           </a:prstGeom>
         </p:spPr>
       </p:pic>
+      <p:sp>
+        <p:nvSpPr>
+          <p:cNvPr id="3" name="Slide Number Placeholder 2">
+            <a:extLst>
+              <a:ext uri="{FF2B5EF4-FFF2-40B4-BE49-F238E27FC236}">
+                <a16:creationId xmlns:a16="http://schemas.microsoft.com/office/drawing/2014/main" id="{EF75FC47-02E0-4A51-A3E9-8C1ACE114325}"/>
+              </a:ext>
+            </a:extLst>
+          </p:cNvPr>
+          <p:cNvSpPr>
+            <a:spLocks noGrp="1"/>
+          </p:cNvSpPr>
+          <p:nvPr>
+            <p:ph type="sldNum" sz="quarter" idx="12"/>
+          </p:nvPr>
+        </p:nvSpPr>
+        <p:spPr/>
+        <p:txBody>
+          <a:bodyPr/>
+          <a:lstStyle/>
+          <a:p>
+            <a:fld id="{3CC90D32-697D-4F0D-8E4A-0F6F398B2A4E}" type="slidenum">
+              <a:rPr lang="en-US" smtClean="0"/>
+              <a:t>13</a:t>
+            </a:fld>
+            <a:endParaRPr lang="en-US"/>
+          </a:p>
+        </p:txBody>
+      </p:sp>
     </p:spTree>
     <p:extLst>
       <p:ext uri="{BB962C8B-B14F-4D97-AF65-F5344CB8AC3E}">
@@ -8276,6 +8968,35 @@
           </a:p>
           <a:p>
             <a:endParaRPr lang="en-US" sz="2400" dirty="0"/>
+          </a:p>
+        </p:txBody>
+      </p:sp>
+      <p:sp>
+        <p:nvSpPr>
+          <p:cNvPr id="4" name="Slide Number Placeholder 3">
+            <a:extLst>
+              <a:ext uri="{FF2B5EF4-FFF2-40B4-BE49-F238E27FC236}">
+                <a16:creationId xmlns:a16="http://schemas.microsoft.com/office/drawing/2014/main" id="{A058CD21-296F-43FD-82C9-046E8C33E18A}"/>
+              </a:ext>
+            </a:extLst>
+          </p:cNvPr>
+          <p:cNvSpPr>
+            <a:spLocks noGrp="1"/>
+          </p:cNvSpPr>
+          <p:nvPr>
+            <p:ph type="sldNum" sz="quarter" idx="12"/>
+          </p:nvPr>
+        </p:nvSpPr>
+        <p:spPr/>
+        <p:txBody>
+          <a:bodyPr/>
+          <a:lstStyle/>
+          <a:p>
+            <a:fld id="{3CC90D32-697D-4F0D-8E4A-0F6F398B2A4E}" type="slidenum">
+              <a:rPr lang="en-US" smtClean="0"/>
+              <a:t>14</a:t>
+            </a:fld>
+            <a:endParaRPr lang="en-US"/>
           </a:p>
         </p:txBody>
       </p:sp>
@@ -9511,6 +10232,35 @@
           </a:p>
         </p:txBody>
       </p:sp>
+      <p:sp>
+        <p:nvSpPr>
+          <p:cNvPr id="3" name="Slide Number Placeholder 2">
+            <a:extLst>
+              <a:ext uri="{FF2B5EF4-FFF2-40B4-BE49-F238E27FC236}">
+                <a16:creationId xmlns:a16="http://schemas.microsoft.com/office/drawing/2014/main" id="{6A216975-2769-4176-9EC3-01E29CE46A9A}"/>
+              </a:ext>
+            </a:extLst>
+          </p:cNvPr>
+          <p:cNvSpPr>
+            <a:spLocks noGrp="1"/>
+          </p:cNvSpPr>
+          <p:nvPr>
+            <p:ph type="sldNum" sz="quarter" idx="12"/>
+          </p:nvPr>
+        </p:nvSpPr>
+        <p:spPr/>
+        <p:txBody>
+          <a:bodyPr/>
+          <a:lstStyle/>
+          <a:p>
+            <a:fld id="{3CC90D32-697D-4F0D-8E4A-0F6F398B2A4E}" type="slidenum">
+              <a:rPr lang="en-US" smtClean="0"/>
+              <a:t>15</a:t>
+            </a:fld>
+            <a:endParaRPr lang="en-US"/>
+          </a:p>
+        </p:txBody>
+      </p:sp>
     </p:spTree>
     <p:extLst>
       <p:ext uri="{BB962C8B-B14F-4D97-AF65-F5344CB8AC3E}">
@@ -9580,6 +10330,35 @@
           </a:ln>
         </p:spPr>
       </p:pic>
+      <p:sp>
+        <p:nvSpPr>
+          <p:cNvPr id="2" name="Slide Number Placeholder 1">
+            <a:extLst>
+              <a:ext uri="{FF2B5EF4-FFF2-40B4-BE49-F238E27FC236}">
+                <a16:creationId xmlns:a16="http://schemas.microsoft.com/office/drawing/2014/main" id="{14BFF6F3-7A63-423E-BDB7-877CDB1049D9}"/>
+              </a:ext>
+            </a:extLst>
+          </p:cNvPr>
+          <p:cNvSpPr>
+            <a:spLocks noGrp="1"/>
+          </p:cNvSpPr>
+          <p:nvPr>
+            <p:ph type="sldNum" sz="quarter" idx="12"/>
+          </p:nvPr>
+        </p:nvSpPr>
+        <p:spPr/>
+        <p:txBody>
+          <a:bodyPr/>
+          <a:lstStyle/>
+          <a:p>
+            <a:fld id="{3CC90D32-697D-4F0D-8E4A-0F6F398B2A4E}" type="slidenum">
+              <a:rPr lang="en-US" smtClean="0"/>
+              <a:t>16</a:t>
+            </a:fld>
+            <a:endParaRPr lang="en-US"/>
+          </a:p>
+        </p:txBody>
+      </p:sp>
     </p:spTree>
     <p:extLst>
       <p:ext uri="{BB962C8B-B14F-4D97-AF65-F5344CB8AC3E}">
@@ -10029,6 +10808,35 @@
           </a:p>
         </p:txBody>
       </p:sp>
+      <p:sp>
+        <p:nvSpPr>
+          <p:cNvPr id="3" name="Slide Number Placeholder 2">
+            <a:extLst>
+              <a:ext uri="{FF2B5EF4-FFF2-40B4-BE49-F238E27FC236}">
+                <a16:creationId xmlns:a16="http://schemas.microsoft.com/office/drawing/2014/main" id="{63130E73-D866-48F4-AD81-B31C5FB0DF1F}"/>
+              </a:ext>
+            </a:extLst>
+          </p:cNvPr>
+          <p:cNvSpPr>
+            <a:spLocks noGrp="1"/>
+          </p:cNvSpPr>
+          <p:nvPr>
+            <p:ph type="sldNum" sz="quarter" idx="12"/>
+          </p:nvPr>
+        </p:nvSpPr>
+        <p:spPr/>
+        <p:txBody>
+          <a:bodyPr/>
+          <a:lstStyle/>
+          <a:p>
+            <a:fld id="{3CC90D32-697D-4F0D-8E4A-0F6F398B2A4E}" type="slidenum">
+              <a:rPr lang="en-US" smtClean="0"/>
+              <a:t>17</a:t>
+            </a:fld>
+            <a:endParaRPr lang="en-US"/>
+          </a:p>
+        </p:txBody>
+      </p:sp>
     </p:spTree>
     <p:extLst>
       <p:ext uri="{BB962C8B-B14F-4D97-AF65-F5344CB8AC3E}">
@@ -10147,6 +10955,35 @@
           </a:prstGeom>
         </p:spPr>
       </p:pic>
+      <p:sp>
+        <p:nvSpPr>
+          <p:cNvPr id="3" name="Slide Number Placeholder 2">
+            <a:extLst>
+              <a:ext uri="{FF2B5EF4-FFF2-40B4-BE49-F238E27FC236}">
+                <a16:creationId xmlns:a16="http://schemas.microsoft.com/office/drawing/2014/main" id="{4E9C2390-C1D2-4F64-B705-EF4114582AA9}"/>
+              </a:ext>
+            </a:extLst>
+          </p:cNvPr>
+          <p:cNvSpPr>
+            <a:spLocks noGrp="1"/>
+          </p:cNvSpPr>
+          <p:nvPr>
+            <p:ph type="sldNum" sz="quarter" idx="12"/>
+          </p:nvPr>
+        </p:nvSpPr>
+        <p:spPr/>
+        <p:txBody>
+          <a:bodyPr/>
+          <a:lstStyle/>
+          <a:p>
+            <a:fld id="{3CC90D32-697D-4F0D-8E4A-0F6F398B2A4E}" type="slidenum">
+              <a:rPr lang="en-US" smtClean="0"/>
+              <a:t>18</a:t>
+            </a:fld>
+            <a:endParaRPr lang="en-US"/>
+          </a:p>
+        </p:txBody>
+      </p:sp>
     </p:spTree>
     <p:extLst>
       <p:ext uri="{BB962C8B-B14F-4D97-AF65-F5344CB8AC3E}">
@@ -10268,6 +11105,35 @@
           </a:ln>
         </p:spPr>
       </p:pic>
+      <p:sp>
+        <p:nvSpPr>
+          <p:cNvPr id="3" name="Slide Number Placeholder 2">
+            <a:extLst>
+              <a:ext uri="{FF2B5EF4-FFF2-40B4-BE49-F238E27FC236}">
+                <a16:creationId xmlns:a16="http://schemas.microsoft.com/office/drawing/2014/main" id="{10C99F6A-016C-4812-9A62-9E5C6626F1EA}"/>
+              </a:ext>
+            </a:extLst>
+          </p:cNvPr>
+          <p:cNvSpPr>
+            <a:spLocks noGrp="1"/>
+          </p:cNvSpPr>
+          <p:nvPr>
+            <p:ph type="sldNum" sz="quarter" idx="12"/>
+          </p:nvPr>
+        </p:nvSpPr>
+        <p:spPr/>
+        <p:txBody>
+          <a:bodyPr/>
+          <a:lstStyle/>
+          <a:p>
+            <a:fld id="{3CC90D32-697D-4F0D-8E4A-0F6F398B2A4E}" type="slidenum">
+              <a:rPr lang="en-US" smtClean="0"/>
+              <a:t>19</a:t>
+            </a:fld>
+            <a:endParaRPr lang="en-US"/>
+          </a:p>
+        </p:txBody>
+      </p:sp>
     </p:spTree>
     <p:extLst>
       <p:ext uri="{BB962C8B-B14F-4D97-AF65-F5344CB8AC3E}">
@@ -10612,6 +11478,35 @@
           </a:p>
         </p:txBody>
       </p:sp>
+      <p:sp>
+        <p:nvSpPr>
+          <p:cNvPr id="3" name="Slide Number Placeholder 2">
+            <a:extLst>
+              <a:ext uri="{FF2B5EF4-FFF2-40B4-BE49-F238E27FC236}">
+                <a16:creationId xmlns:a16="http://schemas.microsoft.com/office/drawing/2014/main" id="{420A956E-C9FC-4FA1-A838-416B86040956}"/>
+              </a:ext>
+            </a:extLst>
+          </p:cNvPr>
+          <p:cNvSpPr>
+            <a:spLocks noGrp="1"/>
+          </p:cNvSpPr>
+          <p:nvPr>
+            <p:ph type="sldNum" sz="quarter" idx="12"/>
+          </p:nvPr>
+        </p:nvSpPr>
+        <p:spPr/>
+        <p:txBody>
+          <a:bodyPr/>
+          <a:lstStyle/>
+          <a:p>
+            <a:fld id="{3CC90D32-697D-4F0D-8E4A-0F6F398B2A4E}" type="slidenum">
+              <a:rPr lang="en-US" smtClean="0"/>
+              <a:t>2</a:t>
+            </a:fld>
+            <a:endParaRPr lang="en-US"/>
+          </a:p>
+        </p:txBody>
+      </p:sp>
     </p:spTree>
     <p:extLst>
       <p:ext uri="{BB962C8B-B14F-4D97-AF65-F5344CB8AC3E}">
@@ -10724,6 +11619,35 @@
           </a:prstGeom>
         </p:spPr>
       </p:pic>
+      <p:sp>
+        <p:nvSpPr>
+          <p:cNvPr id="3" name="Slide Number Placeholder 2">
+            <a:extLst>
+              <a:ext uri="{FF2B5EF4-FFF2-40B4-BE49-F238E27FC236}">
+                <a16:creationId xmlns:a16="http://schemas.microsoft.com/office/drawing/2014/main" id="{B889C08F-040B-4BD2-A133-D978BE6D5848}"/>
+              </a:ext>
+            </a:extLst>
+          </p:cNvPr>
+          <p:cNvSpPr>
+            <a:spLocks noGrp="1"/>
+          </p:cNvSpPr>
+          <p:nvPr>
+            <p:ph type="sldNum" sz="quarter" idx="12"/>
+          </p:nvPr>
+        </p:nvSpPr>
+        <p:spPr/>
+        <p:txBody>
+          <a:bodyPr/>
+          <a:lstStyle/>
+          <a:p>
+            <a:fld id="{3CC90D32-697D-4F0D-8E4A-0F6F398B2A4E}" type="slidenum">
+              <a:rPr lang="en-US" smtClean="0"/>
+              <a:t>20</a:t>
+            </a:fld>
+            <a:endParaRPr lang="en-US"/>
+          </a:p>
+        </p:txBody>
+      </p:sp>
     </p:spTree>
     <p:extLst>
       <p:ext uri="{BB962C8B-B14F-4D97-AF65-F5344CB8AC3E}">
@@ -10823,6 +11747,35 @@
           </a:ln>
         </p:spPr>
       </p:pic>
+      <p:sp>
+        <p:nvSpPr>
+          <p:cNvPr id="3" name="Slide Number Placeholder 2">
+            <a:extLst>
+              <a:ext uri="{FF2B5EF4-FFF2-40B4-BE49-F238E27FC236}">
+                <a16:creationId xmlns:a16="http://schemas.microsoft.com/office/drawing/2014/main" id="{DB1E3BF0-596B-4966-A517-6C3641AD1FC7}"/>
+              </a:ext>
+            </a:extLst>
+          </p:cNvPr>
+          <p:cNvSpPr>
+            <a:spLocks noGrp="1"/>
+          </p:cNvSpPr>
+          <p:nvPr>
+            <p:ph type="sldNum" sz="quarter" idx="12"/>
+          </p:nvPr>
+        </p:nvSpPr>
+        <p:spPr/>
+        <p:txBody>
+          <a:bodyPr/>
+          <a:lstStyle/>
+          <a:p>
+            <a:fld id="{3CC90D32-697D-4F0D-8E4A-0F6F398B2A4E}" type="slidenum">
+              <a:rPr lang="en-US" smtClean="0"/>
+              <a:t>21</a:t>
+            </a:fld>
+            <a:endParaRPr lang="en-US"/>
+          </a:p>
+        </p:txBody>
+      </p:sp>
     </p:spTree>
     <p:extLst>
       <p:ext uri="{BB962C8B-B14F-4D97-AF65-F5344CB8AC3E}">
@@ -10997,6 +11950,35 @@
           </a:prstGeom>
         </p:spPr>
       </p:pic>
+      <p:sp>
+        <p:nvSpPr>
+          <p:cNvPr id="3" name="Slide Number Placeholder 2">
+            <a:extLst>
+              <a:ext uri="{FF2B5EF4-FFF2-40B4-BE49-F238E27FC236}">
+                <a16:creationId xmlns:a16="http://schemas.microsoft.com/office/drawing/2014/main" id="{74AB0D21-93A9-4358-A5C1-603EBD1E55FA}"/>
+              </a:ext>
+            </a:extLst>
+          </p:cNvPr>
+          <p:cNvSpPr>
+            <a:spLocks noGrp="1"/>
+          </p:cNvSpPr>
+          <p:nvPr>
+            <p:ph type="sldNum" sz="quarter" idx="12"/>
+          </p:nvPr>
+        </p:nvSpPr>
+        <p:spPr/>
+        <p:txBody>
+          <a:bodyPr/>
+          <a:lstStyle/>
+          <a:p>
+            <a:fld id="{3CC90D32-697D-4F0D-8E4A-0F6F398B2A4E}" type="slidenum">
+              <a:rPr lang="en-US" smtClean="0"/>
+              <a:t>22</a:t>
+            </a:fld>
+            <a:endParaRPr lang="en-US"/>
+          </a:p>
+        </p:txBody>
+      </p:sp>
     </p:spTree>
     <p:extLst>
       <p:ext uri="{BB962C8B-B14F-4D97-AF65-F5344CB8AC3E}">
@@ -11127,6 +12109,35 @@
           </a:prstGeom>
         </p:spPr>
       </p:pic>
+      <p:sp>
+        <p:nvSpPr>
+          <p:cNvPr id="3" name="Slide Number Placeholder 2">
+            <a:extLst>
+              <a:ext uri="{FF2B5EF4-FFF2-40B4-BE49-F238E27FC236}">
+                <a16:creationId xmlns:a16="http://schemas.microsoft.com/office/drawing/2014/main" id="{1983C757-0EBC-4AC7-8C71-1BB60A86C8FF}"/>
+              </a:ext>
+            </a:extLst>
+          </p:cNvPr>
+          <p:cNvSpPr>
+            <a:spLocks noGrp="1"/>
+          </p:cNvSpPr>
+          <p:nvPr>
+            <p:ph type="sldNum" sz="quarter" idx="12"/>
+          </p:nvPr>
+        </p:nvSpPr>
+        <p:spPr/>
+        <p:txBody>
+          <a:bodyPr/>
+          <a:lstStyle/>
+          <a:p>
+            <a:fld id="{3CC90D32-697D-4F0D-8E4A-0F6F398B2A4E}" type="slidenum">
+              <a:rPr lang="en-US" smtClean="0"/>
+              <a:t>23</a:t>
+            </a:fld>
+            <a:endParaRPr lang="en-US"/>
+          </a:p>
+        </p:txBody>
+      </p:sp>
     </p:spTree>
     <p:extLst>
       <p:ext uri="{BB962C8B-B14F-4D97-AF65-F5344CB8AC3E}">
@@ -11298,6 +12309,35 @@
           </a:prstGeom>
         </p:spPr>
       </p:pic>
+      <p:sp>
+        <p:nvSpPr>
+          <p:cNvPr id="3" name="Slide Number Placeholder 2">
+            <a:extLst>
+              <a:ext uri="{FF2B5EF4-FFF2-40B4-BE49-F238E27FC236}">
+                <a16:creationId xmlns:a16="http://schemas.microsoft.com/office/drawing/2014/main" id="{7F65368C-E281-47D8-871B-6DB60455A906}"/>
+              </a:ext>
+            </a:extLst>
+          </p:cNvPr>
+          <p:cNvSpPr>
+            <a:spLocks noGrp="1"/>
+          </p:cNvSpPr>
+          <p:nvPr>
+            <p:ph type="sldNum" sz="quarter" idx="12"/>
+          </p:nvPr>
+        </p:nvSpPr>
+        <p:spPr/>
+        <p:txBody>
+          <a:bodyPr/>
+          <a:lstStyle/>
+          <a:p>
+            <a:fld id="{3CC90D32-697D-4F0D-8E4A-0F6F398B2A4E}" type="slidenum">
+              <a:rPr lang="en-US" smtClean="0"/>
+              <a:t>24</a:t>
+            </a:fld>
+            <a:endParaRPr lang="en-US"/>
+          </a:p>
+        </p:txBody>
+      </p:sp>
     </p:spTree>
     <p:extLst>
       <p:ext uri="{BB962C8B-B14F-4D97-AF65-F5344CB8AC3E}">
@@ -11430,6 +12470,35 @@
           </a:prstGeom>
         </p:spPr>
       </p:pic>
+      <p:sp>
+        <p:nvSpPr>
+          <p:cNvPr id="3" name="Slide Number Placeholder 2">
+            <a:extLst>
+              <a:ext uri="{FF2B5EF4-FFF2-40B4-BE49-F238E27FC236}">
+                <a16:creationId xmlns:a16="http://schemas.microsoft.com/office/drawing/2014/main" id="{267A42D0-006D-447A-BC0C-42FFAA77A4DB}"/>
+              </a:ext>
+            </a:extLst>
+          </p:cNvPr>
+          <p:cNvSpPr>
+            <a:spLocks noGrp="1"/>
+          </p:cNvSpPr>
+          <p:nvPr>
+            <p:ph type="sldNum" sz="quarter" idx="12"/>
+          </p:nvPr>
+        </p:nvSpPr>
+        <p:spPr/>
+        <p:txBody>
+          <a:bodyPr/>
+          <a:lstStyle/>
+          <a:p>
+            <a:fld id="{3CC90D32-697D-4F0D-8E4A-0F6F398B2A4E}" type="slidenum">
+              <a:rPr lang="en-US" smtClean="0"/>
+              <a:t>25</a:t>
+            </a:fld>
+            <a:endParaRPr lang="en-US"/>
+          </a:p>
+        </p:txBody>
+      </p:sp>
     </p:spTree>
     <p:extLst>
       <p:ext uri="{BB962C8B-B14F-4D97-AF65-F5344CB8AC3E}">
@@ -11598,6 +12667,35 @@
           </a:prstGeom>
         </p:spPr>
       </p:pic>
+      <p:sp>
+        <p:nvSpPr>
+          <p:cNvPr id="3" name="Slide Number Placeholder 2">
+            <a:extLst>
+              <a:ext uri="{FF2B5EF4-FFF2-40B4-BE49-F238E27FC236}">
+                <a16:creationId xmlns:a16="http://schemas.microsoft.com/office/drawing/2014/main" id="{923EA480-5D0C-4BE2-AE3E-1422ABAFD6E2}"/>
+              </a:ext>
+            </a:extLst>
+          </p:cNvPr>
+          <p:cNvSpPr>
+            <a:spLocks noGrp="1"/>
+          </p:cNvSpPr>
+          <p:nvPr>
+            <p:ph type="sldNum" sz="quarter" idx="12"/>
+          </p:nvPr>
+        </p:nvSpPr>
+        <p:spPr/>
+        <p:txBody>
+          <a:bodyPr/>
+          <a:lstStyle/>
+          <a:p>
+            <a:fld id="{3CC90D32-697D-4F0D-8E4A-0F6F398B2A4E}" type="slidenum">
+              <a:rPr lang="en-US" smtClean="0"/>
+              <a:t>26</a:t>
+            </a:fld>
+            <a:endParaRPr lang="en-US"/>
+          </a:p>
+        </p:txBody>
+      </p:sp>
     </p:spTree>
     <p:extLst>
       <p:ext uri="{BB962C8B-B14F-4D97-AF65-F5344CB8AC3E}">
@@ -11694,6 +12792,35 @@
           </a:prstGeom>
         </p:spPr>
       </p:pic>
+      <p:sp>
+        <p:nvSpPr>
+          <p:cNvPr id="3" name="Slide Number Placeholder 2">
+            <a:extLst>
+              <a:ext uri="{FF2B5EF4-FFF2-40B4-BE49-F238E27FC236}">
+                <a16:creationId xmlns:a16="http://schemas.microsoft.com/office/drawing/2014/main" id="{035FA791-F02E-4E14-B4CB-17D5CFF99F52}"/>
+              </a:ext>
+            </a:extLst>
+          </p:cNvPr>
+          <p:cNvSpPr>
+            <a:spLocks noGrp="1"/>
+          </p:cNvSpPr>
+          <p:nvPr>
+            <p:ph type="sldNum" sz="quarter" idx="12"/>
+          </p:nvPr>
+        </p:nvSpPr>
+        <p:spPr/>
+        <p:txBody>
+          <a:bodyPr/>
+          <a:lstStyle/>
+          <a:p>
+            <a:fld id="{3CC90D32-697D-4F0D-8E4A-0F6F398B2A4E}" type="slidenum">
+              <a:rPr lang="en-US" smtClean="0"/>
+              <a:t>27</a:t>
+            </a:fld>
+            <a:endParaRPr lang="en-US"/>
+          </a:p>
+        </p:txBody>
+      </p:sp>
     </p:spTree>
     <p:extLst>
       <p:ext uri="{BB962C8B-B14F-4D97-AF65-F5344CB8AC3E}">
@@ -11837,6 +12964,35 @@
           </a:p>
         </p:txBody>
       </p:sp>
+      <p:sp>
+        <p:nvSpPr>
+          <p:cNvPr id="2" name="Slide Number Placeholder 1">
+            <a:extLst>
+              <a:ext uri="{FF2B5EF4-FFF2-40B4-BE49-F238E27FC236}">
+                <a16:creationId xmlns:a16="http://schemas.microsoft.com/office/drawing/2014/main" id="{2DB9CCA5-4641-479D-8F0B-E589779EBD4F}"/>
+              </a:ext>
+            </a:extLst>
+          </p:cNvPr>
+          <p:cNvSpPr>
+            <a:spLocks noGrp="1"/>
+          </p:cNvSpPr>
+          <p:nvPr>
+            <p:ph type="sldNum" sz="quarter" idx="12"/>
+          </p:nvPr>
+        </p:nvSpPr>
+        <p:spPr/>
+        <p:txBody>
+          <a:bodyPr/>
+          <a:lstStyle/>
+          <a:p>
+            <a:fld id="{3CC90D32-697D-4F0D-8E4A-0F6F398B2A4E}" type="slidenum">
+              <a:rPr lang="en-US" smtClean="0"/>
+              <a:t>28</a:t>
+            </a:fld>
+            <a:endParaRPr lang="en-US"/>
+          </a:p>
+        </p:txBody>
+      </p:sp>
     </p:spTree>
     <p:extLst>
       <p:ext uri="{BB962C8B-B14F-4D97-AF65-F5344CB8AC3E}">
@@ -12305,6 +13461,35 @@
               <a:rPr lang="en-US" sz="2400" dirty="0"/>
               <a:t>.</a:t>
             </a:r>
+          </a:p>
+        </p:txBody>
+      </p:sp>
+      <p:sp>
+        <p:nvSpPr>
+          <p:cNvPr id="4" name="Slide Number Placeholder 3">
+            <a:extLst>
+              <a:ext uri="{FF2B5EF4-FFF2-40B4-BE49-F238E27FC236}">
+                <a16:creationId xmlns:a16="http://schemas.microsoft.com/office/drawing/2014/main" id="{9A48B849-04E5-4D5A-91EA-2F4507C5EA61}"/>
+              </a:ext>
+            </a:extLst>
+          </p:cNvPr>
+          <p:cNvSpPr>
+            <a:spLocks noGrp="1"/>
+          </p:cNvSpPr>
+          <p:nvPr>
+            <p:ph type="sldNum" sz="quarter" idx="12"/>
+          </p:nvPr>
+        </p:nvSpPr>
+        <p:spPr/>
+        <p:txBody>
+          <a:bodyPr/>
+          <a:lstStyle/>
+          <a:p>
+            <a:fld id="{3CC90D32-697D-4F0D-8E4A-0F6F398B2A4E}" type="slidenum">
+              <a:rPr lang="en-US" smtClean="0"/>
+              <a:t>3</a:t>
+            </a:fld>
+            <a:endParaRPr lang="en-US"/>
           </a:p>
         </p:txBody>
       </p:sp>
@@ -12994,6 +14179,35 @@
           </a:p>
           <a:p>
             <a:endParaRPr lang="en-US" sz="2400" dirty="0"/>
+          </a:p>
+        </p:txBody>
+      </p:sp>
+      <p:sp>
+        <p:nvSpPr>
+          <p:cNvPr id="4" name="Slide Number Placeholder 3">
+            <a:extLst>
+              <a:ext uri="{FF2B5EF4-FFF2-40B4-BE49-F238E27FC236}">
+                <a16:creationId xmlns:a16="http://schemas.microsoft.com/office/drawing/2014/main" id="{B0BD5E56-EB97-4557-98E7-1904075E9C31}"/>
+              </a:ext>
+            </a:extLst>
+          </p:cNvPr>
+          <p:cNvSpPr>
+            <a:spLocks noGrp="1"/>
+          </p:cNvSpPr>
+          <p:nvPr>
+            <p:ph type="sldNum" sz="quarter" idx="12"/>
+          </p:nvPr>
+        </p:nvSpPr>
+        <p:spPr/>
+        <p:txBody>
+          <a:bodyPr/>
+          <a:lstStyle/>
+          <a:p>
+            <a:fld id="{3CC90D32-697D-4F0D-8E4A-0F6F398B2A4E}" type="slidenum">
+              <a:rPr lang="en-US" smtClean="0"/>
+              <a:t>4</a:t>
+            </a:fld>
+            <a:endParaRPr lang="en-US"/>
           </a:p>
         </p:txBody>
       </p:sp>
@@ -13575,6 +14789,35 @@
           </a:p>
         </p:txBody>
       </p:sp>
+      <p:sp>
+        <p:nvSpPr>
+          <p:cNvPr id="4" name="Slide Number Placeholder 3">
+            <a:extLst>
+              <a:ext uri="{FF2B5EF4-FFF2-40B4-BE49-F238E27FC236}">
+                <a16:creationId xmlns:a16="http://schemas.microsoft.com/office/drawing/2014/main" id="{624C6A21-6786-4F7B-801B-3CC67DB34D0F}"/>
+              </a:ext>
+            </a:extLst>
+          </p:cNvPr>
+          <p:cNvSpPr>
+            <a:spLocks noGrp="1"/>
+          </p:cNvSpPr>
+          <p:nvPr>
+            <p:ph type="sldNum" sz="quarter" idx="12"/>
+          </p:nvPr>
+        </p:nvSpPr>
+        <p:spPr/>
+        <p:txBody>
+          <a:bodyPr/>
+          <a:lstStyle/>
+          <a:p>
+            <a:fld id="{3CC90D32-697D-4F0D-8E4A-0F6F398B2A4E}" type="slidenum">
+              <a:rPr lang="en-US" smtClean="0"/>
+              <a:t>5</a:t>
+            </a:fld>
+            <a:endParaRPr lang="en-US"/>
+          </a:p>
+        </p:txBody>
+      </p:sp>
     </p:spTree>
     <p:extLst>
       <p:ext uri="{BB962C8B-B14F-4D97-AF65-F5344CB8AC3E}">
@@ -13796,6 +15039,35 @@
           </a:xfrm>
         </p:spPr>
       </p:pic>
+      <p:sp>
+        <p:nvSpPr>
+          <p:cNvPr id="3" name="Slide Number Placeholder 2">
+            <a:extLst>
+              <a:ext uri="{FF2B5EF4-FFF2-40B4-BE49-F238E27FC236}">
+                <a16:creationId xmlns:a16="http://schemas.microsoft.com/office/drawing/2014/main" id="{6C2845CC-6D92-4392-9895-06CDEDBD03D4}"/>
+              </a:ext>
+            </a:extLst>
+          </p:cNvPr>
+          <p:cNvSpPr>
+            <a:spLocks noGrp="1"/>
+          </p:cNvSpPr>
+          <p:nvPr>
+            <p:ph type="sldNum" sz="quarter" idx="12"/>
+          </p:nvPr>
+        </p:nvSpPr>
+        <p:spPr/>
+        <p:txBody>
+          <a:bodyPr/>
+          <a:lstStyle/>
+          <a:p>
+            <a:fld id="{3CC90D32-697D-4F0D-8E4A-0F6F398B2A4E}" type="slidenum">
+              <a:rPr lang="en-US" smtClean="0"/>
+              <a:t>6</a:t>
+            </a:fld>
+            <a:endParaRPr lang="en-US"/>
+          </a:p>
+        </p:txBody>
+      </p:sp>
     </p:spTree>
     <p:extLst>
       <p:ext uri="{BB962C8B-B14F-4D97-AF65-F5344CB8AC3E}">
@@ -14221,6 +15493,35 @@
               <a:rPr lang="en-US" sz="2400" dirty="0"/>
               <a:t>.</a:t>
             </a:r>
+          </a:p>
+        </p:txBody>
+      </p:sp>
+      <p:sp>
+        <p:nvSpPr>
+          <p:cNvPr id="4" name="Slide Number Placeholder 3">
+            <a:extLst>
+              <a:ext uri="{FF2B5EF4-FFF2-40B4-BE49-F238E27FC236}">
+                <a16:creationId xmlns:a16="http://schemas.microsoft.com/office/drawing/2014/main" id="{DEF875E5-AF53-422C-988A-18E58BE1D872}"/>
+              </a:ext>
+            </a:extLst>
+          </p:cNvPr>
+          <p:cNvSpPr>
+            <a:spLocks noGrp="1"/>
+          </p:cNvSpPr>
+          <p:nvPr>
+            <p:ph type="sldNum" sz="quarter" idx="12"/>
+          </p:nvPr>
+        </p:nvSpPr>
+        <p:spPr/>
+        <p:txBody>
+          <a:bodyPr/>
+          <a:lstStyle/>
+          <a:p>
+            <a:fld id="{3CC90D32-697D-4F0D-8E4A-0F6F398B2A4E}" type="slidenum">
+              <a:rPr lang="en-US" smtClean="0"/>
+              <a:t>7</a:t>
+            </a:fld>
+            <a:endParaRPr lang="en-US"/>
           </a:p>
         </p:txBody>
       </p:sp>
@@ -14670,6 +15971,35 @@
           </a:p>
         </p:txBody>
       </p:sp>
+      <p:sp>
+        <p:nvSpPr>
+          <p:cNvPr id="4" name="Slide Number Placeholder 3">
+            <a:extLst>
+              <a:ext uri="{FF2B5EF4-FFF2-40B4-BE49-F238E27FC236}">
+                <a16:creationId xmlns:a16="http://schemas.microsoft.com/office/drawing/2014/main" id="{BF9BC070-339B-406E-A1AD-F3109E503BD7}"/>
+              </a:ext>
+            </a:extLst>
+          </p:cNvPr>
+          <p:cNvSpPr>
+            <a:spLocks noGrp="1"/>
+          </p:cNvSpPr>
+          <p:nvPr>
+            <p:ph type="sldNum" sz="quarter" idx="12"/>
+          </p:nvPr>
+        </p:nvSpPr>
+        <p:spPr/>
+        <p:txBody>
+          <a:bodyPr/>
+          <a:lstStyle/>
+          <a:p>
+            <a:fld id="{3CC90D32-697D-4F0D-8E4A-0F6F398B2A4E}" type="slidenum">
+              <a:rPr lang="en-US" smtClean="0"/>
+              <a:t>8</a:t>
+            </a:fld>
+            <a:endParaRPr lang="en-US"/>
+          </a:p>
+        </p:txBody>
+      </p:sp>
     </p:spTree>
     <p:extLst>
       <p:ext uri="{BB962C8B-B14F-4D97-AF65-F5344CB8AC3E}">
@@ -14953,6 +16283,35 @@
           </a:prstGeom>
         </p:spPr>
       </p:pic>
+      <p:sp>
+        <p:nvSpPr>
+          <p:cNvPr id="3" name="Slide Number Placeholder 2">
+            <a:extLst>
+              <a:ext uri="{FF2B5EF4-FFF2-40B4-BE49-F238E27FC236}">
+                <a16:creationId xmlns:a16="http://schemas.microsoft.com/office/drawing/2014/main" id="{34E5CD0A-590B-415F-83B4-B20F2D1E4A45}"/>
+              </a:ext>
+            </a:extLst>
+          </p:cNvPr>
+          <p:cNvSpPr>
+            <a:spLocks noGrp="1"/>
+          </p:cNvSpPr>
+          <p:nvPr>
+            <p:ph type="sldNum" sz="quarter" idx="12"/>
+          </p:nvPr>
+        </p:nvSpPr>
+        <p:spPr/>
+        <p:txBody>
+          <a:bodyPr/>
+          <a:lstStyle/>
+          <a:p>
+            <a:fld id="{3CC90D32-697D-4F0D-8E4A-0F6F398B2A4E}" type="slidenum">
+              <a:rPr lang="en-US" smtClean="0"/>
+              <a:t>9</a:t>
+            </a:fld>
+            <a:endParaRPr lang="en-US"/>
+          </a:p>
+        </p:txBody>
+      </p:sp>
     </p:spTree>
     <p:extLst>
       <p:ext uri="{BB962C8B-B14F-4D97-AF65-F5344CB8AC3E}">
@@ -15212,4 +16571,594 @@
     </a:ext>
   </a:extLst>
 </a:theme>
+</file>
+
+<file path=ppt/theme/theme2.xml><?xml version="1.0" encoding="utf-8"?>
+<a:theme xmlns:a="http://schemas.openxmlformats.org/drawingml/2006/main" name="Office Theme">
+  <a:themeElements>
+    <a:clrScheme name="Office">
+      <a:dk1>
+        <a:sysClr val="windowText" lastClr="000000"/>
+      </a:dk1>
+      <a:lt1>
+        <a:sysClr val="window" lastClr="FFFFFF"/>
+      </a:lt1>
+      <a:dk2>
+        <a:srgbClr val="44546A"/>
+      </a:dk2>
+      <a:lt2>
+        <a:srgbClr val="E7E6E6"/>
+      </a:lt2>
+      <a:accent1>
+        <a:srgbClr val="4472C4"/>
+      </a:accent1>
+      <a:accent2>
+        <a:srgbClr val="ED7D31"/>
+      </a:accent2>
+      <a:accent3>
+        <a:srgbClr val="A5A5A5"/>
+      </a:accent3>
+      <a:accent4>
+        <a:srgbClr val="FFC000"/>
+      </a:accent4>
+      <a:accent5>
+        <a:srgbClr val="5B9BD5"/>
+      </a:accent5>
+      <a:accent6>
+        <a:srgbClr val="70AD47"/>
+      </a:accent6>
+      <a:hlink>
+        <a:srgbClr val="0563C1"/>
+      </a:hlink>
+      <a:folHlink>
+        <a:srgbClr val="954F72"/>
+      </a:folHlink>
+    </a:clrScheme>
+    <a:fontScheme name="Office">
+      <a:majorFont>
+        <a:latin typeface="Calibri Light" panose="020F0302020204030204"/>
+        <a:ea typeface=""/>
+        <a:cs typeface=""/>
+        <a:font script="Jpan" typeface="游ゴシック Light"/>
+        <a:font script="Hang" typeface="맑은 고딕"/>
+        <a:font script="Hans" typeface="等线 Light"/>
+        <a:font script="Hant" typeface="新細明體"/>
+        <a:font script="Arab" typeface="Times New Roman"/>
+        <a:font script="Hebr" typeface="Times New Roman"/>
+        <a:font script="Thai" typeface="Angsana New"/>
+        <a:font script="Ethi" typeface="Nyala"/>
+        <a:font script="Beng" typeface="Vrinda"/>
+        <a:font script="Gujr" typeface="Shruti"/>
+        <a:font script="Khmr" typeface="MoolBoran"/>
+        <a:font script="Knda" typeface="Tunga"/>
+        <a:font script="Guru" typeface="Raavi"/>
+        <a:font script="Cans" typeface="Euphemia"/>
+        <a:font script="Cher" typeface="Plantagenet Cherokee"/>
+        <a:font script="Yiii" typeface="Microsoft Yi Baiti"/>
+        <a:font script="Tibt" typeface="Microsoft Himalaya"/>
+        <a:font script="Thaa" typeface="MV Boli"/>
+        <a:font script="Deva" typeface="Mangal"/>
+        <a:font script="Telu" typeface="Gautami"/>
+        <a:font script="Taml" typeface="Latha"/>
+        <a:font script="Syrc" typeface="Estrangelo Edessa"/>
+        <a:font script="Orya" typeface="Kalinga"/>
+        <a:font script="Mlym" typeface="Kartika"/>
+        <a:font script="Laoo" typeface="DokChampa"/>
+        <a:font script="Sinh" typeface="Iskoola Pota"/>
+        <a:font script="Mong" typeface="Mongolian Baiti"/>
+        <a:font script="Viet" typeface="Times New Roman"/>
+        <a:font script="Uigh" typeface="Microsoft Uighur"/>
+        <a:font script="Geor" typeface="Sylfaen"/>
+        <a:font script="Armn" typeface="Arial"/>
+        <a:font script="Bugi" typeface="Leelawadee UI"/>
+        <a:font script="Bopo" typeface="Microsoft JhengHei"/>
+        <a:font script="Java" typeface="Javanese Text"/>
+        <a:font script="Lisu" typeface="Segoe UI"/>
+        <a:font script="Mymr" typeface="Myanmar Text"/>
+        <a:font script="Nkoo" typeface="Ebrima"/>
+        <a:font script="Olck" typeface="Nirmala UI"/>
+        <a:font script="Osma" typeface="Ebrima"/>
+        <a:font script="Phag" typeface="Phagspa"/>
+        <a:font script="Syrn" typeface="Estrangelo Edessa"/>
+        <a:font script="Syrj" typeface="Estrangelo Edessa"/>
+        <a:font script="Syre" typeface="Estrangelo Edessa"/>
+        <a:font script="Sora" typeface="Nirmala UI"/>
+        <a:font script="Tale" typeface="Microsoft Tai Le"/>
+        <a:font script="Talu" typeface="Microsoft New Tai Lue"/>
+        <a:font script="Tfng" typeface="Ebrima"/>
+      </a:majorFont>
+      <a:minorFont>
+        <a:latin typeface="Calibri" panose="020F0502020204030204"/>
+        <a:ea typeface=""/>
+        <a:cs typeface=""/>
+        <a:font script="Jpan" typeface="游ゴシック"/>
+        <a:font script="Hang" typeface="맑은 고딕"/>
+        <a:font script="Hans" typeface="等线"/>
+        <a:font script="Hant" typeface="新細明體"/>
+        <a:font script="Arab" typeface="Arial"/>
+        <a:font script="Hebr" typeface="Arial"/>
+        <a:font script="Thai" typeface="Cordia New"/>
+        <a:font script="Ethi" typeface="Nyala"/>
+        <a:font script="Beng" typeface="Vrinda"/>
+        <a:font script="Gujr" typeface="Shruti"/>
+        <a:font script="Khmr" typeface="DaunPenh"/>
+        <a:font script="Knda" typeface="Tunga"/>
+        <a:font script="Guru" typeface="Raavi"/>
+        <a:font script="Cans" typeface="Euphemia"/>
+        <a:font script="Cher" typeface="Plantagenet Cherokee"/>
+        <a:font script="Yiii" typeface="Microsoft Yi Baiti"/>
+        <a:font script="Tibt" typeface="Microsoft Himalaya"/>
+        <a:font script="Thaa" typeface="MV Boli"/>
+        <a:font script="Deva" typeface="Mangal"/>
+        <a:font script="Telu" typeface="Gautami"/>
+        <a:font script="Taml" typeface="Latha"/>
+        <a:font script="Syrc" typeface="Estrangelo Edessa"/>
+        <a:font script="Orya" typeface="Kalinga"/>
+        <a:font script="Mlym" typeface="Kartika"/>
+        <a:font script="Laoo" typeface="DokChampa"/>
+        <a:font script="Sinh" typeface="Iskoola Pota"/>
+        <a:font script="Mong" typeface="Mongolian Baiti"/>
+        <a:font script="Viet" typeface="Arial"/>
+        <a:font script="Uigh" typeface="Microsoft Uighur"/>
+        <a:font script="Geor" typeface="Sylfaen"/>
+        <a:font script="Armn" typeface="Arial"/>
+        <a:font script="Bugi" typeface="Leelawadee UI"/>
+        <a:font script="Bopo" typeface="Microsoft JhengHei"/>
+        <a:font script="Java" typeface="Javanese Text"/>
+        <a:font script="Lisu" typeface="Segoe UI"/>
+        <a:font script="Mymr" typeface="Myanmar Text"/>
+        <a:font script="Nkoo" typeface="Ebrima"/>
+        <a:font script="Olck" typeface="Nirmala UI"/>
+        <a:font script="Osma" typeface="Ebrima"/>
+        <a:font script="Phag" typeface="Phagspa"/>
+        <a:font script="Syrn" typeface="Estrangelo Edessa"/>
+        <a:font script="Syrj" typeface="Estrangelo Edessa"/>
+        <a:font script="Syre" typeface="Estrangelo Edessa"/>
+        <a:font script="Sora" typeface="Nirmala UI"/>
+        <a:font script="Tale" typeface="Microsoft Tai Le"/>
+        <a:font script="Talu" typeface="Microsoft New Tai Lue"/>
+        <a:font script="Tfng" typeface="Ebrima"/>
+      </a:minorFont>
+    </a:fontScheme>
+    <a:fmtScheme name="Office">
+      <a:fillStyleLst>
+        <a:solidFill>
+          <a:schemeClr val="phClr"/>
+        </a:solidFill>
+        <a:gradFill rotWithShape="1">
+          <a:gsLst>
+            <a:gs pos="0">
+              <a:schemeClr val="phClr">
+                <a:lumMod val="110000"/>
+                <a:satMod val="105000"/>
+                <a:tint val="67000"/>
+              </a:schemeClr>
+            </a:gs>
+            <a:gs pos="50000">
+              <a:schemeClr val="phClr">
+                <a:lumMod val="105000"/>
+                <a:satMod val="103000"/>
+                <a:tint val="73000"/>
+              </a:schemeClr>
+            </a:gs>
+            <a:gs pos="100000">
+              <a:schemeClr val="phClr">
+                <a:lumMod val="105000"/>
+                <a:satMod val="109000"/>
+                <a:tint val="81000"/>
+              </a:schemeClr>
+            </a:gs>
+          </a:gsLst>
+          <a:lin ang="5400000" scaled="0"/>
+        </a:gradFill>
+        <a:gradFill rotWithShape="1">
+          <a:gsLst>
+            <a:gs pos="0">
+              <a:schemeClr val="phClr">
+                <a:satMod val="103000"/>
+                <a:lumMod val="102000"/>
+                <a:tint val="94000"/>
+              </a:schemeClr>
+            </a:gs>
+            <a:gs pos="50000">
+              <a:schemeClr val="phClr">
+                <a:satMod val="110000"/>
+                <a:lumMod val="100000"/>
+                <a:shade val="100000"/>
+              </a:schemeClr>
+            </a:gs>
+            <a:gs pos="100000">
+              <a:schemeClr val="phClr">
+                <a:lumMod val="99000"/>
+                <a:satMod val="120000"/>
+                <a:shade val="78000"/>
+              </a:schemeClr>
+            </a:gs>
+          </a:gsLst>
+          <a:lin ang="5400000" scaled="0"/>
+        </a:gradFill>
+      </a:fillStyleLst>
+      <a:lnStyleLst>
+        <a:ln w="6350" cap="flat" cmpd="sng" algn="ctr">
+          <a:solidFill>
+            <a:schemeClr val="phClr"/>
+          </a:solidFill>
+          <a:prstDash val="solid"/>
+          <a:miter lim="800000"/>
+        </a:ln>
+        <a:ln w="12700" cap="flat" cmpd="sng" algn="ctr">
+          <a:solidFill>
+            <a:schemeClr val="phClr"/>
+          </a:solidFill>
+          <a:prstDash val="solid"/>
+          <a:miter lim="800000"/>
+        </a:ln>
+        <a:ln w="19050" cap="flat" cmpd="sng" algn="ctr">
+          <a:solidFill>
+            <a:schemeClr val="phClr"/>
+          </a:solidFill>
+          <a:prstDash val="solid"/>
+          <a:miter lim="800000"/>
+        </a:ln>
+      </a:lnStyleLst>
+      <a:effectStyleLst>
+        <a:effectStyle>
+          <a:effectLst/>
+        </a:effectStyle>
+        <a:effectStyle>
+          <a:effectLst/>
+        </a:effectStyle>
+        <a:effectStyle>
+          <a:effectLst>
+            <a:outerShdw blurRad="57150" dist="19050" dir="5400000" algn="ctr" rotWithShape="0">
+              <a:srgbClr val="000000">
+                <a:alpha val="63000"/>
+              </a:srgbClr>
+            </a:outerShdw>
+          </a:effectLst>
+        </a:effectStyle>
+      </a:effectStyleLst>
+      <a:bgFillStyleLst>
+        <a:solidFill>
+          <a:schemeClr val="phClr"/>
+        </a:solidFill>
+        <a:solidFill>
+          <a:schemeClr val="phClr">
+            <a:tint val="95000"/>
+            <a:satMod val="170000"/>
+          </a:schemeClr>
+        </a:solidFill>
+        <a:gradFill rotWithShape="1">
+          <a:gsLst>
+            <a:gs pos="0">
+              <a:schemeClr val="phClr">
+                <a:tint val="93000"/>
+                <a:satMod val="150000"/>
+                <a:shade val="98000"/>
+                <a:lumMod val="102000"/>
+              </a:schemeClr>
+            </a:gs>
+            <a:gs pos="50000">
+              <a:schemeClr val="phClr">
+                <a:tint val="98000"/>
+                <a:satMod val="130000"/>
+                <a:shade val="90000"/>
+                <a:lumMod val="103000"/>
+              </a:schemeClr>
+            </a:gs>
+            <a:gs pos="100000">
+              <a:schemeClr val="phClr">
+                <a:shade val="63000"/>
+                <a:satMod val="120000"/>
+              </a:schemeClr>
+            </a:gs>
+          </a:gsLst>
+          <a:lin ang="5400000" scaled="0"/>
+        </a:gradFill>
+      </a:bgFillStyleLst>
+    </a:fmtScheme>
+  </a:themeElements>
+  <a:objectDefaults/>
+  <a:extraClrSchemeLst/>
+  <a:extLst>
+    <a:ext uri="{05A4C25C-085E-4340-85A3-A5531E510DB2}">
+      <thm15:themeFamily xmlns:thm15="http://schemas.microsoft.com/office/thememl/2012/main" name="Office Theme" id="{62F939B6-93AF-4DB8-9C6B-D6C7DFDC589F}" vid="{4A3C46E8-61CC-4603-A589-7422A47A8E4A}"/>
+    </a:ext>
+  </a:extLst>
+</a:theme>
+</file>
+
+<file path=ppt/theme/theme3.xml><?xml version="1.0" encoding="utf-8"?>
+<a:theme xmlns:a="http://schemas.openxmlformats.org/drawingml/2006/main" name="Office Theme">
+  <a:themeElements>
+    <a:clrScheme name="Office">
+      <a:dk1>
+        <a:sysClr val="windowText" lastClr="000000"/>
+      </a:dk1>
+      <a:lt1>
+        <a:sysClr val="window" lastClr="FFFFFF"/>
+      </a:lt1>
+      <a:dk2>
+        <a:srgbClr val="44546A"/>
+      </a:dk2>
+      <a:lt2>
+        <a:srgbClr val="E7E6E6"/>
+      </a:lt2>
+      <a:accent1>
+        <a:srgbClr val="4472C4"/>
+      </a:accent1>
+      <a:accent2>
+        <a:srgbClr val="ED7D31"/>
+      </a:accent2>
+      <a:accent3>
+        <a:srgbClr val="A5A5A5"/>
+      </a:accent3>
+      <a:accent4>
+        <a:srgbClr val="FFC000"/>
+      </a:accent4>
+      <a:accent5>
+        <a:srgbClr val="5B9BD5"/>
+      </a:accent5>
+      <a:accent6>
+        <a:srgbClr val="70AD47"/>
+      </a:accent6>
+      <a:hlink>
+        <a:srgbClr val="0563C1"/>
+      </a:hlink>
+      <a:folHlink>
+        <a:srgbClr val="954F72"/>
+      </a:folHlink>
+    </a:clrScheme>
+    <a:fontScheme name="Office">
+      <a:majorFont>
+        <a:latin typeface="Calibri Light" panose="020F0302020204030204"/>
+        <a:ea typeface=""/>
+        <a:cs typeface=""/>
+        <a:font script="Jpan" typeface="游ゴシック Light"/>
+        <a:font script="Hang" typeface="맑은 고딕"/>
+        <a:font script="Hans" typeface="等线 Light"/>
+        <a:font script="Hant" typeface="新細明體"/>
+        <a:font script="Arab" typeface="Times New Roman"/>
+        <a:font script="Hebr" typeface="Times New Roman"/>
+        <a:font script="Thai" typeface="Angsana New"/>
+        <a:font script="Ethi" typeface="Nyala"/>
+        <a:font script="Beng" typeface="Vrinda"/>
+        <a:font script="Gujr" typeface="Shruti"/>
+        <a:font script="Khmr" typeface="MoolBoran"/>
+        <a:font script="Knda" typeface="Tunga"/>
+        <a:font script="Guru" typeface="Raavi"/>
+        <a:font script="Cans" typeface="Euphemia"/>
+        <a:font script="Cher" typeface="Plantagenet Cherokee"/>
+        <a:font script="Yiii" typeface="Microsoft Yi Baiti"/>
+        <a:font script="Tibt" typeface="Microsoft Himalaya"/>
+        <a:font script="Thaa" typeface="MV Boli"/>
+        <a:font script="Deva" typeface="Mangal"/>
+        <a:font script="Telu" typeface="Gautami"/>
+        <a:font script="Taml" typeface="Latha"/>
+        <a:font script="Syrc" typeface="Estrangelo Edessa"/>
+        <a:font script="Orya" typeface="Kalinga"/>
+        <a:font script="Mlym" typeface="Kartika"/>
+        <a:font script="Laoo" typeface="DokChampa"/>
+        <a:font script="Sinh" typeface="Iskoola Pota"/>
+        <a:font script="Mong" typeface="Mongolian Baiti"/>
+        <a:font script="Viet" typeface="Times New Roman"/>
+        <a:font script="Uigh" typeface="Microsoft Uighur"/>
+        <a:font script="Geor" typeface="Sylfaen"/>
+        <a:font script="Armn" typeface="Arial"/>
+        <a:font script="Bugi" typeface="Leelawadee UI"/>
+        <a:font script="Bopo" typeface="Microsoft JhengHei"/>
+        <a:font script="Java" typeface="Javanese Text"/>
+        <a:font script="Lisu" typeface="Segoe UI"/>
+        <a:font script="Mymr" typeface="Myanmar Text"/>
+        <a:font script="Nkoo" typeface="Ebrima"/>
+        <a:font script="Olck" typeface="Nirmala UI"/>
+        <a:font script="Osma" typeface="Ebrima"/>
+        <a:font script="Phag" typeface="Phagspa"/>
+        <a:font script="Syrn" typeface="Estrangelo Edessa"/>
+        <a:font script="Syrj" typeface="Estrangelo Edessa"/>
+        <a:font script="Syre" typeface="Estrangelo Edessa"/>
+        <a:font script="Sora" typeface="Nirmala UI"/>
+        <a:font script="Tale" typeface="Microsoft Tai Le"/>
+        <a:font script="Talu" typeface="Microsoft New Tai Lue"/>
+        <a:font script="Tfng" typeface="Ebrima"/>
+      </a:majorFont>
+      <a:minorFont>
+        <a:latin typeface="Calibri" panose="020F0502020204030204"/>
+        <a:ea typeface=""/>
+        <a:cs typeface=""/>
+        <a:font script="Jpan" typeface="游ゴシック"/>
+        <a:font script="Hang" typeface="맑은 고딕"/>
+        <a:font script="Hans" typeface="等线"/>
+        <a:font script="Hant" typeface="新細明體"/>
+        <a:font script="Arab" typeface="Arial"/>
+        <a:font script="Hebr" typeface="Arial"/>
+        <a:font script="Thai" typeface="Cordia New"/>
+        <a:font script="Ethi" typeface="Nyala"/>
+        <a:font script="Beng" typeface="Vrinda"/>
+        <a:font script="Gujr" typeface="Shruti"/>
+        <a:font script="Khmr" typeface="DaunPenh"/>
+        <a:font script="Knda" typeface="Tunga"/>
+        <a:font script="Guru" typeface="Raavi"/>
+        <a:font script="Cans" typeface="Euphemia"/>
+        <a:font script="Cher" typeface="Plantagenet Cherokee"/>
+        <a:font script="Yiii" typeface="Microsoft Yi Baiti"/>
+        <a:font script="Tibt" typeface="Microsoft Himalaya"/>
+        <a:font script="Thaa" typeface="MV Boli"/>
+        <a:font script="Deva" typeface="Mangal"/>
+        <a:font script="Telu" typeface="Gautami"/>
+        <a:font script="Taml" typeface="Latha"/>
+        <a:font script="Syrc" typeface="Estrangelo Edessa"/>
+        <a:font script="Orya" typeface="Kalinga"/>
+        <a:font script="Mlym" typeface="Kartika"/>
+        <a:font script="Laoo" typeface="DokChampa"/>
+        <a:font script="Sinh" typeface="Iskoola Pota"/>
+        <a:font script="Mong" typeface="Mongolian Baiti"/>
+        <a:font script="Viet" typeface="Arial"/>
+        <a:font script="Uigh" typeface="Microsoft Uighur"/>
+        <a:font script="Geor" typeface="Sylfaen"/>
+        <a:font script="Armn" typeface="Arial"/>
+        <a:font script="Bugi" typeface="Leelawadee UI"/>
+        <a:font script="Bopo" typeface="Microsoft JhengHei"/>
+        <a:font script="Java" typeface="Javanese Text"/>
+        <a:font script="Lisu" typeface="Segoe UI"/>
+        <a:font script="Mymr" typeface="Myanmar Text"/>
+        <a:font script="Nkoo" typeface="Ebrima"/>
+        <a:font script="Olck" typeface="Nirmala UI"/>
+        <a:font script="Osma" typeface="Ebrima"/>
+        <a:font script="Phag" typeface="Phagspa"/>
+        <a:font script="Syrn" typeface="Estrangelo Edessa"/>
+        <a:font script="Syrj" typeface="Estrangelo Edessa"/>
+        <a:font script="Syre" typeface="Estrangelo Edessa"/>
+        <a:font script="Sora" typeface="Nirmala UI"/>
+        <a:font script="Tale" typeface="Microsoft Tai Le"/>
+        <a:font script="Talu" typeface="Microsoft New Tai Lue"/>
+        <a:font script="Tfng" typeface="Ebrima"/>
+      </a:minorFont>
+    </a:fontScheme>
+    <a:fmtScheme name="Office">
+      <a:fillStyleLst>
+        <a:solidFill>
+          <a:schemeClr val="phClr"/>
+        </a:solidFill>
+        <a:gradFill rotWithShape="1">
+          <a:gsLst>
+            <a:gs pos="0">
+              <a:schemeClr val="phClr">
+                <a:lumMod val="110000"/>
+                <a:satMod val="105000"/>
+                <a:tint val="67000"/>
+              </a:schemeClr>
+            </a:gs>
+            <a:gs pos="50000">
+              <a:schemeClr val="phClr">
+                <a:lumMod val="105000"/>
+                <a:satMod val="103000"/>
+                <a:tint val="73000"/>
+              </a:schemeClr>
+            </a:gs>
+            <a:gs pos="100000">
+              <a:schemeClr val="phClr">
+                <a:lumMod val="105000"/>
+                <a:satMod val="109000"/>
+                <a:tint val="81000"/>
+              </a:schemeClr>
+            </a:gs>
+          </a:gsLst>
+          <a:lin ang="5400000" scaled="0"/>
+        </a:gradFill>
+        <a:gradFill rotWithShape="1">
+          <a:gsLst>
+            <a:gs pos="0">
+              <a:schemeClr val="phClr">
+                <a:satMod val="103000"/>
+                <a:lumMod val="102000"/>
+                <a:tint val="94000"/>
+              </a:schemeClr>
+            </a:gs>
+            <a:gs pos="50000">
+              <a:schemeClr val="phClr">
+                <a:satMod val="110000"/>
+                <a:lumMod val="100000"/>
+                <a:shade val="100000"/>
+              </a:schemeClr>
+            </a:gs>
+            <a:gs pos="100000">
+              <a:schemeClr val="phClr">
+                <a:lumMod val="99000"/>
+                <a:satMod val="120000"/>
+                <a:shade val="78000"/>
+              </a:schemeClr>
+            </a:gs>
+          </a:gsLst>
+          <a:lin ang="5400000" scaled="0"/>
+        </a:gradFill>
+      </a:fillStyleLst>
+      <a:lnStyleLst>
+        <a:ln w="6350" cap="flat" cmpd="sng" algn="ctr">
+          <a:solidFill>
+            <a:schemeClr val="phClr"/>
+          </a:solidFill>
+          <a:prstDash val="solid"/>
+          <a:miter lim="800000"/>
+        </a:ln>
+        <a:ln w="12700" cap="flat" cmpd="sng" algn="ctr">
+          <a:solidFill>
+            <a:schemeClr val="phClr"/>
+          </a:solidFill>
+          <a:prstDash val="solid"/>
+          <a:miter lim="800000"/>
+        </a:ln>
+        <a:ln w="19050" cap="flat" cmpd="sng" algn="ctr">
+          <a:solidFill>
+            <a:schemeClr val="phClr"/>
+          </a:solidFill>
+          <a:prstDash val="solid"/>
+          <a:miter lim="800000"/>
+        </a:ln>
+      </a:lnStyleLst>
+      <a:effectStyleLst>
+        <a:effectStyle>
+          <a:effectLst/>
+        </a:effectStyle>
+        <a:effectStyle>
+          <a:effectLst/>
+        </a:effectStyle>
+        <a:effectStyle>
+          <a:effectLst>
+            <a:outerShdw blurRad="57150" dist="19050" dir="5400000" algn="ctr" rotWithShape="0">
+              <a:srgbClr val="000000">
+                <a:alpha val="63000"/>
+              </a:srgbClr>
+            </a:outerShdw>
+          </a:effectLst>
+        </a:effectStyle>
+      </a:effectStyleLst>
+      <a:bgFillStyleLst>
+        <a:solidFill>
+          <a:schemeClr val="phClr"/>
+        </a:solidFill>
+        <a:solidFill>
+          <a:schemeClr val="phClr">
+            <a:tint val="95000"/>
+            <a:satMod val="170000"/>
+          </a:schemeClr>
+        </a:solidFill>
+        <a:gradFill rotWithShape="1">
+          <a:gsLst>
+            <a:gs pos="0">
+              <a:schemeClr val="phClr">
+                <a:tint val="93000"/>
+                <a:satMod val="150000"/>
+                <a:shade val="98000"/>
+                <a:lumMod val="102000"/>
+              </a:schemeClr>
+            </a:gs>
+            <a:gs pos="50000">
+              <a:schemeClr val="phClr">
+                <a:tint val="98000"/>
+                <a:satMod val="130000"/>
+                <a:shade val="90000"/>
+                <a:lumMod val="103000"/>
+              </a:schemeClr>
+            </a:gs>
+            <a:gs pos="100000">
+              <a:schemeClr val="phClr">
+                <a:shade val="63000"/>
+                <a:satMod val="120000"/>
+              </a:schemeClr>
+            </a:gs>
+          </a:gsLst>
+          <a:lin ang="5400000" scaled="0"/>
+        </a:gradFill>
+      </a:bgFillStyleLst>
+    </a:fmtScheme>
+  </a:themeElements>
+  <a:objectDefaults/>
+  <a:extraClrSchemeLst/>
+  <a:extLst>
+    <a:ext uri="{05A4C25C-085E-4340-85A3-A5531E510DB2}">
+      <thm15:themeFamily xmlns:thm15="http://schemas.microsoft.com/office/thememl/2012/main" name="Office Theme" id="{62F939B6-93AF-4DB8-9C6B-D6C7DFDC589F}" vid="{4A3C46E8-61CC-4603-A589-7422A47A8E4A}"/>
+    </a:ext>
+  </a:extLst>
+</a:theme>
 </file>
--- a/Presentation-LuanVan.pptx
+++ b/Presentation-LuanVan.pptx
@@ -254,7 +254,7 @@
           <a:p>
             <a:fld id="{03458F59-5BFC-4C23-A30B-0CD1767A6077}" type="datetimeFigureOut">
               <a:rPr lang="en-US" smtClean="0"/>
-              <a:t>28-Nov-17</a:t>
+              <a:t>02-Dec-17</a:t>
             </a:fld>
             <a:endParaRPr lang="en-US"/>
           </a:p>
@@ -432,7 +432,7 @@
           <a:p>
             <a:fld id="{C3485123-472A-4794-AC61-7D4BD4EA3B0F}" type="datetimeFigureOut">
               <a:rPr lang="en-US" smtClean="0"/>
-              <a:t>28-Nov-17</a:t>
+              <a:t>02-Dec-17</a:t>
             </a:fld>
             <a:endParaRPr lang="en-US"/>
           </a:p>
@@ -1422,7 +1422,7 @@
           <a:p>
             <a:fld id="{735D7303-448D-4987-A713-76FC59F558D7}" type="datetime1">
               <a:rPr lang="en-US" smtClean="0"/>
-              <a:t>28-Nov-17</a:t>
+              <a:t>02-Dec-17</a:t>
             </a:fld>
             <a:endParaRPr lang="en-US"/>
           </a:p>
@@ -1673,7 +1673,7 @@
           <a:p>
             <a:fld id="{3A168744-867E-4C24-8B2E-AF302187F4BF}" type="datetime1">
               <a:rPr lang="en-US" smtClean="0"/>
-              <a:t>28-Nov-17</a:t>
+              <a:t>02-Dec-17</a:t>
             </a:fld>
             <a:endParaRPr lang="en-US"/>
           </a:p>
@@ -1987,7 +1987,7 @@
           <a:p>
             <a:fld id="{4E37A866-E1EF-4238-B2BE-30EF4FE8AB8B}" type="datetime1">
               <a:rPr lang="en-US" smtClean="0"/>
-              <a:t>28-Nov-17</a:t>
+              <a:t>02-Dec-17</a:t>
             </a:fld>
             <a:endParaRPr lang="en-US"/>
           </a:p>
@@ -2328,7 +2328,7 @@
           <a:p>
             <a:fld id="{473C88BB-6CEE-48B5-A07A-84EC3F1C940F}" type="datetime1">
               <a:rPr lang="en-US" smtClean="0"/>
-              <a:t>28-Nov-17</a:t>
+              <a:t>02-Dec-17</a:t>
             </a:fld>
             <a:endParaRPr lang="en-US"/>
           </a:p>
@@ -2642,7 +2642,7 @@
           <a:p>
             <a:fld id="{0C8D88AC-8907-4979-9AC5-0446AA2547BC}" type="datetime1">
               <a:rPr lang="en-US" smtClean="0"/>
-              <a:t>28-Nov-17</a:t>
+              <a:t>02-Dec-17</a:t>
             </a:fld>
             <a:endParaRPr lang="en-US"/>
           </a:p>
@@ -3035,7 +3035,7 @@
           <a:p>
             <a:fld id="{8B6ABAD7-3757-45A7-BC7A-8CE5E952CE8A}" type="datetime1">
               <a:rPr lang="en-US" smtClean="0"/>
-              <a:t>28-Nov-17</a:t>
+              <a:t>02-Dec-17</a:t>
             </a:fld>
             <a:endParaRPr lang="en-US"/>
           </a:p>
@@ -3205,7 +3205,7 @@
           <a:p>
             <a:fld id="{EDE45C13-6047-4259-9E1A-846E393D5B05}" type="datetime1">
               <a:rPr lang="en-US" smtClean="0"/>
-              <a:t>28-Nov-17</a:t>
+              <a:t>02-Dec-17</a:t>
             </a:fld>
             <a:endParaRPr lang="en-US"/>
           </a:p>
@@ -3385,7 +3385,7 @@
           <a:p>
             <a:fld id="{3AF0B478-AB28-407B-B8C1-FCE727390921}" type="datetime1">
               <a:rPr lang="en-US" smtClean="0"/>
-              <a:t>28-Nov-17</a:t>
+              <a:t>02-Dec-17</a:t>
             </a:fld>
             <a:endParaRPr lang="en-US"/>
           </a:p>
@@ -3561,7 +3561,7 @@
           <a:p>
             <a:fld id="{82281CFB-9E30-441C-B9D8-0729BDB9F586}" type="datetime1">
               <a:rPr lang="en-US" smtClean="0"/>
-              <a:t>28-Nov-17</a:t>
+              <a:t>02-Dec-17</a:t>
             </a:fld>
             <a:endParaRPr lang="en-US"/>
           </a:p>
@@ -3808,7 +3808,7 @@
           <a:p>
             <a:fld id="{C72E0282-C93F-4BA3-BA27-9E409DBD4F37}" type="datetime1">
               <a:rPr lang="en-US" smtClean="0"/>
-              <a:t>28-Nov-17</a:t>
+              <a:t>02-Dec-17</a:t>
             </a:fld>
             <a:endParaRPr lang="en-US"/>
           </a:p>
@@ -4040,7 +4040,7 @@
           <a:p>
             <a:fld id="{BFABBAD4-E38D-40D2-A1FA-160C593122CE}" type="datetime1">
               <a:rPr lang="en-US" smtClean="0"/>
-              <a:t>28-Nov-17</a:t>
+              <a:t>02-Dec-17</a:t>
             </a:fld>
             <a:endParaRPr lang="en-US"/>
           </a:p>
@@ -4414,7 +4414,7 @@
           <a:p>
             <a:fld id="{79981F0E-01BA-4931-9B7C-048789FA0F66}" type="datetime1">
               <a:rPr lang="en-US" smtClean="0"/>
-              <a:t>28-Nov-17</a:t>
+              <a:t>02-Dec-17</a:t>
             </a:fld>
             <a:endParaRPr lang="en-US"/>
           </a:p>
@@ -4537,7 +4537,7 @@
           <a:p>
             <a:fld id="{AD5CAD07-739F-4193-B763-9A1F340D3CA3}" type="datetime1">
               <a:rPr lang="en-US" smtClean="0"/>
-              <a:t>28-Nov-17</a:t>
+              <a:t>02-Dec-17</a:t>
             </a:fld>
             <a:endParaRPr lang="en-US"/>
           </a:p>
@@ -4632,7 +4632,7 @@
           <a:p>
             <a:fld id="{8A8CA216-30D1-479F-81E1-D17C3D302EE3}" type="datetime1">
               <a:rPr lang="en-US" smtClean="0"/>
-              <a:t>28-Nov-17</a:t>
+              <a:t>02-Dec-17</a:t>
             </a:fld>
             <a:endParaRPr lang="en-US"/>
           </a:p>
@@ -4887,7 +4887,7 @@
           <a:p>
             <a:fld id="{0D936126-1216-4D53-AF20-0E9966B95E8B}" type="datetime1">
               <a:rPr lang="en-US" smtClean="0"/>
-              <a:t>28-Nov-17</a:t>
+              <a:t>02-Dec-17</a:t>
             </a:fld>
             <a:endParaRPr lang="en-US"/>
           </a:p>
@@ -5150,7 +5150,7 @@
           <a:p>
             <a:fld id="{2D91A28C-04A7-4BA1-A90F-F26E6C3E8D83}" type="datetime1">
               <a:rPr lang="en-US" smtClean="0"/>
-              <a:t>28-Nov-17</a:t>
+              <a:t>02-Dec-17</a:t>
             </a:fld>
             <a:endParaRPr lang="en-US"/>
           </a:p>
@@ -5893,7 +5893,7 @@
           <a:p>
             <a:fld id="{08532FE4-17FC-4AA3-A264-75779A4D6D0A}" type="datetime1">
               <a:rPr lang="en-US" smtClean="0"/>
-              <a:t>28-Nov-17</a:t>
+              <a:t>02-Dec-17</a:t>
             </a:fld>
             <a:endParaRPr lang="en-US"/>
           </a:p>
@@ -6842,8 +6842,8 @@
         </p:nvSpPr>
         <p:spPr>
           <a:xfrm>
-            <a:off x="4462181" y="4980137"/>
-            <a:ext cx="4786888" cy="1384995"/>
+            <a:off x="4503058" y="4980137"/>
+            <a:ext cx="4705134" cy="1384995"/>
           </a:xfrm>
           <a:prstGeom prst="rect">
             <a:avLst/>
@@ -6864,25 +6864,7 @@
                   <a:srgbClr val="00B050"/>
                 </a:solidFill>
               </a:rPr>
-              <a:t>GVHD	: 	</a:t>
-            </a:r>
-            <a:r>
-              <a:rPr lang="en-US" sz="2800" b="1" dirty="0" err="1">
-                <a:ln w="0"/>
-                <a:solidFill>
-                  <a:srgbClr val="00B050"/>
-                </a:solidFill>
-              </a:rPr>
-              <a:t>Ths</a:t>
-            </a:r>
-            <a:r>
-              <a:rPr lang="en-US" sz="2800" b="1" dirty="0">
-                <a:ln w="0"/>
-                <a:solidFill>
-                  <a:srgbClr val="00B050"/>
-                </a:solidFill>
-              </a:rPr>
-              <a:t> Lê </a:t>
+              <a:t>GVHD	: 	TS. Lê </a:t>
             </a:r>
             <a:r>
               <a:rPr lang="en-US" sz="2800" b="1" dirty="0" err="1">

--- a/Presentation-LuanVan.pptx
+++ b/Presentation-LuanVan.pptx
@@ -5,10 +5,10 @@
     <p:sldMasterId id="2147483730" r:id="rId1"/>
   </p:sldMasterIdLst>
   <p:notesMasterIdLst>
-    <p:notesMasterId r:id="rId30"/>
+    <p:notesMasterId r:id="rId34"/>
   </p:notesMasterIdLst>
   <p:handoutMasterIdLst>
-    <p:handoutMasterId r:id="rId31"/>
+    <p:handoutMasterId r:id="rId35"/>
   </p:handoutMasterIdLst>
   <p:sldIdLst>
     <p:sldId id="256" r:id="rId2"/>
@@ -25,20 +25,24 @@
     <p:sldId id="274" r:id="rId13"/>
     <p:sldId id="265" r:id="rId14"/>
     <p:sldId id="276" r:id="rId15"/>
-    <p:sldId id="266" r:id="rId16"/>
-    <p:sldId id="267" r:id="rId17"/>
-    <p:sldId id="269" r:id="rId18"/>
-    <p:sldId id="283" r:id="rId19"/>
-    <p:sldId id="284" r:id="rId20"/>
-    <p:sldId id="285" r:id="rId21"/>
-    <p:sldId id="268" r:id="rId22"/>
-    <p:sldId id="277" r:id="rId23"/>
-    <p:sldId id="282" r:id="rId24"/>
-    <p:sldId id="275" r:id="rId25"/>
-    <p:sldId id="279" r:id="rId26"/>
-    <p:sldId id="280" r:id="rId27"/>
-    <p:sldId id="281" r:id="rId28"/>
-    <p:sldId id="278" r:id="rId29"/>
+    <p:sldId id="288" r:id="rId16"/>
+    <p:sldId id="287" r:id="rId17"/>
+    <p:sldId id="266" r:id="rId18"/>
+    <p:sldId id="289" r:id="rId19"/>
+    <p:sldId id="267" r:id="rId20"/>
+    <p:sldId id="269" r:id="rId21"/>
+    <p:sldId id="283" r:id="rId22"/>
+    <p:sldId id="284" r:id="rId23"/>
+    <p:sldId id="285" r:id="rId24"/>
+    <p:sldId id="268" r:id="rId25"/>
+    <p:sldId id="277" r:id="rId26"/>
+    <p:sldId id="282" r:id="rId27"/>
+    <p:sldId id="275" r:id="rId28"/>
+    <p:sldId id="279" r:id="rId29"/>
+    <p:sldId id="280" r:id="rId30"/>
+    <p:sldId id="281" r:id="rId31"/>
+    <p:sldId id="286" r:id="rId32"/>
+    <p:sldId id="278" r:id="rId33"/>
   </p:sldIdLst>
   <p:sldSz cx="12192000" cy="6858000"/>
   <p:notesSz cx="6858000" cy="9144000"/>
@@ -254,7 +258,7 @@
           <a:p>
             <a:fld id="{03458F59-5BFC-4C23-A30B-0CD1767A6077}" type="datetimeFigureOut">
               <a:rPr lang="en-US" smtClean="0"/>
-              <a:t>02-Dec-17</a:t>
+              <a:t>06-Dec-17</a:t>
             </a:fld>
             <a:endParaRPr lang="en-US"/>
           </a:p>
@@ -432,7 +436,7 @@
           <a:p>
             <a:fld id="{C3485123-472A-4794-AC61-7D4BD4EA3B0F}" type="datetimeFigureOut">
               <a:rPr lang="en-US" smtClean="0"/>
-              <a:t>02-Dec-17</a:t>
+              <a:t>06-Dec-17</a:t>
             </a:fld>
             <a:endParaRPr lang="en-US"/>
           </a:p>
@@ -1422,7 +1426,7 @@
           <a:p>
             <a:fld id="{735D7303-448D-4987-A713-76FC59F558D7}" type="datetime1">
               <a:rPr lang="en-US" smtClean="0"/>
-              <a:t>02-Dec-17</a:t>
+              <a:t>06-Dec-17</a:t>
             </a:fld>
             <a:endParaRPr lang="en-US"/>
           </a:p>
@@ -1673,7 +1677,7 @@
           <a:p>
             <a:fld id="{3A168744-867E-4C24-8B2E-AF302187F4BF}" type="datetime1">
               <a:rPr lang="en-US" smtClean="0"/>
-              <a:t>02-Dec-17</a:t>
+              <a:t>06-Dec-17</a:t>
             </a:fld>
             <a:endParaRPr lang="en-US"/>
           </a:p>
@@ -1987,7 +1991,7 @@
           <a:p>
             <a:fld id="{4E37A866-E1EF-4238-B2BE-30EF4FE8AB8B}" type="datetime1">
               <a:rPr lang="en-US" smtClean="0"/>
-              <a:t>02-Dec-17</a:t>
+              <a:t>06-Dec-17</a:t>
             </a:fld>
             <a:endParaRPr lang="en-US"/>
           </a:p>
@@ -2328,7 +2332,7 @@
           <a:p>
             <a:fld id="{473C88BB-6CEE-48B5-A07A-84EC3F1C940F}" type="datetime1">
               <a:rPr lang="en-US" smtClean="0"/>
-              <a:t>02-Dec-17</a:t>
+              <a:t>06-Dec-17</a:t>
             </a:fld>
             <a:endParaRPr lang="en-US"/>
           </a:p>
@@ -2642,7 +2646,7 @@
           <a:p>
             <a:fld id="{0C8D88AC-8907-4979-9AC5-0446AA2547BC}" type="datetime1">
               <a:rPr lang="en-US" smtClean="0"/>
-              <a:t>02-Dec-17</a:t>
+              <a:t>06-Dec-17</a:t>
             </a:fld>
             <a:endParaRPr lang="en-US"/>
           </a:p>
@@ -3035,7 +3039,7 @@
           <a:p>
             <a:fld id="{8B6ABAD7-3757-45A7-BC7A-8CE5E952CE8A}" type="datetime1">
               <a:rPr lang="en-US" smtClean="0"/>
-              <a:t>02-Dec-17</a:t>
+              <a:t>06-Dec-17</a:t>
             </a:fld>
             <a:endParaRPr lang="en-US"/>
           </a:p>
@@ -3205,7 +3209,7 @@
           <a:p>
             <a:fld id="{EDE45C13-6047-4259-9E1A-846E393D5B05}" type="datetime1">
               <a:rPr lang="en-US" smtClean="0"/>
-              <a:t>02-Dec-17</a:t>
+              <a:t>06-Dec-17</a:t>
             </a:fld>
             <a:endParaRPr lang="en-US"/>
           </a:p>
@@ -3385,7 +3389,7 @@
           <a:p>
             <a:fld id="{3AF0B478-AB28-407B-B8C1-FCE727390921}" type="datetime1">
               <a:rPr lang="en-US" smtClean="0"/>
-              <a:t>02-Dec-17</a:t>
+              <a:t>06-Dec-17</a:t>
             </a:fld>
             <a:endParaRPr lang="en-US"/>
           </a:p>
@@ -3561,7 +3565,7 @@
           <a:p>
             <a:fld id="{82281CFB-9E30-441C-B9D8-0729BDB9F586}" type="datetime1">
               <a:rPr lang="en-US" smtClean="0"/>
-              <a:t>02-Dec-17</a:t>
+              <a:t>06-Dec-17</a:t>
             </a:fld>
             <a:endParaRPr lang="en-US"/>
           </a:p>
@@ -3808,7 +3812,7 @@
           <a:p>
             <a:fld id="{C72E0282-C93F-4BA3-BA27-9E409DBD4F37}" type="datetime1">
               <a:rPr lang="en-US" smtClean="0"/>
-              <a:t>02-Dec-17</a:t>
+              <a:t>06-Dec-17</a:t>
             </a:fld>
             <a:endParaRPr lang="en-US"/>
           </a:p>
@@ -4040,7 +4044,7 @@
           <a:p>
             <a:fld id="{BFABBAD4-E38D-40D2-A1FA-160C593122CE}" type="datetime1">
               <a:rPr lang="en-US" smtClean="0"/>
-              <a:t>02-Dec-17</a:t>
+              <a:t>06-Dec-17</a:t>
             </a:fld>
             <a:endParaRPr lang="en-US"/>
           </a:p>
@@ -4414,7 +4418,7 @@
           <a:p>
             <a:fld id="{79981F0E-01BA-4931-9B7C-048789FA0F66}" type="datetime1">
               <a:rPr lang="en-US" smtClean="0"/>
-              <a:t>02-Dec-17</a:t>
+              <a:t>06-Dec-17</a:t>
             </a:fld>
             <a:endParaRPr lang="en-US"/>
           </a:p>
@@ -4537,7 +4541,7 @@
           <a:p>
             <a:fld id="{AD5CAD07-739F-4193-B763-9A1F340D3CA3}" type="datetime1">
               <a:rPr lang="en-US" smtClean="0"/>
-              <a:t>02-Dec-17</a:t>
+              <a:t>06-Dec-17</a:t>
             </a:fld>
             <a:endParaRPr lang="en-US"/>
           </a:p>
@@ -4632,7 +4636,7 @@
           <a:p>
             <a:fld id="{8A8CA216-30D1-479F-81E1-D17C3D302EE3}" type="datetime1">
               <a:rPr lang="en-US" smtClean="0"/>
-              <a:t>02-Dec-17</a:t>
+              <a:t>06-Dec-17</a:t>
             </a:fld>
             <a:endParaRPr lang="en-US"/>
           </a:p>
@@ -4887,7 +4891,7 @@
           <a:p>
             <a:fld id="{0D936126-1216-4D53-AF20-0E9966B95E8B}" type="datetime1">
               <a:rPr lang="en-US" smtClean="0"/>
-              <a:t>02-Dec-17</a:t>
+              <a:t>06-Dec-17</a:t>
             </a:fld>
             <a:endParaRPr lang="en-US"/>
           </a:p>
@@ -5150,7 +5154,7 @@
           <a:p>
             <a:fld id="{2D91A28C-04A7-4BA1-A90F-F26E6C3E8D83}" type="datetime1">
               <a:rPr lang="en-US" smtClean="0"/>
-              <a:t>02-Dec-17</a:t>
+              <a:t>06-Dec-17</a:t>
             </a:fld>
             <a:endParaRPr lang="en-US"/>
           </a:p>
@@ -5893,7 +5897,7 @@
           <a:p>
             <a:fld id="{08532FE4-17FC-4AA3-A264-75779A4D6D0A}" type="datetime1">
               <a:rPr lang="en-US" smtClean="0"/>
-              <a:t>02-Dec-17</a:t>
+              <a:t>06-Dec-17</a:t>
             </a:fld>
             <a:endParaRPr lang="en-US"/>
           </a:p>
@@ -7026,7 +7030,15 @@
             </a:r>
             <a:r>
               <a:rPr lang="en-US" sz="4500" dirty="0"/>
-              <a:t> ` </a:t>
+              <a:t> </a:t>
+            </a:r>
+            <a:r>
+              <a:rPr lang="en-US" sz="4500" dirty="0" err="1"/>
+              <a:t>sở</a:t>
+            </a:r>
+            <a:r>
+              <a:rPr lang="en-US" sz="4500" dirty="0"/>
+              <a:t> </a:t>
             </a:r>
             <a:r>
               <a:rPr lang="en-US" sz="4500" dirty="0" err="1"/>
@@ -7042,7 +7054,7 @@
             </a:r>
             <a:r>
               <a:rPr lang="en-US" sz="4500" dirty="0"/>
-              <a:t> - Java Web Service (RESTful)</a:t>
+              <a:t> - Web Service</a:t>
             </a:r>
           </a:p>
         </p:txBody>
@@ -7075,7 +7087,7 @@
         </p:blipFill>
         <p:spPr>
           <a:xfrm>
-            <a:off x="1248606" y="2140710"/>
+            <a:off x="1274365" y="1933672"/>
             <a:ext cx="7760502" cy="4107690"/>
           </a:xfrm>
           <a:prstGeom prst="rect">
@@ -7109,6 +7121,53 @@
               <a:t>10</a:t>
             </a:fld>
             <a:endParaRPr lang="en-US"/>
+          </a:p>
+        </p:txBody>
+      </p:sp>
+      <p:sp>
+        <p:nvSpPr>
+          <p:cNvPr id="6" name="TextBox 5">
+            <a:extLst>
+              <a:ext uri="{FF2B5EF4-FFF2-40B4-BE49-F238E27FC236}">
+                <a16:creationId xmlns:a16="http://schemas.microsoft.com/office/drawing/2014/main" id="{EEF7F514-F548-4D41-B66A-3B68263E10D1}"/>
+              </a:ext>
+            </a:extLst>
+          </p:cNvPr>
+          <p:cNvSpPr txBox="1"/>
+          <p:nvPr/>
+        </p:nvSpPr>
+        <p:spPr>
+          <a:xfrm>
+            <a:off x="3739399" y="6037155"/>
+            <a:ext cx="2386231" cy="369332"/>
+          </a:xfrm>
+          <a:prstGeom prst="rect">
+            <a:avLst/>
+          </a:prstGeom>
+          <a:noFill/>
+        </p:spPr>
+        <p:txBody>
+          <a:bodyPr wrap="none" rtlCol="0">
+            <a:spAutoFit/>
+          </a:bodyPr>
+          <a:lstStyle/>
+          <a:p>
+            <a:r>
+              <a:rPr lang="en-US" i="1" dirty="0" err="1"/>
+              <a:t>Mô</a:t>
+            </a:r>
+            <a:r>
+              <a:rPr lang="en-US" i="1" dirty="0"/>
+              <a:t> </a:t>
+            </a:r>
+            <a:r>
+              <a:rPr lang="en-US" i="1" dirty="0" err="1"/>
+              <a:t>hình</a:t>
+            </a:r>
+            <a:r>
+              <a:rPr lang="en-US" i="1" dirty="0"/>
+              <a:t> Web Service</a:t>
+            </a:r>
           </a:p>
         </p:txBody>
       </p:sp>
@@ -7199,7 +7258,7 @@
             </a:r>
             <a:r>
               <a:rPr lang="en-US" sz="4500" dirty="0"/>
-              <a:t> - Java Web Service (RESTful)</a:t>
+              <a:t> - RESTful</a:t>
             </a:r>
           </a:p>
         </p:txBody>
@@ -7222,7 +7281,7 @@
         </p:nvSpPr>
         <p:spPr>
           <a:xfrm>
-            <a:off x="677334" y="2059189"/>
+            <a:off x="677334" y="1488613"/>
             <a:ext cx="8596668" cy="3880773"/>
           </a:xfrm>
         </p:spPr>
@@ -7334,14 +7393,6 @@
             </a:r>
             <a:r>
               <a:rPr lang="en-US" sz="2400" dirty="0" err="1"/>
-              <a:t>bạn</a:t>
-            </a:r>
-            <a:r>
-              <a:rPr lang="en-US" sz="2400" dirty="0"/>
-              <a:t> </a:t>
-            </a:r>
-            <a:r>
-              <a:rPr lang="en-US" sz="2400" dirty="0" err="1"/>
               <a:t>thiết</a:t>
             </a:r>
             <a:r>
@@ -7377,7 +7428,7 @@
             </a:r>
             <a:r>
               <a:rPr lang="vi-VN" sz="2400" dirty="0"/>
-              <a:t>, mà nó tuân thủ 4 nguyên tắc thiết kế cơ bản sau: </a:t>
+              <a:t>, nó tuân thủ 4 nguyên tắc thiết kế cơ bản sau: </a:t>
             </a:r>
             <a:endParaRPr lang="en-US" sz="2400" dirty="0"/>
           </a:p>
@@ -7407,7 +7458,10 @@
               <a:rPr lang="en-US" sz="2400" dirty="0" err="1"/>
               <a:t>thái</a:t>
             </a:r>
-            <a:endParaRPr lang="en-US" sz="2400" dirty="0"/>
+            <a:r>
+              <a:rPr lang="en-US" sz="2400" dirty="0"/>
+              <a:t>.</a:t>
+            </a:r>
           </a:p>
           <a:p>
             <a:pPr lvl="1" algn="just"/>
@@ -7526,6 +7580,9 @@
                     <p:cTn id="3" fill="hold">
                       <p:stCondLst>
                         <p:cond delay="indefinite"/>
+                        <p:cond evt="onBegin" delay="0">
+                          <p:tn val="2"/>
+                        </p:cond>
                       </p:stCondLst>
                       <p:childTnLst>
                         <p:par>
@@ -7535,7 +7592,7 @@
                             </p:stCondLst>
                             <p:childTnLst>
                               <p:par>
-                                <p:cTn id="5" presetID="10" presetClass="entr" presetSubtype="0" fill="hold" grpId="0" nodeType="clickEffect">
+                                <p:cTn id="5" presetID="10" presetClass="entr" presetSubtype="0" fill="hold" grpId="0" nodeType="afterEffect">
                                   <p:stCondLst>
                                     <p:cond delay="0"/>
                                   </p:stCondLst>
@@ -7580,30 +7637,21 @@
                             </p:childTnLst>
                           </p:cTn>
                         </p:par>
-                      </p:childTnLst>
-                    </p:cTn>
-                  </p:par>
-                  <p:par>
-                    <p:cTn id="8" fill="hold">
-                      <p:stCondLst>
-                        <p:cond delay="indefinite"/>
-                      </p:stCondLst>
-                      <p:childTnLst>
                         <p:par>
-                          <p:cTn id="9" fill="hold">
+                          <p:cTn id="8" fill="hold">
                             <p:stCondLst>
-                              <p:cond delay="0"/>
+                              <p:cond delay="500"/>
                             </p:stCondLst>
                             <p:childTnLst>
                               <p:par>
-                                <p:cTn id="10" presetID="10" presetClass="entr" presetSubtype="0" fill="hold" grpId="0" nodeType="clickEffect">
+                                <p:cTn id="9" presetID="10" presetClass="entr" presetSubtype="0" fill="hold" grpId="0" nodeType="afterEffect">
                                   <p:stCondLst>
                                     <p:cond delay="0"/>
                                   </p:stCondLst>
                                   <p:childTnLst>
                                     <p:set>
                                       <p:cBhvr>
-                                        <p:cTn id="11" dur="1" fill="hold">
+                                        <p:cTn id="10" dur="1" fill="hold">
                                           <p:stCondLst>
                                             <p:cond delay="0"/>
                                           </p:stCondLst>
@@ -7625,7 +7673,7 @@
                                     </p:set>
                                     <p:animEffect transition="in" filter="fade">
                                       <p:cBhvr>
-                                        <p:cTn id="12" dur="500"/>
+                                        <p:cTn id="11" dur="500"/>
                                         <p:tgtEl>
                                           <p:spTgt spid="3">
                                             <p:txEl>
@@ -7641,30 +7689,21 @@
                             </p:childTnLst>
                           </p:cTn>
                         </p:par>
-                      </p:childTnLst>
-                    </p:cTn>
-                  </p:par>
-                  <p:par>
-                    <p:cTn id="13" fill="hold">
-                      <p:stCondLst>
-                        <p:cond delay="indefinite"/>
-                      </p:stCondLst>
-                      <p:childTnLst>
                         <p:par>
-                          <p:cTn id="14" fill="hold">
+                          <p:cTn id="12" fill="hold">
                             <p:stCondLst>
-                              <p:cond delay="0"/>
+                              <p:cond delay="1000"/>
                             </p:stCondLst>
                             <p:childTnLst>
                               <p:par>
-                                <p:cTn id="15" presetID="10" presetClass="entr" presetSubtype="0" fill="hold" grpId="0" nodeType="clickEffect">
+                                <p:cTn id="13" presetID="10" presetClass="entr" presetSubtype="0" fill="hold" grpId="0" nodeType="afterEffect">
                                   <p:stCondLst>
                                     <p:cond delay="0"/>
                                   </p:stCondLst>
                                   <p:childTnLst>
                                     <p:set>
                                       <p:cBhvr>
-                                        <p:cTn id="16" dur="1" fill="hold">
+                                        <p:cTn id="14" dur="1" fill="hold">
                                           <p:stCondLst>
                                             <p:cond delay="0"/>
                                           </p:stCondLst>
@@ -7686,7 +7725,7 @@
                                     </p:set>
                                     <p:animEffect transition="in" filter="fade">
                                       <p:cBhvr>
-                                        <p:cTn id="17" dur="500"/>
+                                        <p:cTn id="15" dur="500"/>
                                         <p:tgtEl>
                                           <p:spTgt spid="3">
                                             <p:txEl>
@@ -7699,15 +7738,24 @@
                                   </p:childTnLst>
                                 </p:cTn>
                               </p:par>
+                            </p:childTnLst>
+                          </p:cTn>
+                        </p:par>
+                        <p:par>
+                          <p:cTn id="16" fill="hold">
+                            <p:stCondLst>
+                              <p:cond delay="1500"/>
+                            </p:stCondLst>
+                            <p:childTnLst>
                               <p:par>
-                                <p:cTn id="18" presetID="10" presetClass="entr" presetSubtype="0" fill="hold" grpId="0" nodeType="withEffect">
+                                <p:cTn id="17" presetID="10" presetClass="entr" presetSubtype="0" fill="hold" grpId="0" nodeType="afterEffect">
                                   <p:stCondLst>
                                     <p:cond delay="0"/>
                                   </p:stCondLst>
                                   <p:childTnLst>
                                     <p:set>
                                       <p:cBhvr>
-                                        <p:cTn id="19" dur="1" fill="hold">
+                                        <p:cTn id="18" dur="1" fill="hold">
                                           <p:stCondLst>
                                             <p:cond delay="0"/>
                                           </p:stCondLst>
@@ -7729,7 +7777,7 @@
                                     </p:set>
                                     <p:animEffect transition="in" filter="fade">
                                       <p:cBhvr>
-                                        <p:cTn id="20" dur="500"/>
+                                        <p:cTn id="19" dur="500"/>
                                         <p:tgtEl>
                                           <p:spTgt spid="3">
                                             <p:txEl>
@@ -7742,8 +7790,17 @@
                                   </p:childTnLst>
                                 </p:cTn>
                               </p:par>
+                            </p:childTnLst>
+                          </p:cTn>
+                        </p:par>
+                        <p:par>
+                          <p:cTn id="20" fill="hold">
+                            <p:stCondLst>
+                              <p:cond delay="2000"/>
+                            </p:stCondLst>
+                            <p:childTnLst>
                               <p:par>
-                                <p:cTn id="21" presetID="10" presetClass="entr" presetSubtype="0" fill="hold" grpId="0" nodeType="withEffect">
+                                <p:cTn id="21" presetID="10" presetClass="entr" presetSubtype="0" fill="hold" grpId="0" nodeType="afterEffect">
                                   <p:stCondLst>
                                     <p:cond delay="0"/>
                                   </p:stCondLst>
@@ -7785,15 +7842,24 @@
                                   </p:childTnLst>
                                 </p:cTn>
                               </p:par>
+                            </p:childTnLst>
+                          </p:cTn>
+                        </p:par>
+                        <p:par>
+                          <p:cTn id="24" fill="hold">
+                            <p:stCondLst>
+                              <p:cond delay="2500"/>
+                            </p:stCondLst>
+                            <p:childTnLst>
                               <p:par>
-                                <p:cTn id="24" presetID="10" presetClass="entr" presetSubtype="0" fill="hold" grpId="0" nodeType="withEffect">
+                                <p:cTn id="25" presetID="10" presetClass="entr" presetSubtype="0" fill="hold" grpId="0" nodeType="afterEffect">
                                   <p:stCondLst>
                                     <p:cond delay="0"/>
                                   </p:stCondLst>
                                   <p:childTnLst>
                                     <p:set>
                                       <p:cBhvr>
-                                        <p:cTn id="25" dur="1" fill="hold">
+                                        <p:cTn id="26" dur="1" fill="hold">
                                           <p:stCondLst>
                                             <p:cond delay="0"/>
                                           </p:stCondLst>
@@ -7815,7 +7881,7 @@
                                     </p:set>
                                     <p:animEffect transition="in" filter="fade">
                                       <p:cBhvr>
-                                        <p:cTn id="26" dur="500"/>
+                                        <p:cTn id="27" dur="500"/>
                                         <p:tgtEl>
                                           <p:spTgt spid="3">
                                             <p:txEl>
@@ -7828,15 +7894,24 @@
                                   </p:childTnLst>
                                 </p:cTn>
                               </p:par>
+                            </p:childTnLst>
+                          </p:cTn>
+                        </p:par>
+                        <p:par>
+                          <p:cTn id="28" fill="hold">
+                            <p:stCondLst>
+                              <p:cond delay="3000"/>
+                            </p:stCondLst>
+                            <p:childTnLst>
                               <p:par>
-                                <p:cTn id="27" presetID="10" presetClass="entr" presetSubtype="0" fill="hold" grpId="0" nodeType="withEffect">
+                                <p:cTn id="29" presetID="10" presetClass="entr" presetSubtype="0" fill="hold" grpId="0" nodeType="afterEffect">
                                   <p:stCondLst>
                                     <p:cond delay="0"/>
                                   </p:stCondLst>
                                   <p:childTnLst>
                                     <p:set>
                                       <p:cBhvr>
-                                        <p:cTn id="28" dur="1" fill="hold">
+                                        <p:cTn id="30" dur="1" fill="hold">
                                           <p:stCondLst>
                                             <p:cond delay="0"/>
                                           </p:stCondLst>
@@ -7858,7 +7933,7 @@
                                     </p:set>
                                     <p:animEffect transition="in" filter="fade">
                                       <p:cBhvr>
-                                        <p:cTn id="29" dur="500"/>
+                                        <p:cTn id="31" dur="500"/>
                                         <p:tgtEl>
                                           <p:spTgt spid="3">
                                             <p:txEl>
@@ -7979,7 +8054,7 @@
             </a:r>
             <a:r>
               <a:rPr lang="en-US" sz="4500" dirty="0"/>
-              <a:t> - Java Web Service (RESTful)</a:t>
+              <a:t> - RESTful</a:t>
             </a:r>
           </a:p>
         </p:txBody>
@@ -8000,7 +8075,12 @@
             <p:ph idx="1"/>
           </p:nvPr>
         </p:nvSpPr>
-        <p:spPr/>
+        <p:spPr>
+          <a:xfrm>
+            <a:off x="677334" y="1488613"/>
+            <a:ext cx="8596668" cy="3880773"/>
+          </a:xfrm>
+        </p:spPr>
         <p:txBody>
           <a:bodyPr>
             <a:normAutofit/>
@@ -8390,6 +8470,9 @@
                     <p:cTn id="3" fill="hold">
                       <p:stCondLst>
                         <p:cond delay="indefinite"/>
+                        <p:cond evt="onBegin" delay="0">
+                          <p:tn val="2"/>
+                        </p:cond>
                       </p:stCondLst>
                       <p:childTnLst>
                         <p:par>
@@ -8399,7 +8482,7 @@
                             </p:stCondLst>
                             <p:childTnLst>
                               <p:par>
-                                <p:cTn id="5" presetID="10" presetClass="entr" presetSubtype="0" fill="hold" grpId="0" nodeType="clickEffect">
+                                <p:cTn id="5" presetID="10" presetClass="entr" presetSubtype="0" fill="hold" grpId="0" nodeType="afterEffect">
                                   <p:stCondLst>
                                     <p:cond delay="0"/>
                                   </p:stCondLst>
@@ -8441,15 +8524,24 @@
                                   </p:childTnLst>
                                 </p:cTn>
                               </p:par>
+                            </p:childTnLst>
+                          </p:cTn>
+                        </p:par>
+                        <p:par>
+                          <p:cTn id="8" fill="hold">
+                            <p:stCondLst>
+                              <p:cond delay="500"/>
+                            </p:stCondLst>
+                            <p:childTnLst>
                               <p:par>
-                                <p:cTn id="8" presetID="10" presetClass="entr" presetSubtype="0" fill="hold" grpId="0" nodeType="withEffect">
+                                <p:cTn id="9" presetID="10" presetClass="entr" presetSubtype="0" fill="hold" grpId="0" nodeType="afterEffect">
                                   <p:stCondLst>
                                     <p:cond delay="0"/>
                                   </p:stCondLst>
                                   <p:childTnLst>
                                     <p:set>
                                       <p:cBhvr>
-                                        <p:cTn id="9" dur="1" fill="hold">
+                                        <p:cTn id="10" dur="1" fill="hold">
                                           <p:stCondLst>
                                             <p:cond delay="0"/>
                                           </p:stCondLst>
@@ -8471,7 +8563,7 @@
                                     </p:set>
                                     <p:animEffect transition="in" filter="fade">
                                       <p:cBhvr>
-                                        <p:cTn id="10" dur="500"/>
+                                        <p:cTn id="11" dur="500"/>
                                         <p:tgtEl>
                                           <p:spTgt spid="3">
                                             <p:txEl>
@@ -8484,15 +8576,24 @@
                                   </p:childTnLst>
                                 </p:cTn>
                               </p:par>
+                            </p:childTnLst>
+                          </p:cTn>
+                        </p:par>
+                        <p:par>
+                          <p:cTn id="12" fill="hold">
+                            <p:stCondLst>
+                              <p:cond delay="1000"/>
+                            </p:stCondLst>
+                            <p:childTnLst>
                               <p:par>
-                                <p:cTn id="11" presetID="10" presetClass="entr" presetSubtype="0" fill="hold" grpId="0" nodeType="withEffect">
+                                <p:cTn id="13" presetID="10" presetClass="entr" presetSubtype="0" fill="hold" grpId="0" nodeType="afterEffect">
                                   <p:stCondLst>
                                     <p:cond delay="0"/>
                                   </p:stCondLst>
                                   <p:childTnLst>
                                     <p:set>
                                       <p:cBhvr>
-                                        <p:cTn id="12" dur="1" fill="hold">
+                                        <p:cTn id="14" dur="1" fill="hold">
                                           <p:stCondLst>
                                             <p:cond delay="0"/>
                                           </p:stCondLst>
@@ -8514,7 +8615,7 @@
                                     </p:set>
                                     <p:animEffect transition="in" filter="fade">
                                       <p:cBhvr>
-                                        <p:cTn id="13" dur="500"/>
+                                        <p:cTn id="15" dur="500"/>
                                         <p:tgtEl>
                                           <p:spTgt spid="3">
                                             <p:txEl>
@@ -8527,15 +8628,24 @@
                                   </p:childTnLst>
                                 </p:cTn>
                               </p:par>
+                            </p:childTnLst>
+                          </p:cTn>
+                        </p:par>
+                        <p:par>
+                          <p:cTn id="16" fill="hold">
+                            <p:stCondLst>
+                              <p:cond delay="1500"/>
+                            </p:stCondLst>
+                            <p:childTnLst>
                               <p:par>
-                                <p:cTn id="14" presetID="10" presetClass="entr" presetSubtype="0" fill="hold" grpId="0" nodeType="withEffect">
+                                <p:cTn id="17" presetID="10" presetClass="entr" presetSubtype="0" fill="hold" grpId="0" nodeType="afterEffect">
                                   <p:stCondLst>
                                     <p:cond delay="0"/>
                                   </p:stCondLst>
                                   <p:childTnLst>
                                     <p:set>
                                       <p:cBhvr>
-                                        <p:cTn id="15" dur="1" fill="hold">
+                                        <p:cTn id="18" dur="1" fill="hold">
                                           <p:stCondLst>
                                             <p:cond delay="0"/>
                                           </p:stCondLst>
@@ -8557,7 +8667,7 @@
                                     </p:set>
                                     <p:animEffect transition="in" filter="fade">
                                       <p:cBhvr>
-                                        <p:cTn id="16" dur="500"/>
+                                        <p:cTn id="19" dur="500"/>
                                         <p:tgtEl>
                                           <p:spTgt spid="3">
                                             <p:txEl>
@@ -8570,15 +8680,24 @@
                                   </p:childTnLst>
                                 </p:cTn>
                               </p:par>
+                            </p:childTnLst>
+                          </p:cTn>
+                        </p:par>
+                        <p:par>
+                          <p:cTn id="20" fill="hold">
+                            <p:stCondLst>
+                              <p:cond delay="2000"/>
+                            </p:stCondLst>
+                            <p:childTnLst>
                               <p:par>
-                                <p:cTn id="17" presetID="10" presetClass="entr" presetSubtype="0" fill="hold" grpId="0" nodeType="withEffect">
+                                <p:cTn id="21" presetID="10" presetClass="entr" presetSubtype="0" fill="hold" grpId="0" nodeType="afterEffect">
                                   <p:stCondLst>
                                     <p:cond delay="0"/>
                                   </p:stCondLst>
                                   <p:childTnLst>
                                     <p:set>
                                       <p:cBhvr>
-                                        <p:cTn id="18" dur="1" fill="hold">
+                                        <p:cTn id="22" dur="1" fill="hold">
                                           <p:stCondLst>
                                             <p:cond delay="0"/>
                                           </p:stCondLst>
@@ -8600,7 +8719,7 @@
                                     </p:set>
                                     <p:animEffect transition="in" filter="fade">
                                       <p:cBhvr>
-                                        <p:cTn id="19" dur="500"/>
+                                        <p:cTn id="23" dur="500"/>
                                         <p:tgtEl>
                                           <p:spTgt spid="3">
                                             <p:txEl>
@@ -8925,7 +9044,10 @@
               <a:rPr lang="vi-VN" sz="2400" dirty="0"/>
               <a:t>MongoDB là một trong những cơ sở dữ liệu mã nguồn mở NoSQL phổ biến nhất được biết bằng C++</a:t>
             </a:r>
-            <a:endParaRPr lang="en-US" sz="2400" dirty="0"/>
+            <a:r>
+              <a:rPr lang="en-US" sz="2400" dirty="0"/>
+              <a:t>.</a:t>
+            </a:r>
           </a:p>
           <a:p>
             <a:r>
@@ -8939,16 +9061,43 @@
               <a:rPr lang="vi-VN" sz="2400" dirty="0"/>
               <a:t>MongoDB là cơ sở dữ liệu hướng tài liệu, nó lưu trữ dữ liệu trong các document dạng JSON với schema động rất linh hoạt</a:t>
             </a:r>
+            <a:r>
+              <a:rPr lang="en-US" sz="2400" dirty="0"/>
+              <a:t>.</a:t>
+            </a:r>
+          </a:p>
+          <a:p>
+            <a:r>
+              <a:rPr lang="vi-VN" sz="2400" dirty="0"/>
+              <a:t>Nó hỗ trợ hầu hết các ngôn ngữ lập trình phổ biến như C#, Java, PHP, Javascript...và các môi trường phát triển khác nhau.</a:t>
+            </a:r>
             <a:endParaRPr lang="en-US" sz="2400" dirty="0"/>
           </a:p>
           <a:p>
             <a:r>
+              <a:rPr lang="en-US" sz="2400" dirty="0" err="1"/>
+              <a:t>Hỗ</a:t>
+            </a:r>
+            <a:r>
+              <a:rPr lang="en-US" sz="2400" dirty="0"/>
+              <a:t> </a:t>
+            </a:r>
+            <a:r>
               <a:rPr lang="vi-VN" sz="2400" dirty="0"/>
-              <a:t>MongoDB là một cơ sở dữ liệu NoSQL hỗ trợ đa nền tảng, nó có thể chạy trên Windows, Linux và Mac...Nó hỗ trợ hầu hết các ngôn ngữ lập trình phổ biến như C#, Java, PHP, Javascript...và các môi trường phát triển khác nhau.</a:t>
-            </a:r>
+              <a:t>trợ đa nền tảng, nó có thể chạy trên Windows, Linux và Mac</a:t>
+            </a:r>
+            <a:r>
+              <a:rPr lang="en-US" sz="2400" dirty="0"/>
+              <a:t>.</a:t>
+            </a:r>
+          </a:p>
+          <a:p>
             <a:endParaRPr lang="en-US" sz="2400" dirty="0"/>
           </a:p>
           <a:p>
+            <a:pPr marL="0" indent="0">
+              <a:buNone/>
+            </a:pPr>
             <a:endParaRPr lang="en-US" sz="2400" dirty="0"/>
           </a:p>
         </p:txBody>
@@ -9004,6 +9153,9 @@
                     <p:cTn id="3" fill="hold">
                       <p:stCondLst>
                         <p:cond delay="indefinite"/>
+                        <p:cond evt="onBegin" delay="0">
+                          <p:tn val="2"/>
+                        </p:cond>
                       </p:stCondLst>
                       <p:childTnLst>
                         <p:par>
@@ -9013,7 +9165,7 @@
                             </p:stCondLst>
                             <p:childTnLst>
                               <p:par>
-                                <p:cTn id="5" presetID="10" presetClass="entr" presetSubtype="0" fill="hold" grpId="0" nodeType="clickEffect">
+                                <p:cTn id="5" presetID="10" presetClass="entr" presetSubtype="0" fill="hold" grpId="0" nodeType="afterEffect">
                                   <p:stCondLst>
                                     <p:cond delay="0"/>
                                   </p:stCondLst>
@@ -9058,30 +9210,21 @@
                             </p:childTnLst>
                           </p:cTn>
                         </p:par>
-                      </p:childTnLst>
-                    </p:cTn>
-                  </p:par>
-                  <p:par>
-                    <p:cTn id="8" fill="hold">
-                      <p:stCondLst>
-                        <p:cond delay="indefinite"/>
-                      </p:stCondLst>
-                      <p:childTnLst>
                         <p:par>
-                          <p:cTn id="9" fill="hold">
+                          <p:cTn id="8" fill="hold">
                             <p:stCondLst>
-                              <p:cond delay="0"/>
+                              <p:cond delay="500"/>
                             </p:stCondLst>
                             <p:childTnLst>
                               <p:par>
-                                <p:cTn id="10" presetID="10" presetClass="entr" presetSubtype="0" fill="hold" grpId="0" nodeType="clickEffect">
+                                <p:cTn id="9" presetID="10" presetClass="entr" presetSubtype="0" fill="hold" grpId="0" nodeType="afterEffect">
                                   <p:stCondLst>
                                     <p:cond delay="0"/>
                                   </p:stCondLst>
                                   <p:childTnLst>
                                     <p:set>
                                       <p:cBhvr>
-                                        <p:cTn id="11" dur="1" fill="hold">
+                                        <p:cTn id="10" dur="1" fill="hold">
                                           <p:stCondLst>
                                             <p:cond delay="0"/>
                                           </p:stCondLst>
@@ -9103,7 +9246,7 @@
                                     </p:set>
                                     <p:animEffect transition="in" filter="fade">
                                       <p:cBhvr>
-                                        <p:cTn id="12" dur="500"/>
+                                        <p:cTn id="11" dur="500"/>
                                         <p:tgtEl>
                                           <p:spTgt spid="3">
                                             <p:txEl>
@@ -9119,30 +9262,21 @@
                             </p:childTnLst>
                           </p:cTn>
                         </p:par>
-                      </p:childTnLst>
-                    </p:cTn>
-                  </p:par>
-                  <p:par>
-                    <p:cTn id="13" fill="hold">
-                      <p:stCondLst>
-                        <p:cond delay="indefinite"/>
-                      </p:stCondLst>
-                      <p:childTnLst>
                         <p:par>
-                          <p:cTn id="14" fill="hold">
+                          <p:cTn id="12" fill="hold">
                             <p:stCondLst>
-                              <p:cond delay="0"/>
+                              <p:cond delay="1000"/>
                             </p:stCondLst>
                             <p:childTnLst>
                               <p:par>
-                                <p:cTn id="15" presetID="10" presetClass="entr" presetSubtype="0" fill="hold" grpId="0" nodeType="clickEffect">
+                                <p:cTn id="13" presetID="10" presetClass="entr" presetSubtype="0" fill="hold" grpId="0" nodeType="afterEffect">
                                   <p:stCondLst>
                                     <p:cond delay="0"/>
                                   </p:stCondLst>
                                   <p:childTnLst>
                                     <p:set>
                                       <p:cBhvr>
-                                        <p:cTn id="16" dur="1" fill="hold">
+                                        <p:cTn id="14" dur="1" fill="hold">
                                           <p:stCondLst>
                                             <p:cond delay="0"/>
                                           </p:stCondLst>
@@ -9164,7 +9298,7 @@
                                     </p:set>
                                     <p:animEffect transition="in" filter="fade">
                                       <p:cBhvr>
-                                        <p:cTn id="17" dur="500"/>
+                                        <p:cTn id="15" dur="500"/>
                                         <p:tgtEl>
                                           <p:spTgt spid="3">
                                             <p:txEl>
@@ -9180,30 +9314,21 @@
                             </p:childTnLst>
                           </p:cTn>
                         </p:par>
-                      </p:childTnLst>
-                    </p:cTn>
-                  </p:par>
-                  <p:par>
-                    <p:cTn id="18" fill="hold">
-                      <p:stCondLst>
-                        <p:cond delay="indefinite"/>
-                      </p:stCondLst>
-                      <p:childTnLst>
                         <p:par>
-                          <p:cTn id="19" fill="hold">
+                          <p:cTn id="16" fill="hold">
                             <p:stCondLst>
-                              <p:cond delay="0"/>
+                              <p:cond delay="1500"/>
                             </p:stCondLst>
                             <p:childTnLst>
                               <p:par>
-                                <p:cTn id="20" presetID="10" presetClass="entr" presetSubtype="0" fill="hold" grpId="0" nodeType="clickEffect">
+                                <p:cTn id="17" presetID="10" presetClass="entr" presetSubtype="0" fill="hold" grpId="0" nodeType="afterEffect">
                                   <p:stCondLst>
                                     <p:cond delay="0"/>
                                   </p:stCondLst>
                                   <p:childTnLst>
                                     <p:set>
                                       <p:cBhvr>
-                                        <p:cTn id="21" dur="1" fill="hold">
+                                        <p:cTn id="18" dur="1" fill="hold">
                                           <p:stCondLst>
                                             <p:cond delay="0"/>
                                           </p:stCondLst>
@@ -9225,11 +9350,63 @@
                                     </p:set>
                                     <p:animEffect transition="in" filter="fade">
                                       <p:cBhvr>
-                                        <p:cTn id="22" dur="500"/>
+                                        <p:cTn id="19" dur="500"/>
                                         <p:tgtEl>
                                           <p:spTgt spid="3">
                                             <p:txEl>
                                               <p:pRg st="3" end="3"/>
+                                            </p:txEl>
+                                          </p:spTgt>
+                                        </p:tgtEl>
+                                      </p:cBhvr>
+                                    </p:animEffect>
+                                  </p:childTnLst>
+                                </p:cTn>
+                              </p:par>
+                            </p:childTnLst>
+                          </p:cTn>
+                        </p:par>
+                        <p:par>
+                          <p:cTn id="20" fill="hold">
+                            <p:stCondLst>
+                              <p:cond delay="2000"/>
+                            </p:stCondLst>
+                            <p:childTnLst>
+                              <p:par>
+                                <p:cTn id="21" presetID="10" presetClass="entr" presetSubtype="0" fill="hold" grpId="0" nodeType="afterEffect">
+                                  <p:stCondLst>
+                                    <p:cond delay="0"/>
+                                  </p:stCondLst>
+                                  <p:childTnLst>
+                                    <p:set>
+                                      <p:cBhvr>
+                                        <p:cTn id="22" dur="1" fill="hold">
+                                          <p:stCondLst>
+                                            <p:cond delay="0"/>
+                                          </p:stCondLst>
+                                        </p:cTn>
+                                        <p:tgtEl>
+                                          <p:spTgt spid="3">
+                                            <p:txEl>
+                                              <p:pRg st="4" end="4"/>
+                                            </p:txEl>
+                                          </p:spTgt>
+                                        </p:tgtEl>
+                                        <p:attrNameLst>
+                                          <p:attrName>style.visibility</p:attrName>
+                                        </p:attrNameLst>
+                                      </p:cBhvr>
+                                      <p:to>
+                                        <p:strVal val="visible"/>
+                                      </p:to>
+                                    </p:set>
+                                    <p:animEffect transition="in" filter="fade">
+                                      <p:cBhvr>
+                                        <p:cTn id="23" dur="500"/>
+                                        <p:tgtEl>
+                                          <p:spTgt spid="3">
+                                            <p:txEl>
+                                              <p:pRg st="4" end="4"/>
                                             </p:txEl>
                                           </p:spTgt>
                                         </p:tgtEl>
@@ -9294,6 +9471,416 @@
           <p:cNvPr id="2" name="Title 1">
             <a:extLst>
               <a:ext uri="{FF2B5EF4-FFF2-40B4-BE49-F238E27FC236}">
+                <a16:creationId xmlns:a16="http://schemas.microsoft.com/office/drawing/2014/main" id="{F35895D4-21BE-4DE1-B0A5-74048217DD6F}"/>
+              </a:ext>
+            </a:extLst>
+          </p:cNvPr>
+          <p:cNvSpPr>
+            <a:spLocks noGrp="1"/>
+          </p:cNvSpPr>
+          <p:nvPr>
+            <p:ph type="title"/>
+          </p:nvPr>
+        </p:nvSpPr>
+        <p:spPr/>
+        <p:txBody>
+          <a:bodyPr>
+            <a:normAutofit/>
+          </a:bodyPr>
+          <a:lstStyle/>
+          <a:p>
+            <a:r>
+              <a:rPr lang="en-US" sz="4500" dirty="0"/>
+              <a:t>II. C</a:t>
+            </a:r>
+            <a:r>
+              <a:rPr lang="vi-VN" sz="4500" dirty="0"/>
+              <a:t>ơ</a:t>
+            </a:r>
+            <a:r>
+              <a:rPr lang="en-US" sz="4500" dirty="0"/>
+              <a:t> </a:t>
+            </a:r>
+            <a:r>
+              <a:rPr lang="en-US" sz="4500" dirty="0" err="1"/>
+              <a:t>sở</a:t>
+            </a:r>
+            <a:r>
+              <a:rPr lang="en-US" sz="4500" dirty="0"/>
+              <a:t> </a:t>
+            </a:r>
+            <a:r>
+              <a:rPr lang="en-US" sz="4500" dirty="0" err="1"/>
+              <a:t>lý</a:t>
+            </a:r>
+            <a:r>
+              <a:rPr lang="en-US" sz="4500" dirty="0"/>
+              <a:t> </a:t>
+            </a:r>
+            <a:r>
+              <a:rPr lang="en-US" sz="4500" dirty="0" err="1"/>
+              <a:t>thuyết</a:t>
+            </a:r>
+            <a:r>
+              <a:rPr lang="en-US" sz="4500" dirty="0"/>
+              <a:t> - </a:t>
+            </a:r>
+            <a:r>
+              <a:rPr lang="en-US" sz="4500" dirty="0" err="1"/>
+              <a:t>mongoDB</a:t>
+            </a:r>
+            <a:endParaRPr lang="en-US" sz="4500" dirty="0"/>
+          </a:p>
+        </p:txBody>
+      </p:sp>
+      <p:sp>
+        <p:nvSpPr>
+          <p:cNvPr id="4" name="Slide Number Placeholder 3">
+            <a:extLst>
+              <a:ext uri="{FF2B5EF4-FFF2-40B4-BE49-F238E27FC236}">
+                <a16:creationId xmlns:a16="http://schemas.microsoft.com/office/drawing/2014/main" id="{B62E97BD-2C1D-4584-B2A5-5CC72194AE1E}"/>
+              </a:ext>
+            </a:extLst>
+          </p:cNvPr>
+          <p:cNvSpPr>
+            <a:spLocks noGrp="1"/>
+          </p:cNvSpPr>
+          <p:nvPr>
+            <p:ph type="sldNum" sz="quarter" idx="12"/>
+          </p:nvPr>
+        </p:nvSpPr>
+        <p:spPr/>
+        <p:txBody>
+          <a:bodyPr/>
+          <a:lstStyle/>
+          <a:p>
+            <a:fld id="{3CC90D32-697D-4F0D-8E4A-0F6F398B2A4E}" type="slidenum">
+              <a:rPr lang="en-US" smtClean="0"/>
+              <a:t>15</a:t>
+            </a:fld>
+            <a:endParaRPr lang="en-US"/>
+          </a:p>
+        </p:txBody>
+      </p:sp>
+      <p:pic>
+        <p:nvPicPr>
+          <p:cNvPr id="5" name="Picture 4">
+            <a:extLst>
+              <a:ext uri="{FF2B5EF4-FFF2-40B4-BE49-F238E27FC236}">
+                <a16:creationId xmlns:a16="http://schemas.microsoft.com/office/drawing/2014/main" id="{50E9CFA5-B0E8-42B6-8410-1A0357E522B0}"/>
+              </a:ext>
+            </a:extLst>
+          </p:cNvPr>
+          <p:cNvPicPr>
+            <a:picLocks noChangeAspect="1"/>
+          </p:cNvPicPr>
+          <p:nvPr/>
+        </p:nvPicPr>
+        <p:blipFill>
+          <a:blip r:embed="rId2"/>
+          <a:stretch>
+            <a:fillRect/>
+          </a:stretch>
+        </p:blipFill>
+        <p:spPr>
+          <a:xfrm>
+            <a:off x="888432" y="1541529"/>
+            <a:ext cx="8073141" cy="4215327"/>
+          </a:xfrm>
+          <a:prstGeom prst="rect">
+            <a:avLst/>
+          </a:prstGeom>
+        </p:spPr>
+      </p:pic>
+      <p:sp>
+        <p:nvSpPr>
+          <p:cNvPr id="6" name="Rectangle 5">
+            <a:extLst>
+              <a:ext uri="{FF2B5EF4-FFF2-40B4-BE49-F238E27FC236}">
+                <a16:creationId xmlns:a16="http://schemas.microsoft.com/office/drawing/2014/main" id="{1F2000CD-16C5-4D21-8CDF-E23D455F203D}"/>
+              </a:ext>
+            </a:extLst>
+          </p:cNvPr>
+          <p:cNvSpPr/>
+          <p:nvPr/>
+        </p:nvSpPr>
+        <p:spPr>
+          <a:xfrm>
+            <a:off x="3152722" y="5879068"/>
+            <a:ext cx="2967479" cy="369332"/>
+          </a:xfrm>
+          <a:prstGeom prst="rect">
+            <a:avLst/>
+          </a:prstGeom>
+        </p:spPr>
+        <p:txBody>
+          <a:bodyPr wrap="none">
+            <a:spAutoFit/>
+          </a:bodyPr>
+          <a:lstStyle/>
+          <a:p>
+            <a:r>
+              <a:rPr lang="en-US" i="1" dirty="0" err="1"/>
+              <a:t>Giao</a:t>
+            </a:r>
+            <a:r>
+              <a:rPr lang="en-US" i="1" dirty="0"/>
+              <a:t> </a:t>
+            </a:r>
+            <a:r>
+              <a:rPr lang="en-US" i="1" dirty="0" err="1"/>
+              <a:t>diện</a:t>
+            </a:r>
+            <a:r>
+              <a:rPr lang="en-US" i="1" dirty="0"/>
+              <a:t> MongoDB server</a:t>
+            </a:r>
+          </a:p>
+        </p:txBody>
+      </p:sp>
+    </p:spTree>
+    <p:extLst>
+      <p:ext uri="{BB962C8B-B14F-4D97-AF65-F5344CB8AC3E}">
+        <p14:creationId xmlns:p14="http://schemas.microsoft.com/office/powerpoint/2010/main" val="2560843516"/>
+      </p:ext>
+    </p:extLst>
+  </p:cSld>
+  <p:clrMapOvr>
+    <a:masterClrMapping/>
+  </p:clrMapOvr>
+</p:sld>
+</file>
+
+<file path=ppt/slides/slide16.xml><?xml version="1.0" encoding="utf-8"?>
+<p:sld xmlns:a="http://schemas.openxmlformats.org/drawingml/2006/main" xmlns:r="http://schemas.openxmlformats.org/officeDocument/2006/relationships" xmlns:p="http://schemas.openxmlformats.org/presentationml/2006/main">
+  <p:cSld>
+    <p:spTree>
+      <p:nvGrpSpPr>
+        <p:cNvPr id="1" name=""/>
+        <p:cNvGrpSpPr/>
+        <p:nvPr/>
+      </p:nvGrpSpPr>
+      <p:grpSpPr>
+        <a:xfrm>
+          <a:off x="0" y="0"/>
+          <a:ext cx="0" cy="0"/>
+          <a:chOff x="0" y="0"/>
+          <a:chExt cx="0" cy="0"/>
+        </a:xfrm>
+      </p:grpSpPr>
+      <p:sp>
+        <p:nvSpPr>
+          <p:cNvPr id="2" name="Title 1">
+            <a:extLst>
+              <a:ext uri="{FF2B5EF4-FFF2-40B4-BE49-F238E27FC236}">
+                <a16:creationId xmlns:a16="http://schemas.microsoft.com/office/drawing/2014/main" id="{CAB63CC2-77E3-4200-A14F-65A64B8D19BB}"/>
+              </a:ext>
+            </a:extLst>
+          </p:cNvPr>
+          <p:cNvSpPr>
+            <a:spLocks noGrp="1"/>
+          </p:cNvSpPr>
+          <p:nvPr>
+            <p:ph type="title"/>
+          </p:nvPr>
+        </p:nvSpPr>
+        <p:spPr/>
+        <p:txBody>
+          <a:bodyPr>
+            <a:normAutofit/>
+          </a:bodyPr>
+          <a:lstStyle/>
+          <a:p>
+            <a:r>
+              <a:rPr lang="en-US" sz="4500" dirty="0"/>
+              <a:t>II. C</a:t>
+            </a:r>
+            <a:r>
+              <a:rPr lang="vi-VN" sz="4500" dirty="0"/>
+              <a:t>ơ</a:t>
+            </a:r>
+            <a:r>
+              <a:rPr lang="en-US" sz="4500" dirty="0"/>
+              <a:t> </a:t>
+            </a:r>
+            <a:r>
+              <a:rPr lang="en-US" sz="4500" dirty="0" err="1"/>
+              <a:t>sở</a:t>
+            </a:r>
+            <a:r>
+              <a:rPr lang="en-US" sz="4500" dirty="0"/>
+              <a:t> </a:t>
+            </a:r>
+            <a:r>
+              <a:rPr lang="en-US" sz="4500" dirty="0" err="1"/>
+              <a:t>lý</a:t>
+            </a:r>
+            <a:r>
+              <a:rPr lang="en-US" sz="4500" dirty="0"/>
+              <a:t> </a:t>
+            </a:r>
+            <a:r>
+              <a:rPr lang="en-US" sz="4500" dirty="0" err="1"/>
+              <a:t>thuyết</a:t>
+            </a:r>
+            <a:r>
+              <a:rPr lang="en-US" sz="4500" dirty="0"/>
+              <a:t> - </a:t>
+            </a:r>
+            <a:r>
+              <a:rPr lang="en-US" sz="4500" dirty="0" err="1"/>
+              <a:t>mongoDB</a:t>
+            </a:r>
+            <a:endParaRPr lang="en-US" sz="4500" dirty="0"/>
+          </a:p>
+        </p:txBody>
+      </p:sp>
+      <p:sp>
+        <p:nvSpPr>
+          <p:cNvPr id="4" name="Slide Number Placeholder 3">
+            <a:extLst>
+              <a:ext uri="{FF2B5EF4-FFF2-40B4-BE49-F238E27FC236}">
+                <a16:creationId xmlns:a16="http://schemas.microsoft.com/office/drawing/2014/main" id="{C5B474DC-1FDF-46F0-91E2-D76AF5F51D76}"/>
+              </a:ext>
+            </a:extLst>
+          </p:cNvPr>
+          <p:cNvSpPr>
+            <a:spLocks noGrp="1"/>
+          </p:cNvSpPr>
+          <p:nvPr>
+            <p:ph type="sldNum" sz="quarter" idx="12"/>
+          </p:nvPr>
+        </p:nvSpPr>
+        <p:spPr/>
+        <p:txBody>
+          <a:bodyPr/>
+          <a:lstStyle/>
+          <a:p>
+            <a:fld id="{3CC90D32-697D-4F0D-8E4A-0F6F398B2A4E}" type="slidenum">
+              <a:rPr lang="en-US" smtClean="0"/>
+              <a:t>16</a:t>
+            </a:fld>
+            <a:endParaRPr lang="en-US"/>
+          </a:p>
+        </p:txBody>
+      </p:sp>
+      <p:pic>
+        <p:nvPicPr>
+          <p:cNvPr id="5" name="Picture 4">
+            <a:extLst>
+              <a:ext uri="{FF2B5EF4-FFF2-40B4-BE49-F238E27FC236}">
+                <a16:creationId xmlns:a16="http://schemas.microsoft.com/office/drawing/2014/main" id="{0CBC8A91-DF71-46D2-963C-5C8278207CE1}"/>
+              </a:ext>
+            </a:extLst>
+          </p:cNvPr>
+          <p:cNvPicPr>
+            <a:picLocks noChangeAspect="1"/>
+          </p:cNvPicPr>
+          <p:nvPr/>
+        </p:nvPicPr>
+        <p:blipFill>
+          <a:blip r:embed="rId2"/>
+          <a:stretch>
+            <a:fillRect/>
+          </a:stretch>
+        </p:blipFill>
+        <p:spPr>
+          <a:xfrm>
+            <a:off x="1297719" y="1446394"/>
+            <a:ext cx="7505823" cy="4413493"/>
+          </a:xfrm>
+          <a:prstGeom prst="rect">
+            <a:avLst/>
+          </a:prstGeom>
+        </p:spPr>
+      </p:pic>
+      <p:sp>
+        <p:nvSpPr>
+          <p:cNvPr id="6" name="TextBox 5">
+            <a:extLst>
+              <a:ext uri="{FF2B5EF4-FFF2-40B4-BE49-F238E27FC236}">
+                <a16:creationId xmlns:a16="http://schemas.microsoft.com/office/drawing/2014/main" id="{FA7E03BE-C3F4-4411-B406-2D9068390DBC}"/>
+              </a:ext>
+            </a:extLst>
+          </p:cNvPr>
+          <p:cNvSpPr txBox="1"/>
+          <p:nvPr/>
+        </p:nvSpPr>
+        <p:spPr>
+          <a:xfrm>
+            <a:off x="3960107" y="6063734"/>
+            <a:ext cx="3544560" cy="369332"/>
+          </a:xfrm>
+          <a:prstGeom prst="rect">
+            <a:avLst/>
+          </a:prstGeom>
+          <a:noFill/>
+        </p:spPr>
+        <p:txBody>
+          <a:bodyPr wrap="none" rtlCol="0">
+            <a:spAutoFit/>
+          </a:bodyPr>
+          <a:lstStyle/>
+          <a:p>
+            <a:r>
+              <a:rPr lang="en-US" i="1" dirty="0" err="1"/>
+              <a:t>Giao</a:t>
+            </a:r>
+            <a:r>
+              <a:rPr lang="en-US" i="1" dirty="0"/>
+              <a:t> </a:t>
+            </a:r>
+            <a:r>
+              <a:rPr lang="en-US" i="1" dirty="0" err="1"/>
+              <a:t>diện</a:t>
+            </a:r>
+            <a:r>
+              <a:rPr lang="en-US" i="1" dirty="0"/>
+              <a:t> 3T studio for </a:t>
+            </a:r>
+            <a:r>
+              <a:rPr lang="en-US" i="1" dirty="0" err="1"/>
+              <a:t>Mongodb</a:t>
+            </a:r>
+            <a:endParaRPr lang="en-US" i="1" dirty="0"/>
+          </a:p>
+        </p:txBody>
+      </p:sp>
+    </p:spTree>
+    <p:extLst>
+      <p:ext uri="{BB962C8B-B14F-4D97-AF65-F5344CB8AC3E}">
+        <p14:creationId xmlns:p14="http://schemas.microsoft.com/office/powerpoint/2010/main" val="2506111774"/>
+      </p:ext>
+    </p:extLst>
+  </p:cSld>
+  <p:clrMapOvr>
+    <a:masterClrMapping/>
+  </p:clrMapOvr>
+</p:sld>
+</file>
+
+<file path=ppt/slides/slide17.xml><?xml version="1.0" encoding="utf-8"?>
+<p:sld xmlns:a="http://schemas.openxmlformats.org/drawingml/2006/main" xmlns:r="http://schemas.openxmlformats.org/officeDocument/2006/relationships" xmlns:p="http://schemas.openxmlformats.org/presentationml/2006/main">
+  <p:cSld>
+    <p:spTree>
+      <p:nvGrpSpPr>
+        <p:cNvPr id="1" name=""/>
+        <p:cNvGrpSpPr/>
+        <p:nvPr/>
+      </p:nvGrpSpPr>
+      <p:grpSpPr>
+        <a:xfrm>
+          <a:off x="0" y="0"/>
+          <a:ext cx="0" cy="0"/>
+          <a:chOff x="0" y="0"/>
+          <a:chExt cx="0" cy="0"/>
+        </a:xfrm>
+      </p:grpSpPr>
+      <p:sp>
+        <p:nvSpPr>
+          <p:cNvPr id="2" name="Title 1">
+            <a:extLst>
+              <a:ext uri="{FF2B5EF4-FFF2-40B4-BE49-F238E27FC236}">
                 <a16:creationId xmlns:a16="http://schemas.microsoft.com/office/drawing/2014/main" id="{3AE26C12-427C-4452-A1B0-67A1ABBE57BA}"/>
               </a:ext>
             </a:extLst>
@@ -9308,7 +9895,7 @@
         <p:spPr/>
         <p:txBody>
           <a:bodyPr>
-            <a:normAutofit/>
+            <a:noAutofit/>
           </a:bodyPr>
           <a:lstStyle/>
           <a:p>
@@ -9318,6 +9905,38 @@
             </a:r>
             <a:r>
               <a:rPr lang="en-US" sz="4500" dirty="0" err="1"/>
+              <a:t>Xây</a:t>
+            </a:r>
+            <a:r>
+              <a:rPr lang="en-US" sz="4500" dirty="0"/>
+              <a:t> </a:t>
+            </a:r>
+            <a:r>
+              <a:rPr lang="en-US" sz="4500" dirty="0" err="1"/>
+              <a:t>dựng</a:t>
+            </a:r>
+            <a:r>
+              <a:rPr lang="en-US" sz="4500" dirty="0"/>
+              <a:t> </a:t>
+            </a:r>
+            <a:r>
+              <a:rPr lang="en-US" sz="4500" dirty="0" err="1"/>
+              <a:t>ứng</a:t>
+            </a:r>
+            <a:r>
+              <a:rPr lang="en-US" sz="4500" dirty="0"/>
+              <a:t> </a:t>
+            </a:r>
+            <a:r>
+              <a:rPr lang="en-US" sz="4500" dirty="0" err="1"/>
+              <a:t>dụng</a:t>
+            </a:r>
+            <a:r>
+              <a:rPr lang="en-US" sz="4500" dirty="0"/>
+              <a:t> - </a:t>
+            </a:r>
+            <a:r>
+              <a:rPr lang="en-US" sz="4500" dirty="0" err="1"/>
               <a:t>Thiết</a:t>
             </a:r>
             <a:r>
@@ -9334,7 +9953,7 @@
             </a:r>
             <a:r>
               <a:rPr lang="en-US" sz="4500" dirty="0" err="1"/>
-              <a:t>dữ</a:t>
+              <a:t>kiến</a:t>
             </a:r>
             <a:r>
               <a:rPr lang="en-US" sz="4500" dirty="0"/>
@@ -9342,9 +9961,12 @@
             </a:r>
             <a:r>
               <a:rPr lang="en-US" sz="4500" dirty="0" err="1"/>
-              <a:t>liệu</a:t>
-            </a:r>
-            <a:endParaRPr lang="en-US" sz="4500" dirty="0"/>
+              <a:t>trúc</a:t>
+            </a:r>
+            <a:r>
+              <a:rPr lang="en-US" sz="4500" dirty="0"/>
+              <a:t>.</a:t>
+            </a:r>
           </a:p>
         </p:txBody>
       </p:sp>
@@ -10108,8 +10730,8 @@
         </p:nvSpPr>
         <p:spPr>
           <a:xfrm>
-            <a:off x="4161727" y="3847222"/>
-            <a:ext cx="2063129" cy="369332"/>
+            <a:off x="4235465" y="3847222"/>
+            <a:ext cx="1915653" cy="369332"/>
           </a:xfrm>
           <a:prstGeom prst="rect">
             <a:avLst/>
@@ -10127,10 +10749,7 @@
               </a:spcAft>
             </a:pPr>
             <a:r>
-              <a:rPr lang="en-US" b="1" dirty="0" err="1">
-                <a:solidFill>
-                  <a:srgbClr val="4F81BD"/>
-                </a:solidFill>
+              <a:rPr lang="en-US" i="1" dirty="0" err="1">
                 <a:latin typeface="Cambria" panose="02040503050406030204" pitchFamily="18" charset="0"/>
                 <a:ea typeface="Cambria" panose="02040503050406030204" pitchFamily="18" charset="0"/>
                 <a:cs typeface="Cambria" panose="02040503050406030204" pitchFamily="18" charset="0"/>
@@ -10138,10 +10757,7 @@
               <a:t>Thiết</a:t>
             </a:r>
             <a:r>
-              <a:rPr lang="en-US" b="1" dirty="0">
-                <a:solidFill>
-                  <a:srgbClr val="4F81BD"/>
-                </a:solidFill>
+              <a:rPr lang="en-US" i="1" dirty="0">
                 <a:latin typeface="Cambria" panose="02040503050406030204" pitchFamily="18" charset="0"/>
                 <a:ea typeface="Cambria" panose="02040503050406030204" pitchFamily="18" charset="0"/>
                 <a:cs typeface="Cambria" panose="02040503050406030204" pitchFamily="18" charset="0"/>
@@ -10149,10 +10765,7 @@
               <a:t> </a:t>
             </a:r>
             <a:r>
-              <a:rPr lang="en-US" b="1" dirty="0" err="1">
-                <a:solidFill>
-                  <a:srgbClr val="4F81BD"/>
-                </a:solidFill>
+              <a:rPr lang="en-US" i="1" dirty="0" err="1">
                 <a:latin typeface="Cambria" panose="02040503050406030204" pitchFamily="18" charset="0"/>
                 <a:ea typeface="Cambria" panose="02040503050406030204" pitchFamily="18" charset="0"/>
                 <a:cs typeface="Cambria" panose="02040503050406030204" pitchFamily="18" charset="0"/>
@@ -10160,10 +10773,7 @@
               <a:t>kế</a:t>
             </a:r>
             <a:r>
-              <a:rPr lang="en-US" b="1" dirty="0">
-                <a:solidFill>
-                  <a:srgbClr val="4F81BD"/>
-                </a:solidFill>
+              <a:rPr lang="en-US" i="1" dirty="0">
                 <a:latin typeface="Cambria" panose="02040503050406030204" pitchFamily="18" charset="0"/>
                 <a:ea typeface="Cambria" panose="02040503050406030204" pitchFamily="18" charset="0"/>
                 <a:cs typeface="Cambria" panose="02040503050406030204" pitchFamily="18" charset="0"/>
@@ -10171,10 +10781,7 @@
               <a:t> </a:t>
             </a:r>
             <a:r>
-              <a:rPr lang="en-US" b="1" dirty="0" err="1">
-                <a:solidFill>
-                  <a:srgbClr val="4F81BD"/>
-                </a:solidFill>
+              <a:rPr lang="en-US" i="1" dirty="0" err="1">
                 <a:latin typeface="Cambria" panose="02040503050406030204" pitchFamily="18" charset="0"/>
                 <a:ea typeface="Cambria" panose="02040503050406030204" pitchFamily="18" charset="0"/>
                 <a:cs typeface="Cambria" panose="02040503050406030204" pitchFamily="18" charset="0"/>
@@ -10182,10 +10789,7 @@
               <a:t>kiến</a:t>
             </a:r>
             <a:r>
-              <a:rPr lang="en-US" b="1" dirty="0">
-                <a:solidFill>
-                  <a:srgbClr val="4F81BD"/>
-                </a:solidFill>
+              <a:rPr lang="en-US" i="1" dirty="0">
                 <a:latin typeface="Cambria" panose="02040503050406030204" pitchFamily="18" charset="0"/>
                 <a:ea typeface="Cambria" panose="02040503050406030204" pitchFamily="18" charset="0"/>
                 <a:cs typeface="Cambria" panose="02040503050406030204" pitchFamily="18" charset="0"/>
@@ -10193,20 +10797,14 @@
               <a:t> </a:t>
             </a:r>
             <a:r>
-              <a:rPr lang="en-US" b="1" dirty="0" err="1">
-                <a:solidFill>
-                  <a:srgbClr val="4F81BD"/>
-                </a:solidFill>
+              <a:rPr lang="en-US" i="1" dirty="0" err="1">
                 <a:latin typeface="Cambria" panose="02040503050406030204" pitchFamily="18" charset="0"/>
                 <a:ea typeface="Cambria" panose="02040503050406030204" pitchFamily="18" charset="0"/>
                 <a:cs typeface="Cambria" panose="02040503050406030204" pitchFamily="18" charset="0"/>
               </a:rPr>
               <a:t>trúc</a:t>
             </a:r>
-            <a:endParaRPr lang="en-US" b="1" dirty="0">
-              <a:solidFill>
-                <a:srgbClr val="4F81BD"/>
-              </a:solidFill>
+            <a:endParaRPr lang="en-US" i="1" dirty="0">
               <a:latin typeface="Cambria" panose="02040503050406030204" pitchFamily="18" charset="0"/>
               <a:ea typeface="Cambria" panose="02040503050406030204" pitchFamily="18" charset="0"/>
               <a:cs typeface="Cambria" panose="02040503050406030204" pitchFamily="18" charset="0"/>
@@ -10237,7 +10835,7 @@
           <a:p>
             <a:fld id="{3CC90D32-697D-4F0D-8E4A-0F6F398B2A4E}" type="slidenum">
               <a:rPr lang="en-US" smtClean="0"/>
-              <a:t>15</a:t>
+              <a:t>17</a:t>
             </a:fld>
             <a:endParaRPr lang="en-US"/>
           </a:p>
@@ -10256,7 +10854,251 @@
 </p:sld>
 </file>
 
-<file path=ppt/slides/slide16.xml><?xml version="1.0" encoding="utf-8"?>
+<file path=ppt/slides/slide18.xml><?xml version="1.0" encoding="utf-8"?>
+<p:sld xmlns:a="http://schemas.openxmlformats.org/drawingml/2006/main" xmlns:r="http://schemas.openxmlformats.org/officeDocument/2006/relationships" xmlns:p="http://schemas.openxmlformats.org/presentationml/2006/main">
+  <p:cSld>
+    <p:spTree>
+      <p:nvGrpSpPr>
+        <p:cNvPr id="1" name=""/>
+        <p:cNvGrpSpPr/>
+        <p:nvPr/>
+      </p:nvGrpSpPr>
+      <p:grpSpPr>
+        <a:xfrm>
+          <a:off x="0" y="0"/>
+          <a:ext cx="0" cy="0"/>
+          <a:chOff x="0" y="0"/>
+          <a:chExt cx="0" cy="0"/>
+        </a:xfrm>
+      </p:grpSpPr>
+      <p:sp>
+        <p:nvSpPr>
+          <p:cNvPr id="2" name="Title 1">
+            <a:extLst>
+              <a:ext uri="{FF2B5EF4-FFF2-40B4-BE49-F238E27FC236}">
+                <a16:creationId xmlns:a16="http://schemas.microsoft.com/office/drawing/2014/main" id="{6353B336-F7CA-4680-B506-2222DC07BC65}"/>
+              </a:ext>
+            </a:extLst>
+          </p:cNvPr>
+          <p:cNvSpPr>
+            <a:spLocks noGrp="1"/>
+          </p:cNvSpPr>
+          <p:nvPr>
+            <p:ph type="title"/>
+          </p:nvPr>
+        </p:nvSpPr>
+        <p:spPr/>
+        <p:txBody>
+          <a:bodyPr>
+            <a:noAutofit/>
+          </a:bodyPr>
+          <a:lstStyle/>
+          <a:p>
+            <a:r>
+              <a:rPr lang="en-US" sz="4500" dirty="0"/>
+              <a:t>III. </a:t>
+            </a:r>
+            <a:r>
+              <a:rPr lang="en-US" sz="4500" dirty="0" err="1"/>
+              <a:t>Xây</a:t>
+            </a:r>
+            <a:r>
+              <a:rPr lang="en-US" sz="4500" dirty="0"/>
+              <a:t> </a:t>
+            </a:r>
+            <a:r>
+              <a:rPr lang="en-US" sz="4500" dirty="0" err="1"/>
+              <a:t>dựng</a:t>
+            </a:r>
+            <a:r>
+              <a:rPr lang="en-US" sz="4500" dirty="0"/>
+              <a:t> </a:t>
+            </a:r>
+            <a:r>
+              <a:rPr lang="en-US" sz="4500" dirty="0" err="1"/>
+              <a:t>ứng</a:t>
+            </a:r>
+            <a:r>
+              <a:rPr lang="en-US" sz="4500" dirty="0"/>
+              <a:t> </a:t>
+            </a:r>
+            <a:r>
+              <a:rPr lang="en-US" sz="4500" dirty="0" err="1"/>
+              <a:t>dụng</a:t>
+            </a:r>
+            <a:r>
+              <a:rPr lang="en-US" sz="4500" dirty="0"/>
+              <a:t> - </a:t>
+            </a:r>
+            <a:r>
+              <a:rPr lang="en-US" sz="4500" dirty="0" err="1"/>
+              <a:t>Thiết</a:t>
+            </a:r>
+            <a:r>
+              <a:rPr lang="en-US" sz="4500" dirty="0"/>
+              <a:t> </a:t>
+            </a:r>
+            <a:r>
+              <a:rPr lang="en-US" sz="4500" dirty="0" err="1"/>
+              <a:t>kế</a:t>
+            </a:r>
+            <a:r>
+              <a:rPr lang="en-US" sz="4500" dirty="0"/>
+              <a:t> </a:t>
+            </a:r>
+            <a:r>
+              <a:rPr lang="en-US" sz="4500" dirty="0" err="1"/>
+              <a:t>kiến</a:t>
+            </a:r>
+            <a:r>
+              <a:rPr lang="en-US" sz="4500" dirty="0"/>
+              <a:t> </a:t>
+            </a:r>
+            <a:r>
+              <a:rPr lang="en-US" sz="4500" dirty="0" err="1"/>
+              <a:t>trúc</a:t>
+            </a:r>
+            <a:r>
+              <a:rPr lang="en-US" sz="4500" dirty="0"/>
+              <a:t>.</a:t>
+            </a:r>
+          </a:p>
+        </p:txBody>
+      </p:sp>
+      <p:sp>
+        <p:nvSpPr>
+          <p:cNvPr id="4" name="Slide Number Placeholder 3">
+            <a:extLst>
+              <a:ext uri="{FF2B5EF4-FFF2-40B4-BE49-F238E27FC236}">
+                <a16:creationId xmlns:a16="http://schemas.microsoft.com/office/drawing/2014/main" id="{A64F2EA1-EA48-4474-8A4F-2FC42DB953BC}"/>
+              </a:ext>
+            </a:extLst>
+          </p:cNvPr>
+          <p:cNvSpPr>
+            <a:spLocks noGrp="1"/>
+          </p:cNvSpPr>
+          <p:nvPr>
+            <p:ph type="sldNum" sz="quarter" idx="12"/>
+          </p:nvPr>
+        </p:nvSpPr>
+        <p:spPr/>
+        <p:txBody>
+          <a:bodyPr/>
+          <a:lstStyle/>
+          <a:p>
+            <a:fld id="{3CC90D32-697D-4F0D-8E4A-0F6F398B2A4E}" type="slidenum">
+              <a:rPr lang="en-US" smtClean="0"/>
+              <a:t>18</a:t>
+            </a:fld>
+            <a:endParaRPr lang="en-US"/>
+          </a:p>
+        </p:txBody>
+      </p:sp>
+      <p:pic>
+        <p:nvPicPr>
+          <p:cNvPr id="5" name="Picture 4" descr="https://documents.lucidchart.com/documents/50aaaade-cdd6-4924-9956-46f3ecfb94b1/pages/YGcM5DNywbTK?a=2232&amp;x=108&amp;y=-55&amp;w=1610&amp;h=1190&amp;store=1&amp;accept=image%2F*&amp;auth=LCA%20e54a29bcb801c62a71d9965835d2bad17456e036-ts%3D1511014468">
+            <a:extLst>
+              <a:ext uri="{FF2B5EF4-FFF2-40B4-BE49-F238E27FC236}">
+                <a16:creationId xmlns:a16="http://schemas.microsoft.com/office/drawing/2014/main" id="{88BD66E5-ED86-4B8D-9E2B-8684D31909BE}"/>
+              </a:ext>
+            </a:extLst>
+          </p:cNvPr>
+          <p:cNvPicPr/>
+          <p:nvPr/>
+        </p:nvPicPr>
+        <p:blipFill>
+          <a:blip r:embed="rId2" cstate="print">
+            <a:extLst>
+              <a:ext uri="{28A0092B-C50C-407E-A947-70E740481C1C}">
+                <a14:useLocalDpi xmlns:a14="http://schemas.microsoft.com/office/drawing/2010/main" val="0"/>
+              </a:ext>
+            </a:extLst>
+          </a:blip>
+          <a:srcRect/>
+          <a:stretch>
+            <a:fillRect/>
+          </a:stretch>
+        </p:blipFill>
+        <p:spPr bwMode="auto">
+          <a:xfrm>
+            <a:off x="2271377" y="2124075"/>
+            <a:ext cx="6000750" cy="4438650"/>
+          </a:xfrm>
+          <a:prstGeom prst="rect">
+            <a:avLst/>
+          </a:prstGeom>
+          <a:noFill/>
+          <a:ln>
+            <a:noFill/>
+          </a:ln>
+        </p:spPr>
+      </p:pic>
+      <p:sp>
+        <p:nvSpPr>
+          <p:cNvPr id="6" name="Rectangle 5">
+            <a:extLst>
+              <a:ext uri="{FF2B5EF4-FFF2-40B4-BE49-F238E27FC236}">
+                <a16:creationId xmlns:a16="http://schemas.microsoft.com/office/drawing/2014/main" id="{C6D65D4A-A70C-47A6-9C1E-6659F6CE3D72}"/>
+              </a:ext>
+            </a:extLst>
+          </p:cNvPr>
+          <p:cNvSpPr/>
+          <p:nvPr/>
+        </p:nvSpPr>
+        <p:spPr>
+          <a:xfrm>
+            <a:off x="3837912" y="6125882"/>
+            <a:ext cx="1661031" cy="369332"/>
+          </a:xfrm>
+          <a:prstGeom prst="rect">
+            <a:avLst/>
+          </a:prstGeom>
+        </p:spPr>
+        <p:txBody>
+          <a:bodyPr wrap="none">
+            <a:spAutoFit/>
+          </a:bodyPr>
+          <a:lstStyle/>
+          <a:p>
+            <a:pPr algn="ctr">
+              <a:spcAft>
+                <a:spcPts val="1000"/>
+              </a:spcAft>
+            </a:pPr>
+            <a:r>
+              <a:rPr lang="vi-VN" i="1" dirty="0">
+                <a:solidFill>
+                  <a:srgbClr val="44546A"/>
+                </a:solidFill>
+                <a:latin typeface="Times New Roman" panose="02020603050405020304" pitchFamily="18" charset="0"/>
+                <a:ea typeface="Calibri" panose="020F0502020204030204" pitchFamily="34" charset="0"/>
+              </a:rPr>
+              <a:t>Sơ đồ giải thuật</a:t>
+            </a:r>
+            <a:endParaRPr lang="en-US" i="1" dirty="0">
+              <a:solidFill>
+                <a:srgbClr val="44546A"/>
+              </a:solidFill>
+              <a:latin typeface="Times New Roman" panose="02020603050405020304" pitchFamily="18" charset="0"/>
+              <a:ea typeface="Calibri" panose="020F0502020204030204" pitchFamily="34" charset="0"/>
+            </a:endParaRPr>
+          </a:p>
+        </p:txBody>
+      </p:sp>
+    </p:spTree>
+    <p:extLst>
+      <p:ext uri="{BB962C8B-B14F-4D97-AF65-F5344CB8AC3E}">
+        <p14:creationId xmlns:p14="http://schemas.microsoft.com/office/powerpoint/2010/main" val="3741506438"/>
+      </p:ext>
+    </p:extLst>
+  </p:cSld>
+  <p:clrMapOvr>
+    <a:masterClrMapping/>
+  </p:clrMapOvr>
+</p:sld>
+</file>
+
+<file path=ppt/slides/slide19.xml><?xml version="1.0" encoding="utf-8"?>
 <p:sld xmlns:a="http://schemas.openxmlformats.org/drawingml/2006/main" xmlns:r="http://schemas.openxmlformats.org/officeDocument/2006/relationships" xmlns:p="http://schemas.openxmlformats.org/presentationml/2006/main">
   <p:cSld>
     <p:spTree>
@@ -10335,7 +11177,7 @@
           <a:p>
             <a:fld id="{3CC90D32-697D-4F0D-8E4A-0F6F398B2A4E}" type="slidenum">
               <a:rPr lang="en-US" smtClean="0"/>
-              <a:t>16</a:t>
+              <a:t>19</a:t>
             </a:fld>
             <a:endParaRPr lang="en-US"/>
           </a:p>
@@ -10354,7 +11196,7 @@
 </p:sld>
 </file>
 
-<file path=ppt/slides/slide17.xml><?xml version="1.0" encoding="utf-8"?>
+<file path=ppt/slides/slide2.xml><?xml version="1.0" encoding="utf-8"?>
 <p:sld xmlns:a="http://schemas.openxmlformats.org/drawingml/2006/main" xmlns:r="http://schemas.openxmlformats.org/officeDocument/2006/relationships" xmlns:p="http://schemas.openxmlformats.org/presentationml/2006/main">
   <p:cSld>
     <p:spTree>
@@ -10376,6 +11218,415 @@
           <p:cNvPr id="2" name="Title 1">
             <a:extLst>
               <a:ext uri="{FF2B5EF4-FFF2-40B4-BE49-F238E27FC236}">
+                <a16:creationId xmlns:a16="http://schemas.microsoft.com/office/drawing/2014/main" id="{5A2BA15D-B461-4C94-8217-9961C69F1748}"/>
+              </a:ext>
+            </a:extLst>
+          </p:cNvPr>
+          <p:cNvSpPr>
+            <a:spLocks noGrp="1"/>
+          </p:cNvSpPr>
+          <p:nvPr>
+            <p:ph type="title"/>
+          </p:nvPr>
+        </p:nvSpPr>
+        <p:spPr>
+          <a:xfrm>
+            <a:off x="677335" y="609600"/>
+            <a:ext cx="8596668" cy="5912224"/>
+          </a:xfrm>
+        </p:spPr>
+        <p:txBody>
+          <a:bodyPr>
+            <a:noAutofit/>
+          </a:bodyPr>
+          <a:lstStyle/>
+          <a:p>
+            <a:r>
+              <a:rPr lang="en-US" sz="3600" dirty="0"/>
+              <a:t>I. </a:t>
+            </a:r>
+            <a:r>
+              <a:rPr lang="en-US" sz="3600" dirty="0" err="1"/>
+              <a:t>Mô</a:t>
+            </a:r>
+            <a:r>
+              <a:rPr lang="en-US" sz="3600" dirty="0"/>
+              <a:t> </a:t>
+            </a:r>
+            <a:r>
+              <a:rPr lang="en-US" sz="3600" dirty="0" err="1"/>
+              <a:t>tả</a:t>
+            </a:r>
+            <a:r>
+              <a:rPr lang="en-US" sz="3600" dirty="0"/>
+              <a:t> </a:t>
+            </a:r>
+            <a:r>
+              <a:rPr lang="en-US" sz="3600" dirty="0" err="1"/>
+              <a:t>tổng</a:t>
+            </a:r>
+            <a:r>
+              <a:rPr lang="en-US" sz="3600" dirty="0"/>
+              <a:t> </a:t>
+            </a:r>
+            <a:r>
+              <a:rPr lang="en-US" sz="3600" dirty="0" err="1"/>
+              <a:t>quan</a:t>
+            </a:r>
+            <a:br>
+              <a:rPr lang="en-US" sz="3600" dirty="0"/>
+            </a:br>
+            <a:r>
+              <a:rPr lang="en-US" sz="3600" dirty="0"/>
+              <a:t>	1. </a:t>
+            </a:r>
+            <a:r>
+              <a:rPr lang="en-US" sz="3600" dirty="0" err="1"/>
+              <a:t>Bối</a:t>
+            </a:r>
+            <a:r>
+              <a:rPr lang="en-US" sz="3600" dirty="0"/>
+              <a:t> </a:t>
+            </a:r>
+            <a:r>
+              <a:rPr lang="en-US" sz="3600" dirty="0" err="1"/>
+              <a:t>cảnh</a:t>
+            </a:r>
+            <a:r>
+              <a:rPr lang="en-US" sz="3600" dirty="0"/>
+              <a:t> </a:t>
+            </a:r>
+            <a:r>
+              <a:rPr lang="en-US" sz="3600" dirty="0" err="1"/>
+              <a:t>sản</a:t>
+            </a:r>
+            <a:r>
+              <a:rPr lang="en-US" sz="3600" dirty="0"/>
+              <a:t> </a:t>
+            </a:r>
+            <a:r>
+              <a:rPr lang="en-US" sz="3600" dirty="0" err="1"/>
+              <a:t>phẩm</a:t>
+            </a:r>
+            <a:br>
+              <a:rPr lang="en-US" sz="3600" dirty="0"/>
+            </a:br>
+            <a:r>
+              <a:rPr lang="en-US" sz="3600" dirty="0"/>
+              <a:t>	2. </a:t>
+            </a:r>
+            <a:r>
+              <a:rPr lang="en-US" sz="3600" dirty="0" err="1"/>
+              <a:t>Chức</a:t>
+            </a:r>
+            <a:r>
+              <a:rPr lang="en-US" sz="3600" dirty="0"/>
+              <a:t> </a:t>
+            </a:r>
+            <a:r>
+              <a:rPr lang="en-US" sz="3600" dirty="0" err="1"/>
+              <a:t>năng</a:t>
+            </a:r>
+            <a:r>
+              <a:rPr lang="en-US" sz="3600" dirty="0"/>
+              <a:t> </a:t>
+            </a:r>
+            <a:r>
+              <a:rPr lang="en-US" sz="3600" dirty="0" err="1"/>
+              <a:t>sản</a:t>
+            </a:r>
+            <a:r>
+              <a:rPr lang="en-US" sz="3600" dirty="0"/>
+              <a:t> </a:t>
+            </a:r>
+            <a:r>
+              <a:rPr lang="en-US" sz="3600" dirty="0" err="1"/>
+              <a:t>phẩm</a:t>
+            </a:r>
+            <a:r>
+              <a:rPr lang="en-US" sz="3600" dirty="0"/>
+              <a:t> </a:t>
+            </a:r>
+            <a:r>
+              <a:rPr lang="en-US" sz="3600" dirty="0" err="1"/>
+              <a:t>và</a:t>
+            </a:r>
+            <a:r>
+              <a:rPr lang="en-US" sz="3600" dirty="0"/>
+              <a:t> </a:t>
+            </a:r>
+            <a:r>
+              <a:rPr lang="en-US" sz="3600" dirty="0" err="1"/>
+              <a:t>môi</a:t>
+            </a:r>
+            <a:r>
+              <a:rPr lang="en-US" sz="3600" dirty="0"/>
+              <a:t> </a:t>
+            </a:r>
+            <a:r>
+              <a:rPr lang="en-US" sz="3600" dirty="0" err="1"/>
+              <a:t>tr</a:t>
+            </a:r>
+            <a:r>
+              <a:rPr lang="vi-VN" sz="3600" dirty="0"/>
+              <a:t>ư</a:t>
+            </a:r>
+            <a:r>
+              <a:rPr lang="en-US" sz="3600" dirty="0" err="1"/>
+              <a:t>ờng</a:t>
+            </a:r>
+            <a:r>
+              <a:rPr lang="en-US" sz="3600" dirty="0"/>
+              <a:t> </a:t>
+            </a:r>
+            <a:r>
+              <a:rPr lang="en-US" sz="3600" dirty="0" err="1"/>
+              <a:t>vận</a:t>
+            </a:r>
+            <a:r>
+              <a:rPr lang="en-US" sz="3600" dirty="0"/>
+              <a:t> 	</a:t>
+            </a:r>
+            <a:r>
+              <a:rPr lang="en-US" sz="3600" dirty="0" err="1"/>
+              <a:t>hành</a:t>
+            </a:r>
+            <a:br>
+              <a:rPr lang="en-US" sz="3600" dirty="0"/>
+            </a:br>
+            <a:r>
+              <a:rPr lang="en-US" sz="3600" dirty="0"/>
+              <a:t>II. C</a:t>
+            </a:r>
+            <a:r>
+              <a:rPr lang="vi-VN" sz="3600" dirty="0"/>
+              <a:t>ơ</a:t>
+            </a:r>
+            <a:r>
+              <a:rPr lang="en-US" sz="3600" dirty="0"/>
+              <a:t> </a:t>
+            </a:r>
+            <a:r>
+              <a:rPr lang="en-US" sz="3600" dirty="0" err="1"/>
+              <a:t>sở</a:t>
+            </a:r>
+            <a:r>
+              <a:rPr lang="en-US" sz="3600" dirty="0"/>
+              <a:t> </a:t>
+            </a:r>
+            <a:r>
+              <a:rPr lang="en-US" sz="3600" dirty="0" err="1"/>
+              <a:t>lý</a:t>
+            </a:r>
+            <a:r>
+              <a:rPr lang="en-US" sz="3600" dirty="0"/>
+              <a:t> </a:t>
+            </a:r>
+            <a:r>
+              <a:rPr lang="en-US" sz="3600" dirty="0" err="1"/>
+              <a:t>thuyết</a:t>
+            </a:r>
+            <a:br>
+              <a:rPr lang="en-US" sz="3600" dirty="0"/>
+            </a:br>
+            <a:r>
+              <a:rPr lang="en-US" sz="3600" dirty="0"/>
+              <a:t>	1. Android studio</a:t>
+            </a:r>
+            <a:br>
+              <a:rPr lang="en-US" sz="3600" dirty="0"/>
+            </a:br>
+            <a:r>
+              <a:rPr lang="en-US" sz="3600" dirty="0"/>
+              <a:t>	2. Web Service (RESTful)</a:t>
+            </a:r>
+            <a:br>
+              <a:rPr lang="en-US" sz="3600" dirty="0"/>
+            </a:br>
+            <a:r>
+              <a:rPr lang="en-US" sz="3600" dirty="0"/>
+              <a:t>	3. </a:t>
+            </a:r>
+            <a:r>
+              <a:rPr lang="en-US" sz="3600" dirty="0" err="1"/>
+              <a:t>mongoDB</a:t>
+            </a:r>
+            <a:br>
+              <a:rPr lang="en-US" sz="3600" dirty="0"/>
+            </a:br>
+            <a:r>
+              <a:rPr lang="en-US" sz="3600" dirty="0"/>
+              <a:t>III. </a:t>
+            </a:r>
+            <a:r>
+              <a:rPr lang="en-US" sz="3600" dirty="0" err="1"/>
+              <a:t>Xây</a:t>
+            </a:r>
+            <a:r>
+              <a:rPr lang="en-US" sz="3600" dirty="0"/>
+              <a:t> </a:t>
+            </a:r>
+            <a:r>
+              <a:rPr lang="en-US" sz="3600" dirty="0" err="1"/>
+              <a:t>dựng</a:t>
+            </a:r>
+            <a:r>
+              <a:rPr lang="en-US" sz="3600" dirty="0"/>
+              <a:t> </a:t>
+            </a:r>
+            <a:r>
+              <a:rPr lang="en-US" sz="3600" dirty="0" err="1"/>
+              <a:t>ứng</a:t>
+            </a:r>
+            <a:r>
+              <a:rPr lang="en-US" sz="3600" dirty="0"/>
+              <a:t> </a:t>
+            </a:r>
+            <a:r>
+              <a:rPr lang="en-US" sz="3600" dirty="0" err="1"/>
+              <a:t>dụng</a:t>
+            </a:r>
+            <a:r>
+              <a:rPr lang="en-US" sz="3600" dirty="0"/>
+              <a:t>.</a:t>
+            </a:r>
+            <a:br>
+              <a:rPr lang="en-US" sz="3600" dirty="0"/>
+            </a:br>
+            <a:r>
+              <a:rPr lang="en-US" sz="3600" dirty="0"/>
+              <a:t>IV. </a:t>
+            </a:r>
+            <a:r>
+              <a:rPr lang="en-US" sz="3600" dirty="0" err="1"/>
+              <a:t>Xây</a:t>
+            </a:r>
+            <a:r>
+              <a:rPr lang="en-US" sz="3600" dirty="0"/>
+              <a:t> </a:t>
+            </a:r>
+            <a:r>
+              <a:rPr lang="en-US" sz="3600" dirty="0" err="1"/>
+              <a:t>dựng</a:t>
+            </a:r>
+            <a:r>
+              <a:rPr lang="en-US" sz="3600" dirty="0"/>
+              <a:t> </a:t>
+            </a:r>
+            <a:r>
+              <a:rPr lang="en-US" sz="3600" dirty="0" err="1"/>
+              <a:t>các</a:t>
+            </a:r>
+            <a:r>
+              <a:rPr lang="en-US" sz="3600" dirty="0"/>
+              <a:t> API – </a:t>
+            </a:r>
+            <a:r>
+              <a:rPr lang="en-US" sz="3600" dirty="0" err="1"/>
+              <a:t>Xây</a:t>
+            </a:r>
+            <a:r>
+              <a:rPr lang="en-US" sz="3600" dirty="0"/>
+              <a:t> </a:t>
+            </a:r>
+            <a:r>
+              <a:rPr lang="en-US" sz="3600" dirty="0" err="1"/>
+              <a:t>dựng</a:t>
+            </a:r>
+            <a:r>
+              <a:rPr lang="en-US" sz="3600" dirty="0"/>
+              <a:t> </a:t>
+            </a:r>
+            <a:r>
+              <a:rPr lang="en-US" sz="3600" dirty="0" err="1"/>
+              <a:t>giao</a:t>
+            </a:r>
+            <a:r>
+              <a:rPr lang="en-US" sz="3600" dirty="0"/>
+              <a:t> </a:t>
+            </a:r>
+            <a:r>
+              <a:rPr lang="en-US" sz="3600" dirty="0" err="1"/>
+              <a:t>diện</a:t>
+            </a:r>
+            <a:r>
+              <a:rPr lang="en-US" sz="3600" dirty="0"/>
+              <a:t>.</a:t>
+            </a:r>
+            <a:br>
+              <a:rPr lang="en-US" sz="3600" dirty="0"/>
+            </a:br>
+            <a:r>
+              <a:rPr lang="en-US" sz="3600" dirty="0"/>
+              <a:t>V. DEMO</a:t>
+            </a:r>
+          </a:p>
+        </p:txBody>
+      </p:sp>
+      <p:sp>
+        <p:nvSpPr>
+          <p:cNvPr id="3" name="Slide Number Placeholder 2">
+            <a:extLst>
+              <a:ext uri="{FF2B5EF4-FFF2-40B4-BE49-F238E27FC236}">
+                <a16:creationId xmlns:a16="http://schemas.microsoft.com/office/drawing/2014/main" id="{420A956E-C9FC-4FA1-A838-416B86040956}"/>
+              </a:ext>
+            </a:extLst>
+          </p:cNvPr>
+          <p:cNvSpPr>
+            <a:spLocks noGrp="1"/>
+          </p:cNvSpPr>
+          <p:nvPr>
+            <p:ph type="sldNum" sz="quarter" idx="12"/>
+          </p:nvPr>
+        </p:nvSpPr>
+        <p:spPr/>
+        <p:txBody>
+          <a:bodyPr/>
+          <a:lstStyle/>
+          <a:p>
+            <a:fld id="{3CC90D32-697D-4F0D-8E4A-0F6F398B2A4E}" type="slidenum">
+              <a:rPr lang="en-US" smtClean="0"/>
+              <a:t>2</a:t>
+            </a:fld>
+            <a:endParaRPr lang="en-US"/>
+          </a:p>
+        </p:txBody>
+      </p:sp>
+    </p:spTree>
+    <p:extLst>
+      <p:ext uri="{BB962C8B-B14F-4D97-AF65-F5344CB8AC3E}">
+        <p14:creationId xmlns:p14="http://schemas.microsoft.com/office/powerpoint/2010/main" val="2344172528"/>
+      </p:ext>
+    </p:extLst>
+  </p:cSld>
+  <p:clrMapOvr>
+    <a:masterClrMapping/>
+  </p:clrMapOvr>
+</p:sld>
+</file>
+
+<file path=ppt/slides/slide20.xml><?xml version="1.0" encoding="utf-8"?>
+<p:sld xmlns:a="http://schemas.openxmlformats.org/drawingml/2006/main" xmlns:r="http://schemas.openxmlformats.org/officeDocument/2006/relationships" xmlns:p="http://schemas.openxmlformats.org/presentationml/2006/main">
+  <p:cSld>
+    <p:spTree>
+      <p:nvGrpSpPr>
+        <p:cNvPr id="1" name=""/>
+        <p:cNvGrpSpPr/>
+        <p:nvPr/>
+      </p:nvGrpSpPr>
+      <p:grpSpPr>
+        <a:xfrm>
+          <a:off x="0" y="0"/>
+          <a:ext cx="0" cy="0"/>
+          <a:chOff x="0" y="0"/>
+          <a:chExt cx="0" cy="0"/>
+        </a:xfrm>
+      </p:grpSpPr>
+      <p:sp>
+        <p:nvSpPr>
+          <p:cNvPr id="2" name="Title 1">
+            <a:extLst>
+              <a:ext uri="{FF2B5EF4-FFF2-40B4-BE49-F238E27FC236}">
                 <a16:creationId xmlns:a16="http://schemas.microsoft.com/office/drawing/2014/main" id="{02FC408C-7618-4644-B5A6-66F328598932}"/>
               </a:ext>
             </a:extLst>
@@ -10390,13 +11641,45 @@
         <p:spPr/>
         <p:txBody>
           <a:bodyPr>
-            <a:normAutofit/>
+            <a:noAutofit/>
           </a:bodyPr>
           <a:lstStyle/>
           <a:p>
             <a:r>
               <a:rPr lang="en-US" sz="4500" dirty="0"/>
               <a:t>III. </a:t>
+            </a:r>
+            <a:r>
+              <a:rPr lang="en-US" sz="4500" dirty="0" err="1"/>
+              <a:t>Xây</a:t>
+            </a:r>
+            <a:r>
+              <a:rPr lang="en-US" sz="4500" dirty="0"/>
+              <a:t> </a:t>
+            </a:r>
+            <a:r>
+              <a:rPr lang="en-US" sz="4500" dirty="0" err="1"/>
+              <a:t>dựng</a:t>
+            </a:r>
+            <a:r>
+              <a:rPr lang="en-US" sz="4500" dirty="0"/>
+              <a:t> </a:t>
+            </a:r>
+            <a:r>
+              <a:rPr lang="en-US" sz="4500" dirty="0" err="1"/>
+              <a:t>ứng</a:t>
+            </a:r>
+            <a:r>
+              <a:rPr lang="en-US" sz="4500" dirty="0"/>
+              <a:t> </a:t>
+            </a:r>
+            <a:r>
+              <a:rPr lang="en-US" sz="4500" dirty="0" err="1"/>
+              <a:t>dụng</a:t>
+            </a:r>
+            <a:r>
+              <a:rPr lang="en-US" sz="4500" dirty="0"/>
+              <a:t> - </a:t>
             </a:r>
             <a:r>
               <a:rPr lang="en-US" sz="4500" dirty="0" err="1"/>
@@ -10444,8 +11727,8 @@
         </p:nvGrpSpPr>
         <p:grpSpPr>
           <a:xfrm>
-            <a:off x="1149815" y="1389539"/>
-            <a:ext cx="7037231" cy="4736343"/>
+            <a:off x="1459362" y="1605585"/>
+            <a:ext cx="7131301" cy="4618339"/>
             <a:chOff x="1591614" y="1512057"/>
             <a:chExt cx="5943600" cy="4736343"/>
           </a:xfrm>
@@ -10813,7 +12096,7 @@
           <a:p>
             <a:fld id="{3CC90D32-697D-4F0D-8E4A-0F6F398B2A4E}" type="slidenum">
               <a:rPr lang="en-US" smtClean="0"/>
-              <a:t>17</a:t>
+              <a:t>20</a:t>
             </a:fld>
             <a:endParaRPr lang="en-US"/>
           </a:p>
@@ -10832,7 +12115,7 @@
 </p:sld>
 </file>
 
-<file path=ppt/slides/slide18.xml><?xml version="1.0" encoding="utf-8"?>
+<file path=ppt/slides/slide21.xml><?xml version="1.0" encoding="utf-8"?>
 <p:sld xmlns:a="http://schemas.openxmlformats.org/drawingml/2006/main" xmlns:r="http://schemas.openxmlformats.org/officeDocument/2006/relationships" xmlns:p="http://schemas.openxmlformats.org/presentationml/2006/main">
   <p:cSld>
     <p:spTree>
@@ -10867,76 +12150,42 @@
         </p:nvSpPr>
         <p:spPr/>
         <p:txBody>
-          <a:bodyPr/>
+          <a:bodyPr>
+            <a:normAutofit/>
+          </a:bodyPr>
           <a:lstStyle/>
           <a:p>
             <a:r>
-              <a:rPr lang="en-US" dirty="0"/>
+              <a:rPr lang="en-US" sz="4500" dirty="0"/>
               <a:t>IV. </a:t>
             </a:r>
             <a:r>
-              <a:rPr lang="en-US" dirty="0" err="1"/>
+              <a:rPr lang="en-US" sz="4500" dirty="0" err="1"/>
               <a:t>Xây</a:t>
             </a:r>
             <a:r>
-              <a:rPr lang="en-US" dirty="0"/>
-              <a:t> </a:t>
-            </a:r>
-            <a:r>
-              <a:rPr lang="en-US" dirty="0" err="1"/>
+              <a:rPr lang="en-US" sz="4500" dirty="0"/>
+              <a:t> </a:t>
+            </a:r>
+            <a:r>
+              <a:rPr lang="en-US" sz="4500" dirty="0" err="1"/>
               <a:t>dựng</a:t>
             </a:r>
             <a:r>
-              <a:rPr lang="en-US" dirty="0"/>
-              <a:t> </a:t>
-            </a:r>
-            <a:r>
-              <a:rPr lang="en-US" dirty="0" err="1"/>
+              <a:rPr lang="en-US" sz="4500" dirty="0"/>
+              <a:t> </a:t>
+            </a:r>
+            <a:r>
+              <a:rPr lang="en-US" sz="4500" dirty="0" err="1"/>
               <a:t>các</a:t>
             </a:r>
             <a:r>
-              <a:rPr lang="en-US" dirty="0"/>
+              <a:rPr lang="en-US" sz="4500" dirty="0"/>
               <a:t> API server</a:t>
             </a:r>
           </a:p>
         </p:txBody>
       </p:sp>
-      <p:pic>
-        <p:nvPicPr>
-          <p:cNvPr id="4" name="Picture 3">
-            <a:extLst>
-              <a:ext uri="{FF2B5EF4-FFF2-40B4-BE49-F238E27FC236}">
-                <a16:creationId xmlns:a16="http://schemas.microsoft.com/office/drawing/2014/main" id="{690937A3-3EC2-4FE9-AC84-077D072DD5E1}"/>
-              </a:ext>
-            </a:extLst>
-          </p:cNvPr>
-          <p:cNvPicPr>
-            <a:picLocks noChangeAspect="1"/>
-          </p:cNvPicPr>
-          <p:nvPr/>
-        </p:nvPicPr>
-        <p:blipFill>
-          <a:blip r:embed="rId2">
-            <a:extLst>
-              <a:ext uri="{28A0092B-C50C-407E-A947-70E740481C1C}">
-                <a14:useLocalDpi xmlns:a14="http://schemas.microsoft.com/office/drawing/2010/main" val="0"/>
-              </a:ext>
-            </a:extLst>
-          </a:blip>
-          <a:stretch>
-            <a:fillRect/>
-          </a:stretch>
-        </p:blipFill>
-        <p:spPr>
-          <a:xfrm>
-            <a:off x="1513500" y="1780102"/>
-            <a:ext cx="7760502" cy="4107690"/>
-          </a:xfrm>
-          <a:prstGeom prst="rect">
-            <a:avLst/>
-          </a:prstGeom>
-        </p:spPr>
-      </p:pic>
       <p:sp>
         <p:nvSpPr>
           <p:cNvPr id="3" name="Slide Number Placeholder 2">
@@ -10960,9 +12209,208 @@
           <a:p>
             <a:fld id="{3CC90D32-697D-4F0D-8E4A-0F6F398B2A4E}" type="slidenum">
               <a:rPr lang="en-US" smtClean="0"/>
-              <a:t>18</a:t>
+              <a:t>21</a:t>
             </a:fld>
             <a:endParaRPr lang="en-US"/>
+          </a:p>
+        </p:txBody>
+      </p:sp>
+      <p:pic>
+        <p:nvPicPr>
+          <p:cNvPr id="1028" name="Picture 4" descr="Kết quả hình ảnh cho client server API">
+            <a:extLst>
+              <a:ext uri="{FF2B5EF4-FFF2-40B4-BE49-F238E27FC236}">
+                <a16:creationId xmlns:a16="http://schemas.microsoft.com/office/drawing/2014/main" id="{63E73056-D4A4-4515-992F-E4612645F8D4}"/>
+              </a:ext>
+            </a:extLst>
+          </p:cNvPr>
+          <p:cNvPicPr>
+            <a:picLocks noChangeAspect="1" noChangeArrowheads="1"/>
+          </p:cNvPicPr>
+          <p:nvPr/>
+        </p:nvPicPr>
+        <p:blipFill>
+          <a:blip r:embed="rId2">
+            <a:extLst>
+              <a:ext uri="{28A0092B-C50C-407E-A947-70E740481C1C}">
+                <a14:useLocalDpi xmlns:a14="http://schemas.microsoft.com/office/drawing/2010/main" val="0"/>
+              </a:ext>
+            </a:extLst>
+          </a:blip>
+          <a:srcRect/>
+          <a:stretch>
+            <a:fillRect/>
+          </a:stretch>
+        </p:blipFill>
+        <p:spPr bwMode="auto">
+          <a:xfrm>
+            <a:off x="393000" y="1595077"/>
+            <a:ext cx="9165336" cy="3435555"/>
+          </a:xfrm>
+          <a:prstGeom prst="rect">
+            <a:avLst/>
+          </a:prstGeom>
+          <a:noFill/>
+          <a:extLst>
+            <a:ext uri="{909E8E84-426E-40DD-AFC4-6F175D3DCCD1}">
+              <a14:hiddenFill xmlns:a14="http://schemas.microsoft.com/office/drawing/2010/main">
+                <a:solidFill>
+                  <a:srgbClr val="FFFFFF"/>
+                </a:solidFill>
+              </a14:hiddenFill>
+            </a:ext>
+          </a:extLst>
+        </p:spPr>
+      </p:pic>
+      <p:sp>
+        <p:nvSpPr>
+          <p:cNvPr id="5" name="Rectangle 4">
+            <a:extLst>
+              <a:ext uri="{FF2B5EF4-FFF2-40B4-BE49-F238E27FC236}">
+                <a16:creationId xmlns:a16="http://schemas.microsoft.com/office/drawing/2014/main" id="{B6FC0EBF-6291-4710-B807-A5643ADE3977}"/>
+              </a:ext>
+            </a:extLst>
+          </p:cNvPr>
+          <p:cNvSpPr/>
+          <p:nvPr/>
+        </p:nvSpPr>
+        <p:spPr>
+          <a:xfrm>
+            <a:off x="3679108" y="4851498"/>
+            <a:ext cx="1927131" cy="369332"/>
+          </a:xfrm>
+          <a:prstGeom prst="rect">
+            <a:avLst/>
+          </a:prstGeom>
+        </p:spPr>
+        <p:txBody>
+          <a:bodyPr wrap="none">
+            <a:spAutoFit/>
+          </a:bodyPr>
+          <a:lstStyle/>
+          <a:p>
+            <a:pPr algn="ctr">
+              <a:spcAft>
+                <a:spcPts val="1000"/>
+              </a:spcAft>
+            </a:pPr>
+            <a:r>
+              <a:rPr lang="en-US" i="1" dirty="0" err="1">
+                <a:solidFill>
+                  <a:srgbClr val="44546A"/>
+                </a:solidFill>
+                <a:latin typeface="Times New Roman" panose="02020603050405020304" pitchFamily="18" charset="0"/>
+                <a:ea typeface="Calibri" panose="020F0502020204030204" pitchFamily="34" charset="0"/>
+              </a:rPr>
+              <a:t>Sơ</a:t>
+            </a:r>
+            <a:r>
+              <a:rPr lang="en-US" i="1" dirty="0">
+                <a:solidFill>
+                  <a:srgbClr val="44546A"/>
+                </a:solidFill>
+                <a:latin typeface="Times New Roman" panose="02020603050405020304" pitchFamily="18" charset="0"/>
+                <a:ea typeface="Calibri" panose="020F0502020204030204" pitchFamily="34" charset="0"/>
+              </a:rPr>
+              <a:t> </a:t>
+            </a:r>
+            <a:r>
+              <a:rPr lang="en-US" i="1" dirty="0" err="1">
+                <a:solidFill>
+                  <a:srgbClr val="44546A"/>
+                </a:solidFill>
+                <a:latin typeface="Times New Roman" panose="02020603050405020304" pitchFamily="18" charset="0"/>
+                <a:ea typeface="Calibri" panose="020F0502020204030204" pitchFamily="34" charset="0"/>
+              </a:rPr>
+              <a:t>đồ</a:t>
+            </a:r>
+            <a:r>
+              <a:rPr lang="en-US" i="1" dirty="0">
+                <a:solidFill>
+                  <a:srgbClr val="44546A"/>
+                </a:solidFill>
+                <a:latin typeface="Times New Roman" panose="02020603050405020304" pitchFamily="18" charset="0"/>
+                <a:ea typeface="Calibri" panose="020F0502020204030204" pitchFamily="34" charset="0"/>
+              </a:rPr>
+              <a:t> </a:t>
+            </a:r>
+            <a:r>
+              <a:rPr lang="en-US" i="1" dirty="0" err="1">
+                <a:solidFill>
+                  <a:srgbClr val="44546A"/>
+                </a:solidFill>
+                <a:latin typeface="Times New Roman" panose="02020603050405020304" pitchFamily="18" charset="0"/>
+                <a:ea typeface="Calibri" panose="020F0502020204030204" pitchFamily="34" charset="0"/>
+              </a:rPr>
+              <a:t>xử</a:t>
+            </a:r>
+            <a:r>
+              <a:rPr lang="en-US" i="1" dirty="0">
+                <a:solidFill>
+                  <a:srgbClr val="44546A"/>
+                </a:solidFill>
+                <a:latin typeface="Times New Roman" panose="02020603050405020304" pitchFamily="18" charset="0"/>
+                <a:ea typeface="Calibri" panose="020F0502020204030204" pitchFamily="34" charset="0"/>
+              </a:rPr>
+              <a:t> </a:t>
+            </a:r>
+            <a:r>
+              <a:rPr lang="en-US" i="1" dirty="0" err="1">
+                <a:solidFill>
+                  <a:srgbClr val="44546A"/>
+                </a:solidFill>
+                <a:latin typeface="Times New Roman" panose="02020603050405020304" pitchFamily="18" charset="0"/>
+                <a:ea typeface="Calibri" panose="020F0502020204030204" pitchFamily="34" charset="0"/>
+              </a:rPr>
+              <a:t>lý</a:t>
+            </a:r>
+            <a:r>
+              <a:rPr lang="en-US" i="1" dirty="0">
+                <a:solidFill>
+                  <a:srgbClr val="44546A"/>
+                </a:solidFill>
+                <a:latin typeface="Times New Roman" panose="02020603050405020304" pitchFamily="18" charset="0"/>
+                <a:ea typeface="Calibri" panose="020F0502020204030204" pitchFamily="34" charset="0"/>
+              </a:rPr>
+              <a:t> </a:t>
+            </a:r>
+            <a:r>
+              <a:rPr lang="en-US" i="1" dirty="0" err="1">
+                <a:solidFill>
+                  <a:srgbClr val="44546A"/>
+                </a:solidFill>
+                <a:latin typeface="Times New Roman" panose="02020603050405020304" pitchFamily="18" charset="0"/>
+                <a:ea typeface="Calibri" panose="020F0502020204030204" pitchFamily="34" charset="0"/>
+              </a:rPr>
+              <a:t>dữ</a:t>
+            </a:r>
+            <a:r>
+              <a:rPr lang="en-US" i="1" dirty="0">
+                <a:solidFill>
+                  <a:srgbClr val="44546A"/>
+                </a:solidFill>
+                <a:latin typeface="Times New Roman" panose="02020603050405020304" pitchFamily="18" charset="0"/>
+                <a:ea typeface="Calibri" panose="020F0502020204030204" pitchFamily="34" charset="0"/>
+              </a:rPr>
+              <a:t> </a:t>
+            </a:r>
+            <a:r>
+              <a:rPr lang="en-US" i="1" dirty="0" err="1">
+                <a:solidFill>
+                  <a:srgbClr val="44546A"/>
+                </a:solidFill>
+                <a:latin typeface="Times New Roman" panose="02020603050405020304" pitchFamily="18" charset="0"/>
+                <a:ea typeface="Calibri" panose="020F0502020204030204" pitchFamily="34" charset="0"/>
+              </a:rPr>
+              <a:t>liệu</a:t>
+            </a:r>
+            <a:endParaRPr lang="en-US" i="1" dirty="0">
+              <a:solidFill>
+                <a:srgbClr val="44546A"/>
+              </a:solidFill>
+              <a:latin typeface="Times New Roman" panose="02020603050405020304" pitchFamily="18" charset="0"/>
+              <a:ea typeface="Calibri" panose="020F0502020204030204" pitchFamily="34" charset="0"/>
+            </a:endParaRPr>
           </a:p>
         </p:txBody>
       </p:sp>
@@ -10979,7 +12427,7 @@
 </p:sld>
 </file>
 
-<file path=ppt/slides/slide19.xml><?xml version="1.0" encoding="utf-8"?>
+<file path=ppt/slides/slide22.xml><?xml version="1.0" encoding="utf-8"?>
 <p:sld xmlns:a="http://schemas.openxmlformats.org/drawingml/2006/main" xmlns:r="http://schemas.openxmlformats.org/officeDocument/2006/relationships" xmlns:p="http://schemas.openxmlformats.org/presentationml/2006/main">
   <p:cSld>
     <p:spTree>
@@ -11014,35 +12462,37 @@
         </p:nvSpPr>
         <p:spPr/>
         <p:txBody>
-          <a:bodyPr/>
+          <a:bodyPr>
+            <a:normAutofit/>
+          </a:bodyPr>
           <a:lstStyle/>
           <a:p>
             <a:r>
-              <a:rPr lang="en-US" dirty="0"/>
+              <a:rPr lang="en-US" sz="4500" dirty="0"/>
               <a:t>IV. </a:t>
             </a:r>
             <a:r>
-              <a:rPr lang="en-US" dirty="0" err="1"/>
+              <a:rPr lang="en-US" sz="4500" dirty="0" err="1"/>
               <a:t>Xây</a:t>
             </a:r>
             <a:r>
-              <a:rPr lang="en-US" dirty="0"/>
-              <a:t> </a:t>
-            </a:r>
-            <a:r>
-              <a:rPr lang="en-US" dirty="0" err="1"/>
+              <a:rPr lang="en-US" sz="4500" dirty="0"/>
+              <a:t> </a:t>
+            </a:r>
+            <a:r>
+              <a:rPr lang="en-US" sz="4500" dirty="0" err="1"/>
               <a:t>dựng</a:t>
             </a:r>
             <a:r>
-              <a:rPr lang="en-US" dirty="0"/>
-              <a:t> </a:t>
-            </a:r>
-            <a:r>
-              <a:rPr lang="en-US" dirty="0" err="1"/>
+              <a:rPr lang="en-US" sz="4500" dirty="0"/>
+              <a:t> </a:t>
+            </a:r>
+            <a:r>
+              <a:rPr lang="en-US" sz="4500" dirty="0" err="1"/>
               <a:t>các</a:t>
             </a:r>
             <a:r>
-              <a:rPr lang="en-US" dirty="0"/>
+              <a:rPr lang="en-US" sz="4500" dirty="0"/>
               <a:t> API server</a:t>
             </a:r>
           </a:p>
@@ -11075,7 +12525,7 @@
         </p:blipFill>
         <p:spPr bwMode="auto">
           <a:xfrm>
-            <a:off x="1957584" y="1270000"/>
+            <a:off x="1867432" y="1479490"/>
             <a:ext cx="6036167" cy="4744434"/>
           </a:xfrm>
           <a:prstGeom prst="rect">
@@ -11110,9 +12560,54 @@
           <a:p>
             <a:fld id="{3CC90D32-697D-4F0D-8E4A-0F6F398B2A4E}" type="slidenum">
               <a:rPr lang="en-US" smtClean="0"/>
-              <a:t>19</a:t>
+              <a:t>22</a:t>
             </a:fld>
             <a:endParaRPr lang="en-US"/>
+          </a:p>
+        </p:txBody>
+      </p:sp>
+      <p:sp>
+        <p:nvSpPr>
+          <p:cNvPr id="5" name="Rectangle 4">
+            <a:extLst>
+              <a:ext uri="{FF2B5EF4-FFF2-40B4-BE49-F238E27FC236}">
+                <a16:creationId xmlns:a16="http://schemas.microsoft.com/office/drawing/2014/main" id="{B64E3FF6-7FEC-445D-99DC-D6C7D2D5B33D}"/>
+              </a:ext>
+            </a:extLst>
+          </p:cNvPr>
+          <p:cNvSpPr/>
+          <p:nvPr/>
+        </p:nvSpPr>
+        <p:spPr>
+          <a:xfrm>
+            <a:off x="4005876" y="6221821"/>
+            <a:ext cx="1204177" cy="369332"/>
+          </a:xfrm>
+          <a:prstGeom prst="rect">
+            <a:avLst/>
+          </a:prstGeom>
+        </p:spPr>
+        <p:txBody>
+          <a:bodyPr wrap="none">
+            <a:spAutoFit/>
+          </a:bodyPr>
+          <a:lstStyle/>
+          <a:p>
+            <a:pPr algn="ctr">
+              <a:spcAft>
+                <a:spcPts val="1000"/>
+              </a:spcAft>
+            </a:pPr>
+            <a:r>
+              <a:rPr lang="en-US" i="1" dirty="0">
+                <a:solidFill>
+                  <a:srgbClr val="44546A"/>
+                </a:solidFill>
+                <a:latin typeface="Times New Roman" panose="02020603050405020304" pitchFamily="18" charset="0"/>
+                <a:ea typeface="Calibri" panose="020F0502020204030204" pitchFamily="34" charset="0"/>
+              </a:rPr>
+              <a:t>API Server</a:t>
+            </a:r>
           </a:p>
         </p:txBody>
       </p:sp>
@@ -11129,7 +12624,7 @@
 </p:sld>
 </file>
 
-<file path=ppt/slides/slide2.xml><?xml version="1.0" encoding="utf-8"?>
+<file path=ppt/slides/slide23.xml><?xml version="1.0" encoding="utf-8"?>
 <p:sld xmlns:a="http://schemas.openxmlformats.org/drawingml/2006/main" xmlns:r="http://schemas.openxmlformats.org/officeDocument/2006/relationships" xmlns:p="http://schemas.openxmlformats.org/presentationml/2006/main">
   <p:cSld>
     <p:spTree>
@@ -11151,379 +12646,6 @@
           <p:cNvPr id="2" name="Title 1">
             <a:extLst>
               <a:ext uri="{FF2B5EF4-FFF2-40B4-BE49-F238E27FC236}">
-                <a16:creationId xmlns:a16="http://schemas.microsoft.com/office/drawing/2014/main" id="{5A2BA15D-B461-4C94-8217-9961C69F1748}"/>
-              </a:ext>
-            </a:extLst>
-          </p:cNvPr>
-          <p:cNvSpPr>
-            <a:spLocks noGrp="1"/>
-          </p:cNvSpPr>
-          <p:nvPr>
-            <p:ph type="title"/>
-          </p:nvPr>
-        </p:nvSpPr>
-        <p:spPr>
-          <a:xfrm>
-            <a:off x="677335" y="609600"/>
-            <a:ext cx="8596668" cy="5912224"/>
-          </a:xfrm>
-        </p:spPr>
-        <p:txBody>
-          <a:bodyPr>
-            <a:noAutofit/>
-          </a:bodyPr>
-          <a:lstStyle/>
-          <a:p>
-            <a:r>
-              <a:rPr lang="en-US" sz="3600" dirty="0"/>
-              <a:t>I. </a:t>
-            </a:r>
-            <a:r>
-              <a:rPr lang="en-US" sz="3600" dirty="0" err="1"/>
-              <a:t>Mô</a:t>
-            </a:r>
-            <a:r>
-              <a:rPr lang="en-US" sz="3600" dirty="0"/>
-              <a:t> </a:t>
-            </a:r>
-            <a:r>
-              <a:rPr lang="en-US" sz="3600" dirty="0" err="1"/>
-              <a:t>tả</a:t>
-            </a:r>
-            <a:r>
-              <a:rPr lang="en-US" sz="3600" dirty="0"/>
-              <a:t> </a:t>
-            </a:r>
-            <a:r>
-              <a:rPr lang="en-US" sz="3600" dirty="0" err="1"/>
-              <a:t>tổng</a:t>
-            </a:r>
-            <a:r>
-              <a:rPr lang="en-US" sz="3600" dirty="0"/>
-              <a:t> </a:t>
-            </a:r>
-            <a:r>
-              <a:rPr lang="en-US" sz="3600" dirty="0" err="1"/>
-              <a:t>quan</a:t>
-            </a:r>
-            <a:br>
-              <a:rPr lang="en-US" sz="3600" dirty="0"/>
-            </a:br>
-            <a:r>
-              <a:rPr lang="en-US" sz="3600" dirty="0"/>
-              <a:t>	1. </a:t>
-            </a:r>
-            <a:r>
-              <a:rPr lang="en-US" sz="3600" dirty="0" err="1"/>
-              <a:t>Bối</a:t>
-            </a:r>
-            <a:r>
-              <a:rPr lang="en-US" sz="3600" dirty="0"/>
-              <a:t> </a:t>
-            </a:r>
-            <a:r>
-              <a:rPr lang="en-US" sz="3600" dirty="0" err="1"/>
-              <a:t>cảnh</a:t>
-            </a:r>
-            <a:r>
-              <a:rPr lang="en-US" sz="3600" dirty="0"/>
-              <a:t> </a:t>
-            </a:r>
-            <a:r>
-              <a:rPr lang="en-US" sz="3600" dirty="0" err="1"/>
-              <a:t>sản</a:t>
-            </a:r>
-            <a:r>
-              <a:rPr lang="en-US" sz="3600" dirty="0"/>
-              <a:t> </a:t>
-            </a:r>
-            <a:r>
-              <a:rPr lang="en-US" sz="3600" dirty="0" err="1"/>
-              <a:t>phẩm</a:t>
-            </a:r>
-            <a:br>
-              <a:rPr lang="en-US" sz="3600" dirty="0"/>
-            </a:br>
-            <a:r>
-              <a:rPr lang="en-US" sz="3600" dirty="0"/>
-              <a:t>	2. </a:t>
-            </a:r>
-            <a:r>
-              <a:rPr lang="en-US" sz="3600" dirty="0" err="1"/>
-              <a:t>Chức</a:t>
-            </a:r>
-            <a:r>
-              <a:rPr lang="en-US" sz="3600" dirty="0"/>
-              <a:t> </a:t>
-            </a:r>
-            <a:r>
-              <a:rPr lang="en-US" sz="3600" dirty="0" err="1"/>
-              <a:t>năng</a:t>
-            </a:r>
-            <a:r>
-              <a:rPr lang="en-US" sz="3600" dirty="0"/>
-              <a:t> </a:t>
-            </a:r>
-            <a:r>
-              <a:rPr lang="en-US" sz="3600" dirty="0" err="1"/>
-              <a:t>sản</a:t>
-            </a:r>
-            <a:r>
-              <a:rPr lang="en-US" sz="3600" dirty="0"/>
-              <a:t> </a:t>
-            </a:r>
-            <a:r>
-              <a:rPr lang="en-US" sz="3600" dirty="0" err="1"/>
-              <a:t>phẩm</a:t>
-            </a:r>
-            <a:r>
-              <a:rPr lang="en-US" sz="3600" dirty="0"/>
-              <a:t> </a:t>
-            </a:r>
-            <a:r>
-              <a:rPr lang="en-US" sz="3600" dirty="0" err="1"/>
-              <a:t>và</a:t>
-            </a:r>
-            <a:r>
-              <a:rPr lang="en-US" sz="3600" dirty="0"/>
-              <a:t> </a:t>
-            </a:r>
-            <a:r>
-              <a:rPr lang="en-US" sz="3600" dirty="0" err="1"/>
-              <a:t>môi</a:t>
-            </a:r>
-            <a:r>
-              <a:rPr lang="en-US" sz="3600" dirty="0"/>
-              <a:t> </a:t>
-            </a:r>
-            <a:r>
-              <a:rPr lang="en-US" sz="3600" dirty="0" err="1"/>
-              <a:t>tr</a:t>
-            </a:r>
-            <a:r>
-              <a:rPr lang="vi-VN" sz="3600" dirty="0"/>
-              <a:t>ư</a:t>
-            </a:r>
-            <a:r>
-              <a:rPr lang="en-US" sz="3600" dirty="0" err="1"/>
-              <a:t>ờng</a:t>
-            </a:r>
-            <a:r>
-              <a:rPr lang="en-US" sz="3600" dirty="0"/>
-              <a:t> </a:t>
-            </a:r>
-            <a:r>
-              <a:rPr lang="en-US" sz="3600" dirty="0" err="1"/>
-              <a:t>vận</a:t>
-            </a:r>
-            <a:r>
-              <a:rPr lang="en-US" sz="3600" dirty="0"/>
-              <a:t> </a:t>
-            </a:r>
-            <a:r>
-              <a:rPr lang="en-US" sz="3600" dirty="0" err="1"/>
-              <a:t>hành</a:t>
-            </a:r>
-            <a:br>
-              <a:rPr lang="en-US" sz="3600" dirty="0"/>
-            </a:br>
-            <a:r>
-              <a:rPr lang="en-US" sz="3600" dirty="0"/>
-              <a:t>II. C</a:t>
-            </a:r>
-            <a:r>
-              <a:rPr lang="vi-VN" sz="3600" dirty="0"/>
-              <a:t>ơ</a:t>
-            </a:r>
-            <a:r>
-              <a:rPr lang="en-US" sz="3600" dirty="0"/>
-              <a:t> </a:t>
-            </a:r>
-            <a:r>
-              <a:rPr lang="en-US" sz="3600" dirty="0" err="1"/>
-              <a:t>sở</a:t>
-            </a:r>
-            <a:r>
-              <a:rPr lang="en-US" sz="3600" dirty="0"/>
-              <a:t> </a:t>
-            </a:r>
-            <a:r>
-              <a:rPr lang="en-US" sz="3600" dirty="0" err="1"/>
-              <a:t>lý</a:t>
-            </a:r>
-            <a:r>
-              <a:rPr lang="en-US" sz="3600" dirty="0"/>
-              <a:t> </a:t>
-            </a:r>
-            <a:r>
-              <a:rPr lang="en-US" sz="3600" dirty="0" err="1"/>
-              <a:t>thuyết</a:t>
-            </a:r>
-            <a:br>
-              <a:rPr lang="en-US" sz="3600" dirty="0"/>
-            </a:br>
-            <a:r>
-              <a:rPr lang="en-US" sz="3600" dirty="0"/>
-              <a:t>	1. Android studio</a:t>
-            </a:r>
-            <a:br>
-              <a:rPr lang="en-US" sz="3600" dirty="0"/>
-            </a:br>
-            <a:r>
-              <a:rPr lang="en-US" sz="3600" dirty="0"/>
-              <a:t>	2. Java Web Service (RESTful)</a:t>
-            </a:r>
-            <a:br>
-              <a:rPr lang="en-US" sz="3600" dirty="0"/>
-            </a:br>
-            <a:r>
-              <a:rPr lang="en-US" sz="3600" dirty="0"/>
-              <a:t>	3. </a:t>
-            </a:r>
-            <a:r>
-              <a:rPr lang="en-US" sz="3600" dirty="0" err="1"/>
-              <a:t>mongoDB</a:t>
-            </a:r>
-            <a:br>
-              <a:rPr lang="en-US" sz="3600" dirty="0"/>
-            </a:br>
-            <a:r>
-              <a:rPr lang="en-US" sz="3600" dirty="0"/>
-              <a:t>III. </a:t>
-            </a:r>
-            <a:r>
-              <a:rPr lang="en-US" sz="3600" dirty="0" err="1"/>
-              <a:t>Thiết</a:t>
-            </a:r>
-            <a:r>
-              <a:rPr lang="en-US" sz="3600" dirty="0"/>
-              <a:t> </a:t>
-            </a:r>
-            <a:r>
-              <a:rPr lang="en-US" sz="3600" dirty="0" err="1"/>
-              <a:t>kế</a:t>
-            </a:r>
-            <a:r>
-              <a:rPr lang="en-US" sz="3600" dirty="0"/>
-              <a:t> </a:t>
-            </a:r>
-            <a:r>
-              <a:rPr lang="en-US" sz="3600" dirty="0" err="1"/>
-              <a:t>dữ</a:t>
-            </a:r>
-            <a:r>
-              <a:rPr lang="en-US" sz="3600" dirty="0"/>
-              <a:t> </a:t>
-            </a:r>
-            <a:r>
-              <a:rPr lang="en-US" sz="3600" dirty="0" err="1"/>
-              <a:t>liệu</a:t>
-            </a:r>
-            <a:br>
-              <a:rPr lang="en-US" sz="3600" dirty="0"/>
-            </a:br>
-            <a:r>
-              <a:rPr lang="en-US" sz="3600" dirty="0"/>
-              <a:t>IV. </a:t>
-            </a:r>
-            <a:r>
-              <a:rPr lang="en-US" sz="3600" dirty="0" err="1"/>
-              <a:t>Xây</a:t>
-            </a:r>
-            <a:r>
-              <a:rPr lang="en-US" sz="3600" dirty="0"/>
-              <a:t> </a:t>
-            </a:r>
-            <a:r>
-              <a:rPr lang="en-US" sz="3600" dirty="0" err="1"/>
-              <a:t>dựng</a:t>
-            </a:r>
-            <a:r>
-              <a:rPr lang="en-US" sz="3600" dirty="0"/>
-              <a:t> </a:t>
-            </a:r>
-            <a:r>
-              <a:rPr lang="en-US" sz="3600" dirty="0" err="1"/>
-              <a:t>các</a:t>
-            </a:r>
-            <a:r>
-              <a:rPr lang="en-US" sz="3600" dirty="0"/>
-              <a:t> API.</a:t>
-            </a:r>
-            <a:br>
-              <a:rPr lang="en-US" sz="3600" dirty="0"/>
-            </a:br>
-            <a:r>
-              <a:rPr lang="en-US" sz="3600" dirty="0"/>
-              <a:t>IV. DEMO</a:t>
-            </a:r>
-          </a:p>
-        </p:txBody>
-      </p:sp>
-      <p:sp>
-        <p:nvSpPr>
-          <p:cNvPr id="3" name="Slide Number Placeholder 2">
-            <a:extLst>
-              <a:ext uri="{FF2B5EF4-FFF2-40B4-BE49-F238E27FC236}">
-                <a16:creationId xmlns:a16="http://schemas.microsoft.com/office/drawing/2014/main" id="{420A956E-C9FC-4FA1-A838-416B86040956}"/>
-              </a:ext>
-            </a:extLst>
-          </p:cNvPr>
-          <p:cNvSpPr>
-            <a:spLocks noGrp="1"/>
-          </p:cNvSpPr>
-          <p:nvPr>
-            <p:ph type="sldNum" sz="quarter" idx="12"/>
-          </p:nvPr>
-        </p:nvSpPr>
-        <p:spPr/>
-        <p:txBody>
-          <a:bodyPr/>
-          <a:lstStyle/>
-          <a:p>
-            <a:fld id="{3CC90D32-697D-4F0D-8E4A-0F6F398B2A4E}" type="slidenum">
-              <a:rPr lang="en-US" smtClean="0"/>
-              <a:t>2</a:t>
-            </a:fld>
-            <a:endParaRPr lang="en-US"/>
-          </a:p>
-        </p:txBody>
-      </p:sp>
-    </p:spTree>
-    <p:extLst>
-      <p:ext uri="{BB962C8B-B14F-4D97-AF65-F5344CB8AC3E}">
-        <p14:creationId xmlns:p14="http://schemas.microsoft.com/office/powerpoint/2010/main" val="2344172528"/>
-      </p:ext>
-    </p:extLst>
-  </p:cSld>
-  <p:clrMapOvr>
-    <a:masterClrMapping/>
-  </p:clrMapOvr>
-</p:sld>
-</file>
-
-<file path=ppt/slides/slide20.xml><?xml version="1.0" encoding="utf-8"?>
-<p:sld xmlns:a="http://schemas.openxmlformats.org/drawingml/2006/main" xmlns:r="http://schemas.openxmlformats.org/officeDocument/2006/relationships" xmlns:p="http://schemas.openxmlformats.org/presentationml/2006/main">
-  <p:cSld>
-    <p:spTree>
-      <p:nvGrpSpPr>
-        <p:cNvPr id="1" name=""/>
-        <p:cNvGrpSpPr/>
-        <p:nvPr/>
-      </p:nvGrpSpPr>
-      <p:grpSpPr>
-        <a:xfrm>
-          <a:off x="0" y="0"/>
-          <a:ext cx="0" cy="0"/>
-          <a:chOff x="0" y="0"/>
-          <a:chExt cx="0" cy="0"/>
-        </a:xfrm>
-      </p:grpSpPr>
-      <p:sp>
-        <p:nvSpPr>
-          <p:cNvPr id="2" name="Title 1">
-            <a:extLst>
-              <a:ext uri="{FF2B5EF4-FFF2-40B4-BE49-F238E27FC236}">
                 <a16:creationId xmlns:a16="http://schemas.microsoft.com/office/drawing/2014/main" id="{AA6BB934-410A-4ED8-A2B8-495A660E1554}"/>
               </a:ext>
             </a:extLst>
@@ -11537,35 +12659,37 @@
         </p:nvSpPr>
         <p:spPr/>
         <p:txBody>
-          <a:bodyPr/>
+          <a:bodyPr>
+            <a:normAutofit/>
+          </a:bodyPr>
           <a:lstStyle/>
           <a:p>
             <a:r>
-              <a:rPr lang="en-US" dirty="0"/>
+              <a:rPr lang="en-US" sz="4500" dirty="0"/>
               <a:t>IV. </a:t>
             </a:r>
             <a:r>
-              <a:rPr lang="en-US" dirty="0" err="1"/>
+              <a:rPr lang="en-US" sz="4500" dirty="0" err="1"/>
               <a:t>Xây</a:t>
             </a:r>
             <a:r>
-              <a:rPr lang="en-US" dirty="0"/>
-              <a:t> </a:t>
-            </a:r>
-            <a:r>
-              <a:rPr lang="en-US" dirty="0" err="1"/>
+              <a:rPr lang="en-US" sz="4500" dirty="0"/>
+              <a:t> </a:t>
+            </a:r>
+            <a:r>
+              <a:rPr lang="en-US" sz="4500" dirty="0" err="1"/>
               <a:t>dựng</a:t>
             </a:r>
             <a:r>
-              <a:rPr lang="en-US" dirty="0"/>
-              <a:t> </a:t>
-            </a:r>
-            <a:r>
-              <a:rPr lang="en-US" dirty="0" err="1"/>
+              <a:rPr lang="en-US" sz="4500" dirty="0"/>
+              <a:t> </a:t>
+            </a:r>
+            <a:r>
+              <a:rPr lang="en-US" sz="4500" dirty="0" err="1"/>
               <a:t>các</a:t>
             </a:r>
             <a:r>
-              <a:rPr lang="en-US" dirty="0"/>
+              <a:rPr lang="en-US" sz="4500" dirty="0"/>
               <a:t> API server</a:t>
             </a:r>
           </a:p>
@@ -11593,7 +12717,7 @@
         </p:blipFill>
         <p:spPr>
           <a:xfrm>
-            <a:off x="1981329" y="1270000"/>
+            <a:off x="1839661" y="1495947"/>
             <a:ext cx="5988677" cy="4727977"/>
           </a:xfrm>
           <a:prstGeom prst="rect">
@@ -11624,9 +12748,54 @@
           <a:p>
             <a:fld id="{3CC90D32-697D-4F0D-8E4A-0F6F398B2A4E}" type="slidenum">
               <a:rPr lang="en-US" smtClean="0"/>
-              <a:t>20</a:t>
+              <a:t>23</a:t>
             </a:fld>
             <a:endParaRPr lang="en-US"/>
+          </a:p>
+        </p:txBody>
+      </p:sp>
+      <p:sp>
+        <p:nvSpPr>
+          <p:cNvPr id="6" name="Rectangle 5">
+            <a:extLst>
+              <a:ext uri="{FF2B5EF4-FFF2-40B4-BE49-F238E27FC236}">
+                <a16:creationId xmlns:a16="http://schemas.microsoft.com/office/drawing/2014/main" id="{2DDD5F25-D960-4819-A8E2-F806430AF815}"/>
+              </a:ext>
+            </a:extLst>
+          </p:cNvPr>
+          <p:cNvSpPr/>
+          <p:nvPr/>
+        </p:nvSpPr>
+        <p:spPr>
+          <a:xfrm>
+            <a:off x="4005876" y="6221821"/>
+            <a:ext cx="1204177" cy="369332"/>
+          </a:xfrm>
+          <a:prstGeom prst="rect">
+            <a:avLst/>
+          </a:prstGeom>
+        </p:spPr>
+        <p:txBody>
+          <a:bodyPr wrap="none">
+            <a:spAutoFit/>
+          </a:bodyPr>
+          <a:lstStyle/>
+          <a:p>
+            <a:pPr algn="ctr">
+              <a:spcAft>
+                <a:spcPts val="1000"/>
+              </a:spcAft>
+            </a:pPr>
+            <a:r>
+              <a:rPr lang="en-US" i="1" dirty="0">
+                <a:solidFill>
+                  <a:srgbClr val="44546A"/>
+                </a:solidFill>
+                <a:latin typeface="Times New Roman" panose="02020603050405020304" pitchFamily="18" charset="0"/>
+                <a:ea typeface="Calibri" panose="020F0502020204030204" pitchFamily="34" charset="0"/>
+              </a:rPr>
+              <a:t>API Server</a:t>
+            </a:r>
           </a:p>
         </p:txBody>
       </p:sp>
@@ -11643,7 +12812,7 @@
 </p:sld>
 </file>
 
-<file path=ppt/slides/slide21.xml><?xml version="1.0" encoding="utf-8"?>
+<file path=ppt/slides/slide24.xml><?xml version="1.0" encoding="utf-8"?>
 <p:sld xmlns:a="http://schemas.openxmlformats.org/drawingml/2006/main" xmlns:r="http://schemas.openxmlformats.org/officeDocument/2006/relationships" xmlns:p="http://schemas.openxmlformats.org/presentationml/2006/main">
   <p:cSld>
     <p:spTree>
@@ -11685,8 +12854,45 @@
           <a:p>
             <a:r>
               <a:rPr lang="en-US" sz="4500" dirty="0"/>
-              <a:t>IV. DEMO</a:t>
-            </a:r>
+              <a:t>IV. </a:t>
+            </a:r>
+            <a:r>
+              <a:rPr lang="en-US" sz="4500" dirty="0" err="1"/>
+              <a:t>Xây</a:t>
+            </a:r>
+            <a:r>
+              <a:rPr lang="en-US" sz="4500" dirty="0"/>
+              <a:t> </a:t>
+            </a:r>
+            <a:r>
+              <a:rPr lang="en-US" sz="4500" dirty="0" err="1"/>
+              <a:t>dựng</a:t>
+            </a:r>
+            <a:r>
+              <a:rPr lang="en-US" sz="4500" dirty="0"/>
+              <a:t> </a:t>
+            </a:r>
+            <a:r>
+              <a:rPr lang="en-US" sz="4500" dirty="0" err="1"/>
+              <a:t>các</a:t>
+            </a:r>
+            <a:r>
+              <a:rPr lang="en-US" sz="4500" dirty="0"/>
+              <a:t> </a:t>
+            </a:r>
+            <a:r>
+              <a:rPr lang="en-US" sz="4500" dirty="0" err="1"/>
+              <a:t>giao</a:t>
+            </a:r>
+            <a:r>
+              <a:rPr lang="en-US" sz="4500" dirty="0"/>
+              <a:t> </a:t>
+            </a:r>
+            <a:r>
+              <a:rPr lang="en-US" sz="4500" dirty="0" err="1"/>
+              <a:t>diện</a:t>
+            </a:r>
+            <a:endParaRPr lang="en-US" sz="4500" dirty="0"/>
           </a:p>
         </p:txBody>
       </p:sp>
@@ -11717,8 +12923,8 @@
         </p:blipFill>
         <p:spPr bwMode="auto">
           <a:xfrm>
-            <a:off x="3453255" y="1270000"/>
-            <a:ext cx="3044825" cy="5266690"/>
+            <a:off x="3453256" y="1506828"/>
+            <a:ext cx="2792998" cy="4534534"/>
           </a:xfrm>
           <a:prstGeom prst="rect">
             <a:avLst/>
@@ -11752,9 +12958,61 @@
           <a:p>
             <a:fld id="{3CC90D32-697D-4F0D-8E4A-0F6F398B2A4E}" type="slidenum">
               <a:rPr lang="en-US" smtClean="0"/>
-              <a:t>21</a:t>
+              <a:t>24</a:t>
             </a:fld>
             <a:endParaRPr lang="en-US"/>
+          </a:p>
+        </p:txBody>
+      </p:sp>
+      <p:sp>
+        <p:nvSpPr>
+          <p:cNvPr id="5" name="TextBox 4">
+            <a:extLst>
+              <a:ext uri="{FF2B5EF4-FFF2-40B4-BE49-F238E27FC236}">
+                <a16:creationId xmlns:a16="http://schemas.microsoft.com/office/drawing/2014/main" id="{86EF59BC-D7C2-405F-A931-CB7F70DA3A37}"/>
+              </a:ext>
+            </a:extLst>
+          </p:cNvPr>
+          <p:cNvSpPr txBox="1"/>
+          <p:nvPr/>
+        </p:nvSpPr>
+        <p:spPr>
+          <a:xfrm>
+            <a:off x="3789208" y="5879068"/>
+            <a:ext cx="1800493" cy="369332"/>
+          </a:xfrm>
+          <a:prstGeom prst="rect">
+            <a:avLst/>
+          </a:prstGeom>
+          <a:noFill/>
+        </p:spPr>
+        <p:txBody>
+          <a:bodyPr wrap="none" rtlCol="0">
+            <a:spAutoFit/>
+          </a:bodyPr>
+          <a:lstStyle/>
+          <a:p>
+            <a:r>
+              <a:rPr lang="en-US" i="1" dirty="0" err="1"/>
+              <a:t>Giao</a:t>
+            </a:r>
+            <a:r>
+              <a:rPr lang="en-US" i="1" dirty="0"/>
+              <a:t> </a:t>
+            </a:r>
+            <a:r>
+              <a:rPr lang="en-US" i="1" dirty="0" err="1"/>
+              <a:t>diện</a:t>
+            </a:r>
+            <a:r>
+              <a:rPr lang="en-US" i="1" dirty="0"/>
+              <a:t> </a:t>
+            </a:r>
+            <a:r>
+              <a:rPr lang="en-US" i="1" dirty="0" err="1"/>
+              <a:t>chính</a:t>
+            </a:r>
+            <a:endParaRPr lang="en-US" i="1" dirty="0"/>
           </a:p>
         </p:txBody>
       </p:sp>
@@ -11771,7 +13029,7 @@
 </p:sld>
 </file>
 
-<file path=ppt/slides/slide22.xml><?xml version="1.0" encoding="utf-8"?>
+<file path=ppt/slides/slide25.xml><?xml version="1.0" encoding="utf-8"?>
 <p:sld xmlns:a="http://schemas.openxmlformats.org/drawingml/2006/main" xmlns:r="http://schemas.openxmlformats.org/officeDocument/2006/relationships" xmlns:p="http://schemas.openxmlformats.org/presentationml/2006/main">
   <p:cSld>
     <p:spTree>
@@ -11811,10 +13069,52 @@
           </a:bodyPr>
           <a:lstStyle/>
           <a:p>
+            <a:pPr>
+              <a:tabLst>
+                <a:tab pos="1995488" algn="l"/>
+              </a:tabLst>
+            </a:pPr>
             <a:r>
               <a:rPr lang="en-US" sz="4500" dirty="0"/>
-              <a:t>IV. DEMO</a:t>
-            </a:r>
+              <a:t>IV. </a:t>
+            </a:r>
+            <a:r>
+              <a:rPr lang="en-US" sz="4500" dirty="0" err="1"/>
+              <a:t>Xây</a:t>
+            </a:r>
+            <a:r>
+              <a:rPr lang="en-US" sz="4500" dirty="0"/>
+              <a:t> </a:t>
+            </a:r>
+            <a:r>
+              <a:rPr lang="en-US" sz="4500" dirty="0" err="1"/>
+              <a:t>dựng</a:t>
+            </a:r>
+            <a:r>
+              <a:rPr lang="en-US" sz="4500" dirty="0"/>
+              <a:t> </a:t>
+            </a:r>
+            <a:r>
+              <a:rPr lang="en-US" sz="4500" dirty="0" err="1"/>
+              <a:t>các</a:t>
+            </a:r>
+            <a:r>
+              <a:rPr lang="en-US" sz="4500" dirty="0"/>
+              <a:t> </a:t>
+            </a:r>
+            <a:r>
+              <a:rPr lang="en-US" sz="4500" dirty="0" err="1"/>
+              <a:t>giao</a:t>
+            </a:r>
+            <a:r>
+              <a:rPr lang="en-US" sz="4500" dirty="0"/>
+              <a:t> </a:t>
+            </a:r>
+            <a:r>
+              <a:rPr lang="en-US" sz="4500" dirty="0" err="1"/>
+              <a:t>diện</a:t>
+            </a:r>
+            <a:endParaRPr lang="en-US" sz="4500" dirty="0"/>
           </a:p>
         </p:txBody>
       </p:sp>
@@ -11845,8 +13145,8 @@
         </p:blipFill>
         <p:spPr bwMode="auto">
           <a:xfrm>
-            <a:off x="3794229" y="1295400"/>
-            <a:ext cx="3126740" cy="5559425"/>
+            <a:off x="3519244" y="1270000"/>
+            <a:ext cx="2576756" cy="4607478"/>
           </a:xfrm>
           <a:prstGeom prst="rect">
             <a:avLst/>
@@ -11884,8 +13184,8 @@
         </p:blipFill>
         <p:spPr bwMode="auto">
           <a:xfrm>
-            <a:off x="7026379" y="1289685"/>
-            <a:ext cx="3136265" cy="5568315"/>
+            <a:off x="6291636" y="1270000"/>
+            <a:ext cx="2576756" cy="4587793"/>
           </a:xfrm>
           <a:prstGeom prst="rect">
             <a:avLst/>
@@ -11924,8 +13224,8 @@
         </p:blipFill>
         <p:spPr>
           <a:xfrm>
-            <a:off x="578568" y="1289685"/>
-            <a:ext cx="3110251" cy="5568315"/>
+            <a:off x="740978" y="1289685"/>
+            <a:ext cx="2576756" cy="4613193"/>
           </a:xfrm>
           <a:prstGeom prst="rect">
             <a:avLst/>
@@ -11955,9 +13255,64 @@
           <a:p>
             <a:fld id="{3CC90D32-697D-4F0D-8E4A-0F6F398B2A4E}" type="slidenum">
               <a:rPr lang="en-US" smtClean="0"/>
-              <a:t>22</a:t>
+              <a:t>25</a:t>
             </a:fld>
             <a:endParaRPr lang="en-US"/>
+          </a:p>
+        </p:txBody>
+      </p:sp>
+      <p:sp>
+        <p:nvSpPr>
+          <p:cNvPr id="7" name="TextBox 6">
+            <a:extLst>
+              <a:ext uri="{FF2B5EF4-FFF2-40B4-BE49-F238E27FC236}">
+                <a16:creationId xmlns:a16="http://schemas.microsoft.com/office/drawing/2014/main" id="{96A50CA1-BB65-4881-986E-FCF34FB4BEED}"/>
+              </a:ext>
+            </a:extLst>
+          </p:cNvPr>
+          <p:cNvSpPr txBox="1"/>
+          <p:nvPr/>
+        </p:nvSpPr>
+        <p:spPr>
+          <a:xfrm>
+            <a:off x="3747075" y="6028630"/>
+            <a:ext cx="2300630" cy="369332"/>
+          </a:xfrm>
+          <a:prstGeom prst="rect">
+            <a:avLst/>
+          </a:prstGeom>
+          <a:noFill/>
+        </p:spPr>
+        <p:txBody>
+          <a:bodyPr wrap="none" rtlCol="0">
+            <a:spAutoFit/>
+          </a:bodyPr>
+          <a:lstStyle/>
+          <a:p>
+            <a:r>
+              <a:rPr lang="en-US" i="1" dirty="0" err="1"/>
+              <a:t>Giao</a:t>
+            </a:r>
+            <a:r>
+              <a:rPr lang="en-US" i="1" dirty="0"/>
+              <a:t> </a:t>
+            </a:r>
+            <a:r>
+              <a:rPr lang="en-US" i="1" dirty="0" err="1"/>
+              <a:t>diện</a:t>
+            </a:r>
+            <a:r>
+              <a:rPr lang="en-US" i="1" dirty="0"/>
+              <a:t> </a:t>
+            </a:r>
+            <a:r>
+              <a:rPr lang="en-US" i="1" dirty="0" err="1"/>
+              <a:t>của</a:t>
+            </a:r>
+            <a:r>
+              <a:rPr lang="en-US" i="1" dirty="0"/>
+              <a:t> admin</a:t>
+            </a:r>
           </a:p>
         </p:txBody>
       </p:sp>
@@ -11974,7 +13329,7 @@
 </p:sld>
 </file>
 
-<file path=ppt/slides/slide23.xml><?xml version="1.0" encoding="utf-8"?>
+<file path=ppt/slides/slide26.xml><?xml version="1.0" encoding="utf-8"?>
 <p:sld xmlns:a="http://schemas.openxmlformats.org/drawingml/2006/main" xmlns:r="http://schemas.openxmlformats.org/officeDocument/2006/relationships" xmlns:p="http://schemas.openxmlformats.org/presentationml/2006/main">
   <p:cSld>
     <p:spTree>
@@ -12014,8 +13369,45 @@
           <a:p>
             <a:r>
               <a:rPr lang="en-US" dirty="0"/>
-              <a:t>IV. DEMO</a:t>
-            </a:r>
+              <a:t>IV. </a:t>
+            </a:r>
+            <a:r>
+              <a:rPr lang="en-US" dirty="0" err="1"/>
+              <a:t>Xây</a:t>
+            </a:r>
+            <a:r>
+              <a:rPr lang="en-US" dirty="0"/>
+              <a:t> </a:t>
+            </a:r>
+            <a:r>
+              <a:rPr lang="en-US" dirty="0" err="1"/>
+              <a:t>dựng</a:t>
+            </a:r>
+            <a:r>
+              <a:rPr lang="en-US" dirty="0"/>
+              <a:t> </a:t>
+            </a:r>
+            <a:r>
+              <a:rPr lang="en-US" dirty="0" err="1"/>
+              <a:t>các</a:t>
+            </a:r>
+            <a:r>
+              <a:rPr lang="en-US" dirty="0"/>
+              <a:t> </a:t>
+            </a:r>
+            <a:r>
+              <a:rPr lang="en-US" dirty="0" err="1"/>
+              <a:t>giao</a:t>
+            </a:r>
+            <a:r>
+              <a:rPr lang="en-US" dirty="0"/>
+              <a:t> </a:t>
+            </a:r>
+            <a:r>
+              <a:rPr lang="en-US" dirty="0" err="1"/>
+              <a:t>diện</a:t>
+            </a:r>
+            <a:endParaRPr lang="en-US" dirty="0"/>
           </a:p>
         </p:txBody>
       </p:sp>
@@ -12047,8 +13439,8 @@
         </p:blipFill>
         <p:spPr>
           <a:xfrm>
-            <a:off x="1305515" y="1270000"/>
-            <a:ext cx="3224965" cy="5588000"/>
+            <a:off x="1859307" y="1270000"/>
+            <a:ext cx="2442237" cy="4231742"/>
           </a:xfrm>
           <a:prstGeom prst="rect">
             <a:avLst/>
@@ -12083,8 +13475,8 @@
         </p:blipFill>
         <p:spPr>
           <a:xfrm>
-            <a:off x="5064738" y="1270000"/>
-            <a:ext cx="3224965" cy="5505719"/>
+            <a:off x="4562461" y="1270000"/>
+            <a:ext cx="2478735" cy="4231742"/>
           </a:xfrm>
           <a:prstGeom prst="rect">
             <a:avLst/>
@@ -12114,9 +13506,80 @@
           <a:p>
             <a:fld id="{3CC90D32-697D-4F0D-8E4A-0F6F398B2A4E}" type="slidenum">
               <a:rPr lang="en-US" smtClean="0"/>
-              <a:t>23</a:t>
+              <a:t>26</a:t>
             </a:fld>
             <a:endParaRPr lang="en-US"/>
+          </a:p>
+        </p:txBody>
+      </p:sp>
+      <p:sp>
+        <p:nvSpPr>
+          <p:cNvPr id="6" name="TextBox 5">
+            <a:extLst>
+              <a:ext uri="{FF2B5EF4-FFF2-40B4-BE49-F238E27FC236}">
+                <a16:creationId xmlns:a16="http://schemas.microsoft.com/office/drawing/2014/main" id="{2CEAAE95-410B-4A50-B88D-FF8825C983B0}"/>
+              </a:ext>
+            </a:extLst>
+          </p:cNvPr>
+          <p:cNvSpPr txBox="1"/>
+          <p:nvPr/>
+        </p:nvSpPr>
+        <p:spPr>
+          <a:xfrm>
+            <a:off x="3038753" y="5792810"/>
+            <a:ext cx="3057247" cy="369332"/>
+          </a:xfrm>
+          <a:prstGeom prst="rect">
+            <a:avLst/>
+          </a:prstGeom>
+          <a:noFill/>
+        </p:spPr>
+        <p:txBody>
+          <a:bodyPr wrap="none" rtlCol="0">
+            <a:spAutoFit/>
+          </a:bodyPr>
+          <a:lstStyle/>
+          <a:p>
+            <a:r>
+              <a:rPr lang="en-US" i="1" dirty="0" err="1"/>
+              <a:t>Giao</a:t>
+            </a:r>
+            <a:r>
+              <a:rPr lang="en-US" i="1" dirty="0"/>
+              <a:t> </a:t>
+            </a:r>
+            <a:r>
+              <a:rPr lang="en-US" i="1" dirty="0" err="1"/>
+              <a:t>diện</a:t>
+            </a:r>
+            <a:r>
+              <a:rPr lang="en-US" i="1" dirty="0"/>
+              <a:t> </a:t>
+            </a:r>
+            <a:r>
+              <a:rPr lang="en-US" i="1" dirty="0" err="1"/>
+              <a:t>tìm</a:t>
+            </a:r>
+            <a:r>
+              <a:rPr lang="en-US" i="1" dirty="0"/>
+              <a:t> </a:t>
+            </a:r>
+            <a:r>
+              <a:rPr lang="en-US" i="1" dirty="0" err="1"/>
+              <a:t>kiếm</a:t>
+            </a:r>
+            <a:r>
+              <a:rPr lang="en-US" i="1" dirty="0"/>
+              <a:t> </a:t>
+            </a:r>
+            <a:r>
+              <a:rPr lang="en-US" i="1" dirty="0" err="1"/>
+              <a:t>thông</a:t>
+            </a:r>
+            <a:r>
+              <a:rPr lang="en-US" i="1" dirty="0"/>
+              <a:t> tin</a:t>
+            </a:r>
           </a:p>
         </p:txBody>
       </p:sp>
@@ -12133,7 +13596,7 @@
 </p:sld>
 </file>
 
-<file path=ppt/slides/slide24.xml><?xml version="1.0" encoding="utf-8"?>
+<file path=ppt/slides/slide27.xml><?xml version="1.0" encoding="utf-8"?>
 <p:sld xmlns:a="http://schemas.openxmlformats.org/drawingml/2006/main" xmlns:r="http://schemas.openxmlformats.org/officeDocument/2006/relationships" xmlns:p="http://schemas.openxmlformats.org/presentationml/2006/main">
   <p:cSld>
     <p:spTree>
@@ -12174,9 +13637,46 @@
           <a:lstStyle/>
           <a:p>
             <a:r>
-              <a:rPr lang="en-US" sz="4500" dirty="0"/>
-              <a:t>IV. DEMO</a:t>
-            </a:r>
+              <a:rPr lang="en-US" sz="4400" dirty="0"/>
+              <a:t>IV. </a:t>
+            </a:r>
+            <a:r>
+              <a:rPr lang="en-US" sz="4400" dirty="0" err="1"/>
+              <a:t>Xây</a:t>
+            </a:r>
+            <a:r>
+              <a:rPr lang="en-US" sz="4400" dirty="0"/>
+              <a:t> </a:t>
+            </a:r>
+            <a:r>
+              <a:rPr lang="en-US" sz="4400" dirty="0" err="1"/>
+              <a:t>dựng</a:t>
+            </a:r>
+            <a:r>
+              <a:rPr lang="en-US" sz="4400" dirty="0"/>
+              <a:t> </a:t>
+            </a:r>
+            <a:r>
+              <a:rPr lang="en-US" sz="4400" dirty="0" err="1"/>
+              <a:t>các</a:t>
+            </a:r>
+            <a:r>
+              <a:rPr lang="en-US" sz="4400" dirty="0"/>
+              <a:t> </a:t>
+            </a:r>
+            <a:r>
+              <a:rPr lang="en-US" sz="4400" dirty="0" err="1"/>
+              <a:t>giao</a:t>
+            </a:r>
+            <a:r>
+              <a:rPr lang="en-US" sz="4400" dirty="0"/>
+              <a:t> </a:t>
+            </a:r>
+            <a:r>
+              <a:rPr lang="en-US" sz="4400" dirty="0" err="1"/>
+              <a:t>diện</a:t>
+            </a:r>
+            <a:endParaRPr lang="en-US" sz="4500" dirty="0"/>
           </a:p>
         </p:txBody>
       </p:sp>
@@ -12208,8 +13708,8 @@
         </p:blipFill>
         <p:spPr>
           <a:xfrm>
-            <a:off x="471272" y="1352281"/>
-            <a:ext cx="3181985" cy="5470301"/>
+            <a:off x="925695" y="1352282"/>
+            <a:ext cx="2603116" cy="4475140"/>
           </a:xfrm>
           <a:prstGeom prst="rect">
             <a:avLst/>
@@ -12243,8 +13743,8 @@
         </p:blipFill>
         <p:spPr bwMode="auto">
           <a:xfrm>
-            <a:off x="3769443" y="1352279"/>
-            <a:ext cx="3081020" cy="5470301"/>
+            <a:off x="3769443" y="1352280"/>
+            <a:ext cx="2603116" cy="4475140"/>
           </a:xfrm>
           <a:prstGeom prst="rect">
             <a:avLst/>
@@ -12283,8 +13783,8 @@
         </p:blipFill>
         <p:spPr>
           <a:xfrm>
-            <a:off x="6998235" y="1352279"/>
-            <a:ext cx="3081020" cy="5470301"/>
+            <a:off x="6587888" y="1352281"/>
+            <a:ext cx="2520518" cy="4475139"/>
           </a:xfrm>
           <a:prstGeom prst="rect">
             <a:avLst/>
@@ -12314,9 +13814,192 @@
           <a:p>
             <a:fld id="{3CC90D32-697D-4F0D-8E4A-0F6F398B2A4E}" type="slidenum">
               <a:rPr lang="en-US" smtClean="0"/>
-              <a:t>24</a:t>
+              <a:t>27</a:t>
             </a:fld>
             <a:endParaRPr lang="en-US"/>
+          </a:p>
+        </p:txBody>
+      </p:sp>
+      <p:sp>
+        <p:nvSpPr>
+          <p:cNvPr id="7" name="TextBox 6">
+            <a:extLst>
+              <a:ext uri="{FF2B5EF4-FFF2-40B4-BE49-F238E27FC236}">
+                <a16:creationId xmlns:a16="http://schemas.microsoft.com/office/drawing/2014/main" id="{38F3C6DA-7EEF-4830-8D1F-702E5C9C7F8B}"/>
+              </a:ext>
+            </a:extLst>
+          </p:cNvPr>
+          <p:cNvSpPr txBox="1"/>
+          <p:nvPr/>
+        </p:nvSpPr>
+        <p:spPr>
+          <a:xfrm>
+            <a:off x="1314182" y="5918875"/>
+            <a:ext cx="1826141" cy="369332"/>
+          </a:xfrm>
+          <a:prstGeom prst="rect">
+            <a:avLst/>
+          </a:prstGeom>
+          <a:noFill/>
+        </p:spPr>
+        <p:txBody>
+          <a:bodyPr wrap="none" rtlCol="0">
+            <a:spAutoFit/>
+          </a:bodyPr>
+          <a:lstStyle/>
+          <a:p>
+            <a:r>
+              <a:rPr lang="en-US" i="1" dirty="0" err="1"/>
+              <a:t>Giao</a:t>
+            </a:r>
+            <a:r>
+              <a:rPr lang="en-US" i="1" dirty="0"/>
+              <a:t> </a:t>
+            </a:r>
+            <a:r>
+              <a:rPr lang="en-US" i="1" dirty="0" err="1"/>
+              <a:t>đăng</a:t>
+            </a:r>
+            <a:r>
+              <a:rPr lang="en-US" i="1" dirty="0"/>
+              <a:t> </a:t>
+            </a:r>
+            <a:r>
+              <a:rPr lang="en-US" i="1" dirty="0" err="1"/>
+              <a:t>nhập</a:t>
+            </a:r>
+            <a:endParaRPr lang="en-US" i="1" dirty="0"/>
+          </a:p>
+        </p:txBody>
+      </p:sp>
+      <p:sp>
+        <p:nvSpPr>
+          <p:cNvPr id="8" name="TextBox 7">
+            <a:extLst>
+              <a:ext uri="{FF2B5EF4-FFF2-40B4-BE49-F238E27FC236}">
+                <a16:creationId xmlns:a16="http://schemas.microsoft.com/office/drawing/2014/main" id="{B8447C13-5885-4E46-8A88-63D4A67DA696}"/>
+              </a:ext>
+            </a:extLst>
+          </p:cNvPr>
+          <p:cNvSpPr txBox="1"/>
+          <p:nvPr/>
+        </p:nvSpPr>
+        <p:spPr>
+          <a:xfrm>
+            <a:off x="6935076" y="5918875"/>
+            <a:ext cx="2121093" cy="369332"/>
+          </a:xfrm>
+          <a:prstGeom prst="rect">
+            <a:avLst/>
+          </a:prstGeom>
+          <a:noFill/>
+        </p:spPr>
+        <p:txBody>
+          <a:bodyPr wrap="none" rtlCol="0">
+            <a:spAutoFit/>
+          </a:bodyPr>
+          <a:lstStyle/>
+          <a:p>
+            <a:r>
+              <a:rPr lang="en-US" i="1" dirty="0" err="1"/>
+              <a:t>Giao</a:t>
+            </a:r>
+            <a:r>
+              <a:rPr lang="en-US" i="1" dirty="0"/>
+              <a:t> </a:t>
+            </a:r>
+            <a:r>
+              <a:rPr lang="en-US" i="1" dirty="0" err="1"/>
+              <a:t>diện</a:t>
+            </a:r>
+            <a:r>
+              <a:rPr lang="en-US" i="1" dirty="0"/>
+              <a:t> </a:t>
+            </a:r>
+            <a:r>
+              <a:rPr lang="en-US" i="1" dirty="0" err="1"/>
+              <a:t>thông</a:t>
+            </a:r>
+            <a:r>
+              <a:rPr lang="en-US" i="1" dirty="0"/>
+              <a:t> tin</a:t>
+            </a:r>
+          </a:p>
+        </p:txBody>
+      </p:sp>
+      <p:sp>
+        <p:nvSpPr>
+          <p:cNvPr id="9" name="TextBox 8">
+            <a:extLst>
+              <a:ext uri="{FF2B5EF4-FFF2-40B4-BE49-F238E27FC236}">
+                <a16:creationId xmlns:a16="http://schemas.microsoft.com/office/drawing/2014/main" id="{10F69EA3-F19E-4D6A-8488-07AE24BD5A90}"/>
+              </a:ext>
+            </a:extLst>
+          </p:cNvPr>
+          <p:cNvSpPr txBox="1"/>
+          <p:nvPr/>
+        </p:nvSpPr>
+        <p:spPr>
+          <a:xfrm>
+            <a:off x="3448963" y="5918875"/>
+            <a:ext cx="3177473" cy="369332"/>
+          </a:xfrm>
+          <a:prstGeom prst="rect">
+            <a:avLst/>
+          </a:prstGeom>
+          <a:noFill/>
+        </p:spPr>
+        <p:txBody>
+          <a:bodyPr wrap="none" rtlCol="0">
+            <a:spAutoFit/>
+          </a:bodyPr>
+          <a:lstStyle/>
+          <a:p>
+            <a:r>
+              <a:rPr lang="en-US" i="1" dirty="0" err="1"/>
+              <a:t>Giao</a:t>
+            </a:r>
+            <a:r>
+              <a:rPr lang="en-US" i="1" dirty="0"/>
+              <a:t> </a:t>
+            </a:r>
+            <a:r>
+              <a:rPr lang="en-US" i="1" dirty="0" err="1"/>
+              <a:t>diện</a:t>
+            </a:r>
+            <a:r>
+              <a:rPr lang="en-US" i="1" dirty="0"/>
+              <a:t> </a:t>
+            </a:r>
+            <a:r>
+              <a:rPr lang="en-US" i="1" dirty="0" err="1"/>
+              <a:t>danh</a:t>
+            </a:r>
+            <a:r>
+              <a:rPr lang="en-US" i="1" dirty="0"/>
+              <a:t> </a:t>
+            </a:r>
+            <a:r>
+              <a:rPr lang="en-US" i="1" dirty="0" err="1"/>
+              <a:t>sách</a:t>
+            </a:r>
+            <a:r>
+              <a:rPr lang="en-US" i="1" dirty="0"/>
+              <a:t> </a:t>
+            </a:r>
+            <a:r>
+              <a:rPr lang="en-US" i="1" dirty="0" err="1"/>
+              <a:t>khu</a:t>
+            </a:r>
+            <a:r>
+              <a:rPr lang="en-US" i="1" dirty="0"/>
+              <a:t> </a:t>
+            </a:r>
+            <a:r>
+              <a:rPr lang="en-US" i="1" dirty="0" err="1"/>
+              <a:t>vực</a:t>
+            </a:r>
+            <a:endParaRPr lang="en-US" i="1" dirty="0"/>
           </a:p>
         </p:txBody>
       </p:sp>
@@ -12333,7 +14016,7 @@
 </p:sld>
 </file>
 
-<file path=ppt/slides/slide25.xml><?xml version="1.0" encoding="utf-8"?>
+<file path=ppt/slides/slide28.xml><?xml version="1.0" encoding="utf-8"?>
 <p:sld xmlns:a="http://schemas.openxmlformats.org/drawingml/2006/main" xmlns:r="http://schemas.openxmlformats.org/officeDocument/2006/relationships" xmlns:p="http://schemas.openxmlformats.org/presentationml/2006/main">
   <p:cSld>
     <p:spTree>
@@ -12374,9 +14057,46 @@
           <a:lstStyle/>
           <a:p>
             <a:r>
-              <a:rPr lang="en-US" sz="4500" dirty="0"/>
-              <a:t>IV. DEMO</a:t>
-            </a:r>
+              <a:rPr lang="en-US" sz="4400" dirty="0"/>
+              <a:t>IV. </a:t>
+            </a:r>
+            <a:r>
+              <a:rPr lang="en-US" sz="4400" dirty="0" err="1"/>
+              <a:t>Xây</a:t>
+            </a:r>
+            <a:r>
+              <a:rPr lang="en-US" sz="4400" dirty="0"/>
+              <a:t> </a:t>
+            </a:r>
+            <a:r>
+              <a:rPr lang="en-US" sz="4400" dirty="0" err="1"/>
+              <a:t>dựng</a:t>
+            </a:r>
+            <a:r>
+              <a:rPr lang="en-US" sz="4400" dirty="0"/>
+              <a:t> </a:t>
+            </a:r>
+            <a:r>
+              <a:rPr lang="en-US" sz="4400" dirty="0" err="1"/>
+              <a:t>các</a:t>
+            </a:r>
+            <a:r>
+              <a:rPr lang="en-US" sz="4400" dirty="0"/>
+              <a:t> </a:t>
+            </a:r>
+            <a:r>
+              <a:rPr lang="en-US" sz="4400" dirty="0" err="1"/>
+              <a:t>giao</a:t>
+            </a:r>
+            <a:r>
+              <a:rPr lang="en-US" sz="4400" dirty="0"/>
+              <a:t> </a:t>
+            </a:r>
+            <a:r>
+              <a:rPr lang="en-US" sz="4400" dirty="0" err="1"/>
+              <a:t>diện</a:t>
+            </a:r>
+            <a:endParaRPr lang="en-US" sz="4500" dirty="0"/>
           </a:p>
         </p:txBody>
       </p:sp>
@@ -12408,8 +14128,8 @@
         </p:blipFill>
         <p:spPr>
           <a:xfrm>
-            <a:off x="4185637" y="1378038"/>
-            <a:ext cx="3096176" cy="5474953"/>
+            <a:off x="4244193" y="1378039"/>
+            <a:ext cx="2382593" cy="4213128"/>
           </a:xfrm>
           <a:prstGeom prst="rect">
             <a:avLst/>
@@ -12444,8 +14164,8 @@
         </p:blipFill>
         <p:spPr>
           <a:xfrm>
-            <a:off x="883397" y="1378039"/>
-            <a:ext cx="3096176" cy="5474952"/>
+            <a:off x="1596979" y="1378039"/>
+            <a:ext cx="2382593" cy="4213127"/>
           </a:xfrm>
           <a:prstGeom prst="rect">
             <a:avLst/>
@@ -12475,9 +14195,101 @@
           <a:p>
             <a:fld id="{3CC90D32-697D-4F0D-8E4A-0F6F398B2A4E}" type="slidenum">
               <a:rPr lang="en-US" smtClean="0"/>
-              <a:t>25</a:t>
+              <a:t>28</a:t>
             </a:fld>
             <a:endParaRPr lang="en-US"/>
+          </a:p>
+        </p:txBody>
+      </p:sp>
+      <p:sp>
+        <p:nvSpPr>
+          <p:cNvPr id="6" name="TextBox 5">
+            <a:extLst>
+              <a:ext uri="{FF2B5EF4-FFF2-40B4-BE49-F238E27FC236}">
+                <a16:creationId xmlns:a16="http://schemas.microsoft.com/office/drawing/2014/main" id="{B80C91CF-CF3E-474C-98CD-BBFFDFDE657C}"/>
+              </a:ext>
+            </a:extLst>
+          </p:cNvPr>
+          <p:cNvSpPr txBox="1"/>
+          <p:nvPr/>
+        </p:nvSpPr>
+        <p:spPr>
+          <a:xfrm>
+            <a:off x="3010253" y="5856696"/>
+            <a:ext cx="4147289" cy="369332"/>
+          </a:xfrm>
+          <a:prstGeom prst="rect">
+            <a:avLst/>
+          </a:prstGeom>
+          <a:noFill/>
+        </p:spPr>
+        <p:txBody>
+          <a:bodyPr wrap="none" rtlCol="0">
+            <a:spAutoFit/>
+          </a:bodyPr>
+          <a:lstStyle/>
+          <a:p>
+            <a:r>
+              <a:rPr lang="en-US" i="1" dirty="0" err="1"/>
+              <a:t>Giao</a:t>
+            </a:r>
+            <a:r>
+              <a:rPr lang="en-US" i="1" dirty="0"/>
+              <a:t> </a:t>
+            </a:r>
+            <a:r>
+              <a:rPr lang="en-US" i="1" dirty="0" err="1"/>
+              <a:t>quản</a:t>
+            </a:r>
+            <a:r>
+              <a:rPr lang="en-US" i="1" dirty="0"/>
+              <a:t> </a:t>
+            </a:r>
+            <a:r>
+              <a:rPr lang="en-US" i="1" dirty="0" err="1"/>
+              <a:t>hiển</a:t>
+            </a:r>
+            <a:r>
+              <a:rPr lang="en-US" i="1" dirty="0"/>
+              <a:t> </a:t>
+            </a:r>
+            <a:r>
+              <a:rPr lang="en-US" i="1" dirty="0" err="1"/>
+              <a:t>thị</a:t>
+            </a:r>
+            <a:r>
+              <a:rPr lang="en-US" i="1" dirty="0"/>
+              <a:t> </a:t>
+            </a:r>
+            <a:r>
+              <a:rPr lang="en-US" i="1" dirty="0" err="1"/>
+              <a:t>danh</a:t>
+            </a:r>
+            <a:r>
+              <a:rPr lang="en-US" i="1" dirty="0"/>
+              <a:t> </a:t>
+            </a:r>
+            <a:r>
+              <a:rPr lang="en-US" i="1" dirty="0" err="1"/>
+              <a:t>sách</a:t>
+            </a:r>
+            <a:r>
+              <a:rPr lang="en-US" i="1" dirty="0"/>
+              <a:t> – </a:t>
+            </a:r>
+            <a:r>
+              <a:rPr lang="en-US" i="1" dirty="0" err="1"/>
+              <a:t>bản</a:t>
+            </a:r>
+            <a:r>
+              <a:rPr lang="en-US" i="1" dirty="0"/>
+              <a:t> </a:t>
+            </a:r>
+            <a:r>
+              <a:rPr lang="en-US" i="1" dirty="0" err="1"/>
+              <a:t>đồ</a:t>
+            </a:r>
+            <a:endParaRPr lang="en-US" i="1" dirty="0"/>
           </a:p>
         </p:txBody>
       </p:sp>
@@ -12494,7 +14306,7 @@
 </p:sld>
 </file>
 
-<file path=ppt/slides/slide26.xml><?xml version="1.0" encoding="utf-8"?>
+<file path=ppt/slides/slide29.xml><?xml version="1.0" encoding="utf-8"?>
 <p:sld xmlns:a="http://schemas.openxmlformats.org/drawingml/2006/main" xmlns:r="http://schemas.openxmlformats.org/officeDocument/2006/relationships" xmlns:p="http://schemas.openxmlformats.org/presentationml/2006/main">
   <p:cSld>
     <p:spTree>
@@ -12535,9 +14347,46 @@
           <a:lstStyle/>
           <a:p>
             <a:r>
-              <a:rPr lang="en-US" sz="4500" dirty="0"/>
-              <a:t>IV. DEMO</a:t>
-            </a:r>
+              <a:rPr lang="en-US" sz="4400" dirty="0"/>
+              <a:t>IV. </a:t>
+            </a:r>
+            <a:r>
+              <a:rPr lang="en-US" sz="4400" dirty="0" err="1"/>
+              <a:t>Xây</a:t>
+            </a:r>
+            <a:r>
+              <a:rPr lang="en-US" sz="4400" dirty="0"/>
+              <a:t> </a:t>
+            </a:r>
+            <a:r>
+              <a:rPr lang="en-US" sz="4400" dirty="0" err="1"/>
+              <a:t>dựng</a:t>
+            </a:r>
+            <a:r>
+              <a:rPr lang="en-US" sz="4400" dirty="0"/>
+              <a:t> </a:t>
+            </a:r>
+            <a:r>
+              <a:rPr lang="en-US" sz="4400" dirty="0" err="1"/>
+              <a:t>các</a:t>
+            </a:r>
+            <a:r>
+              <a:rPr lang="en-US" sz="4400" dirty="0"/>
+              <a:t> </a:t>
+            </a:r>
+            <a:r>
+              <a:rPr lang="en-US" sz="4400" dirty="0" err="1"/>
+              <a:t>giao</a:t>
+            </a:r>
+            <a:r>
+              <a:rPr lang="en-US" sz="4400" dirty="0"/>
+              <a:t> </a:t>
+            </a:r>
+            <a:r>
+              <a:rPr lang="en-US" sz="4400" dirty="0" err="1"/>
+              <a:t>diện</a:t>
+            </a:r>
+            <a:endParaRPr lang="en-US" sz="4500" dirty="0"/>
           </a:p>
         </p:txBody>
       </p:sp>
@@ -12569,8 +14418,8 @@
         </p:blipFill>
         <p:spPr>
           <a:xfrm>
-            <a:off x="561424" y="1390918"/>
-            <a:ext cx="3109055" cy="5467082"/>
+            <a:off x="1360868" y="1390918"/>
+            <a:ext cx="2309611" cy="4061309"/>
           </a:xfrm>
           <a:prstGeom prst="rect">
             <a:avLst/>
@@ -12606,7 +14455,7 @@
         <p:spPr>
           <a:xfrm>
             <a:off x="3786389" y="1390918"/>
-            <a:ext cx="3109055" cy="5467082"/>
+            <a:ext cx="2309611" cy="4061309"/>
           </a:xfrm>
           <a:prstGeom prst="rect">
             <a:avLst/>
@@ -12641,8 +14490,8 @@
         </p:blipFill>
         <p:spPr>
           <a:xfrm>
-            <a:off x="7011354" y="1390918"/>
-            <a:ext cx="3109055" cy="5467082"/>
+            <a:off x="6211909" y="1390918"/>
+            <a:ext cx="2309611" cy="4061309"/>
           </a:xfrm>
           <a:prstGeom prst="rect">
             <a:avLst/>
@@ -12672,183 +14521,28 @@
           <a:p>
             <a:fld id="{3CC90D32-697D-4F0D-8E4A-0F6F398B2A4E}" type="slidenum">
               <a:rPr lang="en-US" smtClean="0"/>
-              <a:t>26</a:t>
+              <a:t>29</a:t>
             </a:fld>
             <a:endParaRPr lang="en-US"/>
           </a:p>
         </p:txBody>
       </p:sp>
-    </p:spTree>
-    <p:extLst>
-      <p:ext uri="{BB962C8B-B14F-4D97-AF65-F5344CB8AC3E}">
-        <p14:creationId xmlns:p14="http://schemas.microsoft.com/office/powerpoint/2010/main" val="2104125696"/>
-      </p:ext>
-    </p:extLst>
-  </p:cSld>
-  <p:clrMapOvr>
-    <a:masterClrMapping/>
-  </p:clrMapOvr>
-</p:sld>
-</file>
-
-<file path=ppt/slides/slide27.xml><?xml version="1.0" encoding="utf-8"?>
-<p:sld xmlns:a="http://schemas.openxmlformats.org/drawingml/2006/main" xmlns:r="http://schemas.openxmlformats.org/officeDocument/2006/relationships" xmlns:p="http://schemas.openxmlformats.org/presentationml/2006/main">
-  <p:cSld>
-    <p:spTree>
-      <p:nvGrpSpPr>
-        <p:cNvPr id="1" name=""/>
-        <p:cNvGrpSpPr/>
-        <p:nvPr/>
-      </p:nvGrpSpPr>
-      <p:grpSpPr>
-        <a:xfrm>
-          <a:off x="0" y="0"/>
-          <a:ext cx="0" cy="0"/>
-          <a:chOff x="0" y="0"/>
-          <a:chExt cx="0" cy="0"/>
-        </a:xfrm>
-      </p:grpSpPr>
-      <p:sp>
-        <p:nvSpPr>
-          <p:cNvPr id="2" name="Title 1">
+      <p:sp>
+        <p:nvSpPr>
+          <p:cNvPr id="8" name="TextBox 7">
             <a:extLst>
               <a:ext uri="{FF2B5EF4-FFF2-40B4-BE49-F238E27FC236}">
-                <a16:creationId xmlns:a16="http://schemas.microsoft.com/office/drawing/2014/main" id="{295CF566-117A-4E63-8716-77657C5B9C60}"/>
+                <a16:creationId xmlns:a16="http://schemas.microsoft.com/office/drawing/2014/main" id="{4C2A6078-6E27-4E73-AB97-7D0FDCD4B41F}"/>
               </a:ext>
             </a:extLst>
           </p:cNvPr>
-          <p:cNvSpPr>
-            <a:spLocks noGrp="1"/>
-          </p:cNvSpPr>
-          <p:nvPr>
-            <p:ph type="title"/>
-          </p:nvPr>
-        </p:nvSpPr>
-        <p:spPr/>
-        <p:txBody>
-          <a:bodyPr>
-            <a:normAutofit/>
-          </a:bodyPr>
-          <a:lstStyle/>
-          <a:p>
-            <a:r>
-              <a:rPr lang="en-US" sz="4500" dirty="0"/>
-              <a:t>IV. DEMO</a:t>
-            </a:r>
-          </a:p>
-        </p:txBody>
-      </p:sp>
-      <p:pic>
-        <p:nvPicPr>
-          <p:cNvPr id="5" name="Picture 4">
-            <a:extLst>
-              <a:ext uri="{FF2B5EF4-FFF2-40B4-BE49-F238E27FC236}">
-                <a16:creationId xmlns:a16="http://schemas.microsoft.com/office/drawing/2014/main" id="{6B044863-A3EC-431D-A4E7-B36C773A7581}"/>
-              </a:ext>
-            </a:extLst>
-          </p:cNvPr>
-          <p:cNvPicPr>
-            <a:picLocks noChangeAspect="1"/>
-          </p:cNvPicPr>
+          <p:cNvSpPr txBox="1"/>
           <p:nvPr/>
-        </p:nvPicPr>
-        <p:blipFill>
-          <a:blip r:embed="rId2">
-            <a:extLst>
-              <a:ext uri="{28A0092B-C50C-407E-A947-70E740481C1C}">
-                <a14:useLocalDpi xmlns:a14="http://schemas.microsoft.com/office/drawing/2010/main" val="0"/>
-              </a:ext>
-            </a:extLst>
-          </a:blip>
-          <a:stretch>
-            <a:fillRect/>
-          </a:stretch>
-        </p:blipFill>
+        </p:nvSpPr>
         <p:spPr>
           <a:xfrm>
-            <a:off x="2917998" y="1249251"/>
-            <a:ext cx="3328316" cy="5608749"/>
-          </a:xfrm>
-          <a:prstGeom prst="rect">
-            <a:avLst/>
-          </a:prstGeom>
-        </p:spPr>
-      </p:pic>
-      <p:sp>
-        <p:nvSpPr>
-          <p:cNvPr id="3" name="Slide Number Placeholder 2">
-            <a:extLst>
-              <a:ext uri="{FF2B5EF4-FFF2-40B4-BE49-F238E27FC236}">
-                <a16:creationId xmlns:a16="http://schemas.microsoft.com/office/drawing/2014/main" id="{035FA791-F02E-4E14-B4CB-17D5CFF99F52}"/>
-              </a:ext>
-            </a:extLst>
-          </p:cNvPr>
-          <p:cNvSpPr>
-            <a:spLocks noGrp="1"/>
-          </p:cNvSpPr>
-          <p:nvPr>
-            <p:ph type="sldNum" sz="quarter" idx="12"/>
-          </p:nvPr>
-        </p:nvSpPr>
-        <p:spPr/>
-        <p:txBody>
-          <a:bodyPr/>
-          <a:lstStyle/>
-          <a:p>
-            <a:fld id="{3CC90D32-697D-4F0D-8E4A-0F6F398B2A4E}" type="slidenum">
-              <a:rPr lang="en-US" smtClean="0"/>
-              <a:t>27</a:t>
-            </a:fld>
-            <a:endParaRPr lang="en-US"/>
-          </a:p>
-        </p:txBody>
-      </p:sp>
-    </p:spTree>
-    <p:extLst>
-      <p:ext uri="{BB962C8B-B14F-4D97-AF65-F5344CB8AC3E}">
-        <p14:creationId xmlns:p14="http://schemas.microsoft.com/office/powerpoint/2010/main" val="3893016286"/>
-      </p:ext>
-    </p:extLst>
-  </p:cSld>
-  <p:clrMapOvr>
-    <a:masterClrMapping/>
-  </p:clrMapOvr>
-</p:sld>
-</file>
-
-<file path=ppt/slides/slide28.xml><?xml version="1.0" encoding="utf-8"?>
-<p:sld xmlns:a="http://schemas.openxmlformats.org/drawingml/2006/main" xmlns:r="http://schemas.openxmlformats.org/officeDocument/2006/relationships" xmlns:p="http://schemas.openxmlformats.org/presentationml/2006/main">
-  <p:cSld>
-    <p:spTree>
-      <p:nvGrpSpPr>
-        <p:cNvPr id="1" name=""/>
-        <p:cNvGrpSpPr/>
-        <p:nvPr/>
-      </p:nvGrpSpPr>
-      <p:grpSpPr>
-        <a:xfrm>
-          <a:off x="0" y="0"/>
-          <a:ext cx="0" cy="0"/>
-          <a:chOff x="0" y="0"/>
-          <a:chExt cx="0" cy="0"/>
-        </a:xfrm>
-      </p:grpSpPr>
-      <p:sp>
-        <p:nvSpPr>
-          <p:cNvPr id="6" name="Rectangle 5">
-            <a:extLst>
-              <a:ext uri="{FF2B5EF4-FFF2-40B4-BE49-F238E27FC236}">
-                <a16:creationId xmlns:a16="http://schemas.microsoft.com/office/drawing/2014/main" id="{FC932B05-6620-4F05-B41E-E8D19CF1C73B}"/>
-              </a:ext>
-            </a:extLst>
-          </p:cNvPr>
-          <p:cNvSpPr/>
-          <p:nvPr/>
-        </p:nvSpPr>
-        <p:spPr>
-          <a:xfrm>
-            <a:off x="2953954" y="2151727"/>
-            <a:ext cx="6284092" cy="2554545"/>
+            <a:off x="3995894" y="5920157"/>
+            <a:ext cx="2416046" cy="369332"/>
           </a:xfrm>
           <a:prstGeom prst="rect">
             <a:avLst/>
@@ -12856,129 +14550,55 @@
           <a:noFill/>
         </p:spPr>
         <p:txBody>
-          <a:bodyPr wrap="none" lIns="91440" tIns="45720" rIns="91440" bIns="45720">
+          <a:bodyPr wrap="none" rtlCol="0">
             <a:spAutoFit/>
           </a:bodyPr>
           <a:lstStyle/>
           <a:p>
-            <a:pPr algn="ctr"/>
-            <a:r>
-              <a:rPr lang="en-US" sz="8000" b="1" dirty="0">
-                <a:ln w="12700">
-                  <a:solidFill>
-                    <a:schemeClr val="accent1"/>
-                  </a:solidFill>
-                  <a:prstDash val="solid"/>
-                </a:ln>
-                <a:pattFill prst="pct50">
-                  <a:fgClr>
-                    <a:schemeClr val="accent1"/>
-                  </a:fgClr>
-                  <a:bgClr>
-                    <a:schemeClr val="accent1">
-                      <a:lumMod val="20000"/>
-                      <a:lumOff val="80000"/>
-                    </a:schemeClr>
-                  </a:bgClr>
-                </a:pattFill>
-                <a:effectLst>
-                  <a:outerShdw dist="38100" dir="2640000" algn="bl" rotWithShape="0">
-                    <a:schemeClr val="accent1"/>
-                  </a:outerShdw>
-                </a:effectLst>
-              </a:rPr>
-              <a:t>Thank you </a:t>
-            </a:r>
-          </a:p>
-          <a:p>
-            <a:pPr algn="ctr"/>
-            <a:r>
-              <a:rPr lang="en-US" sz="8000" b="1" dirty="0">
-                <a:ln w="12700">
-                  <a:solidFill>
-                    <a:schemeClr val="accent1"/>
-                  </a:solidFill>
-                  <a:prstDash val="solid"/>
-                </a:ln>
-                <a:pattFill prst="pct50">
-                  <a:fgClr>
-                    <a:schemeClr val="accent1"/>
-                  </a:fgClr>
-                  <a:bgClr>
-                    <a:schemeClr val="accent1">
-                      <a:lumMod val="20000"/>
-                      <a:lumOff val="80000"/>
-                    </a:schemeClr>
-                  </a:bgClr>
-                </a:pattFill>
-                <a:effectLst>
-                  <a:outerShdw dist="38100" dir="2640000" algn="bl" rotWithShape="0">
-                    <a:schemeClr val="accent1"/>
-                  </a:outerShdw>
-                </a:effectLst>
-              </a:rPr>
-              <a:t>for watching</a:t>
-            </a:r>
-            <a:endParaRPr lang="en-US" sz="8000" b="1" cap="none" spc="0" dirty="0">
-              <a:ln w="12700">
-                <a:solidFill>
-                  <a:schemeClr val="accent1"/>
-                </a:solidFill>
-                <a:prstDash val="solid"/>
-              </a:ln>
-              <a:pattFill prst="pct50">
-                <a:fgClr>
-                  <a:schemeClr val="accent1"/>
-                </a:fgClr>
-                <a:bgClr>
-                  <a:schemeClr val="accent1">
-                    <a:lumMod val="20000"/>
-                    <a:lumOff val="80000"/>
-                  </a:schemeClr>
-                </a:bgClr>
-              </a:pattFill>
-              <a:effectLst>
-                <a:outerShdw dist="38100" dir="2640000" algn="bl" rotWithShape="0">
-                  <a:schemeClr val="accent1"/>
-                </a:outerShdw>
-              </a:effectLst>
-            </a:endParaRPr>
-          </a:p>
-        </p:txBody>
-      </p:sp>
-      <p:sp>
-        <p:nvSpPr>
-          <p:cNvPr id="2" name="Slide Number Placeholder 1">
-            <a:extLst>
-              <a:ext uri="{FF2B5EF4-FFF2-40B4-BE49-F238E27FC236}">
-                <a16:creationId xmlns:a16="http://schemas.microsoft.com/office/drawing/2014/main" id="{2DB9CCA5-4641-479D-8F0B-E589779EBD4F}"/>
-              </a:ext>
-            </a:extLst>
-          </p:cNvPr>
-          <p:cNvSpPr>
-            <a:spLocks noGrp="1"/>
-          </p:cNvSpPr>
-          <p:nvPr>
-            <p:ph type="sldNum" sz="quarter" idx="12"/>
-          </p:nvPr>
-        </p:nvSpPr>
-        <p:spPr/>
-        <p:txBody>
-          <a:bodyPr/>
-          <a:lstStyle/>
-          <a:p>
-            <a:fld id="{3CC90D32-697D-4F0D-8E4A-0F6F398B2A4E}" type="slidenum">
-              <a:rPr lang="en-US" smtClean="0"/>
-              <a:t>28</a:t>
-            </a:fld>
-            <a:endParaRPr lang="en-US"/>
+            <a:r>
+              <a:rPr lang="en-US" i="1" dirty="0" err="1"/>
+              <a:t>Giao</a:t>
+            </a:r>
+            <a:r>
+              <a:rPr lang="en-US" i="1" dirty="0"/>
+              <a:t> </a:t>
+            </a:r>
+            <a:r>
+              <a:rPr lang="en-US" i="1" dirty="0" err="1"/>
+              <a:t>quản</a:t>
+            </a:r>
+            <a:r>
+              <a:rPr lang="en-US" i="1" dirty="0"/>
+              <a:t> </a:t>
+            </a:r>
+            <a:r>
+              <a:rPr lang="en-US" i="1" dirty="0" err="1"/>
+              <a:t>lý</a:t>
+            </a:r>
+            <a:r>
+              <a:rPr lang="en-US" i="1" dirty="0"/>
+              <a:t> </a:t>
+            </a:r>
+            <a:r>
+              <a:rPr lang="en-US" i="1" dirty="0" err="1"/>
+              <a:t>tiền</a:t>
+            </a:r>
+            <a:r>
+              <a:rPr lang="en-US" i="1" dirty="0"/>
+              <a:t> </a:t>
+            </a:r>
+            <a:r>
+              <a:rPr lang="en-US" i="1" dirty="0" err="1"/>
+              <a:t>điền</a:t>
+            </a:r>
+            <a:endParaRPr lang="en-US" i="1" dirty="0"/>
           </a:p>
         </p:txBody>
       </p:sp>
     </p:spTree>
     <p:extLst>
       <p:ext uri="{BB962C8B-B14F-4D97-AF65-F5344CB8AC3E}">
-        <p14:creationId xmlns:p14="http://schemas.microsoft.com/office/powerpoint/2010/main" val="1882693515"/>
+        <p14:creationId xmlns:p14="http://schemas.microsoft.com/office/powerpoint/2010/main" val="2104125696"/>
       </p:ext>
     </p:extLst>
   </p:cSld>
@@ -13116,7 +14736,7 @@
         <p:spPr/>
         <p:txBody>
           <a:bodyPr>
-            <a:normAutofit/>
+            <a:normAutofit lnSpcReduction="10000"/>
           </a:bodyPr>
           <a:lstStyle/>
           <a:p>
@@ -13171,6 +14791,22 @@
             </a:r>
             <a:r>
               <a:rPr lang="en-US" sz="2400" dirty="0" err="1"/>
+              <a:t>phát</a:t>
+            </a:r>
+            <a:r>
+              <a:rPr lang="en-US" sz="2400" dirty="0"/>
+              <a:t> </a:t>
+            </a:r>
+            <a:r>
+              <a:rPr lang="en-US" sz="2400" dirty="0" err="1"/>
+              <a:t>triển</a:t>
+            </a:r>
+            <a:r>
+              <a:rPr lang="en-US" sz="2400" dirty="0"/>
+              <a:t> </a:t>
+            </a:r>
+            <a:r>
+              <a:rPr lang="en-US" sz="2400" dirty="0" err="1"/>
               <a:t>như</a:t>
             </a:r>
             <a:r>
@@ -13290,7 +14926,23 @@
             </a:r>
             <a:r>
               <a:rPr lang="en-US" sz="2400" dirty="0"/>
-              <a:t> smart phone </a:t>
+              <a:t> </a:t>
+            </a:r>
+            <a:r>
+              <a:rPr lang="en-US" sz="2400" dirty="0" err="1"/>
+              <a:t>thông</a:t>
+            </a:r>
+            <a:r>
+              <a:rPr lang="en-US" sz="2400" dirty="0"/>
+              <a:t> </a:t>
+            </a:r>
+            <a:r>
+              <a:rPr lang="en-US" sz="2400" dirty="0" err="1"/>
+              <a:t>minh</a:t>
+            </a:r>
+            <a:r>
+              <a:rPr lang="en-US" sz="2400" dirty="0"/>
+              <a:t> </a:t>
             </a:r>
             <a:r>
               <a:rPr lang="en-US" sz="2400" dirty="0" err="1"/>
@@ -13442,6 +15094,202 @@
             <a:r>
               <a:rPr lang="en-US" sz="2400" dirty="0"/>
               <a:t>.</a:t>
+            </a:r>
+          </a:p>
+          <a:p>
+            <a:pPr algn="just"/>
+            <a:r>
+              <a:rPr lang="en-US" sz="2400" dirty="0" err="1"/>
+              <a:t>Tạo</a:t>
+            </a:r>
+            <a:r>
+              <a:rPr lang="en-US" sz="2400" dirty="0"/>
+              <a:t> </a:t>
+            </a:r>
+            <a:r>
+              <a:rPr lang="en-US" sz="2400" dirty="0" err="1"/>
+              <a:t>nên</a:t>
+            </a:r>
+            <a:r>
+              <a:rPr lang="en-US" sz="2400" dirty="0"/>
+              <a:t> </a:t>
+            </a:r>
+            <a:r>
+              <a:rPr lang="en-US" sz="2400" dirty="0" err="1"/>
+              <a:t>một</a:t>
+            </a:r>
+            <a:r>
+              <a:rPr lang="en-US" sz="2400" dirty="0"/>
+              <a:t> </a:t>
+            </a:r>
+            <a:r>
+              <a:rPr lang="en-US" sz="2400" dirty="0" err="1"/>
+              <a:t>ứng</a:t>
+            </a:r>
+            <a:r>
+              <a:rPr lang="en-US" sz="2400" dirty="0"/>
+              <a:t> </a:t>
+            </a:r>
+            <a:r>
+              <a:rPr lang="en-US" sz="2400" dirty="0" err="1"/>
+              <a:t>dụng</a:t>
+            </a:r>
+            <a:r>
+              <a:rPr lang="en-US" sz="2400" dirty="0"/>
+              <a:t> </a:t>
+            </a:r>
+            <a:r>
+              <a:rPr lang="en-US" sz="2400" dirty="0" err="1"/>
+              <a:t>giúp</a:t>
+            </a:r>
+            <a:r>
+              <a:rPr lang="en-US" sz="2400" dirty="0"/>
+              <a:t> </a:t>
+            </a:r>
+            <a:r>
+              <a:rPr lang="en-US" sz="2400" dirty="0" err="1"/>
+              <a:t>lưu</a:t>
+            </a:r>
+            <a:r>
+              <a:rPr lang="en-US" sz="2400" dirty="0"/>
+              <a:t> </a:t>
+            </a:r>
+            <a:r>
+              <a:rPr lang="en-US" sz="2400" dirty="0" err="1"/>
+              <a:t>trữ</a:t>
+            </a:r>
+            <a:r>
+              <a:rPr lang="en-US" sz="2400" dirty="0"/>
+              <a:t> </a:t>
+            </a:r>
+            <a:r>
+              <a:rPr lang="en-US" sz="2400" dirty="0" err="1"/>
+              <a:t>và</a:t>
+            </a:r>
+            <a:r>
+              <a:rPr lang="en-US" sz="2400" dirty="0"/>
+              <a:t> </a:t>
+            </a:r>
+            <a:r>
+              <a:rPr lang="en-US" sz="2400" dirty="0" err="1"/>
+              <a:t>xử</a:t>
+            </a:r>
+            <a:r>
+              <a:rPr lang="en-US" sz="2400" dirty="0"/>
+              <a:t> </a:t>
+            </a:r>
+            <a:r>
+              <a:rPr lang="en-US" sz="2400" dirty="0" err="1"/>
+              <a:t>lý</a:t>
+            </a:r>
+            <a:r>
+              <a:rPr lang="en-US" sz="2400" dirty="0"/>
+              <a:t> </a:t>
+            </a:r>
+            <a:r>
+              <a:rPr lang="en-US" sz="2400" dirty="0" err="1"/>
+              <a:t>các</a:t>
+            </a:r>
+            <a:r>
+              <a:rPr lang="en-US" sz="2400" dirty="0"/>
+              <a:t> </a:t>
+            </a:r>
+            <a:r>
+              <a:rPr lang="en-US" sz="2400" dirty="0" err="1"/>
+              <a:t>thông</a:t>
+            </a:r>
+            <a:r>
+              <a:rPr lang="en-US" sz="2400" dirty="0"/>
+              <a:t> tin, </a:t>
+            </a:r>
+            <a:r>
+              <a:rPr lang="en-US" sz="2400" dirty="0" err="1"/>
+              <a:t>dữ</a:t>
+            </a:r>
+            <a:r>
+              <a:rPr lang="en-US" sz="2400" dirty="0"/>
+              <a:t> </a:t>
+            </a:r>
+            <a:r>
+              <a:rPr lang="en-US" sz="2400" dirty="0" err="1"/>
+              <a:t>liệu</a:t>
+            </a:r>
+            <a:r>
+              <a:rPr lang="en-US" sz="2400" dirty="0"/>
+              <a:t>, </a:t>
+            </a:r>
+            <a:r>
+              <a:rPr lang="en-US" sz="2400" dirty="0" err="1"/>
+              <a:t>ứng</a:t>
+            </a:r>
+            <a:r>
+              <a:rPr lang="en-US" sz="2400" dirty="0"/>
+              <a:t> </a:t>
+            </a:r>
+            <a:r>
+              <a:rPr lang="en-US" sz="2400" dirty="0" err="1"/>
+              <a:t>dụng</a:t>
+            </a:r>
+            <a:r>
+              <a:rPr lang="en-US" sz="2400" dirty="0"/>
+              <a:t> </a:t>
+            </a:r>
+            <a:r>
+              <a:rPr lang="en-US" sz="2400" dirty="0" err="1"/>
+              <a:t>bản</a:t>
+            </a:r>
+            <a:r>
+              <a:rPr lang="en-US" sz="2400" dirty="0"/>
+              <a:t> </a:t>
+            </a:r>
+            <a:r>
+              <a:rPr lang="en-US" sz="2400" dirty="0" err="1"/>
+              <a:t>đồ</a:t>
+            </a:r>
+            <a:r>
+              <a:rPr lang="en-US" sz="2400" dirty="0"/>
+              <a:t>, … </a:t>
+            </a:r>
+            <a:r>
+              <a:rPr lang="en-US" sz="2400" dirty="0" err="1"/>
+              <a:t>là</a:t>
+            </a:r>
+            <a:r>
+              <a:rPr lang="en-US" sz="2400" dirty="0"/>
+              <a:t> </a:t>
+            </a:r>
+            <a:r>
+              <a:rPr lang="en-US" sz="2400" dirty="0" err="1"/>
+              <a:t>rất</a:t>
+            </a:r>
+            <a:r>
+              <a:rPr lang="en-US" sz="2400" dirty="0"/>
+              <a:t> </a:t>
+            </a:r>
+            <a:r>
+              <a:rPr lang="en-US" sz="2400" dirty="0" err="1"/>
+              <a:t>cần</a:t>
+            </a:r>
+            <a:r>
+              <a:rPr lang="en-US" sz="2400" dirty="0"/>
+              <a:t> </a:t>
+            </a:r>
+            <a:r>
+              <a:rPr lang="en-US" sz="2400" dirty="0" err="1"/>
+              <a:t>thiết</a:t>
+            </a:r>
+            <a:r>
+              <a:rPr lang="en-US" sz="2400" dirty="0"/>
+              <a:t>.</a:t>
+            </a:r>
+          </a:p>
+          <a:p>
+            <a:pPr marL="1377950" indent="0" algn="just">
+              <a:buNone/>
+            </a:pPr>
+            <a:r>
+              <a:rPr lang="en-US" sz="2400" b="1" dirty="0"/>
+              <a:t>APP QUẢN LÝ TIỀN ĐIỆN.</a:t>
             </a:r>
           </a:p>
         </p:txBody>
@@ -13471,6 +15319,52 @@
               <a:rPr lang="en-US" smtClean="0"/>
               <a:t>3</a:t>
             </a:fld>
+            <a:endParaRPr lang="en-US"/>
+          </a:p>
+        </p:txBody>
+      </p:sp>
+      <p:sp>
+        <p:nvSpPr>
+          <p:cNvPr id="8" name="Arrow: Right 7">
+            <a:extLst>
+              <a:ext uri="{FF2B5EF4-FFF2-40B4-BE49-F238E27FC236}">
+                <a16:creationId xmlns:a16="http://schemas.microsoft.com/office/drawing/2014/main" id="{788A94F8-15F0-4D7C-9D4E-EFBD1AEF0FB1}"/>
+              </a:ext>
+            </a:extLst>
+          </p:cNvPr>
+          <p:cNvSpPr/>
+          <p:nvPr/>
+        </p:nvSpPr>
+        <p:spPr>
+          <a:xfrm>
+            <a:off x="888641" y="5255166"/>
+            <a:ext cx="1120462" cy="399245"/>
+          </a:xfrm>
+          <a:prstGeom prst="rightArrow">
+            <a:avLst/>
+          </a:prstGeom>
+        </p:spPr>
+        <p:style>
+          <a:lnRef idx="2">
+            <a:schemeClr val="accent1">
+              <a:shade val="50000"/>
+            </a:schemeClr>
+          </a:lnRef>
+          <a:fillRef idx="1">
+            <a:schemeClr val="accent1"/>
+          </a:fillRef>
+          <a:effectRef idx="0">
+            <a:schemeClr val="accent1"/>
+          </a:effectRef>
+          <a:fontRef idx="minor">
+            <a:schemeClr val="lt1"/>
+          </a:fontRef>
+        </p:style>
+        <p:txBody>
+          <a:bodyPr rtlCol="0" anchor="ctr"/>
+          <a:lstStyle/>
+          <a:p>
+            <a:pPr algn="ctr"/>
             <a:endParaRPr lang="en-US"/>
           </a:p>
         </p:txBody>
@@ -13497,6 +15391,9 @@
                     <p:cTn id="3" fill="hold">
                       <p:stCondLst>
                         <p:cond delay="indefinite"/>
+                        <p:cond evt="onBegin" delay="0">
+                          <p:tn val="2"/>
+                        </p:cond>
                       </p:stCondLst>
                       <p:childTnLst>
                         <p:par>
@@ -13506,7 +15403,7 @@
                             </p:stCondLst>
                             <p:childTnLst>
                               <p:par>
-                                <p:cTn id="5" presetID="10" presetClass="entr" presetSubtype="0" fill="hold" grpId="0" nodeType="clickEffect">
+                                <p:cTn id="5" presetID="10" presetClass="entr" presetSubtype="0" fill="hold" grpId="0" nodeType="afterEffect">
                                   <p:stCondLst>
                                     <p:cond delay="0"/>
                                   </p:stCondLst>
@@ -13551,30 +15448,21 @@
                             </p:childTnLst>
                           </p:cTn>
                         </p:par>
-                      </p:childTnLst>
-                    </p:cTn>
-                  </p:par>
-                  <p:par>
-                    <p:cTn id="8" fill="hold">
-                      <p:stCondLst>
-                        <p:cond delay="indefinite"/>
-                      </p:stCondLst>
-                      <p:childTnLst>
                         <p:par>
-                          <p:cTn id="9" fill="hold">
+                          <p:cTn id="8" fill="hold">
                             <p:stCondLst>
-                              <p:cond delay="0"/>
+                              <p:cond delay="500"/>
                             </p:stCondLst>
                             <p:childTnLst>
                               <p:par>
-                                <p:cTn id="10" presetID="10" presetClass="entr" presetSubtype="0" fill="hold" grpId="0" nodeType="clickEffect">
+                                <p:cTn id="9" presetID="10" presetClass="entr" presetSubtype="0" fill="hold" grpId="0" nodeType="afterEffect">
                                   <p:stCondLst>
                                     <p:cond delay="0"/>
                                   </p:stCondLst>
                                   <p:childTnLst>
                                     <p:set>
                                       <p:cBhvr>
-                                        <p:cTn id="11" dur="1" fill="hold">
+                                        <p:cTn id="10" dur="1" fill="hold">
                                           <p:stCondLst>
                                             <p:cond delay="0"/>
                                           </p:stCondLst>
@@ -13596,7 +15484,7 @@
                                     </p:set>
                                     <p:animEffect transition="in" filter="fade">
                                       <p:cBhvr>
-                                        <p:cTn id="12" dur="500"/>
+                                        <p:cTn id="11" dur="500"/>
                                         <p:tgtEl>
                                           <p:spTgt spid="3">
                                             <p:txEl>
@@ -13612,30 +15500,21 @@
                             </p:childTnLst>
                           </p:cTn>
                         </p:par>
-                      </p:childTnLst>
-                    </p:cTn>
-                  </p:par>
-                  <p:par>
-                    <p:cTn id="13" fill="hold">
-                      <p:stCondLst>
-                        <p:cond delay="indefinite"/>
-                      </p:stCondLst>
-                      <p:childTnLst>
                         <p:par>
-                          <p:cTn id="14" fill="hold">
+                          <p:cTn id="12" fill="hold">
                             <p:stCondLst>
-                              <p:cond delay="0"/>
+                              <p:cond delay="1000"/>
                             </p:stCondLst>
                             <p:childTnLst>
                               <p:par>
-                                <p:cTn id="15" presetID="10" presetClass="entr" presetSubtype="0" fill="hold" grpId="0" nodeType="clickEffect">
+                                <p:cTn id="13" presetID="10" presetClass="entr" presetSubtype="0" fill="hold" grpId="0" nodeType="afterEffect">
                                   <p:stCondLst>
                                     <p:cond delay="0"/>
                                   </p:stCondLst>
                                   <p:childTnLst>
                                     <p:set>
                                       <p:cBhvr>
-                                        <p:cTn id="16" dur="1" fill="hold">
+                                        <p:cTn id="14" dur="1" fill="hold">
                                           <p:stCondLst>
                                             <p:cond delay="0"/>
                                           </p:stCondLst>
@@ -13657,13 +15536,152 @@
                                     </p:set>
                                     <p:animEffect transition="in" filter="fade">
                                       <p:cBhvr>
-                                        <p:cTn id="17" dur="500"/>
+                                        <p:cTn id="15" dur="500"/>
                                         <p:tgtEl>
                                           <p:spTgt spid="3">
                                             <p:txEl>
                                               <p:pRg st="2" end="2"/>
                                             </p:txEl>
                                           </p:spTgt>
+                                        </p:tgtEl>
+                                      </p:cBhvr>
+                                    </p:animEffect>
+                                  </p:childTnLst>
+                                </p:cTn>
+                              </p:par>
+                            </p:childTnLst>
+                          </p:cTn>
+                        </p:par>
+                        <p:par>
+                          <p:cTn id="16" fill="hold">
+                            <p:stCondLst>
+                              <p:cond delay="1500"/>
+                            </p:stCondLst>
+                            <p:childTnLst>
+                              <p:par>
+                                <p:cTn id="17" presetID="10" presetClass="entr" presetSubtype="0" fill="hold" grpId="0" nodeType="afterEffect">
+                                  <p:stCondLst>
+                                    <p:cond delay="0"/>
+                                  </p:stCondLst>
+                                  <p:childTnLst>
+                                    <p:set>
+                                      <p:cBhvr>
+                                        <p:cTn id="18" dur="1" fill="hold">
+                                          <p:stCondLst>
+                                            <p:cond delay="0"/>
+                                          </p:stCondLst>
+                                        </p:cTn>
+                                        <p:tgtEl>
+                                          <p:spTgt spid="3">
+                                            <p:txEl>
+                                              <p:pRg st="3" end="3"/>
+                                            </p:txEl>
+                                          </p:spTgt>
+                                        </p:tgtEl>
+                                        <p:attrNameLst>
+                                          <p:attrName>style.visibility</p:attrName>
+                                        </p:attrNameLst>
+                                      </p:cBhvr>
+                                      <p:to>
+                                        <p:strVal val="visible"/>
+                                      </p:to>
+                                    </p:set>
+                                    <p:animEffect transition="in" filter="fade">
+                                      <p:cBhvr>
+                                        <p:cTn id="19" dur="500"/>
+                                        <p:tgtEl>
+                                          <p:spTgt spid="3">
+                                            <p:txEl>
+                                              <p:pRg st="3" end="3"/>
+                                            </p:txEl>
+                                          </p:spTgt>
+                                        </p:tgtEl>
+                                      </p:cBhvr>
+                                    </p:animEffect>
+                                  </p:childTnLst>
+                                </p:cTn>
+                              </p:par>
+                            </p:childTnLst>
+                          </p:cTn>
+                        </p:par>
+                        <p:par>
+                          <p:cTn id="20" fill="hold">
+                            <p:stCondLst>
+                              <p:cond delay="2000"/>
+                            </p:stCondLst>
+                            <p:childTnLst>
+                              <p:par>
+                                <p:cTn id="21" presetID="10" presetClass="entr" presetSubtype="0" fill="hold" grpId="0" nodeType="afterEffect">
+                                  <p:stCondLst>
+                                    <p:cond delay="0"/>
+                                  </p:stCondLst>
+                                  <p:childTnLst>
+                                    <p:set>
+                                      <p:cBhvr>
+                                        <p:cTn id="22" dur="1" fill="hold">
+                                          <p:stCondLst>
+                                            <p:cond delay="0"/>
+                                          </p:stCondLst>
+                                        </p:cTn>
+                                        <p:tgtEl>
+                                          <p:spTgt spid="3">
+                                            <p:txEl>
+                                              <p:pRg st="4" end="4"/>
+                                            </p:txEl>
+                                          </p:spTgt>
+                                        </p:tgtEl>
+                                        <p:attrNameLst>
+                                          <p:attrName>style.visibility</p:attrName>
+                                        </p:attrNameLst>
+                                      </p:cBhvr>
+                                      <p:to>
+                                        <p:strVal val="visible"/>
+                                      </p:to>
+                                    </p:set>
+                                    <p:animEffect transition="in" filter="fade">
+                                      <p:cBhvr>
+                                        <p:cTn id="23" dur="500"/>
+                                        <p:tgtEl>
+                                          <p:spTgt spid="3">
+                                            <p:txEl>
+                                              <p:pRg st="4" end="4"/>
+                                            </p:txEl>
+                                          </p:spTgt>
+                                        </p:tgtEl>
+                                      </p:cBhvr>
+                                    </p:animEffect>
+                                  </p:childTnLst>
+                                </p:cTn>
+                              </p:par>
+                              <p:par>
+                                <p:cTn id="24" presetID="10" presetClass="entr" presetSubtype="0" fill="hold" grpId="0" nodeType="withEffect">
+                                  <p:stCondLst>
+                                    <p:cond delay="0"/>
+                                  </p:stCondLst>
+                                  <p:childTnLst>
+                                    <p:set>
+                                      <p:cBhvr>
+                                        <p:cTn id="25" dur="1" fill="hold">
+                                          <p:stCondLst>
+                                            <p:cond delay="0"/>
+                                          </p:stCondLst>
+                                        </p:cTn>
+                                        <p:tgtEl>
+                                          <p:spTgt spid="8"/>
+                                        </p:tgtEl>
+                                        <p:attrNameLst>
+                                          <p:attrName>style.visibility</p:attrName>
+                                        </p:attrNameLst>
+                                      </p:cBhvr>
+                                      <p:to>
+                                        <p:strVal val="visible"/>
+                                      </p:to>
+                                    </p:set>
+                                    <p:animEffect transition="in" filter="fade">
+                                      <p:cBhvr>
+                                        <p:cTn id="26" dur="500"/>
+                                        <p:tgtEl>
+                                          <p:spTgt spid="8"/>
                                         </p:tgtEl>
                                       </p:cBhvr>
                                     </p:animEffect>
@@ -13698,9 +15716,510 @@
       </p:par>
     </p:tnLst>
     <p:bldLst>
-      <p:bldP spid="3" grpId="0" build="p"/>
+      <p:bldP spid="3" grpId="0" uiExpand="1" build="p"/>
+      <p:bldP spid="8" grpId="0" animBg="1"/>
     </p:bldLst>
   </p:timing>
+</p:sld>
+</file>
+
+<file path=ppt/slides/slide30.xml><?xml version="1.0" encoding="utf-8"?>
+<p:sld xmlns:a="http://schemas.openxmlformats.org/drawingml/2006/main" xmlns:r="http://schemas.openxmlformats.org/officeDocument/2006/relationships" xmlns:p="http://schemas.openxmlformats.org/presentationml/2006/main">
+  <p:cSld>
+    <p:spTree>
+      <p:nvGrpSpPr>
+        <p:cNvPr id="1" name=""/>
+        <p:cNvGrpSpPr/>
+        <p:nvPr/>
+      </p:nvGrpSpPr>
+      <p:grpSpPr>
+        <a:xfrm>
+          <a:off x="0" y="0"/>
+          <a:ext cx="0" cy="0"/>
+          <a:chOff x="0" y="0"/>
+          <a:chExt cx="0" cy="0"/>
+        </a:xfrm>
+      </p:grpSpPr>
+      <p:sp>
+        <p:nvSpPr>
+          <p:cNvPr id="2" name="Title 1">
+            <a:extLst>
+              <a:ext uri="{FF2B5EF4-FFF2-40B4-BE49-F238E27FC236}">
+                <a16:creationId xmlns:a16="http://schemas.microsoft.com/office/drawing/2014/main" id="{295CF566-117A-4E63-8716-77657C5B9C60}"/>
+              </a:ext>
+            </a:extLst>
+          </p:cNvPr>
+          <p:cNvSpPr>
+            <a:spLocks noGrp="1"/>
+          </p:cNvSpPr>
+          <p:nvPr>
+            <p:ph type="title"/>
+          </p:nvPr>
+        </p:nvSpPr>
+        <p:spPr/>
+        <p:txBody>
+          <a:bodyPr>
+            <a:normAutofit/>
+          </a:bodyPr>
+          <a:lstStyle/>
+          <a:p>
+            <a:r>
+              <a:rPr lang="en-US" sz="4400" dirty="0"/>
+              <a:t>IV. </a:t>
+            </a:r>
+            <a:r>
+              <a:rPr lang="en-US" sz="4400" dirty="0" err="1"/>
+              <a:t>Xây</a:t>
+            </a:r>
+            <a:r>
+              <a:rPr lang="en-US" sz="4400" dirty="0"/>
+              <a:t> </a:t>
+            </a:r>
+            <a:r>
+              <a:rPr lang="en-US" sz="4400" dirty="0" err="1"/>
+              <a:t>dựng</a:t>
+            </a:r>
+            <a:r>
+              <a:rPr lang="en-US" sz="4400" dirty="0"/>
+              <a:t> </a:t>
+            </a:r>
+            <a:r>
+              <a:rPr lang="en-US" sz="4400" dirty="0" err="1"/>
+              <a:t>các</a:t>
+            </a:r>
+            <a:r>
+              <a:rPr lang="en-US" sz="4400" dirty="0"/>
+              <a:t> </a:t>
+            </a:r>
+            <a:r>
+              <a:rPr lang="en-US" sz="4400" dirty="0" err="1"/>
+              <a:t>giao</a:t>
+            </a:r>
+            <a:r>
+              <a:rPr lang="en-US" sz="4400" dirty="0"/>
+              <a:t> </a:t>
+            </a:r>
+            <a:r>
+              <a:rPr lang="en-US" sz="4400" dirty="0" err="1"/>
+              <a:t>diện</a:t>
+            </a:r>
+            <a:endParaRPr lang="en-US" sz="4500" dirty="0"/>
+          </a:p>
+        </p:txBody>
+      </p:sp>
+      <p:pic>
+        <p:nvPicPr>
+          <p:cNvPr id="5" name="Picture 4">
+            <a:extLst>
+              <a:ext uri="{FF2B5EF4-FFF2-40B4-BE49-F238E27FC236}">
+                <a16:creationId xmlns:a16="http://schemas.microsoft.com/office/drawing/2014/main" id="{6B044863-A3EC-431D-A4E7-B36C773A7581}"/>
+              </a:ext>
+            </a:extLst>
+          </p:cNvPr>
+          <p:cNvPicPr>
+            <a:picLocks noChangeAspect="1"/>
+          </p:cNvPicPr>
+          <p:nvPr/>
+        </p:nvPicPr>
+        <p:blipFill>
+          <a:blip r:embed="rId2">
+            <a:extLst>
+              <a:ext uri="{28A0092B-C50C-407E-A947-70E740481C1C}">
+                <a14:useLocalDpi xmlns:a14="http://schemas.microsoft.com/office/drawing/2010/main" val="0"/>
+              </a:ext>
+            </a:extLst>
+          </a:blip>
+          <a:stretch>
+            <a:fillRect/>
+          </a:stretch>
+        </p:blipFill>
+        <p:spPr>
+          <a:xfrm>
+            <a:off x="3567448" y="1249251"/>
+            <a:ext cx="2678866" cy="4514321"/>
+          </a:xfrm>
+          <a:prstGeom prst="rect">
+            <a:avLst/>
+          </a:prstGeom>
+        </p:spPr>
+      </p:pic>
+      <p:sp>
+        <p:nvSpPr>
+          <p:cNvPr id="3" name="Slide Number Placeholder 2">
+            <a:extLst>
+              <a:ext uri="{FF2B5EF4-FFF2-40B4-BE49-F238E27FC236}">
+                <a16:creationId xmlns:a16="http://schemas.microsoft.com/office/drawing/2014/main" id="{035FA791-F02E-4E14-B4CB-17D5CFF99F52}"/>
+              </a:ext>
+            </a:extLst>
+          </p:cNvPr>
+          <p:cNvSpPr>
+            <a:spLocks noGrp="1"/>
+          </p:cNvSpPr>
+          <p:nvPr>
+            <p:ph type="sldNum" sz="quarter" idx="12"/>
+          </p:nvPr>
+        </p:nvSpPr>
+        <p:spPr/>
+        <p:txBody>
+          <a:bodyPr/>
+          <a:lstStyle/>
+          <a:p>
+            <a:fld id="{3CC90D32-697D-4F0D-8E4A-0F6F398B2A4E}" type="slidenum">
+              <a:rPr lang="en-US" smtClean="0"/>
+              <a:t>30</a:t>
+            </a:fld>
+            <a:endParaRPr lang="en-US"/>
+          </a:p>
+        </p:txBody>
+      </p:sp>
+      <p:sp>
+        <p:nvSpPr>
+          <p:cNvPr id="4" name="TextBox 3">
+            <a:extLst>
+              <a:ext uri="{FF2B5EF4-FFF2-40B4-BE49-F238E27FC236}">
+                <a16:creationId xmlns:a16="http://schemas.microsoft.com/office/drawing/2014/main" id="{B334CECB-D418-410A-B8D3-47298AA4E98A}"/>
+              </a:ext>
+            </a:extLst>
+          </p:cNvPr>
+          <p:cNvSpPr txBox="1"/>
+          <p:nvPr/>
+        </p:nvSpPr>
+        <p:spPr>
+          <a:xfrm>
+            <a:off x="3995894" y="5920157"/>
+            <a:ext cx="1826141" cy="369332"/>
+          </a:xfrm>
+          <a:prstGeom prst="rect">
+            <a:avLst/>
+          </a:prstGeom>
+          <a:noFill/>
+        </p:spPr>
+        <p:txBody>
+          <a:bodyPr wrap="none" rtlCol="0">
+            <a:spAutoFit/>
+          </a:bodyPr>
+          <a:lstStyle/>
+          <a:p>
+            <a:r>
+              <a:rPr lang="en-US" i="1" dirty="0" err="1"/>
+              <a:t>Giao</a:t>
+            </a:r>
+            <a:r>
+              <a:rPr lang="en-US" i="1" dirty="0"/>
+              <a:t> </a:t>
+            </a:r>
+            <a:r>
+              <a:rPr lang="en-US" i="1" dirty="0" err="1"/>
+              <a:t>diện</a:t>
+            </a:r>
+            <a:r>
+              <a:rPr lang="en-US" i="1" dirty="0"/>
+              <a:t> </a:t>
+            </a:r>
+            <a:r>
+              <a:rPr lang="en-US" i="1" dirty="0" err="1"/>
+              <a:t>Thoát</a:t>
+            </a:r>
+            <a:endParaRPr lang="en-US" i="1" dirty="0"/>
+          </a:p>
+        </p:txBody>
+      </p:sp>
+    </p:spTree>
+    <p:extLst>
+      <p:ext uri="{BB962C8B-B14F-4D97-AF65-F5344CB8AC3E}">
+        <p14:creationId xmlns:p14="http://schemas.microsoft.com/office/powerpoint/2010/main" val="3893016286"/>
+      </p:ext>
+    </p:extLst>
+  </p:cSld>
+  <p:clrMapOvr>
+    <a:masterClrMapping/>
+  </p:clrMapOvr>
+</p:sld>
+</file>
+
+<file path=ppt/slides/slide31.xml><?xml version="1.0" encoding="utf-8"?>
+<p:sld xmlns:a="http://schemas.openxmlformats.org/drawingml/2006/main" xmlns:r="http://schemas.openxmlformats.org/officeDocument/2006/relationships" xmlns:p="http://schemas.openxmlformats.org/presentationml/2006/main">
+  <p:cSld>
+    <p:spTree>
+      <p:nvGrpSpPr>
+        <p:cNvPr id="1" name=""/>
+        <p:cNvGrpSpPr/>
+        <p:nvPr/>
+      </p:nvGrpSpPr>
+      <p:grpSpPr>
+        <a:xfrm>
+          <a:off x="0" y="0"/>
+          <a:ext cx="0" cy="0"/>
+          <a:chOff x="0" y="0"/>
+          <a:chExt cx="0" cy="0"/>
+        </a:xfrm>
+      </p:grpSpPr>
+      <p:sp>
+        <p:nvSpPr>
+          <p:cNvPr id="2" name="Title 1">
+            <a:extLst>
+              <a:ext uri="{FF2B5EF4-FFF2-40B4-BE49-F238E27FC236}">
+                <a16:creationId xmlns:a16="http://schemas.microsoft.com/office/drawing/2014/main" id="{FBC3C027-3D0A-44F2-9CF3-00D651B07644}"/>
+              </a:ext>
+            </a:extLst>
+          </p:cNvPr>
+          <p:cNvSpPr>
+            <a:spLocks noGrp="1"/>
+          </p:cNvSpPr>
+          <p:nvPr>
+            <p:ph type="title"/>
+          </p:nvPr>
+        </p:nvSpPr>
+        <p:spPr/>
+        <p:txBody>
+          <a:bodyPr>
+            <a:normAutofit/>
+          </a:bodyPr>
+          <a:lstStyle/>
+          <a:p>
+            <a:r>
+              <a:rPr lang="en-US" sz="4500" dirty="0"/>
+              <a:t>V. DEMO</a:t>
+            </a:r>
+          </a:p>
+        </p:txBody>
+      </p:sp>
+      <p:sp>
+        <p:nvSpPr>
+          <p:cNvPr id="3" name="Content Placeholder 2">
+            <a:extLst>
+              <a:ext uri="{FF2B5EF4-FFF2-40B4-BE49-F238E27FC236}">
+                <a16:creationId xmlns:a16="http://schemas.microsoft.com/office/drawing/2014/main" id="{D59D2F5F-0201-4967-9C7D-D286579FCAF8}"/>
+              </a:ext>
+            </a:extLst>
+          </p:cNvPr>
+          <p:cNvSpPr>
+            <a:spLocks noGrp="1"/>
+          </p:cNvSpPr>
+          <p:nvPr>
+            <p:ph idx="1"/>
+          </p:nvPr>
+        </p:nvSpPr>
+        <p:spPr/>
+        <p:txBody>
+          <a:bodyPr/>
+          <a:lstStyle/>
+          <a:p>
+            <a:endParaRPr lang="en-US" dirty="0"/>
+          </a:p>
+        </p:txBody>
+      </p:sp>
+      <p:sp>
+        <p:nvSpPr>
+          <p:cNvPr id="4" name="Slide Number Placeholder 3">
+            <a:extLst>
+              <a:ext uri="{FF2B5EF4-FFF2-40B4-BE49-F238E27FC236}">
+                <a16:creationId xmlns:a16="http://schemas.microsoft.com/office/drawing/2014/main" id="{F941C626-3F44-4484-A207-DBAE2F974BAC}"/>
+              </a:ext>
+            </a:extLst>
+          </p:cNvPr>
+          <p:cNvSpPr>
+            <a:spLocks noGrp="1"/>
+          </p:cNvSpPr>
+          <p:nvPr>
+            <p:ph type="sldNum" sz="quarter" idx="12"/>
+          </p:nvPr>
+        </p:nvSpPr>
+        <p:spPr/>
+        <p:txBody>
+          <a:bodyPr/>
+          <a:lstStyle/>
+          <a:p>
+            <a:fld id="{3CC90D32-697D-4F0D-8E4A-0F6F398B2A4E}" type="slidenum">
+              <a:rPr lang="en-US" smtClean="0"/>
+              <a:t>31</a:t>
+            </a:fld>
+            <a:endParaRPr lang="en-US"/>
+          </a:p>
+        </p:txBody>
+      </p:sp>
+    </p:spTree>
+    <p:extLst>
+      <p:ext uri="{BB962C8B-B14F-4D97-AF65-F5344CB8AC3E}">
+        <p14:creationId xmlns:p14="http://schemas.microsoft.com/office/powerpoint/2010/main" val="2172786607"/>
+      </p:ext>
+    </p:extLst>
+  </p:cSld>
+  <p:clrMapOvr>
+    <a:masterClrMapping/>
+  </p:clrMapOvr>
+</p:sld>
+</file>
+
+<file path=ppt/slides/slide32.xml><?xml version="1.0" encoding="utf-8"?>
+<p:sld xmlns:a="http://schemas.openxmlformats.org/drawingml/2006/main" xmlns:r="http://schemas.openxmlformats.org/officeDocument/2006/relationships" xmlns:p="http://schemas.openxmlformats.org/presentationml/2006/main">
+  <p:cSld>
+    <p:spTree>
+      <p:nvGrpSpPr>
+        <p:cNvPr id="1" name=""/>
+        <p:cNvGrpSpPr/>
+        <p:nvPr/>
+      </p:nvGrpSpPr>
+      <p:grpSpPr>
+        <a:xfrm>
+          <a:off x="0" y="0"/>
+          <a:ext cx="0" cy="0"/>
+          <a:chOff x="0" y="0"/>
+          <a:chExt cx="0" cy="0"/>
+        </a:xfrm>
+      </p:grpSpPr>
+      <p:sp>
+        <p:nvSpPr>
+          <p:cNvPr id="6" name="Rectangle 5">
+            <a:extLst>
+              <a:ext uri="{FF2B5EF4-FFF2-40B4-BE49-F238E27FC236}">
+                <a16:creationId xmlns:a16="http://schemas.microsoft.com/office/drawing/2014/main" id="{FC932B05-6620-4F05-B41E-E8D19CF1C73B}"/>
+              </a:ext>
+            </a:extLst>
+          </p:cNvPr>
+          <p:cNvSpPr/>
+          <p:nvPr/>
+        </p:nvSpPr>
+        <p:spPr>
+          <a:xfrm>
+            <a:off x="2953954" y="2151727"/>
+            <a:ext cx="6284092" cy="2554545"/>
+          </a:xfrm>
+          <a:prstGeom prst="rect">
+            <a:avLst/>
+          </a:prstGeom>
+          <a:noFill/>
+        </p:spPr>
+        <p:txBody>
+          <a:bodyPr wrap="none" lIns="91440" tIns="45720" rIns="91440" bIns="45720">
+            <a:spAutoFit/>
+          </a:bodyPr>
+          <a:lstStyle/>
+          <a:p>
+            <a:pPr algn="ctr"/>
+            <a:r>
+              <a:rPr lang="en-US" sz="8000" b="1" dirty="0">
+                <a:ln w="12700">
+                  <a:solidFill>
+                    <a:schemeClr val="accent1"/>
+                  </a:solidFill>
+                  <a:prstDash val="solid"/>
+                </a:ln>
+                <a:pattFill prst="pct50">
+                  <a:fgClr>
+                    <a:schemeClr val="accent1"/>
+                  </a:fgClr>
+                  <a:bgClr>
+                    <a:schemeClr val="accent1">
+                      <a:lumMod val="20000"/>
+                      <a:lumOff val="80000"/>
+                    </a:schemeClr>
+                  </a:bgClr>
+                </a:pattFill>
+                <a:effectLst>
+                  <a:outerShdw dist="38100" dir="2640000" algn="bl" rotWithShape="0">
+                    <a:schemeClr val="accent1"/>
+                  </a:outerShdw>
+                </a:effectLst>
+              </a:rPr>
+              <a:t>Thank you </a:t>
+            </a:r>
+          </a:p>
+          <a:p>
+            <a:pPr algn="ctr"/>
+            <a:r>
+              <a:rPr lang="en-US" sz="8000" b="1" dirty="0">
+                <a:ln w="12700">
+                  <a:solidFill>
+                    <a:schemeClr val="accent1"/>
+                  </a:solidFill>
+                  <a:prstDash val="solid"/>
+                </a:ln>
+                <a:pattFill prst="pct50">
+                  <a:fgClr>
+                    <a:schemeClr val="accent1"/>
+                  </a:fgClr>
+                  <a:bgClr>
+                    <a:schemeClr val="accent1">
+                      <a:lumMod val="20000"/>
+                      <a:lumOff val="80000"/>
+                    </a:schemeClr>
+                  </a:bgClr>
+                </a:pattFill>
+                <a:effectLst>
+                  <a:outerShdw dist="38100" dir="2640000" algn="bl" rotWithShape="0">
+                    <a:schemeClr val="accent1"/>
+                  </a:outerShdw>
+                </a:effectLst>
+              </a:rPr>
+              <a:t>for watching</a:t>
+            </a:r>
+            <a:endParaRPr lang="en-US" sz="8000" b="1" cap="none" spc="0" dirty="0">
+              <a:ln w="12700">
+                <a:solidFill>
+                  <a:schemeClr val="accent1"/>
+                </a:solidFill>
+                <a:prstDash val="solid"/>
+              </a:ln>
+              <a:pattFill prst="pct50">
+                <a:fgClr>
+                  <a:schemeClr val="accent1"/>
+                </a:fgClr>
+                <a:bgClr>
+                  <a:schemeClr val="accent1">
+                    <a:lumMod val="20000"/>
+                    <a:lumOff val="80000"/>
+                  </a:schemeClr>
+                </a:bgClr>
+              </a:pattFill>
+              <a:effectLst>
+                <a:outerShdw dist="38100" dir="2640000" algn="bl" rotWithShape="0">
+                  <a:schemeClr val="accent1"/>
+                </a:outerShdw>
+              </a:effectLst>
+            </a:endParaRPr>
+          </a:p>
+        </p:txBody>
+      </p:sp>
+      <p:sp>
+        <p:nvSpPr>
+          <p:cNvPr id="2" name="Slide Number Placeholder 1">
+            <a:extLst>
+              <a:ext uri="{FF2B5EF4-FFF2-40B4-BE49-F238E27FC236}">
+                <a16:creationId xmlns:a16="http://schemas.microsoft.com/office/drawing/2014/main" id="{2DB9CCA5-4641-479D-8F0B-E589779EBD4F}"/>
+              </a:ext>
+            </a:extLst>
+          </p:cNvPr>
+          <p:cNvSpPr>
+            <a:spLocks noGrp="1"/>
+          </p:cNvSpPr>
+          <p:nvPr>
+            <p:ph type="sldNum" sz="quarter" idx="12"/>
+          </p:nvPr>
+        </p:nvSpPr>
+        <p:spPr/>
+        <p:txBody>
+          <a:bodyPr/>
+          <a:lstStyle/>
+          <a:p>
+            <a:fld id="{3CC90D32-697D-4F0D-8E4A-0F6F398B2A4E}" type="slidenum">
+              <a:rPr lang="en-US" smtClean="0"/>
+              <a:t>32</a:t>
+            </a:fld>
+            <a:endParaRPr lang="en-US"/>
+          </a:p>
+        </p:txBody>
+      </p:sp>
+    </p:spTree>
+    <p:extLst>
+      <p:ext uri="{BB962C8B-B14F-4D97-AF65-F5344CB8AC3E}">
+        <p14:creationId xmlns:p14="http://schemas.microsoft.com/office/powerpoint/2010/main" val="1882693515"/>
+      </p:ext>
+    </p:extLst>
+  </p:cSld>
+  <p:clrMapOvr>
+    <a:masterClrMapping/>
+  </p:clrMapOvr>
 </p:sld>
 </file>
 
@@ -13739,74 +16258,76 @@
         </p:nvSpPr>
         <p:spPr/>
         <p:txBody>
-          <a:bodyPr/>
+          <a:bodyPr>
+            <a:noAutofit/>
+          </a:bodyPr>
           <a:lstStyle/>
           <a:p>
             <a:r>
-              <a:rPr lang="en-US" dirty="0"/>
+              <a:rPr lang="en-US" sz="4500" dirty="0"/>
               <a:t>I. </a:t>
             </a:r>
             <a:r>
-              <a:rPr lang="en-US" dirty="0" err="1"/>
+              <a:rPr lang="en-US" sz="4500" dirty="0" err="1"/>
               <a:t>Mô</a:t>
             </a:r>
             <a:r>
-              <a:rPr lang="en-US" dirty="0"/>
-              <a:t> </a:t>
-            </a:r>
-            <a:r>
-              <a:rPr lang="en-US" dirty="0" err="1"/>
+              <a:rPr lang="en-US" sz="4500" dirty="0"/>
+              <a:t> </a:t>
+            </a:r>
+            <a:r>
+              <a:rPr lang="en-US" sz="4500" dirty="0" err="1"/>
               <a:t>tả</a:t>
             </a:r>
             <a:r>
-              <a:rPr lang="en-US" dirty="0"/>
-              <a:t> </a:t>
-            </a:r>
-            <a:r>
-              <a:rPr lang="en-US" dirty="0" err="1"/>
+              <a:rPr lang="en-US" sz="4500" dirty="0"/>
+              <a:t> </a:t>
+            </a:r>
+            <a:r>
+              <a:rPr lang="en-US" sz="4500" dirty="0" err="1"/>
               <a:t>tổng</a:t>
             </a:r>
             <a:r>
-              <a:rPr lang="en-US" dirty="0"/>
-              <a:t> </a:t>
-            </a:r>
-            <a:r>
-              <a:rPr lang="en-US" dirty="0" err="1"/>
+              <a:rPr lang="en-US" sz="4500" dirty="0"/>
+              <a:t> </a:t>
+            </a:r>
+            <a:r>
+              <a:rPr lang="en-US" sz="4500" dirty="0" err="1"/>
               <a:t>quan</a:t>
             </a:r>
             <a:r>
-              <a:rPr lang="en-US" dirty="0"/>
+              <a:rPr lang="en-US" sz="4500" dirty="0"/>
               <a:t> - </a:t>
             </a:r>
             <a:r>
-              <a:rPr lang="en-US" dirty="0" err="1"/>
+              <a:rPr lang="en-US" sz="4500" dirty="0" err="1"/>
               <a:t>Chức</a:t>
             </a:r>
             <a:r>
-              <a:rPr lang="en-US" dirty="0"/>
-              <a:t> </a:t>
-            </a:r>
-            <a:r>
-              <a:rPr lang="en-US" dirty="0" err="1"/>
+              <a:rPr lang="en-US" sz="4500" dirty="0"/>
+              <a:t> </a:t>
+            </a:r>
+            <a:r>
+              <a:rPr lang="en-US" sz="4500" dirty="0" err="1"/>
               <a:t>năng</a:t>
             </a:r>
             <a:r>
-              <a:rPr lang="en-US" dirty="0"/>
-              <a:t> </a:t>
-            </a:r>
-            <a:r>
-              <a:rPr lang="en-US" dirty="0" err="1"/>
+              <a:rPr lang="en-US" sz="4500" dirty="0"/>
+              <a:t> </a:t>
+            </a:r>
+            <a:r>
+              <a:rPr lang="en-US" sz="4500" dirty="0" err="1"/>
               <a:t>sản</a:t>
             </a:r>
             <a:r>
-              <a:rPr lang="en-US" dirty="0"/>
-              <a:t> </a:t>
-            </a:r>
-            <a:r>
-              <a:rPr lang="en-US" dirty="0" err="1"/>
+              <a:rPr lang="en-US" sz="4500" dirty="0"/>
+              <a:t> </a:t>
+            </a:r>
+            <a:r>
+              <a:rPr lang="en-US" sz="4500" dirty="0" err="1"/>
               <a:t>phẩm</a:t>
             </a:r>
-            <a:endParaRPr lang="en-US" dirty="0"/>
+            <a:endParaRPr lang="en-US" sz="4500" dirty="0"/>
           </a:p>
         </p:txBody>
       </p:sp>
@@ -13828,7 +16349,7 @@
         </p:nvSpPr>
         <p:spPr>
           <a:xfrm>
-            <a:off x="677334" y="1488613"/>
+            <a:off x="677334" y="2045494"/>
             <a:ext cx="8596668" cy="3880773"/>
           </a:xfrm>
         </p:spPr>
@@ -13884,7 +16405,23 @@
             </a:r>
             <a:r>
               <a:rPr lang="en-US" sz="2400" dirty="0"/>
-              <a:t>.</a:t>
+              <a:t> (</a:t>
+            </a:r>
+            <a:r>
+              <a:rPr lang="en-US" sz="2400" dirty="0" err="1"/>
+              <a:t>đăng</a:t>
+            </a:r>
+            <a:r>
+              <a:rPr lang="en-US" sz="2400" dirty="0"/>
+              <a:t> </a:t>
+            </a:r>
+            <a:r>
+              <a:rPr lang="en-US" sz="2400" dirty="0" err="1"/>
+              <a:t>nhập</a:t>
+            </a:r>
+            <a:r>
+              <a:rPr lang="en-US" sz="2400" dirty="0"/>
+              <a:t>)</a:t>
             </a:r>
           </a:p>
           <a:p>
@@ -13906,7 +16443,7 @@
             </a:r>
             <a:r>
               <a:rPr lang="en-US" sz="2400" dirty="0" err="1"/>
-              <a:t>các</a:t>
+              <a:t>cá</a:t>
             </a:r>
             <a:r>
               <a:rPr lang="en-US" sz="2400" dirty="0"/>
@@ -14215,6 +16752,9 @@
                     <p:cTn id="3" fill="hold">
                       <p:stCondLst>
                         <p:cond delay="indefinite"/>
+                        <p:cond evt="onBegin" delay="0">
+                          <p:tn val="2"/>
+                        </p:cond>
                       </p:stCondLst>
                       <p:childTnLst>
                         <p:par>
@@ -14224,7 +16764,7 @@
                             </p:stCondLst>
                             <p:childTnLst>
                               <p:par>
-                                <p:cTn id="5" presetID="10" presetClass="entr" presetSubtype="0" fill="hold" grpId="0" nodeType="clickEffect">
+                                <p:cTn id="5" presetID="10" presetClass="entr" presetSubtype="0" fill="hold" grpId="0" nodeType="afterEffect">
                                   <p:stCondLst>
                                     <p:cond delay="0"/>
                                   </p:stCondLst>
@@ -14269,30 +16809,21 @@
                             </p:childTnLst>
                           </p:cTn>
                         </p:par>
-                      </p:childTnLst>
-                    </p:cTn>
-                  </p:par>
-                  <p:par>
-                    <p:cTn id="8" fill="hold">
-                      <p:stCondLst>
-                        <p:cond delay="indefinite"/>
-                      </p:stCondLst>
-                      <p:childTnLst>
                         <p:par>
-                          <p:cTn id="9" fill="hold">
+                          <p:cTn id="8" fill="hold">
                             <p:stCondLst>
-                              <p:cond delay="0"/>
+                              <p:cond delay="500"/>
                             </p:stCondLst>
                             <p:childTnLst>
                               <p:par>
-                                <p:cTn id="10" presetID="10" presetClass="entr" presetSubtype="0" fill="hold" grpId="0" nodeType="clickEffect">
+                                <p:cTn id="9" presetID="10" presetClass="entr" presetSubtype="0" fill="hold" grpId="0" nodeType="afterEffect">
                                   <p:stCondLst>
                                     <p:cond delay="0"/>
                                   </p:stCondLst>
                                   <p:childTnLst>
                                     <p:set>
                                       <p:cBhvr>
-                                        <p:cTn id="11" dur="1" fill="hold">
+                                        <p:cTn id="10" dur="1" fill="hold">
                                           <p:stCondLst>
                                             <p:cond delay="0"/>
                                           </p:stCondLst>
@@ -14314,7 +16845,7 @@
                                     </p:set>
                                     <p:animEffect transition="in" filter="fade">
                                       <p:cBhvr>
-                                        <p:cTn id="12" dur="500"/>
+                                        <p:cTn id="11" dur="500"/>
                                         <p:tgtEl>
                                           <p:spTgt spid="3">
                                             <p:txEl>
@@ -14330,30 +16861,21 @@
                             </p:childTnLst>
                           </p:cTn>
                         </p:par>
-                      </p:childTnLst>
-                    </p:cTn>
-                  </p:par>
-                  <p:par>
-                    <p:cTn id="13" fill="hold">
-                      <p:stCondLst>
-                        <p:cond delay="indefinite"/>
-                      </p:stCondLst>
-                      <p:childTnLst>
                         <p:par>
-                          <p:cTn id="14" fill="hold">
+                          <p:cTn id="12" fill="hold">
                             <p:stCondLst>
-                              <p:cond delay="0"/>
+                              <p:cond delay="1000"/>
                             </p:stCondLst>
                             <p:childTnLst>
                               <p:par>
-                                <p:cTn id="15" presetID="10" presetClass="entr" presetSubtype="0" fill="hold" grpId="0" nodeType="clickEffect">
+                                <p:cTn id="13" presetID="10" presetClass="entr" presetSubtype="0" fill="hold" grpId="0" nodeType="afterEffect">
                                   <p:stCondLst>
                                     <p:cond delay="0"/>
                                   </p:stCondLst>
                                   <p:childTnLst>
                                     <p:set>
                                       <p:cBhvr>
-                                        <p:cTn id="16" dur="1" fill="hold">
+                                        <p:cTn id="14" dur="1" fill="hold">
                                           <p:stCondLst>
                                             <p:cond delay="0"/>
                                           </p:stCondLst>
@@ -14375,7 +16897,7 @@
                                     </p:set>
                                     <p:animEffect transition="in" filter="fade">
                                       <p:cBhvr>
-                                        <p:cTn id="17" dur="500"/>
+                                        <p:cTn id="15" dur="500"/>
                                         <p:tgtEl>
                                           <p:spTgt spid="3">
                                             <p:txEl>
@@ -14391,30 +16913,21 @@
                             </p:childTnLst>
                           </p:cTn>
                         </p:par>
-                      </p:childTnLst>
-                    </p:cTn>
-                  </p:par>
-                  <p:par>
-                    <p:cTn id="18" fill="hold">
-                      <p:stCondLst>
-                        <p:cond delay="indefinite"/>
-                      </p:stCondLst>
-                      <p:childTnLst>
                         <p:par>
-                          <p:cTn id="19" fill="hold">
+                          <p:cTn id="16" fill="hold">
                             <p:stCondLst>
-                              <p:cond delay="0"/>
+                              <p:cond delay="1500"/>
                             </p:stCondLst>
                             <p:childTnLst>
                               <p:par>
-                                <p:cTn id="20" presetID="10" presetClass="entr" presetSubtype="0" fill="hold" grpId="0" nodeType="clickEffect">
+                                <p:cTn id="17" presetID="10" presetClass="entr" presetSubtype="0" fill="hold" grpId="0" nodeType="afterEffect">
                                   <p:stCondLst>
                                     <p:cond delay="0"/>
                                   </p:stCondLst>
                                   <p:childTnLst>
                                     <p:set>
                                       <p:cBhvr>
-                                        <p:cTn id="21" dur="1" fill="hold">
+                                        <p:cTn id="18" dur="1" fill="hold">
                                           <p:stCondLst>
                                             <p:cond delay="0"/>
                                           </p:stCondLst>
@@ -14436,7 +16949,7 @@
                                     </p:set>
                                     <p:animEffect transition="in" filter="fade">
                                       <p:cBhvr>
-                                        <p:cTn id="22" dur="500"/>
+                                        <p:cTn id="19" dur="500"/>
                                         <p:tgtEl>
                                           <p:spTgt spid="3">
                                             <p:txEl>
@@ -14452,30 +16965,21 @@
                             </p:childTnLst>
                           </p:cTn>
                         </p:par>
-                      </p:childTnLst>
-                    </p:cTn>
-                  </p:par>
-                  <p:par>
-                    <p:cTn id="23" fill="hold">
-                      <p:stCondLst>
-                        <p:cond delay="indefinite"/>
-                      </p:stCondLst>
-                      <p:childTnLst>
                         <p:par>
-                          <p:cTn id="24" fill="hold">
+                          <p:cTn id="20" fill="hold">
                             <p:stCondLst>
-                              <p:cond delay="0"/>
+                              <p:cond delay="2000"/>
                             </p:stCondLst>
                             <p:childTnLst>
                               <p:par>
-                                <p:cTn id="25" presetID="10" presetClass="entr" presetSubtype="0" fill="hold" grpId="0" nodeType="clickEffect">
+                                <p:cTn id="21" presetID="10" presetClass="entr" presetSubtype="0" fill="hold" grpId="0" nodeType="afterEffect">
                                   <p:stCondLst>
                                     <p:cond delay="0"/>
                                   </p:stCondLst>
                                   <p:childTnLst>
                                     <p:set>
                                       <p:cBhvr>
-                                        <p:cTn id="26" dur="1" fill="hold">
+                                        <p:cTn id="22" dur="1" fill="hold">
                                           <p:stCondLst>
                                             <p:cond delay="0"/>
                                           </p:stCondLst>
@@ -14497,7 +17001,7 @@
                                     </p:set>
                                     <p:animEffect transition="in" filter="fade">
                                       <p:cBhvr>
-                                        <p:cTn id="27" dur="500"/>
+                                        <p:cTn id="23" dur="500"/>
                                         <p:tgtEl>
                                           <p:spTgt spid="3">
                                             <p:txEl>
@@ -14822,6 +17326,9 @@
                     <p:cTn id="3" fill="hold">
                       <p:stCondLst>
                         <p:cond delay="indefinite"/>
+                        <p:cond evt="onBegin" delay="0">
+                          <p:tn val="2"/>
+                        </p:cond>
                       </p:stCondLst>
                       <p:childTnLst>
                         <p:par>
@@ -14831,7 +17338,7 @@
                             </p:stCondLst>
                             <p:childTnLst>
                               <p:par>
-                                <p:cTn id="5" presetID="10" presetClass="entr" presetSubtype="0" fill="hold" grpId="0" nodeType="clickEffect">
+                                <p:cTn id="5" presetID="10" presetClass="entr" presetSubtype="0" fill="hold" grpId="0" nodeType="afterEffect">
                                   <p:stCondLst>
                                     <p:cond delay="0"/>
                                   </p:stCondLst>
@@ -15193,7 +17700,112 @@
             <a:pPr algn="just"/>
             <a:r>
               <a:rPr lang="vi-VN" sz="2400" dirty="0"/>
-              <a:t>Nó được ra mắt vào ngày 16 tháng 5 năm 2013 tại hội nghị Google I/O. </a:t>
+              <a:t>Nó được ra mắt vào ngày 16 tháng 5 năm 2013 tại hội nghị Google I/O.</a:t>
+            </a:r>
+            <a:endParaRPr lang="en-US" sz="2400" dirty="0"/>
+          </a:p>
+          <a:p>
+            <a:pPr algn="just"/>
+            <a:r>
+              <a:rPr lang="en-US" sz="2400" dirty="0" err="1"/>
+              <a:t>Nó</a:t>
+            </a:r>
+            <a:r>
+              <a:rPr lang="en-US" sz="2400" dirty="0"/>
+              <a:t> </a:t>
+            </a:r>
+            <a:r>
+              <a:rPr lang="en-US" sz="2400" dirty="0" err="1"/>
+              <a:t>hỗ</a:t>
+            </a:r>
+            <a:r>
+              <a:rPr lang="en-US" sz="2400" dirty="0"/>
+              <a:t> </a:t>
+            </a:r>
+            <a:r>
+              <a:rPr lang="en-US" sz="2400" dirty="0" err="1"/>
+              <a:t>trợ</a:t>
+            </a:r>
+            <a:r>
+              <a:rPr lang="en-US" sz="2400" dirty="0"/>
+              <a:t> </a:t>
+            </a:r>
+            <a:r>
+              <a:rPr lang="en-US" sz="2400" dirty="0" err="1"/>
+              <a:t>các</a:t>
+            </a:r>
+            <a:r>
+              <a:rPr lang="en-US" sz="2400" dirty="0"/>
+              <a:t> </a:t>
+            </a:r>
+            <a:r>
+              <a:rPr lang="en-US" sz="2400" dirty="0" err="1"/>
+              <a:t>hệ</a:t>
+            </a:r>
+            <a:r>
+              <a:rPr lang="en-US" sz="2400" dirty="0"/>
+              <a:t> </a:t>
+            </a:r>
+            <a:r>
+              <a:rPr lang="en-US" sz="2400" dirty="0" err="1"/>
+              <a:t>điều</a:t>
+            </a:r>
+            <a:r>
+              <a:rPr lang="en-US" sz="2400" dirty="0"/>
+              <a:t> </a:t>
+            </a:r>
+            <a:r>
+              <a:rPr lang="en-US" sz="2400" dirty="0" err="1"/>
+              <a:t>hành</a:t>
+            </a:r>
+            <a:r>
+              <a:rPr lang="en-US" sz="2400" dirty="0"/>
+              <a:t> </a:t>
+            </a:r>
+            <a:r>
+              <a:rPr lang="en-US" sz="2400" dirty="0">
+                <a:hlinkClick r:id="rId2" tooltip="Microsoft Windows"/>
+              </a:rPr>
+              <a:t>Windows</a:t>
+            </a:r>
+            <a:r>
+              <a:rPr lang="en-US" sz="2400" dirty="0"/>
+              <a:t>, </a:t>
+            </a:r>
+            <a:r>
+              <a:rPr lang="en-US" sz="2400" dirty="0">
+                <a:hlinkClick r:id="rId3" tooltip="OS X"/>
+              </a:rPr>
+              <a:t>Mac OS X</a:t>
+            </a:r>
+            <a:r>
+              <a:rPr lang="en-US" sz="2400" dirty="0"/>
+              <a:t> </a:t>
+            </a:r>
+            <a:r>
+              <a:rPr lang="en-US" sz="2400" dirty="0" err="1"/>
+              <a:t>và</a:t>
+            </a:r>
+            <a:r>
+              <a:rPr lang="en-US" sz="2400" dirty="0"/>
+              <a:t> </a:t>
+            </a:r>
+            <a:r>
+              <a:rPr lang="en-US" sz="2400" dirty="0">
+                <a:hlinkClick r:id="rId4" tooltip="Linux"/>
+              </a:rPr>
+              <a:t>Linux</a:t>
+            </a:r>
+            <a:r>
+              <a:rPr lang="en-US" sz="2400" dirty="0"/>
+              <a:t>.</a:t>
+            </a:r>
+          </a:p>
+          <a:p>
+            <a:pPr algn="just"/>
+            <a:r>
+              <a:rPr lang="vi-VN" sz="2400" dirty="0"/>
+              <a:t> </a:t>
             </a:r>
             <a:r>
               <a:rPr lang="vi-VN" sz="2400" b="1" dirty="0"/>
@@ -15204,277 +17816,6 @@
               <a:t> được phát hành miễn phí theo giấy phép Apache Licence 2.0.</a:t>
             </a:r>
             <a:endParaRPr lang="en-US" sz="2400" dirty="0"/>
-          </a:p>
-          <a:p>
-            <a:pPr algn="just"/>
-            <a:r>
-              <a:rPr lang="vi-VN" sz="2400" dirty="0"/>
-              <a:t>Dựa trên phần mềm </a:t>
-            </a:r>
-            <a:r>
-              <a:rPr lang="vi-VN" sz="2400" dirty="0">
-                <a:hlinkClick r:id="rId2" tooltip="IntelliJ IDEA (trang chưa được viết)"/>
-              </a:rPr>
-              <a:t>IntelliJ IDEA</a:t>
-            </a:r>
-            <a:r>
-              <a:rPr lang="vi-VN" sz="2400" dirty="0"/>
-              <a:t> của JetBrains, Android Studio được thiết kế đặc biệt để phát triển ứng dụng Android</a:t>
-            </a:r>
-            <a:endParaRPr lang="en-US" sz="2400" dirty="0"/>
-          </a:p>
-          <a:p>
-            <a:pPr algn="just"/>
-            <a:r>
-              <a:rPr lang="en-US" sz="2400" dirty="0" err="1"/>
-              <a:t>Nó</a:t>
-            </a:r>
-            <a:r>
-              <a:rPr lang="en-US" sz="2400" dirty="0"/>
-              <a:t> </a:t>
-            </a:r>
-            <a:r>
-              <a:rPr lang="en-US" sz="2400" dirty="0" err="1"/>
-              <a:t>hỗ</a:t>
-            </a:r>
-            <a:r>
-              <a:rPr lang="en-US" sz="2400" dirty="0"/>
-              <a:t> </a:t>
-            </a:r>
-            <a:r>
-              <a:rPr lang="en-US" sz="2400" dirty="0" err="1"/>
-              <a:t>trợ</a:t>
-            </a:r>
-            <a:r>
-              <a:rPr lang="en-US" sz="2400" dirty="0"/>
-              <a:t> </a:t>
-            </a:r>
-            <a:r>
-              <a:rPr lang="en-US" sz="2400" dirty="0" err="1"/>
-              <a:t>các</a:t>
-            </a:r>
-            <a:r>
-              <a:rPr lang="en-US" sz="2400" dirty="0"/>
-              <a:t> </a:t>
-            </a:r>
-            <a:r>
-              <a:rPr lang="en-US" sz="2400" dirty="0" err="1"/>
-              <a:t>hệ</a:t>
-            </a:r>
-            <a:r>
-              <a:rPr lang="en-US" sz="2400" dirty="0"/>
-              <a:t> </a:t>
-            </a:r>
-            <a:r>
-              <a:rPr lang="en-US" sz="2400" dirty="0" err="1"/>
-              <a:t>điều</a:t>
-            </a:r>
-            <a:r>
-              <a:rPr lang="en-US" sz="2400" dirty="0"/>
-              <a:t> </a:t>
-            </a:r>
-            <a:r>
-              <a:rPr lang="en-US" sz="2400" dirty="0" err="1"/>
-              <a:t>hành</a:t>
-            </a:r>
-            <a:r>
-              <a:rPr lang="en-US" sz="2400" dirty="0"/>
-              <a:t> </a:t>
-            </a:r>
-            <a:r>
-              <a:rPr lang="en-US" sz="2400" dirty="0">
-                <a:hlinkClick r:id="rId3" tooltip="Microsoft Windows"/>
-              </a:rPr>
-              <a:t>Windows</a:t>
-            </a:r>
-            <a:r>
-              <a:rPr lang="en-US" sz="2400" dirty="0"/>
-              <a:t>, </a:t>
-            </a:r>
-            <a:r>
-              <a:rPr lang="en-US" sz="2400" dirty="0">
-                <a:hlinkClick r:id="rId4" tooltip="OS X"/>
-              </a:rPr>
-              <a:t>Mac OS X</a:t>
-            </a:r>
-            <a:r>
-              <a:rPr lang="en-US" sz="2400" dirty="0"/>
-              <a:t> </a:t>
-            </a:r>
-            <a:r>
-              <a:rPr lang="en-US" sz="2400" dirty="0" err="1"/>
-              <a:t>và</a:t>
-            </a:r>
-            <a:r>
-              <a:rPr lang="en-US" sz="2400" dirty="0"/>
-              <a:t> </a:t>
-            </a:r>
-            <a:r>
-              <a:rPr lang="en-US" sz="2400" dirty="0">
-                <a:hlinkClick r:id="rId5" tooltip="Linux"/>
-              </a:rPr>
-              <a:t>Linux</a:t>
-            </a:r>
-            <a:r>
-              <a:rPr lang="en-US" sz="2400" dirty="0"/>
-              <a:t>, </a:t>
-            </a:r>
-            <a:r>
-              <a:rPr lang="en-US" sz="2400" dirty="0" err="1"/>
-              <a:t>và</a:t>
-            </a:r>
-            <a:r>
-              <a:rPr lang="en-US" sz="2400" dirty="0"/>
-              <a:t> </a:t>
-            </a:r>
-            <a:r>
-              <a:rPr lang="en-US" sz="2400" dirty="0" err="1"/>
-              <a:t>là</a:t>
-            </a:r>
-            <a:r>
-              <a:rPr lang="en-US" sz="2400" dirty="0"/>
-              <a:t> IDE </a:t>
-            </a:r>
-            <a:r>
-              <a:rPr lang="en-US" sz="2400" dirty="0" err="1"/>
-              <a:t>chính</a:t>
-            </a:r>
-            <a:r>
-              <a:rPr lang="en-US" sz="2400" dirty="0"/>
-              <a:t> </a:t>
-            </a:r>
-            <a:r>
-              <a:rPr lang="en-US" sz="2400" dirty="0" err="1"/>
-              <a:t>thức</a:t>
-            </a:r>
-            <a:r>
-              <a:rPr lang="en-US" sz="2400" dirty="0"/>
-              <a:t> </a:t>
-            </a:r>
-            <a:r>
-              <a:rPr lang="en-US" sz="2400" dirty="0" err="1"/>
-              <a:t>của</a:t>
-            </a:r>
-            <a:r>
-              <a:rPr lang="en-US" sz="2400" dirty="0"/>
-              <a:t> Google </a:t>
-            </a:r>
-            <a:r>
-              <a:rPr lang="en-US" sz="2400" dirty="0" err="1"/>
-              <a:t>để</a:t>
-            </a:r>
-            <a:r>
-              <a:rPr lang="en-US" sz="2400" dirty="0"/>
-              <a:t> </a:t>
-            </a:r>
-            <a:r>
-              <a:rPr lang="en-US" sz="2400" dirty="0" err="1"/>
-              <a:t>phát</a:t>
-            </a:r>
-            <a:r>
-              <a:rPr lang="en-US" sz="2400" dirty="0"/>
-              <a:t> </a:t>
-            </a:r>
-            <a:r>
-              <a:rPr lang="en-US" sz="2400" dirty="0" err="1"/>
-              <a:t>triển</a:t>
-            </a:r>
-            <a:r>
-              <a:rPr lang="en-US" sz="2400" dirty="0"/>
-              <a:t> </a:t>
-            </a:r>
-            <a:r>
-              <a:rPr lang="en-US" sz="2400" dirty="0" err="1"/>
-              <a:t>ứng</a:t>
-            </a:r>
-            <a:r>
-              <a:rPr lang="en-US" sz="2400" dirty="0"/>
-              <a:t> </a:t>
-            </a:r>
-            <a:r>
-              <a:rPr lang="en-US" sz="2400" dirty="0" err="1"/>
-              <a:t>dụng</a:t>
-            </a:r>
-            <a:r>
-              <a:rPr lang="en-US" sz="2400" dirty="0"/>
-              <a:t> Android </a:t>
-            </a:r>
-            <a:r>
-              <a:rPr lang="en-US" sz="2400" dirty="0" err="1"/>
-              <a:t>gốc</a:t>
-            </a:r>
-            <a:r>
-              <a:rPr lang="en-US" sz="2400" dirty="0"/>
-              <a:t> </a:t>
-            </a:r>
-            <a:r>
-              <a:rPr lang="en-US" sz="2400" dirty="0" err="1"/>
-              <a:t>để</a:t>
-            </a:r>
-            <a:r>
-              <a:rPr lang="en-US" sz="2400" dirty="0"/>
-              <a:t> </a:t>
-            </a:r>
-            <a:r>
-              <a:rPr lang="en-US" sz="2400" dirty="0" err="1"/>
-              <a:t>thay</a:t>
-            </a:r>
-            <a:r>
-              <a:rPr lang="en-US" sz="2400" dirty="0"/>
-              <a:t> </a:t>
-            </a:r>
-            <a:r>
-              <a:rPr lang="en-US" sz="2400" dirty="0" err="1"/>
-              <a:t>thế</a:t>
-            </a:r>
-            <a:r>
-              <a:rPr lang="en-US" sz="2400" dirty="0"/>
-              <a:t> </a:t>
-            </a:r>
-            <a:r>
-              <a:rPr lang="en-US" sz="2400" dirty="0" err="1"/>
-              <a:t>cho</a:t>
-            </a:r>
-            <a:r>
-              <a:rPr lang="en-US" sz="2400" dirty="0"/>
-              <a:t> </a:t>
-            </a:r>
-            <a:r>
-              <a:rPr lang="en-US" sz="2400" dirty="0">
-                <a:hlinkClick r:id="rId6" tooltip="Android Development Tools (trang chưa được viết)"/>
-              </a:rPr>
-              <a:t>Android Development Tools</a:t>
-            </a:r>
-            <a:r>
-              <a:rPr lang="en-US" sz="2400" dirty="0"/>
-              <a:t> (ADT) </a:t>
-            </a:r>
-            <a:r>
-              <a:rPr lang="en-US" sz="2400" dirty="0" err="1"/>
-              <a:t>dựa</a:t>
-            </a:r>
-            <a:r>
-              <a:rPr lang="en-US" sz="2400" dirty="0"/>
-              <a:t> </a:t>
-            </a:r>
-            <a:r>
-              <a:rPr lang="en-US" sz="2400" dirty="0" err="1"/>
-              <a:t>trên</a:t>
-            </a:r>
-            <a:r>
-              <a:rPr lang="en-US" sz="2400" dirty="0"/>
-              <a:t> </a:t>
-            </a:r>
-            <a:r>
-              <a:rPr lang="en-US" sz="2400" dirty="0">
-                <a:hlinkClick r:id="rId7" tooltip="Eclipse"/>
-              </a:rPr>
-              <a:t>Eclipse</a:t>
-            </a:r>
-            <a:r>
-              <a:rPr lang="en-US" sz="2400" dirty="0"/>
-              <a:t>.</a:t>
-            </a:r>
           </a:p>
         </p:txBody>
       </p:sp>
@@ -15529,6 +17870,9 @@
                     <p:cTn id="3" fill="hold">
                       <p:stCondLst>
                         <p:cond delay="indefinite"/>
+                        <p:cond evt="onBegin" delay="0">
+                          <p:tn val="2"/>
+                        </p:cond>
                       </p:stCondLst>
                       <p:childTnLst>
                         <p:par>
@@ -15538,7 +17882,7 @@
                             </p:stCondLst>
                             <p:childTnLst>
                               <p:par>
-                                <p:cTn id="5" presetID="10" presetClass="entr" presetSubtype="0" fill="hold" grpId="0" nodeType="clickEffect">
+                                <p:cTn id="5" presetID="10" presetClass="entr" presetSubtype="0" fill="hold" grpId="0" nodeType="afterEffect">
                                   <p:stCondLst>
                                     <p:cond delay="0"/>
                                   </p:stCondLst>
@@ -15583,30 +17927,21 @@
                             </p:childTnLst>
                           </p:cTn>
                         </p:par>
-                      </p:childTnLst>
-                    </p:cTn>
-                  </p:par>
-                  <p:par>
-                    <p:cTn id="8" fill="hold">
-                      <p:stCondLst>
-                        <p:cond delay="indefinite"/>
-                      </p:stCondLst>
-                      <p:childTnLst>
                         <p:par>
-                          <p:cTn id="9" fill="hold">
+                          <p:cTn id="8" fill="hold">
                             <p:stCondLst>
-                              <p:cond delay="0"/>
+                              <p:cond delay="500"/>
                             </p:stCondLst>
                             <p:childTnLst>
                               <p:par>
-                                <p:cTn id="10" presetID="10" presetClass="entr" presetSubtype="0" fill="hold" grpId="0" nodeType="clickEffect">
+                                <p:cTn id="9" presetID="10" presetClass="entr" presetSubtype="0" fill="hold" grpId="0" nodeType="afterEffect">
                                   <p:stCondLst>
                                     <p:cond delay="0"/>
                                   </p:stCondLst>
                                   <p:childTnLst>
                                     <p:set>
                                       <p:cBhvr>
-                                        <p:cTn id="11" dur="1" fill="hold">
+                                        <p:cTn id="10" dur="1" fill="hold">
                                           <p:stCondLst>
                                             <p:cond delay="0"/>
                                           </p:stCondLst>
@@ -15628,7 +17963,7 @@
                                     </p:set>
                                     <p:animEffect transition="in" filter="fade">
                                       <p:cBhvr>
-                                        <p:cTn id="12" dur="500"/>
+                                        <p:cTn id="11" dur="500"/>
                                         <p:tgtEl>
                                           <p:spTgt spid="3">
                                             <p:txEl>
@@ -15644,30 +17979,21 @@
                             </p:childTnLst>
                           </p:cTn>
                         </p:par>
-                      </p:childTnLst>
-                    </p:cTn>
-                  </p:par>
-                  <p:par>
-                    <p:cTn id="13" fill="hold">
-                      <p:stCondLst>
-                        <p:cond delay="indefinite"/>
-                      </p:stCondLst>
-                      <p:childTnLst>
                         <p:par>
-                          <p:cTn id="14" fill="hold">
+                          <p:cTn id="12" fill="hold">
                             <p:stCondLst>
-                              <p:cond delay="0"/>
+                              <p:cond delay="1000"/>
                             </p:stCondLst>
                             <p:childTnLst>
                               <p:par>
-                                <p:cTn id="15" presetID="10" presetClass="entr" presetSubtype="0" fill="hold" grpId="0" nodeType="clickEffect">
+                                <p:cTn id="13" presetID="10" presetClass="entr" presetSubtype="0" fill="hold" grpId="0" nodeType="afterEffect">
                                   <p:stCondLst>
                                     <p:cond delay="0"/>
                                   </p:stCondLst>
                                   <p:childTnLst>
                                     <p:set>
                                       <p:cBhvr>
-                                        <p:cTn id="16" dur="1" fill="hold">
+                                        <p:cTn id="14" dur="1" fill="hold">
                                           <p:stCondLst>
                                             <p:cond delay="0"/>
                                           </p:stCondLst>
@@ -15689,7 +18015,7 @@
                                     </p:set>
                                     <p:animEffect transition="in" filter="fade">
                                       <p:cBhvr>
-                                        <p:cTn id="17" dur="500"/>
+                                        <p:cTn id="15" dur="500"/>
                                         <p:tgtEl>
                                           <p:spTgt spid="3">
                                             <p:txEl>
@@ -15705,30 +18031,21 @@
                             </p:childTnLst>
                           </p:cTn>
                         </p:par>
-                      </p:childTnLst>
-                    </p:cTn>
-                  </p:par>
-                  <p:par>
-                    <p:cTn id="18" fill="hold">
-                      <p:stCondLst>
-                        <p:cond delay="indefinite"/>
-                      </p:stCondLst>
-                      <p:childTnLst>
                         <p:par>
-                          <p:cTn id="19" fill="hold">
+                          <p:cTn id="16" fill="hold">
                             <p:stCondLst>
-                              <p:cond delay="0"/>
+                              <p:cond delay="1500"/>
                             </p:stCondLst>
                             <p:childTnLst>
                               <p:par>
-                                <p:cTn id="20" presetID="10" presetClass="entr" presetSubtype="0" fill="hold" grpId="0" nodeType="clickEffect">
+                                <p:cTn id="17" presetID="10" presetClass="entr" presetSubtype="0" fill="hold" grpId="0" nodeType="afterEffect">
                                   <p:stCondLst>
                                     <p:cond delay="0"/>
                                   </p:stCondLst>
                                   <p:childTnLst>
                                     <p:set>
                                       <p:cBhvr>
-                                        <p:cTn id="21" dur="1" fill="hold">
+                                        <p:cTn id="18" dur="1" fill="hold">
                                           <p:stCondLst>
                                             <p:cond delay="0"/>
                                           </p:stCondLst>
@@ -15750,7 +18067,7 @@
                                     </p:set>
                                     <p:animEffect transition="in" filter="fade">
                                       <p:cBhvr>
-                                        <p:cTn id="22" dur="500"/>
+                                        <p:cTn id="19" dur="500"/>
                                         <p:tgtEl>
                                           <p:spTgt spid="3">
                                             <p:txEl>
@@ -15876,7 +18193,7 @@
             </a:r>
             <a:r>
               <a:rPr lang="en-US" sz="4500" dirty="0"/>
-              <a:t> - Java Web Service (RESTful)</a:t>
+              <a:t> - Web Service</a:t>
             </a:r>
           </a:p>
         </p:txBody>
@@ -15897,7 +18214,12 @@
             <p:ph idx="1"/>
           </p:nvPr>
         </p:nvSpPr>
-        <p:spPr/>
+        <p:spPr>
+          <a:xfrm>
+            <a:off x="677334" y="1488613"/>
+            <a:ext cx="8596668" cy="3880773"/>
+          </a:xfrm>
+        </p:spPr>
         <p:txBody>
           <a:bodyPr>
             <a:normAutofit/>
@@ -15911,17 +18233,12 @@
             </a:r>
             <a:r>
               <a:rPr lang="vi-VN" sz="2400" dirty="0"/>
-              <a:t> là một dịch vụ web, nó cung cấp các thông tin thô, và khó hiểu với đa số người dùng, chính vì vậy nó được sử dụng bởi các ứng dụng</a:t>
+              <a:t> là một dịch vụ web, nó cung cấp các thông tin thô, và khó hiểu với đa số người dùng</a:t>
             </a:r>
             <a:r>
               <a:rPr lang="en-US" sz="2400" dirty="0"/>
-              <a:t>. </a:t>
-            </a:r>
-            <a:r>
-              <a:rPr lang="vi-VN" sz="2400" dirty="0"/>
-              <a:t>Các ứng dụng này sẽ chế biến các dữ liệu thô trước khi trả về cho người dùng cuối cùng. </a:t>
-            </a:r>
-            <a:endParaRPr lang="en-US" sz="2400" dirty="0"/>
+              <a:t>.</a:t>
+            </a:r>
           </a:p>
           <a:p>
             <a:pPr algn="just"/>
@@ -15935,7 +18252,15 @@
             </a:r>
             <a:r>
               <a:rPr lang="vi-VN" sz="2400" dirty="0"/>
-              <a:t> thường cung cấp các dữ liệu thô mà nó khó hiểu đối với đa số người dùng thông thường, chúng thường được trả về dưới dạng </a:t>
+              <a:t> thường cung cấp các dữ liệu thô</a:t>
+            </a:r>
+            <a:r>
+              <a:rPr lang="en-US" sz="2400" dirty="0"/>
+              <a:t> </a:t>
+            </a:r>
+            <a:r>
+              <a:rPr lang="vi-VN" sz="2400" dirty="0"/>
+              <a:t>thường được trả về dưới dạng </a:t>
             </a:r>
             <a:r>
               <a:rPr lang="vi-VN" sz="2400" b="1" dirty="0"/>
@@ -16004,6 +18329,9 @@
                     <p:cTn id="3" fill="hold">
                       <p:stCondLst>
                         <p:cond delay="indefinite"/>
+                        <p:cond evt="onBegin" delay="0">
+                          <p:tn val="2"/>
+                        </p:cond>
                       </p:stCondLst>
                       <p:childTnLst>
                         <p:par>
@@ -16013,7 +18341,7 @@
                             </p:stCondLst>
                             <p:childTnLst>
                               <p:par>
-                                <p:cTn id="5" presetID="10" presetClass="entr" presetSubtype="0" fill="hold" grpId="0" nodeType="clickEffect">
+                                <p:cTn id="5" presetID="10" presetClass="entr" presetSubtype="0" fill="hold" grpId="0" nodeType="afterEffect">
                                   <p:stCondLst>
                                     <p:cond delay="0"/>
                                   </p:stCondLst>
@@ -16058,30 +18386,21 @@
                             </p:childTnLst>
                           </p:cTn>
                         </p:par>
-                      </p:childTnLst>
-                    </p:cTn>
-                  </p:par>
-                  <p:par>
-                    <p:cTn id="8" fill="hold">
-                      <p:stCondLst>
-                        <p:cond delay="indefinite"/>
-                      </p:stCondLst>
-                      <p:childTnLst>
                         <p:par>
-                          <p:cTn id="9" fill="hold">
+                          <p:cTn id="8" fill="hold">
                             <p:stCondLst>
-                              <p:cond delay="0"/>
+                              <p:cond delay="500"/>
                             </p:stCondLst>
                             <p:childTnLst>
                               <p:par>
-                                <p:cTn id="10" presetID="10" presetClass="entr" presetSubtype="0" fill="hold" grpId="0" nodeType="clickEffect">
+                                <p:cTn id="9" presetID="10" presetClass="entr" presetSubtype="0" fill="hold" grpId="0" nodeType="afterEffect">
                                   <p:stCondLst>
                                     <p:cond delay="0"/>
                                   </p:stCondLst>
                                   <p:childTnLst>
                                     <p:set>
                                       <p:cBhvr>
-                                        <p:cTn id="11" dur="1" fill="hold">
+                                        <p:cTn id="10" dur="1" fill="hold">
                                           <p:stCondLst>
                                             <p:cond delay="0"/>
                                           </p:stCondLst>
@@ -16103,7 +18422,7 @@
                                     </p:set>
                                     <p:animEffect transition="in" filter="fade">
                                       <p:cBhvr>
-                                        <p:cTn id="12" dur="500"/>
+                                        <p:cTn id="11" dur="500"/>
                                         <p:tgtEl>
                                           <p:spTgt spid="3">
                                             <p:txEl>
@@ -16224,7 +18543,7 @@
             </a:r>
             <a:r>
               <a:rPr lang="en-US" sz="4500" dirty="0"/>
-              <a:t> - Java Web Service (RESTful)</a:t>
+              <a:t> - Web Service</a:t>
             </a:r>
           </a:p>
         </p:txBody>
@@ -16257,7 +18576,7 @@
         </p:blipFill>
         <p:spPr>
           <a:xfrm>
-            <a:off x="1259149" y="1930400"/>
+            <a:off x="1178636" y="1930400"/>
             <a:ext cx="7433038" cy="4318000"/>
           </a:xfrm>
           <a:prstGeom prst="rect">
@@ -16291,6 +18610,53 @@
               <a:t>9</a:t>
             </a:fld>
             <a:endParaRPr lang="en-US"/>
+          </a:p>
+        </p:txBody>
+      </p:sp>
+      <p:sp>
+        <p:nvSpPr>
+          <p:cNvPr id="6" name="TextBox 5">
+            <a:extLst>
+              <a:ext uri="{FF2B5EF4-FFF2-40B4-BE49-F238E27FC236}">
+                <a16:creationId xmlns:a16="http://schemas.microsoft.com/office/drawing/2014/main" id="{70BC4F5B-8D40-41E5-B3C4-F6D1045EC4BA}"/>
+              </a:ext>
+            </a:extLst>
+          </p:cNvPr>
+          <p:cNvSpPr txBox="1"/>
+          <p:nvPr/>
+        </p:nvSpPr>
+        <p:spPr>
+          <a:xfrm>
+            <a:off x="3773100" y="5893117"/>
+            <a:ext cx="2386231" cy="369332"/>
+          </a:xfrm>
+          <a:prstGeom prst="rect">
+            <a:avLst/>
+          </a:prstGeom>
+          <a:noFill/>
+        </p:spPr>
+        <p:txBody>
+          <a:bodyPr wrap="none" rtlCol="0">
+            <a:spAutoFit/>
+          </a:bodyPr>
+          <a:lstStyle/>
+          <a:p>
+            <a:r>
+              <a:rPr lang="en-US" i="1" dirty="0" err="1"/>
+              <a:t>Mô</a:t>
+            </a:r>
+            <a:r>
+              <a:rPr lang="en-US" i="1" dirty="0"/>
+              <a:t> </a:t>
+            </a:r>
+            <a:r>
+              <a:rPr lang="en-US" i="1" dirty="0" err="1"/>
+              <a:t>hình</a:t>
+            </a:r>
+            <a:r>
+              <a:rPr lang="en-US" i="1" dirty="0"/>
+              <a:t> Web Service</a:t>
+            </a:r>
           </a:p>
         </p:txBody>
       </p:sp>

--- a/Presentation-LuanVan.pptx
+++ b/Presentation-LuanVan.pptx
@@ -5,10 +5,10 @@
     <p:sldMasterId id="2147483730" r:id="rId1"/>
   </p:sldMasterIdLst>
   <p:notesMasterIdLst>
-    <p:notesMasterId r:id="rId34"/>
+    <p:notesMasterId r:id="rId35"/>
   </p:notesMasterIdLst>
   <p:handoutMasterIdLst>
-    <p:handoutMasterId r:id="rId35"/>
+    <p:handoutMasterId r:id="rId36"/>
   </p:handoutMasterIdLst>
   <p:sldIdLst>
     <p:sldId id="256" r:id="rId2"/>
@@ -42,7 +42,8 @@
     <p:sldId id="280" r:id="rId30"/>
     <p:sldId id="281" r:id="rId31"/>
     <p:sldId id="286" r:id="rId32"/>
-    <p:sldId id="278" r:id="rId33"/>
+    <p:sldId id="290" r:id="rId33"/>
+    <p:sldId id="278" r:id="rId34"/>
   </p:sldIdLst>
   <p:sldSz cx="12192000" cy="6858000"/>
   <p:notesSz cx="6858000" cy="9144000"/>
@@ -258,7 +259,7 @@
           <a:p>
             <a:fld id="{03458F59-5BFC-4C23-A30B-0CD1767A6077}" type="datetimeFigureOut">
               <a:rPr lang="en-US" smtClean="0"/>
-              <a:t>06-Dec-17</a:t>
+              <a:t>07-Dec-17</a:t>
             </a:fld>
             <a:endParaRPr lang="en-US"/>
           </a:p>
@@ -436,7 +437,7 @@
           <a:p>
             <a:fld id="{C3485123-472A-4794-AC61-7D4BD4EA3B0F}" type="datetimeFigureOut">
               <a:rPr lang="en-US" smtClean="0"/>
-              <a:t>06-Dec-17</a:t>
+              <a:t>07-Dec-17</a:t>
             </a:fld>
             <a:endParaRPr lang="en-US"/>
           </a:p>
@@ -702,6 +703,2694 @@
     </a:lvl9pPr>
   </p:notesStyle>
 </p:notesMaster>
+</file>
+
+<file path=ppt/notesSlides/notesSlide1.xml><?xml version="1.0" encoding="utf-8"?>
+<p:notes xmlns:a="http://schemas.openxmlformats.org/drawingml/2006/main" xmlns:r="http://schemas.openxmlformats.org/officeDocument/2006/relationships" xmlns:p="http://schemas.openxmlformats.org/presentationml/2006/main">
+  <p:cSld>
+    <p:spTree>
+      <p:nvGrpSpPr>
+        <p:cNvPr id="1" name=""/>
+        <p:cNvGrpSpPr/>
+        <p:nvPr/>
+      </p:nvGrpSpPr>
+      <p:grpSpPr>
+        <a:xfrm>
+          <a:off x="0" y="0"/>
+          <a:ext cx="0" cy="0"/>
+          <a:chOff x="0" y="0"/>
+          <a:chExt cx="0" cy="0"/>
+        </a:xfrm>
+      </p:grpSpPr>
+      <p:sp>
+        <p:nvSpPr>
+          <p:cNvPr id="2" name="Slide Image Placeholder 1"/>
+          <p:cNvSpPr>
+            <a:spLocks noGrp="1" noRot="1" noChangeAspect="1"/>
+          </p:cNvSpPr>
+          <p:nvPr>
+            <p:ph type="sldImg"/>
+          </p:nvPr>
+        </p:nvSpPr>
+        <p:spPr/>
+      </p:sp>
+      <p:sp>
+        <p:nvSpPr>
+          <p:cNvPr id="3" name="Notes Placeholder 2"/>
+          <p:cNvSpPr>
+            <a:spLocks noGrp="1"/>
+          </p:cNvSpPr>
+          <p:nvPr>
+            <p:ph type="body" idx="1"/>
+          </p:nvPr>
+        </p:nvSpPr>
+        <p:spPr/>
+        <p:txBody>
+          <a:bodyPr/>
+          <a:lstStyle/>
+          <a:p>
+            <a:endParaRPr lang="en-US"/>
+          </a:p>
+        </p:txBody>
+      </p:sp>
+      <p:sp>
+        <p:nvSpPr>
+          <p:cNvPr id="4" name="Slide Number Placeholder 3"/>
+          <p:cNvSpPr>
+            <a:spLocks noGrp="1"/>
+          </p:cNvSpPr>
+          <p:nvPr>
+            <p:ph type="sldNum" sz="quarter" idx="10"/>
+          </p:nvPr>
+        </p:nvSpPr>
+        <p:spPr/>
+        <p:txBody>
+          <a:bodyPr/>
+          <a:lstStyle/>
+          <a:p>
+            <a:fld id="{C5B28697-986A-40D8-A866-8267F43CAE9A}" type="slidenum">
+              <a:rPr lang="en-US" smtClean="0"/>
+              <a:t>1</a:t>
+            </a:fld>
+            <a:endParaRPr lang="en-US"/>
+          </a:p>
+        </p:txBody>
+      </p:sp>
+    </p:spTree>
+    <p:extLst>
+      <p:ext uri="{BB962C8B-B14F-4D97-AF65-F5344CB8AC3E}">
+        <p14:creationId xmlns:p14="http://schemas.microsoft.com/office/powerpoint/2010/main" val="610664766"/>
+      </p:ext>
+    </p:extLst>
+  </p:cSld>
+  <p:clrMapOvr>
+    <a:masterClrMapping/>
+  </p:clrMapOvr>
+</p:notes>
+</file>
+
+<file path=ppt/notesSlides/notesSlide10.xml><?xml version="1.0" encoding="utf-8"?>
+<p:notes xmlns:a="http://schemas.openxmlformats.org/drawingml/2006/main" xmlns:r="http://schemas.openxmlformats.org/officeDocument/2006/relationships" xmlns:p="http://schemas.openxmlformats.org/presentationml/2006/main">
+  <p:cSld>
+    <p:spTree>
+      <p:nvGrpSpPr>
+        <p:cNvPr id="1" name=""/>
+        <p:cNvGrpSpPr/>
+        <p:nvPr/>
+      </p:nvGrpSpPr>
+      <p:grpSpPr>
+        <a:xfrm>
+          <a:off x="0" y="0"/>
+          <a:ext cx="0" cy="0"/>
+          <a:chOff x="0" y="0"/>
+          <a:chExt cx="0" cy="0"/>
+        </a:xfrm>
+      </p:grpSpPr>
+      <p:sp>
+        <p:nvSpPr>
+          <p:cNvPr id="2" name="Slide Image Placeholder 1"/>
+          <p:cNvSpPr>
+            <a:spLocks noGrp="1" noRot="1" noChangeAspect="1"/>
+          </p:cNvSpPr>
+          <p:nvPr>
+            <p:ph type="sldImg"/>
+          </p:nvPr>
+        </p:nvSpPr>
+        <p:spPr/>
+      </p:sp>
+      <p:sp>
+        <p:nvSpPr>
+          <p:cNvPr id="3" name="Notes Placeholder 2"/>
+          <p:cNvSpPr>
+            <a:spLocks noGrp="1"/>
+          </p:cNvSpPr>
+          <p:nvPr>
+            <p:ph type="body" idx="1"/>
+          </p:nvPr>
+        </p:nvSpPr>
+        <p:spPr/>
+        <p:txBody>
+          <a:bodyPr/>
+          <a:lstStyle/>
+          <a:p>
+            <a:endParaRPr lang="en-US"/>
+          </a:p>
+        </p:txBody>
+      </p:sp>
+      <p:sp>
+        <p:nvSpPr>
+          <p:cNvPr id="4" name="Slide Number Placeholder 3"/>
+          <p:cNvSpPr>
+            <a:spLocks noGrp="1"/>
+          </p:cNvSpPr>
+          <p:nvPr>
+            <p:ph type="sldNum" sz="quarter" idx="10"/>
+          </p:nvPr>
+        </p:nvSpPr>
+        <p:spPr/>
+        <p:txBody>
+          <a:bodyPr/>
+          <a:lstStyle/>
+          <a:p>
+            <a:fld id="{C5B28697-986A-40D8-A866-8267F43CAE9A}" type="slidenum">
+              <a:rPr lang="en-US" smtClean="0"/>
+              <a:t>10</a:t>
+            </a:fld>
+            <a:endParaRPr lang="en-US"/>
+          </a:p>
+        </p:txBody>
+      </p:sp>
+    </p:spTree>
+    <p:extLst>
+      <p:ext uri="{BB962C8B-B14F-4D97-AF65-F5344CB8AC3E}">
+        <p14:creationId xmlns:p14="http://schemas.microsoft.com/office/powerpoint/2010/main" val="94123863"/>
+      </p:ext>
+    </p:extLst>
+  </p:cSld>
+  <p:clrMapOvr>
+    <a:masterClrMapping/>
+  </p:clrMapOvr>
+</p:notes>
+</file>
+
+<file path=ppt/notesSlides/notesSlide11.xml><?xml version="1.0" encoding="utf-8"?>
+<p:notes xmlns:a="http://schemas.openxmlformats.org/drawingml/2006/main" xmlns:r="http://schemas.openxmlformats.org/officeDocument/2006/relationships" xmlns:p="http://schemas.openxmlformats.org/presentationml/2006/main">
+  <p:cSld>
+    <p:spTree>
+      <p:nvGrpSpPr>
+        <p:cNvPr id="1" name=""/>
+        <p:cNvGrpSpPr/>
+        <p:nvPr/>
+      </p:nvGrpSpPr>
+      <p:grpSpPr>
+        <a:xfrm>
+          <a:off x="0" y="0"/>
+          <a:ext cx="0" cy="0"/>
+          <a:chOff x="0" y="0"/>
+          <a:chExt cx="0" cy="0"/>
+        </a:xfrm>
+      </p:grpSpPr>
+      <p:sp>
+        <p:nvSpPr>
+          <p:cNvPr id="2" name="Slide Image Placeholder 1"/>
+          <p:cNvSpPr>
+            <a:spLocks noGrp="1" noRot="1" noChangeAspect="1"/>
+          </p:cNvSpPr>
+          <p:nvPr>
+            <p:ph type="sldImg"/>
+          </p:nvPr>
+        </p:nvSpPr>
+        <p:spPr/>
+      </p:sp>
+      <p:sp>
+        <p:nvSpPr>
+          <p:cNvPr id="3" name="Notes Placeholder 2"/>
+          <p:cNvSpPr>
+            <a:spLocks noGrp="1"/>
+          </p:cNvSpPr>
+          <p:nvPr>
+            <p:ph type="body" idx="1"/>
+          </p:nvPr>
+        </p:nvSpPr>
+        <p:spPr/>
+        <p:txBody>
+          <a:bodyPr/>
+          <a:lstStyle/>
+          <a:p>
+            <a:endParaRPr lang="en-US"/>
+          </a:p>
+        </p:txBody>
+      </p:sp>
+      <p:sp>
+        <p:nvSpPr>
+          <p:cNvPr id="4" name="Slide Number Placeholder 3"/>
+          <p:cNvSpPr>
+            <a:spLocks noGrp="1"/>
+          </p:cNvSpPr>
+          <p:nvPr>
+            <p:ph type="sldNum" sz="quarter" idx="10"/>
+          </p:nvPr>
+        </p:nvSpPr>
+        <p:spPr/>
+        <p:txBody>
+          <a:bodyPr/>
+          <a:lstStyle/>
+          <a:p>
+            <a:fld id="{C5B28697-986A-40D8-A866-8267F43CAE9A}" type="slidenum">
+              <a:rPr lang="en-US" smtClean="0"/>
+              <a:t>11</a:t>
+            </a:fld>
+            <a:endParaRPr lang="en-US"/>
+          </a:p>
+        </p:txBody>
+      </p:sp>
+    </p:spTree>
+    <p:extLst>
+      <p:ext uri="{BB962C8B-B14F-4D97-AF65-F5344CB8AC3E}">
+        <p14:creationId xmlns:p14="http://schemas.microsoft.com/office/powerpoint/2010/main" val="3911478652"/>
+      </p:ext>
+    </p:extLst>
+  </p:cSld>
+  <p:clrMapOvr>
+    <a:masterClrMapping/>
+  </p:clrMapOvr>
+</p:notes>
+</file>
+
+<file path=ppt/notesSlides/notesSlide12.xml><?xml version="1.0" encoding="utf-8"?>
+<p:notes xmlns:a="http://schemas.openxmlformats.org/drawingml/2006/main" xmlns:r="http://schemas.openxmlformats.org/officeDocument/2006/relationships" xmlns:p="http://schemas.openxmlformats.org/presentationml/2006/main">
+  <p:cSld>
+    <p:spTree>
+      <p:nvGrpSpPr>
+        <p:cNvPr id="1" name=""/>
+        <p:cNvGrpSpPr/>
+        <p:nvPr/>
+      </p:nvGrpSpPr>
+      <p:grpSpPr>
+        <a:xfrm>
+          <a:off x="0" y="0"/>
+          <a:ext cx="0" cy="0"/>
+          <a:chOff x="0" y="0"/>
+          <a:chExt cx="0" cy="0"/>
+        </a:xfrm>
+      </p:grpSpPr>
+      <p:sp>
+        <p:nvSpPr>
+          <p:cNvPr id="2" name="Slide Image Placeholder 1"/>
+          <p:cNvSpPr>
+            <a:spLocks noGrp="1" noRot="1" noChangeAspect="1"/>
+          </p:cNvSpPr>
+          <p:nvPr>
+            <p:ph type="sldImg"/>
+          </p:nvPr>
+        </p:nvSpPr>
+        <p:spPr/>
+      </p:sp>
+      <p:sp>
+        <p:nvSpPr>
+          <p:cNvPr id="3" name="Notes Placeholder 2"/>
+          <p:cNvSpPr>
+            <a:spLocks noGrp="1"/>
+          </p:cNvSpPr>
+          <p:nvPr>
+            <p:ph type="body" idx="1"/>
+          </p:nvPr>
+        </p:nvSpPr>
+        <p:spPr/>
+        <p:txBody>
+          <a:bodyPr/>
+          <a:lstStyle/>
+          <a:p>
+            <a:endParaRPr lang="en-US"/>
+          </a:p>
+        </p:txBody>
+      </p:sp>
+      <p:sp>
+        <p:nvSpPr>
+          <p:cNvPr id="4" name="Slide Number Placeholder 3"/>
+          <p:cNvSpPr>
+            <a:spLocks noGrp="1"/>
+          </p:cNvSpPr>
+          <p:nvPr>
+            <p:ph type="sldNum" sz="quarter" idx="10"/>
+          </p:nvPr>
+        </p:nvSpPr>
+        <p:spPr/>
+        <p:txBody>
+          <a:bodyPr/>
+          <a:lstStyle/>
+          <a:p>
+            <a:fld id="{C5B28697-986A-40D8-A866-8267F43CAE9A}" type="slidenum">
+              <a:rPr lang="en-US" smtClean="0"/>
+              <a:t>12</a:t>
+            </a:fld>
+            <a:endParaRPr lang="en-US"/>
+          </a:p>
+        </p:txBody>
+      </p:sp>
+    </p:spTree>
+    <p:extLst>
+      <p:ext uri="{BB962C8B-B14F-4D97-AF65-F5344CB8AC3E}">
+        <p14:creationId xmlns:p14="http://schemas.microsoft.com/office/powerpoint/2010/main" val="4005722689"/>
+      </p:ext>
+    </p:extLst>
+  </p:cSld>
+  <p:clrMapOvr>
+    <a:masterClrMapping/>
+  </p:clrMapOvr>
+</p:notes>
+</file>
+
+<file path=ppt/notesSlides/notesSlide13.xml><?xml version="1.0" encoding="utf-8"?>
+<p:notes xmlns:a="http://schemas.openxmlformats.org/drawingml/2006/main" xmlns:r="http://schemas.openxmlformats.org/officeDocument/2006/relationships" xmlns:p="http://schemas.openxmlformats.org/presentationml/2006/main">
+  <p:cSld>
+    <p:spTree>
+      <p:nvGrpSpPr>
+        <p:cNvPr id="1" name=""/>
+        <p:cNvGrpSpPr/>
+        <p:nvPr/>
+      </p:nvGrpSpPr>
+      <p:grpSpPr>
+        <a:xfrm>
+          <a:off x="0" y="0"/>
+          <a:ext cx="0" cy="0"/>
+          <a:chOff x="0" y="0"/>
+          <a:chExt cx="0" cy="0"/>
+        </a:xfrm>
+      </p:grpSpPr>
+      <p:sp>
+        <p:nvSpPr>
+          <p:cNvPr id="2" name="Slide Image Placeholder 1"/>
+          <p:cNvSpPr>
+            <a:spLocks noGrp="1" noRot="1" noChangeAspect="1"/>
+          </p:cNvSpPr>
+          <p:nvPr>
+            <p:ph type="sldImg"/>
+          </p:nvPr>
+        </p:nvSpPr>
+        <p:spPr/>
+      </p:sp>
+      <p:sp>
+        <p:nvSpPr>
+          <p:cNvPr id="3" name="Notes Placeholder 2"/>
+          <p:cNvSpPr>
+            <a:spLocks noGrp="1"/>
+          </p:cNvSpPr>
+          <p:nvPr>
+            <p:ph type="body" idx="1"/>
+          </p:nvPr>
+        </p:nvSpPr>
+        <p:spPr/>
+        <p:txBody>
+          <a:bodyPr/>
+          <a:lstStyle/>
+          <a:p>
+            <a:endParaRPr lang="en-US"/>
+          </a:p>
+        </p:txBody>
+      </p:sp>
+      <p:sp>
+        <p:nvSpPr>
+          <p:cNvPr id="4" name="Slide Number Placeholder 3"/>
+          <p:cNvSpPr>
+            <a:spLocks noGrp="1"/>
+          </p:cNvSpPr>
+          <p:nvPr>
+            <p:ph type="sldNum" sz="quarter" idx="10"/>
+          </p:nvPr>
+        </p:nvSpPr>
+        <p:spPr/>
+        <p:txBody>
+          <a:bodyPr/>
+          <a:lstStyle/>
+          <a:p>
+            <a:fld id="{C5B28697-986A-40D8-A866-8267F43CAE9A}" type="slidenum">
+              <a:rPr lang="en-US" smtClean="0"/>
+              <a:t>13</a:t>
+            </a:fld>
+            <a:endParaRPr lang="en-US"/>
+          </a:p>
+        </p:txBody>
+      </p:sp>
+    </p:spTree>
+    <p:extLst>
+      <p:ext uri="{BB962C8B-B14F-4D97-AF65-F5344CB8AC3E}">
+        <p14:creationId xmlns:p14="http://schemas.microsoft.com/office/powerpoint/2010/main" val="1861623890"/>
+      </p:ext>
+    </p:extLst>
+  </p:cSld>
+  <p:clrMapOvr>
+    <a:masterClrMapping/>
+  </p:clrMapOvr>
+</p:notes>
+</file>
+
+<file path=ppt/notesSlides/notesSlide14.xml><?xml version="1.0" encoding="utf-8"?>
+<p:notes xmlns:a="http://schemas.openxmlformats.org/drawingml/2006/main" xmlns:r="http://schemas.openxmlformats.org/officeDocument/2006/relationships" xmlns:p="http://schemas.openxmlformats.org/presentationml/2006/main">
+  <p:cSld>
+    <p:spTree>
+      <p:nvGrpSpPr>
+        <p:cNvPr id="1" name=""/>
+        <p:cNvGrpSpPr/>
+        <p:nvPr/>
+      </p:nvGrpSpPr>
+      <p:grpSpPr>
+        <a:xfrm>
+          <a:off x="0" y="0"/>
+          <a:ext cx="0" cy="0"/>
+          <a:chOff x="0" y="0"/>
+          <a:chExt cx="0" cy="0"/>
+        </a:xfrm>
+      </p:grpSpPr>
+      <p:sp>
+        <p:nvSpPr>
+          <p:cNvPr id="2" name="Slide Image Placeholder 1"/>
+          <p:cNvSpPr>
+            <a:spLocks noGrp="1" noRot="1" noChangeAspect="1"/>
+          </p:cNvSpPr>
+          <p:nvPr>
+            <p:ph type="sldImg"/>
+          </p:nvPr>
+        </p:nvSpPr>
+        <p:spPr/>
+      </p:sp>
+      <p:sp>
+        <p:nvSpPr>
+          <p:cNvPr id="3" name="Notes Placeholder 2"/>
+          <p:cNvSpPr>
+            <a:spLocks noGrp="1"/>
+          </p:cNvSpPr>
+          <p:nvPr>
+            <p:ph type="body" idx="1"/>
+          </p:nvPr>
+        </p:nvSpPr>
+        <p:spPr/>
+        <p:txBody>
+          <a:bodyPr/>
+          <a:lstStyle/>
+          <a:p>
+            <a:endParaRPr lang="en-US"/>
+          </a:p>
+        </p:txBody>
+      </p:sp>
+      <p:sp>
+        <p:nvSpPr>
+          <p:cNvPr id="4" name="Slide Number Placeholder 3"/>
+          <p:cNvSpPr>
+            <a:spLocks noGrp="1"/>
+          </p:cNvSpPr>
+          <p:nvPr>
+            <p:ph type="sldNum" sz="quarter" idx="10"/>
+          </p:nvPr>
+        </p:nvSpPr>
+        <p:spPr/>
+        <p:txBody>
+          <a:bodyPr/>
+          <a:lstStyle/>
+          <a:p>
+            <a:fld id="{C5B28697-986A-40D8-A866-8267F43CAE9A}" type="slidenum">
+              <a:rPr lang="en-US" smtClean="0"/>
+              <a:t>14</a:t>
+            </a:fld>
+            <a:endParaRPr lang="en-US"/>
+          </a:p>
+        </p:txBody>
+      </p:sp>
+    </p:spTree>
+    <p:extLst>
+      <p:ext uri="{BB962C8B-B14F-4D97-AF65-F5344CB8AC3E}">
+        <p14:creationId xmlns:p14="http://schemas.microsoft.com/office/powerpoint/2010/main" val="1526076895"/>
+      </p:ext>
+    </p:extLst>
+  </p:cSld>
+  <p:clrMapOvr>
+    <a:masterClrMapping/>
+  </p:clrMapOvr>
+</p:notes>
+</file>
+
+<file path=ppt/notesSlides/notesSlide15.xml><?xml version="1.0" encoding="utf-8"?>
+<p:notes xmlns:a="http://schemas.openxmlformats.org/drawingml/2006/main" xmlns:r="http://schemas.openxmlformats.org/officeDocument/2006/relationships" xmlns:p="http://schemas.openxmlformats.org/presentationml/2006/main">
+  <p:cSld>
+    <p:spTree>
+      <p:nvGrpSpPr>
+        <p:cNvPr id="1" name=""/>
+        <p:cNvGrpSpPr/>
+        <p:nvPr/>
+      </p:nvGrpSpPr>
+      <p:grpSpPr>
+        <a:xfrm>
+          <a:off x="0" y="0"/>
+          <a:ext cx="0" cy="0"/>
+          <a:chOff x="0" y="0"/>
+          <a:chExt cx="0" cy="0"/>
+        </a:xfrm>
+      </p:grpSpPr>
+      <p:sp>
+        <p:nvSpPr>
+          <p:cNvPr id="2" name="Slide Image Placeholder 1"/>
+          <p:cNvSpPr>
+            <a:spLocks noGrp="1" noRot="1" noChangeAspect="1"/>
+          </p:cNvSpPr>
+          <p:nvPr>
+            <p:ph type="sldImg"/>
+          </p:nvPr>
+        </p:nvSpPr>
+        <p:spPr/>
+      </p:sp>
+      <p:sp>
+        <p:nvSpPr>
+          <p:cNvPr id="3" name="Notes Placeholder 2"/>
+          <p:cNvSpPr>
+            <a:spLocks noGrp="1"/>
+          </p:cNvSpPr>
+          <p:nvPr>
+            <p:ph type="body" idx="1"/>
+          </p:nvPr>
+        </p:nvSpPr>
+        <p:spPr/>
+        <p:txBody>
+          <a:bodyPr/>
+          <a:lstStyle/>
+          <a:p>
+            <a:endParaRPr lang="en-US"/>
+          </a:p>
+        </p:txBody>
+      </p:sp>
+      <p:sp>
+        <p:nvSpPr>
+          <p:cNvPr id="4" name="Slide Number Placeholder 3"/>
+          <p:cNvSpPr>
+            <a:spLocks noGrp="1"/>
+          </p:cNvSpPr>
+          <p:nvPr>
+            <p:ph type="sldNum" sz="quarter" idx="10"/>
+          </p:nvPr>
+        </p:nvSpPr>
+        <p:spPr/>
+        <p:txBody>
+          <a:bodyPr/>
+          <a:lstStyle/>
+          <a:p>
+            <a:fld id="{C5B28697-986A-40D8-A866-8267F43CAE9A}" type="slidenum">
+              <a:rPr lang="en-US" smtClean="0"/>
+              <a:t>15</a:t>
+            </a:fld>
+            <a:endParaRPr lang="en-US"/>
+          </a:p>
+        </p:txBody>
+      </p:sp>
+    </p:spTree>
+    <p:extLst>
+      <p:ext uri="{BB962C8B-B14F-4D97-AF65-F5344CB8AC3E}">
+        <p14:creationId xmlns:p14="http://schemas.microsoft.com/office/powerpoint/2010/main" val="61080652"/>
+      </p:ext>
+    </p:extLst>
+  </p:cSld>
+  <p:clrMapOvr>
+    <a:masterClrMapping/>
+  </p:clrMapOvr>
+</p:notes>
+</file>
+
+<file path=ppt/notesSlides/notesSlide16.xml><?xml version="1.0" encoding="utf-8"?>
+<p:notes xmlns:a="http://schemas.openxmlformats.org/drawingml/2006/main" xmlns:r="http://schemas.openxmlformats.org/officeDocument/2006/relationships" xmlns:p="http://schemas.openxmlformats.org/presentationml/2006/main">
+  <p:cSld>
+    <p:spTree>
+      <p:nvGrpSpPr>
+        <p:cNvPr id="1" name=""/>
+        <p:cNvGrpSpPr/>
+        <p:nvPr/>
+      </p:nvGrpSpPr>
+      <p:grpSpPr>
+        <a:xfrm>
+          <a:off x="0" y="0"/>
+          <a:ext cx="0" cy="0"/>
+          <a:chOff x="0" y="0"/>
+          <a:chExt cx="0" cy="0"/>
+        </a:xfrm>
+      </p:grpSpPr>
+      <p:sp>
+        <p:nvSpPr>
+          <p:cNvPr id="2" name="Slide Image Placeholder 1"/>
+          <p:cNvSpPr>
+            <a:spLocks noGrp="1" noRot="1" noChangeAspect="1"/>
+          </p:cNvSpPr>
+          <p:nvPr>
+            <p:ph type="sldImg"/>
+          </p:nvPr>
+        </p:nvSpPr>
+        <p:spPr/>
+      </p:sp>
+      <p:sp>
+        <p:nvSpPr>
+          <p:cNvPr id="3" name="Notes Placeholder 2"/>
+          <p:cNvSpPr>
+            <a:spLocks noGrp="1"/>
+          </p:cNvSpPr>
+          <p:nvPr>
+            <p:ph type="body" idx="1"/>
+          </p:nvPr>
+        </p:nvSpPr>
+        <p:spPr/>
+        <p:txBody>
+          <a:bodyPr/>
+          <a:lstStyle/>
+          <a:p>
+            <a:endParaRPr lang="en-US"/>
+          </a:p>
+        </p:txBody>
+      </p:sp>
+      <p:sp>
+        <p:nvSpPr>
+          <p:cNvPr id="4" name="Slide Number Placeholder 3"/>
+          <p:cNvSpPr>
+            <a:spLocks noGrp="1"/>
+          </p:cNvSpPr>
+          <p:nvPr>
+            <p:ph type="sldNum" sz="quarter" idx="10"/>
+          </p:nvPr>
+        </p:nvSpPr>
+        <p:spPr/>
+        <p:txBody>
+          <a:bodyPr/>
+          <a:lstStyle/>
+          <a:p>
+            <a:fld id="{C5B28697-986A-40D8-A866-8267F43CAE9A}" type="slidenum">
+              <a:rPr lang="en-US" smtClean="0"/>
+              <a:t>16</a:t>
+            </a:fld>
+            <a:endParaRPr lang="en-US"/>
+          </a:p>
+        </p:txBody>
+      </p:sp>
+    </p:spTree>
+    <p:extLst>
+      <p:ext uri="{BB962C8B-B14F-4D97-AF65-F5344CB8AC3E}">
+        <p14:creationId xmlns:p14="http://schemas.microsoft.com/office/powerpoint/2010/main" val="2121076139"/>
+      </p:ext>
+    </p:extLst>
+  </p:cSld>
+  <p:clrMapOvr>
+    <a:masterClrMapping/>
+  </p:clrMapOvr>
+</p:notes>
+</file>
+
+<file path=ppt/notesSlides/notesSlide17.xml><?xml version="1.0" encoding="utf-8"?>
+<p:notes xmlns:a="http://schemas.openxmlformats.org/drawingml/2006/main" xmlns:r="http://schemas.openxmlformats.org/officeDocument/2006/relationships" xmlns:p="http://schemas.openxmlformats.org/presentationml/2006/main">
+  <p:cSld>
+    <p:spTree>
+      <p:nvGrpSpPr>
+        <p:cNvPr id="1" name=""/>
+        <p:cNvGrpSpPr/>
+        <p:nvPr/>
+      </p:nvGrpSpPr>
+      <p:grpSpPr>
+        <a:xfrm>
+          <a:off x="0" y="0"/>
+          <a:ext cx="0" cy="0"/>
+          <a:chOff x="0" y="0"/>
+          <a:chExt cx="0" cy="0"/>
+        </a:xfrm>
+      </p:grpSpPr>
+      <p:sp>
+        <p:nvSpPr>
+          <p:cNvPr id="2" name="Slide Image Placeholder 1"/>
+          <p:cNvSpPr>
+            <a:spLocks noGrp="1" noRot="1" noChangeAspect="1"/>
+          </p:cNvSpPr>
+          <p:nvPr>
+            <p:ph type="sldImg"/>
+          </p:nvPr>
+        </p:nvSpPr>
+        <p:spPr/>
+      </p:sp>
+      <p:sp>
+        <p:nvSpPr>
+          <p:cNvPr id="3" name="Notes Placeholder 2"/>
+          <p:cNvSpPr>
+            <a:spLocks noGrp="1"/>
+          </p:cNvSpPr>
+          <p:nvPr>
+            <p:ph type="body" idx="1"/>
+          </p:nvPr>
+        </p:nvSpPr>
+        <p:spPr/>
+        <p:txBody>
+          <a:bodyPr/>
+          <a:lstStyle/>
+          <a:p>
+            <a:endParaRPr lang="en-US"/>
+          </a:p>
+        </p:txBody>
+      </p:sp>
+      <p:sp>
+        <p:nvSpPr>
+          <p:cNvPr id="4" name="Slide Number Placeholder 3"/>
+          <p:cNvSpPr>
+            <a:spLocks noGrp="1"/>
+          </p:cNvSpPr>
+          <p:nvPr>
+            <p:ph type="sldNum" sz="quarter" idx="10"/>
+          </p:nvPr>
+        </p:nvSpPr>
+        <p:spPr/>
+        <p:txBody>
+          <a:bodyPr/>
+          <a:lstStyle/>
+          <a:p>
+            <a:fld id="{C5B28697-986A-40D8-A866-8267F43CAE9A}" type="slidenum">
+              <a:rPr lang="en-US" smtClean="0"/>
+              <a:t>17</a:t>
+            </a:fld>
+            <a:endParaRPr lang="en-US"/>
+          </a:p>
+        </p:txBody>
+      </p:sp>
+    </p:spTree>
+    <p:extLst>
+      <p:ext uri="{BB962C8B-B14F-4D97-AF65-F5344CB8AC3E}">
+        <p14:creationId xmlns:p14="http://schemas.microsoft.com/office/powerpoint/2010/main" val="754353995"/>
+      </p:ext>
+    </p:extLst>
+  </p:cSld>
+  <p:clrMapOvr>
+    <a:masterClrMapping/>
+  </p:clrMapOvr>
+</p:notes>
+</file>
+
+<file path=ppt/notesSlides/notesSlide18.xml><?xml version="1.0" encoding="utf-8"?>
+<p:notes xmlns:a="http://schemas.openxmlformats.org/drawingml/2006/main" xmlns:r="http://schemas.openxmlformats.org/officeDocument/2006/relationships" xmlns:p="http://schemas.openxmlformats.org/presentationml/2006/main">
+  <p:cSld>
+    <p:spTree>
+      <p:nvGrpSpPr>
+        <p:cNvPr id="1" name=""/>
+        <p:cNvGrpSpPr/>
+        <p:nvPr/>
+      </p:nvGrpSpPr>
+      <p:grpSpPr>
+        <a:xfrm>
+          <a:off x="0" y="0"/>
+          <a:ext cx="0" cy="0"/>
+          <a:chOff x="0" y="0"/>
+          <a:chExt cx="0" cy="0"/>
+        </a:xfrm>
+      </p:grpSpPr>
+      <p:sp>
+        <p:nvSpPr>
+          <p:cNvPr id="2" name="Slide Image Placeholder 1"/>
+          <p:cNvSpPr>
+            <a:spLocks noGrp="1" noRot="1" noChangeAspect="1"/>
+          </p:cNvSpPr>
+          <p:nvPr>
+            <p:ph type="sldImg"/>
+          </p:nvPr>
+        </p:nvSpPr>
+        <p:spPr/>
+      </p:sp>
+      <p:sp>
+        <p:nvSpPr>
+          <p:cNvPr id="3" name="Notes Placeholder 2"/>
+          <p:cNvSpPr>
+            <a:spLocks noGrp="1"/>
+          </p:cNvSpPr>
+          <p:nvPr>
+            <p:ph type="body" idx="1"/>
+          </p:nvPr>
+        </p:nvSpPr>
+        <p:spPr/>
+        <p:txBody>
+          <a:bodyPr/>
+          <a:lstStyle/>
+          <a:p>
+            <a:endParaRPr lang="en-US"/>
+          </a:p>
+        </p:txBody>
+      </p:sp>
+      <p:sp>
+        <p:nvSpPr>
+          <p:cNvPr id="4" name="Slide Number Placeholder 3"/>
+          <p:cNvSpPr>
+            <a:spLocks noGrp="1"/>
+          </p:cNvSpPr>
+          <p:nvPr>
+            <p:ph type="sldNum" sz="quarter" idx="10"/>
+          </p:nvPr>
+        </p:nvSpPr>
+        <p:spPr/>
+        <p:txBody>
+          <a:bodyPr/>
+          <a:lstStyle/>
+          <a:p>
+            <a:fld id="{C5B28697-986A-40D8-A866-8267F43CAE9A}" type="slidenum">
+              <a:rPr lang="en-US" smtClean="0"/>
+              <a:t>18</a:t>
+            </a:fld>
+            <a:endParaRPr lang="en-US"/>
+          </a:p>
+        </p:txBody>
+      </p:sp>
+    </p:spTree>
+    <p:extLst>
+      <p:ext uri="{BB962C8B-B14F-4D97-AF65-F5344CB8AC3E}">
+        <p14:creationId xmlns:p14="http://schemas.microsoft.com/office/powerpoint/2010/main" val="2547347286"/>
+      </p:ext>
+    </p:extLst>
+  </p:cSld>
+  <p:clrMapOvr>
+    <a:masterClrMapping/>
+  </p:clrMapOvr>
+</p:notes>
+</file>
+
+<file path=ppt/notesSlides/notesSlide19.xml><?xml version="1.0" encoding="utf-8"?>
+<p:notes xmlns:a="http://schemas.openxmlformats.org/drawingml/2006/main" xmlns:r="http://schemas.openxmlformats.org/officeDocument/2006/relationships" xmlns:p="http://schemas.openxmlformats.org/presentationml/2006/main">
+  <p:cSld>
+    <p:spTree>
+      <p:nvGrpSpPr>
+        <p:cNvPr id="1" name=""/>
+        <p:cNvGrpSpPr/>
+        <p:nvPr/>
+      </p:nvGrpSpPr>
+      <p:grpSpPr>
+        <a:xfrm>
+          <a:off x="0" y="0"/>
+          <a:ext cx="0" cy="0"/>
+          <a:chOff x="0" y="0"/>
+          <a:chExt cx="0" cy="0"/>
+        </a:xfrm>
+      </p:grpSpPr>
+      <p:sp>
+        <p:nvSpPr>
+          <p:cNvPr id="2" name="Slide Image Placeholder 1"/>
+          <p:cNvSpPr>
+            <a:spLocks noGrp="1" noRot="1" noChangeAspect="1"/>
+          </p:cNvSpPr>
+          <p:nvPr>
+            <p:ph type="sldImg"/>
+          </p:nvPr>
+        </p:nvSpPr>
+        <p:spPr/>
+      </p:sp>
+      <p:sp>
+        <p:nvSpPr>
+          <p:cNvPr id="3" name="Notes Placeholder 2"/>
+          <p:cNvSpPr>
+            <a:spLocks noGrp="1"/>
+          </p:cNvSpPr>
+          <p:nvPr>
+            <p:ph type="body" idx="1"/>
+          </p:nvPr>
+        </p:nvSpPr>
+        <p:spPr/>
+        <p:txBody>
+          <a:bodyPr/>
+          <a:lstStyle/>
+          <a:p>
+            <a:endParaRPr lang="en-US"/>
+          </a:p>
+        </p:txBody>
+      </p:sp>
+      <p:sp>
+        <p:nvSpPr>
+          <p:cNvPr id="4" name="Slide Number Placeholder 3"/>
+          <p:cNvSpPr>
+            <a:spLocks noGrp="1"/>
+          </p:cNvSpPr>
+          <p:nvPr>
+            <p:ph type="sldNum" sz="quarter" idx="10"/>
+          </p:nvPr>
+        </p:nvSpPr>
+        <p:spPr/>
+        <p:txBody>
+          <a:bodyPr/>
+          <a:lstStyle/>
+          <a:p>
+            <a:fld id="{C5B28697-986A-40D8-A866-8267F43CAE9A}" type="slidenum">
+              <a:rPr lang="en-US" smtClean="0"/>
+              <a:t>19</a:t>
+            </a:fld>
+            <a:endParaRPr lang="en-US"/>
+          </a:p>
+        </p:txBody>
+      </p:sp>
+    </p:spTree>
+    <p:extLst>
+      <p:ext uri="{BB962C8B-B14F-4D97-AF65-F5344CB8AC3E}">
+        <p14:creationId xmlns:p14="http://schemas.microsoft.com/office/powerpoint/2010/main" val="1617030613"/>
+      </p:ext>
+    </p:extLst>
+  </p:cSld>
+  <p:clrMapOvr>
+    <a:masterClrMapping/>
+  </p:clrMapOvr>
+</p:notes>
+</file>
+
+<file path=ppt/notesSlides/notesSlide2.xml><?xml version="1.0" encoding="utf-8"?>
+<p:notes xmlns:a="http://schemas.openxmlformats.org/drawingml/2006/main" xmlns:r="http://schemas.openxmlformats.org/officeDocument/2006/relationships" xmlns:p="http://schemas.openxmlformats.org/presentationml/2006/main">
+  <p:cSld>
+    <p:spTree>
+      <p:nvGrpSpPr>
+        <p:cNvPr id="1" name=""/>
+        <p:cNvGrpSpPr/>
+        <p:nvPr/>
+      </p:nvGrpSpPr>
+      <p:grpSpPr>
+        <a:xfrm>
+          <a:off x="0" y="0"/>
+          <a:ext cx="0" cy="0"/>
+          <a:chOff x="0" y="0"/>
+          <a:chExt cx="0" cy="0"/>
+        </a:xfrm>
+      </p:grpSpPr>
+      <p:sp>
+        <p:nvSpPr>
+          <p:cNvPr id="2" name="Slide Image Placeholder 1"/>
+          <p:cNvSpPr>
+            <a:spLocks noGrp="1" noRot="1" noChangeAspect="1"/>
+          </p:cNvSpPr>
+          <p:nvPr>
+            <p:ph type="sldImg"/>
+          </p:nvPr>
+        </p:nvSpPr>
+        <p:spPr/>
+      </p:sp>
+      <p:sp>
+        <p:nvSpPr>
+          <p:cNvPr id="3" name="Notes Placeholder 2"/>
+          <p:cNvSpPr>
+            <a:spLocks noGrp="1"/>
+          </p:cNvSpPr>
+          <p:nvPr>
+            <p:ph type="body" idx="1"/>
+          </p:nvPr>
+        </p:nvSpPr>
+        <p:spPr/>
+        <p:txBody>
+          <a:bodyPr/>
+          <a:lstStyle/>
+          <a:p>
+            <a:endParaRPr lang="en-US"/>
+          </a:p>
+        </p:txBody>
+      </p:sp>
+      <p:sp>
+        <p:nvSpPr>
+          <p:cNvPr id="4" name="Slide Number Placeholder 3"/>
+          <p:cNvSpPr>
+            <a:spLocks noGrp="1"/>
+          </p:cNvSpPr>
+          <p:nvPr>
+            <p:ph type="sldNum" sz="quarter" idx="10"/>
+          </p:nvPr>
+        </p:nvSpPr>
+        <p:spPr/>
+        <p:txBody>
+          <a:bodyPr/>
+          <a:lstStyle/>
+          <a:p>
+            <a:fld id="{C5B28697-986A-40D8-A866-8267F43CAE9A}" type="slidenum">
+              <a:rPr lang="en-US" smtClean="0"/>
+              <a:t>2</a:t>
+            </a:fld>
+            <a:endParaRPr lang="en-US"/>
+          </a:p>
+        </p:txBody>
+      </p:sp>
+    </p:spTree>
+    <p:extLst>
+      <p:ext uri="{BB962C8B-B14F-4D97-AF65-F5344CB8AC3E}">
+        <p14:creationId xmlns:p14="http://schemas.microsoft.com/office/powerpoint/2010/main" val="1584205750"/>
+      </p:ext>
+    </p:extLst>
+  </p:cSld>
+  <p:clrMapOvr>
+    <a:masterClrMapping/>
+  </p:clrMapOvr>
+</p:notes>
+</file>
+
+<file path=ppt/notesSlides/notesSlide20.xml><?xml version="1.0" encoding="utf-8"?>
+<p:notes xmlns:a="http://schemas.openxmlformats.org/drawingml/2006/main" xmlns:r="http://schemas.openxmlformats.org/officeDocument/2006/relationships" xmlns:p="http://schemas.openxmlformats.org/presentationml/2006/main">
+  <p:cSld>
+    <p:spTree>
+      <p:nvGrpSpPr>
+        <p:cNvPr id="1" name=""/>
+        <p:cNvGrpSpPr/>
+        <p:nvPr/>
+      </p:nvGrpSpPr>
+      <p:grpSpPr>
+        <a:xfrm>
+          <a:off x="0" y="0"/>
+          <a:ext cx="0" cy="0"/>
+          <a:chOff x="0" y="0"/>
+          <a:chExt cx="0" cy="0"/>
+        </a:xfrm>
+      </p:grpSpPr>
+      <p:sp>
+        <p:nvSpPr>
+          <p:cNvPr id="2" name="Slide Image Placeholder 1"/>
+          <p:cNvSpPr>
+            <a:spLocks noGrp="1" noRot="1" noChangeAspect="1"/>
+          </p:cNvSpPr>
+          <p:nvPr>
+            <p:ph type="sldImg"/>
+          </p:nvPr>
+        </p:nvSpPr>
+        <p:spPr/>
+      </p:sp>
+      <p:sp>
+        <p:nvSpPr>
+          <p:cNvPr id="3" name="Notes Placeholder 2"/>
+          <p:cNvSpPr>
+            <a:spLocks noGrp="1"/>
+          </p:cNvSpPr>
+          <p:nvPr>
+            <p:ph type="body" idx="1"/>
+          </p:nvPr>
+        </p:nvSpPr>
+        <p:spPr/>
+        <p:txBody>
+          <a:bodyPr/>
+          <a:lstStyle/>
+          <a:p>
+            <a:endParaRPr lang="en-US"/>
+          </a:p>
+        </p:txBody>
+      </p:sp>
+      <p:sp>
+        <p:nvSpPr>
+          <p:cNvPr id="4" name="Slide Number Placeholder 3"/>
+          <p:cNvSpPr>
+            <a:spLocks noGrp="1"/>
+          </p:cNvSpPr>
+          <p:nvPr>
+            <p:ph type="sldNum" sz="quarter" idx="10"/>
+          </p:nvPr>
+        </p:nvSpPr>
+        <p:spPr/>
+        <p:txBody>
+          <a:bodyPr/>
+          <a:lstStyle/>
+          <a:p>
+            <a:fld id="{C5B28697-986A-40D8-A866-8267F43CAE9A}" type="slidenum">
+              <a:rPr lang="en-US" smtClean="0"/>
+              <a:t>20</a:t>
+            </a:fld>
+            <a:endParaRPr lang="en-US"/>
+          </a:p>
+        </p:txBody>
+      </p:sp>
+    </p:spTree>
+    <p:extLst>
+      <p:ext uri="{BB962C8B-B14F-4D97-AF65-F5344CB8AC3E}">
+        <p14:creationId xmlns:p14="http://schemas.microsoft.com/office/powerpoint/2010/main" val="369643121"/>
+      </p:ext>
+    </p:extLst>
+  </p:cSld>
+  <p:clrMapOvr>
+    <a:masterClrMapping/>
+  </p:clrMapOvr>
+</p:notes>
+</file>
+
+<file path=ppt/notesSlides/notesSlide21.xml><?xml version="1.0" encoding="utf-8"?>
+<p:notes xmlns:a="http://schemas.openxmlformats.org/drawingml/2006/main" xmlns:r="http://schemas.openxmlformats.org/officeDocument/2006/relationships" xmlns:p="http://schemas.openxmlformats.org/presentationml/2006/main">
+  <p:cSld>
+    <p:spTree>
+      <p:nvGrpSpPr>
+        <p:cNvPr id="1" name=""/>
+        <p:cNvGrpSpPr/>
+        <p:nvPr/>
+      </p:nvGrpSpPr>
+      <p:grpSpPr>
+        <a:xfrm>
+          <a:off x="0" y="0"/>
+          <a:ext cx="0" cy="0"/>
+          <a:chOff x="0" y="0"/>
+          <a:chExt cx="0" cy="0"/>
+        </a:xfrm>
+      </p:grpSpPr>
+      <p:sp>
+        <p:nvSpPr>
+          <p:cNvPr id="2" name="Slide Image Placeholder 1"/>
+          <p:cNvSpPr>
+            <a:spLocks noGrp="1" noRot="1" noChangeAspect="1"/>
+          </p:cNvSpPr>
+          <p:nvPr>
+            <p:ph type="sldImg"/>
+          </p:nvPr>
+        </p:nvSpPr>
+        <p:spPr/>
+      </p:sp>
+      <p:sp>
+        <p:nvSpPr>
+          <p:cNvPr id="3" name="Notes Placeholder 2"/>
+          <p:cNvSpPr>
+            <a:spLocks noGrp="1"/>
+          </p:cNvSpPr>
+          <p:nvPr>
+            <p:ph type="body" idx="1"/>
+          </p:nvPr>
+        </p:nvSpPr>
+        <p:spPr/>
+        <p:txBody>
+          <a:bodyPr/>
+          <a:lstStyle/>
+          <a:p>
+            <a:endParaRPr lang="en-US"/>
+          </a:p>
+        </p:txBody>
+      </p:sp>
+      <p:sp>
+        <p:nvSpPr>
+          <p:cNvPr id="4" name="Slide Number Placeholder 3"/>
+          <p:cNvSpPr>
+            <a:spLocks noGrp="1"/>
+          </p:cNvSpPr>
+          <p:nvPr>
+            <p:ph type="sldNum" sz="quarter" idx="10"/>
+          </p:nvPr>
+        </p:nvSpPr>
+        <p:spPr/>
+        <p:txBody>
+          <a:bodyPr/>
+          <a:lstStyle/>
+          <a:p>
+            <a:fld id="{C5B28697-986A-40D8-A866-8267F43CAE9A}" type="slidenum">
+              <a:rPr lang="en-US" smtClean="0"/>
+              <a:t>21</a:t>
+            </a:fld>
+            <a:endParaRPr lang="en-US"/>
+          </a:p>
+        </p:txBody>
+      </p:sp>
+    </p:spTree>
+    <p:extLst>
+      <p:ext uri="{BB962C8B-B14F-4D97-AF65-F5344CB8AC3E}">
+        <p14:creationId xmlns:p14="http://schemas.microsoft.com/office/powerpoint/2010/main" val="1197587144"/>
+      </p:ext>
+    </p:extLst>
+  </p:cSld>
+  <p:clrMapOvr>
+    <a:masterClrMapping/>
+  </p:clrMapOvr>
+</p:notes>
+</file>
+
+<file path=ppt/notesSlides/notesSlide22.xml><?xml version="1.0" encoding="utf-8"?>
+<p:notes xmlns:a="http://schemas.openxmlformats.org/drawingml/2006/main" xmlns:r="http://schemas.openxmlformats.org/officeDocument/2006/relationships" xmlns:p="http://schemas.openxmlformats.org/presentationml/2006/main">
+  <p:cSld>
+    <p:spTree>
+      <p:nvGrpSpPr>
+        <p:cNvPr id="1" name=""/>
+        <p:cNvGrpSpPr/>
+        <p:nvPr/>
+      </p:nvGrpSpPr>
+      <p:grpSpPr>
+        <a:xfrm>
+          <a:off x="0" y="0"/>
+          <a:ext cx="0" cy="0"/>
+          <a:chOff x="0" y="0"/>
+          <a:chExt cx="0" cy="0"/>
+        </a:xfrm>
+      </p:grpSpPr>
+      <p:sp>
+        <p:nvSpPr>
+          <p:cNvPr id="2" name="Slide Image Placeholder 1"/>
+          <p:cNvSpPr>
+            <a:spLocks noGrp="1" noRot="1" noChangeAspect="1"/>
+          </p:cNvSpPr>
+          <p:nvPr>
+            <p:ph type="sldImg"/>
+          </p:nvPr>
+        </p:nvSpPr>
+        <p:spPr/>
+      </p:sp>
+      <p:sp>
+        <p:nvSpPr>
+          <p:cNvPr id="3" name="Notes Placeholder 2"/>
+          <p:cNvSpPr>
+            <a:spLocks noGrp="1"/>
+          </p:cNvSpPr>
+          <p:nvPr>
+            <p:ph type="body" idx="1"/>
+          </p:nvPr>
+        </p:nvSpPr>
+        <p:spPr/>
+        <p:txBody>
+          <a:bodyPr/>
+          <a:lstStyle/>
+          <a:p>
+            <a:endParaRPr lang="en-US"/>
+          </a:p>
+        </p:txBody>
+      </p:sp>
+      <p:sp>
+        <p:nvSpPr>
+          <p:cNvPr id="4" name="Slide Number Placeholder 3"/>
+          <p:cNvSpPr>
+            <a:spLocks noGrp="1"/>
+          </p:cNvSpPr>
+          <p:nvPr>
+            <p:ph type="sldNum" sz="quarter" idx="10"/>
+          </p:nvPr>
+        </p:nvSpPr>
+        <p:spPr/>
+        <p:txBody>
+          <a:bodyPr/>
+          <a:lstStyle/>
+          <a:p>
+            <a:fld id="{C5B28697-986A-40D8-A866-8267F43CAE9A}" type="slidenum">
+              <a:rPr lang="en-US" smtClean="0"/>
+              <a:t>22</a:t>
+            </a:fld>
+            <a:endParaRPr lang="en-US"/>
+          </a:p>
+        </p:txBody>
+      </p:sp>
+    </p:spTree>
+    <p:extLst>
+      <p:ext uri="{BB962C8B-B14F-4D97-AF65-F5344CB8AC3E}">
+        <p14:creationId xmlns:p14="http://schemas.microsoft.com/office/powerpoint/2010/main" val="1406269745"/>
+      </p:ext>
+    </p:extLst>
+  </p:cSld>
+  <p:clrMapOvr>
+    <a:masterClrMapping/>
+  </p:clrMapOvr>
+</p:notes>
+</file>
+
+<file path=ppt/notesSlides/notesSlide23.xml><?xml version="1.0" encoding="utf-8"?>
+<p:notes xmlns:a="http://schemas.openxmlformats.org/drawingml/2006/main" xmlns:r="http://schemas.openxmlformats.org/officeDocument/2006/relationships" xmlns:p="http://schemas.openxmlformats.org/presentationml/2006/main">
+  <p:cSld>
+    <p:spTree>
+      <p:nvGrpSpPr>
+        <p:cNvPr id="1" name=""/>
+        <p:cNvGrpSpPr/>
+        <p:nvPr/>
+      </p:nvGrpSpPr>
+      <p:grpSpPr>
+        <a:xfrm>
+          <a:off x="0" y="0"/>
+          <a:ext cx="0" cy="0"/>
+          <a:chOff x="0" y="0"/>
+          <a:chExt cx="0" cy="0"/>
+        </a:xfrm>
+      </p:grpSpPr>
+      <p:sp>
+        <p:nvSpPr>
+          <p:cNvPr id="2" name="Slide Image Placeholder 1"/>
+          <p:cNvSpPr>
+            <a:spLocks noGrp="1" noRot="1" noChangeAspect="1"/>
+          </p:cNvSpPr>
+          <p:nvPr>
+            <p:ph type="sldImg"/>
+          </p:nvPr>
+        </p:nvSpPr>
+        <p:spPr/>
+      </p:sp>
+      <p:sp>
+        <p:nvSpPr>
+          <p:cNvPr id="3" name="Notes Placeholder 2"/>
+          <p:cNvSpPr>
+            <a:spLocks noGrp="1"/>
+          </p:cNvSpPr>
+          <p:nvPr>
+            <p:ph type="body" idx="1"/>
+          </p:nvPr>
+        </p:nvSpPr>
+        <p:spPr/>
+        <p:txBody>
+          <a:bodyPr/>
+          <a:lstStyle/>
+          <a:p>
+            <a:endParaRPr lang="en-US"/>
+          </a:p>
+        </p:txBody>
+      </p:sp>
+      <p:sp>
+        <p:nvSpPr>
+          <p:cNvPr id="4" name="Slide Number Placeholder 3"/>
+          <p:cNvSpPr>
+            <a:spLocks noGrp="1"/>
+          </p:cNvSpPr>
+          <p:nvPr>
+            <p:ph type="sldNum" sz="quarter" idx="10"/>
+          </p:nvPr>
+        </p:nvSpPr>
+        <p:spPr/>
+        <p:txBody>
+          <a:bodyPr/>
+          <a:lstStyle/>
+          <a:p>
+            <a:fld id="{C5B28697-986A-40D8-A866-8267F43CAE9A}" type="slidenum">
+              <a:rPr lang="en-US" smtClean="0"/>
+              <a:t>23</a:t>
+            </a:fld>
+            <a:endParaRPr lang="en-US"/>
+          </a:p>
+        </p:txBody>
+      </p:sp>
+    </p:spTree>
+    <p:extLst>
+      <p:ext uri="{BB962C8B-B14F-4D97-AF65-F5344CB8AC3E}">
+        <p14:creationId xmlns:p14="http://schemas.microsoft.com/office/powerpoint/2010/main" val="2667403857"/>
+      </p:ext>
+    </p:extLst>
+  </p:cSld>
+  <p:clrMapOvr>
+    <a:masterClrMapping/>
+  </p:clrMapOvr>
+</p:notes>
+</file>
+
+<file path=ppt/notesSlides/notesSlide24.xml><?xml version="1.0" encoding="utf-8"?>
+<p:notes xmlns:a="http://schemas.openxmlformats.org/drawingml/2006/main" xmlns:r="http://schemas.openxmlformats.org/officeDocument/2006/relationships" xmlns:p="http://schemas.openxmlformats.org/presentationml/2006/main">
+  <p:cSld>
+    <p:spTree>
+      <p:nvGrpSpPr>
+        <p:cNvPr id="1" name=""/>
+        <p:cNvGrpSpPr/>
+        <p:nvPr/>
+      </p:nvGrpSpPr>
+      <p:grpSpPr>
+        <a:xfrm>
+          <a:off x="0" y="0"/>
+          <a:ext cx="0" cy="0"/>
+          <a:chOff x="0" y="0"/>
+          <a:chExt cx="0" cy="0"/>
+        </a:xfrm>
+      </p:grpSpPr>
+      <p:sp>
+        <p:nvSpPr>
+          <p:cNvPr id="2" name="Slide Image Placeholder 1"/>
+          <p:cNvSpPr>
+            <a:spLocks noGrp="1" noRot="1" noChangeAspect="1"/>
+          </p:cNvSpPr>
+          <p:nvPr>
+            <p:ph type="sldImg"/>
+          </p:nvPr>
+        </p:nvSpPr>
+        <p:spPr/>
+      </p:sp>
+      <p:sp>
+        <p:nvSpPr>
+          <p:cNvPr id="3" name="Notes Placeholder 2"/>
+          <p:cNvSpPr>
+            <a:spLocks noGrp="1"/>
+          </p:cNvSpPr>
+          <p:nvPr>
+            <p:ph type="body" idx="1"/>
+          </p:nvPr>
+        </p:nvSpPr>
+        <p:spPr/>
+        <p:txBody>
+          <a:bodyPr/>
+          <a:lstStyle/>
+          <a:p>
+            <a:endParaRPr lang="en-US"/>
+          </a:p>
+        </p:txBody>
+      </p:sp>
+      <p:sp>
+        <p:nvSpPr>
+          <p:cNvPr id="4" name="Slide Number Placeholder 3"/>
+          <p:cNvSpPr>
+            <a:spLocks noGrp="1"/>
+          </p:cNvSpPr>
+          <p:nvPr>
+            <p:ph type="sldNum" sz="quarter" idx="10"/>
+          </p:nvPr>
+        </p:nvSpPr>
+        <p:spPr/>
+        <p:txBody>
+          <a:bodyPr/>
+          <a:lstStyle/>
+          <a:p>
+            <a:fld id="{C5B28697-986A-40D8-A866-8267F43CAE9A}" type="slidenum">
+              <a:rPr lang="en-US" smtClean="0"/>
+              <a:t>24</a:t>
+            </a:fld>
+            <a:endParaRPr lang="en-US"/>
+          </a:p>
+        </p:txBody>
+      </p:sp>
+    </p:spTree>
+    <p:extLst>
+      <p:ext uri="{BB962C8B-B14F-4D97-AF65-F5344CB8AC3E}">
+        <p14:creationId xmlns:p14="http://schemas.microsoft.com/office/powerpoint/2010/main" val="3524177278"/>
+      </p:ext>
+    </p:extLst>
+  </p:cSld>
+  <p:clrMapOvr>
+    <a:masterClrMapping/>
+  </p:clrMapOvr>
+</p:notes>
+</file>
+
+<file path=ppt/notesSlides/notesSlide25.xml><?xml version="1.0" encoding="utf-8"?>
+<p:notes xmlns:a="http://schemas.openxmlformats.org/drawingml/2006/main" xmlns:r="http://schemas.openxmlformats.org/officeDocument/2006/relationships" xmlns:p="http://schemas.openxmlformats.org/presentationml/2006/main">
+  <p:cSld>
+    <p:spTree>
+      <p:nvGrpSpPr>
+        <p:cNvPr id="1" name=""/>
+        <p:cNvGrpSpPr/>
+        <p:nvPr/>
+      </p:nvGrpSpPr>
+      <p:grpSpPr>
+        <a:xfrm>
+          <a:off x="0" y="0"/>
+          <a:ext cx="0" cy="0"/>
+          <a:chOff x="0" y="0"/>
+          <a:chExt cx="0" cy="0"/>
+        </a:xfrm>
+      </p:grpSpPr>
+      <p:sp>
+        <p:nvSpPr>
+          <p:cNvPr id="2" name="Slide Image Placeholder 1"/>
+          <p:cNvSpPr>
+            <a:spLocks noGrp="1" noRot="1" noChangeAspect="1"/>
+          </p:cNvSpPr>
+          <p:nvPr>
+            <p:ph type="sldImg"/>
+          </p:nvPr>
+        </p:nvSpPr>
+        <p:spPr/>
+      </p:sp>
+      <p:sp>
+        <p:nvSpPr>
+          <p:cNvPr id="3" name="Notes Placeholder 2"/>
+          <p:cNvSpPr>
+            <a:spLocks noGrp="1"/>
+          </p:cNvSpPr>
+          <p:nvPr>
+            <p:ph type="body" idx="1"/>
+          </p:nvPr>
+        </p:nvSpPr>
+        <p:spPr/>
+        <p:txBody>
+          <a:bodyPr/>
+          <a:lstStyle/>
+          <a:p>
+            <a:endParaRPr lang="en-US"/>
+          </a:p>
+        </p:txBody>
+      </p:sp>
+      <p:sp>
+        <p:nvSpPr>
+          <p:cNvPr id="4" name="Slide Number Placeholder 3"/>
+          <p:cNvSpPr>
+            <a:spLocks noGrp="1"/>
+          </p:cNvSpPr>
+          <p:nvPr>
+            <p:ph type="sldNum" sz="quarter" idx="10"/>
+          </p:nvPr>
+        </p:nvSpPr>
+        <p:spPr/>
+        <p:txBody>
+          <a:bodyPr/>
+          <a:lstStyle/>
+          <a:p>
+            <a:fld id="{C5B28697-986A-40D8-A866-8267F43CAE9A}" type="slidenum">
+              <a:rPr lang="en-US" smtClean="0"/>
+              <a:t>25</a:t>
+            </a:fld>
+            <a:endParaRPr lang="en-US"/>
+          </a:p>
+        </p:txBody>
+      </p:sp>
+    </p:spTree>
+    <p:extLst>
+      <p:ext uri="{BB962C8B-B14F-4D97-AF65-F5344CB8AC3E}">
+        <p14:creationId xmlns:p14="http://schemas.microsoft.com/office/powerpoint/2010/main" val="2733365334"/>
+      </p:ext>
+    </p:extLst>
+  </p:cSld>
+  <p:clrMapOvr>
+    <a:masterClrMapping/>
+  </p:clrMapOvr>
+</p:notes>
+</file>
+
+<file path=ppt/notesSlides/notesSlide26.xml><?xml version="1.0" encoding="utf-8"?>
+<p:notes xmlns:a="http://schemas.openxmlformats.org/drawingml/2006/main" xmlns:r="http://schemas.openxmlformats.org/officeDocument/2006/relationships" xmlns:p="http://schemas.openxmlformats.org/presentationml/2006/main">
+  <p:cSld>
+    <p:spTree>
+      <p:nvGrpSpPr>
+        <p:cNvPr id="1" name=""/>
+        <p:cNvGrpSpPr/>
+        <p:nvPr/>
+      </p:nvGrpSpPr>
+      <p:grpSpPr>
+        <a:xfrm>
+          <a:off x="0" y="0"/>
+          <a:ext cx="0" cy="0"/>
+          <a:chOff x="0" y="0"/>
+          <a:chExt cx="0" cy="0"/>
+        </a:xfrm>
+      </p:grpSpPr>
+      <p:sp>
+        <p:nvSpPr>
+          <p:cNvPr id="2" name="Slide Image Placeholder 1"/>
+          <p:cNvSpPr>
+            <a:spLocks noGrp="1" noRot="1" noChangeAspect="1"/>
+          </p:cNvSpPr>
+          <p:nvPr>
+            <p:ph type="sldImg"/>
+          </p:nvPr>
+        </p:nvSpPr>
+        <p:spPr/>
+      </p:sp>
+      <p:sp>
+        <p:nvSpPr>
+          <p:cNvPr id="3" name="Notes Placeholder 2"/>
+          <p:cNvSpPr>
+            <a:spLocks noGrp="1"/>
+          </p:cNvSpPr>
+          <p:nvPr>
+            <p:ph type="body" idx="1"/>
+          </p:nvPr>
+        </p:nvSpPr>
+        <p:spPr/>
+        <p:txBody>
+          <a:bodyPr/>
+          <a:lstStyle/>
+          <a:p>
+            <a:endParaRPr lang="en-US"/>
+          </a:p>
+        </p:txBody>
+      </p:sp>
+      <p:sp>
+        <p:nvSpPr>
+          <p:cNvPr id="4" name="Slide Number Placeholder 3"/>
+          <p:cNvSpPr>
+            <a:spLocks noGrp="1"/>
+          </p:cNvSpPr>
+          <p:nvPr>
+            <p:ph type="sldNum" sz="quarter" idx="10"/>
+          </p:nvPr>
+        </p:nvSpPr>
+        <p:spPr/>
+        <p:txBody>
+          <a:bodyPr/>
+          <a:lstStyle/>
+          <a:p>
+            <a:fld id="{C5B28697-986A-40D8-A866-8267F43CAE9A}" type="slidenum">
+              <a:rPr lang="en-US" smtClean="0"/>
+              <a:t>26</a:t>
+            </a:fld>
+            <a:endParaRPr lang="en-US"/>
+          </a:p>
+        </p:txBody>
+      </p:sp>
+    </p:spTree>
+    <p:extLst>
+      <p:ext uri="{BB962C8B-B14F-4D97-AF65-F5344CB8AC3E}">
+        <p14:creationId xmlns:p14="http://schemas.microsoft.com/office/powerpoint/2010/main" val="2235363430"/>
+      </p:ext>
+    </p:extLst>
+  </p:cSld>
+  <p:clrMapOvr>
+    <a:masterClrMapping/>
+  </p:clrMapOvr>
+</p:notes>
+</file>
+
+<file path=ppt/notesSlides/notesSlide27.xml><?xml version="1.0" encoding="utf-8"?>
+<p:notes xmlns:a="http://schemas.openxmlformats.org/drawingml/2006/main" xmlns:r="http://schemas.openxmlformats.org/officeDocument/2006/relationships" xmlns:p="http://schemas.openxmlformats.org/presentationml/2006/main">
+  <p:cSld>
+    <p:spTree>
+      <p:nvGrpSpPr>
+        <p:cNvPr id="1" name=""/>
+        <p:cNvGrpSpPr/>
+        <p:nvPr/>
+      </p:nvGrpSpPr>
+      <p:grpSpPr>
+        <a:xfrm>
+          <a:off x="0" y="0"/>
+          <a:ext cx="0" cy="0"/>
+          <a:chOff x="0" y="0"/>
+          <a:chExt cx="0" cy="0"/>
+        </a:xfrm>
+      </p:grpSpPr>
+      <p:sp>
+        <p:nvSpPr>
+          <p:cNvPr id="2" name="Slide Image Placeholder 1"/>
+          <p:cNvSpPr>
+            <a:spLocks noGrp="1" noRot="1" noChangeAspect="1"/>
+          </p:cNvSpPr>
+          <p:nvPr>
+            <p:ph type="sldImg"/>
+          </p:nvPr>
+        </p:nvSpPr>
+        <p:spPr/>
+      </p:sp>
+      <p:sp>
+        <p:nvSpPr>
+          <p:cNvPr id="3" name="Notes Placeholder 2"/>
+          <p:cNvSpPr>
+            <a:spLocks noGrp="1"/>
+          </p:cNvSpPr>
+          <p:nvPr>
+            <p:ph type="body" idx="1"/>
+          </p:nvPr>
+        </p:nvSpPr>
+        <p:spPr/>
+        <p:txBody>
+          <a:bodyPr/>
+          <a:lstStyle/>
+          <a:p>
+            <a:endParaRPr lang="en-US"/>
+          </a:p>
+        </p:txBody>
+      </p:sp>
+      <p:sp>
+        <p:nvSpPr>
+          <p:cNvPr id="4" name="Slide Number Placeholder 3"/>
+          <p:cNvSpPr>
+            <a:spLocks noGrp="1"/>
+          </p:cNvSpPr>
+          <p:nvPr>
+            <p:ph type="sldNum" sz="quarter" idx="10"/>
+          </p:nvPr>
+        </p:nvSpPr>
+        <p:spPr/>
+        <p:txBody>
+          <a:bodyPr/>
+          <a:lstStyle/>
+          <a:p>
+            <a:fld id="{C5B28697-986A-40D8-A866-8267F43CAE9A}" type="slidenum">
+              <a:rPr lang="en-US" smtClean="0"/>
+              <a:t>27</a:t>
+            </a:fld>
+            <a:endParaRPr lang="en-US"/>
+          </a:p>
+        </p:txBody>
+      </p:sp>
+    </p:spTree>
+    <p:extLst>
+      <p:ext uri="{BB962C8B-B14F-4D97-AF65-F5344CB8AC3E}">
+        <p14:creationId xmlns:p14="http://schemas.microsoft.com/office/powerpoint/2010/main" val="3296177554"/>
+      </p:ext>
+    </p:extLst>
+  </p:cSld>
+  <p:clrMapOvr>
+    <a:masterClrMapping/>
+  </p:clrMapOvr>
+</p:notes>
+</file>
+
+<file path=ppt/notesSlides/notesSlide28.xml><?xml version="1.0" encoding="utf-8"?>
+<p:notes xmlns:a="http://schemas.openxmlformats.org/drawingml/2006/main" xmlns:r="http://schemas.openxmlformats.org/officeDocument/2006/relationships" xmlns:p="http://schemas.openxmlformats.org/presentationml/2006/main">
+  <p:cSld>
+    <p:spTree>
+      <p:nvGrpSpPr>
+        <p:cNvPr id="1" name=""/>
+        <p:cNvGrpSpPr/>
+        <p:nvPr/>
+      </p:nvGrpSpPr>
+      <p:grpSpPr>
+        <a:xfrm>
+          <a:off x="0" y="0"/>
+          <a:ext cx="0" cy="0"/>
+          <a:chOff x="0" y="0"/>
+          <a:chExt cx="0" cy="0"/>
+        </a:xfrm>
+      </p:grpSpPr>
+      <p:sp>
+        <p:nvSpPr>
+          <p:cNvPr id="2" name="Slide Image Placeholder 1"/>
+          <p:cNvSpPr>
+            <a:spLocks noGrp="1" noRot="1" noChangeAspect="1"/>
+          </p:cNvSpPr>
+          <p:nvPr>
+            <p:ph type="sldImg"/>
+          </p:nvPr>
+        </p:nvSpPr>
+        <p:spPr/>
+      </p:sp>
+      <p:sp>
+        <p:nvSpPr>
+          <p:cNvPr id="3" name="Notes Placeholder 2"/>
+          <p:cNvSpPr>
+            <a:spLocks noGrp="1"/>
+          </p:cNvSpPr>
+          <p:nvPr>
+            <p:ph type="body" idx="1"/>
+          </p:nvPr>
+        </p:nvSpPr>
+        <p:spPr/>
+        <p:txBody>
+          <a:bodyPr/>
+          <a:lstStyle/>
+          <a:p>
+            <a:endParaRPr lang="en-US"/>
+          </a:p>
+        </p:txBody>
+      </p:sp>
+      <p:sp>
+        <p:nvSpPr>
+          <p:cNvPr id="4" name="Slide Number Placeholder 3"/>
+          <p:cNvSpPr>
+            <a:spLocks noGrp="1"/>
+          </p:cNvSpPr>
+          <p:nvPr>
+            <p:ph type="sldNum" sz="quarter" idx="10"/>
+          </p:nvPr>
+        </p:nvSpPr>
+        <p:spPr/>
+        <p:txBody>
+          <a:bodyPr/>
+          <a:lstStyle/>
+          <a:p>
+            <a:fld id="{C5B28697-986A-40D8-A866-8267F43CAE9A}" type="slidenum">
+              <a:rPr lang="en-US" smtClean="0"/>
+              <a:t>28</a:t>
+            </a:fld>
+            <a:endParaRPr lang="en-US"/>
+          </a:p>
+        </p:txBody>
+      </p:sp>
+    </p:spTree>
+    <p:extLst>
+      <p:ext uri="{BB962C8B-B14F-4D97-AF65-F5344CB8AC3E}">
+        <p14:creationId xmlns:p14="http://schemas.microsoft.com/office/powerpoint/2010/main" val="3067008714"/>
+      </p:ext>
+    </p:extLst>
+  </p:cSld>
+  <p:clrMapOvr>
+    <a:masterClrMapping/>
+  </p:clrMapOvr>
+</p:notes>
+</file>
+
+<file path=ppt/notesSlides/notesSlide29.xml><?xml version="1.0" encoding="utf-8"?>
+<p:notes xmlns:a="http://schemas.openxmlformats.org/drawingml/2006/main" xmlns:r="http://schemas.openxmlformats.org/officeDocument/2006/relationships" xmlns:p="http://schemas.openxmlformats.org/presentationml/2006/main">
+  <p:cSld>
+    <p:spTree>
+      <p:nvGrpSpPr>
+        <p:cNvPr id="1" name=""/>
+        <p:cNvGrpSpPr/>
+        <p:nvPr/>
+      </p:nvGrpSpPr>
+      <p:grpSpPr>
+        <a:xfrm>
+          <a:off x="0" y="0"/>
+          <a:ext cx="0" cy="0"/>
+          <a:chOff x="0" y="0"/>
+          <a:chExt cx="0" cy="0"/>
+        </a:xfrm>
+      </p:grpSpPr>
+      <p:sp>
+        <p:nvSpPr>
+          <p:cNvPr id="2" name="Slide Image Placeholder 1"/>
+          <p:cNvSpPr>
+            <a:spLocks noGrp="1" noRot="1" noChangeAspect="1"/>
+          </p:cNvSpPr>
+          <p:nvPr>
+            <p:ph type="sldImg"/>
+          </p:nvPr>
+        </p:nvSpPr>
+        <p:spPr/>
+      </p:sp>
+      <p:sp>
+        <p:nvSpPr>
+          <p:cNvPr id="3" name="Notes Placeholder 2"/>
+          <p:cNvSpPr>
+            <a:spLocks noGrp="1"/>
+          </p:cNvSpPr>
+          <p:nvPr>
+            <p:ph type="body" idx="1"/>
+          </p:nvPr>
+        </p:nvSpPr>
+        <p:spPr/>
+        <p:txBody>
+          <a:bodyPr/>
+          <a:lstStyle/>
+          <a:p>
+            <a:endParaRPr lang="en-US"/>
+          </a:p>
+        </p:txBody>
+      </p:sp>
+      <p:sp>
+        <p:nvSpPr>
+          <p:cNvPr id="4" name="Slide Number Placeholder 3"/>
+          <p:cNvSpPr>
+            <a:spLocks noGrp="1"/>
+          </p:cNvSpPr>
+          <p:nvPr>
+            <p:ph type="sldNum" sz="quarter" idx="10"/>
+          </p:nvPr>
+        </p:nvSpPr>
+        <p:spPr/>
+        <p:txBody>
+          <a:bodyPr/>
+          <a:lstStyle/>
+          <a:p>
+            <a:fld id="{C5B28697-986A-40D8-A866-8267F43CAE9A}" type="slidenum">
+              <a:rPr lang="en-US" smtClean="0"/>
+              <a:t>29</a:t>
+            </a:fld>
+            <a:endParaRPr lang="en-US"/>
+          </a:p>
+        </p:txBody>
+      </p:sp>
+    </p:spTree>
+    <p:extLst>
+      <p:ext uri="{BB962C8B-B14F-4D97-AF65-F5344CB8AC3E}">
+        <p14:creationId xmlns:p14="http://schemas.microsoft.com/office/powerpoint/2010/main" val="4245503365"/>
+      </p:ext>
+    </p:extLst>
+  </p:cSld>
+  <p:clrMapOvr>
+    <a:masterClrMapping/>
+  </p:clrMapOvr>
+</p:notes>
+</file>
+
+<file path=ppt/notesSlides/notesSlide3.xml><?xml version="1.0" encoding="utf-8"?>
+<p:notes xmlns:a="http://schemas.openxmlformats.org/drawingml/2006/main" xmlns:r="http://schemas.openxmlformats.org/officeDocument/2006/relationships" xmlns:p="http://schemas.openxmlformats.org/presentationml/2006/main">
+  <p:cSld>
+    <p:spTree>
+      <p:nvGrpSpPr>
+        <p:cNvPr id="1" name=""/>
+        <p:cNvGrpSpPr/>
+        <p:nvPr/>
+      </p:nvGrpSpPr>
+      <p:grpSpPr>
+        <a:xfrm>
+          <a:off x="0" y="0"/>
+          <a:ext cx="0" cy="0"/>
+          <a:chOff x="0" y="0"/>
+          <a:chExt cx="0" cy="0"/>
+        </a:xfrm>
+      </p:grpSpPr>
+      <p:sp>
+        <p:nvSpPr>
+          <p:cNvPr id="2" name="Slide Image Placeholder 1"/>
+          <p:cNvSpPr>
+            <a:spLocks noGrp="1" noRot="1" noChangeAspect="1"/>
+          </p:cNvSpPr>
+          <p:nvPr>
+            <p:ph type="sldImg"/>
+          </p:nvPr>
+        </p:nvSpPr>
+        <p:spPr/>
+      </p:sp>
+      <p:sp>
+        <p:nvSpPr>
+          <p:cNvPr id="3" name="Notes Placeholder 2"/>
+          <p:cNvSpPr>
+            <a:spLocks noGrp="1"/>
+          </p:cNvSpPr>
+          <p:nvPr>
+            <p:ph type="body" idx="1"/>
+          </p:nvPr>
+        </p:nvSpPr>
+        <p:spPr/>
+        <p:txBody>
+          <a:bodyPr/>
+          <a:lstStyle/>
+          <a:p>
+            <a:endParaRPr lang="en-US"/>
+          </a:p>
+        </p:txBody>
+      </p:sp>
+      <p:sp>
+        <p:nvSpPr>
+          <p:cNvPr id="4" name="Slide Number Placeholder 3"/>
+          <p:cNvSpPr>
+            <a:spLocks noGrp="1"/>
+          </p:cNvSpPr>
+          <p:nvPr>
+            <p:ph type="sldNum" sz="quarter" idx="10"/>
+          </p:nvPr>
+        </p:nvSpPr>
+        <p:spPr/>
+        <p:txBody>
+          <a:bodyPr/>
+          <a:lstStyle/>
+          <a:p>
+            <a:fld id="{C5B28697-986A-40D8-A866-8267F43CAE9A}" type="slidenum">
+              <a:rPr lang="en-US" smtClean="0"/>
+              <a:t>3</a:t>
+            </a:fld>
+            <a:endParaRPr lang="en-US"/>
+          </a:p>
+        </p:txBody>
+      </p:sp>
+    </p:spTree>
+    <p:extLst>
+      <p:ext uri="{BB962C8B-B14F-4D97-AF65-F5344CB8AC3E}">
+        <p14:creationId xmlns:p14="http://schemas.microsoft.com/office/powerpoint/2010/main" val="154684005"/>
+      </p:ext>
+    </p:extLst>
+  </p:cSld>
+  <p:clrMapOvr>
+    <a:masterClrMapping/>
+  </p:clrMapOvr>
+</p:notes>
+</file>
+
+<file path=ppt/notesSlides/notesSlide30.xml><?xml version="1.0" encoding="utf-8"?>
+<p:notes xmlns:a="http://schemas.openxmlformats.org/drawingml/2006/main" xmlns:r="http://schemas.openxmlformats.org/officeDocument/2006/relationships" xmlns:p="http://schemas.openxmlformats.org/presentationml/2006/main">
+  <p:cSld>
+    <p:spTree>
+      <p:nvGrpSpPr>
+        <p:cNvPr id="1" name=""/>
+        <p:cNvGrpSpPr/>
+        <p:nvPr/>
+      </p:nvGrpSpPr>
+      <p:grpSpPr>
+        <a:xfrm>
+          <a:off x="0" y="0"/>
+          <a:ext cx="0" cy="0"/>
+          <a:chOff x="0" y="0"/>
+          <a:chExt cx="0" cy="0"/>
+        </a:xfrm>
+      </p:grpSpPr>
+      <p:sp>
+        <p:nvSpPr>
+          <p:cNvPr id="2" name="Slide Image Placeholder 1"/>
+          <p:cNvSpPr>
+            <a:spLocks noGrp="1" noRot="1" noChangeAspect="1"/>
+          </p:cNvSpPr>
+          <p:nvPr>
+            <p:ph type="sldImg"/>
+          </p:nvPr>
+        </p:nvSpPr>
+        <p:spPr/>
+      </p:sp>
+      <p:sp>
+        <p:nvSpPr>
+          <p:cNvPr id="3" name="Notes Placeholder 2"/>
+          <p:cNvSpPr>
+            <a:spLocks noGrp="1"/>
+          </p:cNvSpPr>
+          <p:nvPr>
+            <p:ph type="body" idx="1"/>
+          </p:nvPr>
+        </p:nvSpPr>
+        <p:spPr/>
+        <p:txBody>
+          <a:bodyPr/>
+          <a:lstStyle/>
+          <a:p>
+            <a:endParaRPr lang="en-US"/>
+          </a:p>
+        </p:txBody>
+      </p:sp>
+      <p:sp>
+        <p:nvSpPr>
+          <p:cNvPr id="4" name="Slide Number Placeholder 3"/>
+          <p:cNvSpPr>
+            <a:spLocks noGrp="1"/>
+          </p:cNvSpPr>
+          <p:nvPr>
+            <p:ph type="sldNum" sz="quarter" idx="10"/>
+          </p:nvPr>
+        </p:nvSpPr>
+        <p:spPr/>
+        <p:txBody>
+          <a:bodyPr/>
+          <a:lstStyle/>
+          <a:p>
+            <a:fld id="{C5B28697-986A-40D8-A866-8267F43CAE9A}" type="slidenum">
+              <a:rPr lang="en-US" smtClean="0"/>
+              <a:t>30</a:t>
+            </a:fld>
+            <a:endParaRPr lang="en-US"/>
+          </a:p>
+        </p:txBody>
+      </p:sp>
+    </p:spTree>
+    <p:extLst>
+      <p:ext uri="{BB962C8B-B14F-4D97-AF65-F5344CB8AC3E}">
+        <p14:creationId xmlns:p14="http://schemas.microsoft.com/office/powerpoint/2010/main" val="814709804"/>
+      </p:ext>
+    </p:extLst>
+  </p:cSld>
+  <p:clrMapOvr>
+    <a:masterClrMapping/>
+  </p:clrMapOvr>
+</p:notes>
+</file>
+
+<file path=ppt/notesSlides/notesSlide31.xml><?xml version="1.0" encoding="utf-8"?>
+<p:notes xmlns:a="http://schemas.openxmlformats.org/drawingml/2006/main" xmlns:r="http://schemas.openxmlformats.org/officeDocument/2006/relationships" xmlns:p="http://schemas.openxmlformats.org/presentationml/2006/main">
+  <p:cSld>
+    <p:spTree>
+      <p:nvGrpSpPr>
+        <p:cNvPr id="1" name=""/>
+        <p:cNvGrpSpPr/>
+        <p:nvPr/>
+      </p:nvGrpSpPr>
+      <p:grpSpPr>
+        <a:xfrm>
+          <a:off x="0" y="0"/>
+          <a:ext cx="0" cy="0"/>
+          <a:chOff x="0" y="0"/>
+          <a:chExt cx="0" cy="0"/>
+        </a:xfrm>
+      </p:grpSpPr>
+      <p:sp>
+        <p:nvSpPr>
+          <p:cNvPr id="2" name="Slide Image Placeholder 1"/>
+          <p:cNvSpPr>
+            <a:spLocks noGrp="1" noRot="1" noChangeAspect="1"/>
+          </p:cNvSpPr>
+          <p:nvPr>
+            <p:ph type="sldImg"/>
+          </p:nvPr>
+        </p:nvSpPr>
+        <p:spPr/>
+      </p:sp>
+      <p:sp>
+        <p:nvSpPr>
+          <p:cNvPr id="3" name="Notes Placeholder 2"/>
+          <p:cNvSpPr>
+            <a:spLocks noGrp="1"/>
+          </p:cNvSpPr>
+          <p:nvPr>
+            <p:ph type="body" idx="1"/>
+          </p:nvPr>
+        </p:nvSpPr>
+        <p:spPr/>
+        <p:txBody>
+          <a:bodyPr/>
+          <a:lstStyle/>
+          <a:p>
+            <a:endParaRPr lang="en-US"/>
+          </a:p>
+        </p:txBody>
+      </p:sp>
+      <p:sp>
+        <p:nvSpPr>
+          <p:cNvPr id="4" name="Slide Number Placeholder 3"/>
+          <p:cNvSpPr>
+            <a:spLocks noGrp="1"/>
+          </p:cNvSpPr>
+          <p:nvPr>
+            <p:ph type="sldNum" sz="quarter" idx="10"/>
+          </p:nvPr>
+        </p:nvSpPr>
+        <p:spPr/>
+        <p:txBody>
+          <a:bodyPr/>
+          <a:lstStyle/>
+          <a:p>
+            <a:fld id="{C5B28697-986A-40D8-A866-8267F43CAE9A}" type="slidenum">
+              <a:rPr lang="en-US" smtClean="0"/>
+              <a:t>31</a:t>
+            </a:fld>
+            <a:endParaRPr lang="en-US"/>
+          </a:p>
+        </p:txBody>
+      </p:sp>
+    </p:spTree>
+    <p:extLst>
+      <p:ext uri="{BB962C8B-B14F-4D97-AF65-F5344CB8AC3E}">
+        <p14:creationId xmlns:p14="http://schemas.microsoft.com/office/powerpoint/2010/main" val="2880359863"/>
+      </p:ext>
+    </p:extLst>
+  </p:cSld>
+  <p:clrMapOvr>
+    <a:masterClrMapping/>
+  </p:clrMapOvr>
+</p:notes>
+</file>
+
+<file path=ppt/notesSlides/notesSlide32.xml><?xml version="1.0" encoding="utf-8"?>
+<p:notes xmlns:a="http://schemas.openxmlformats.org/drawingml/2006/main" xmlns:r="http://schemas.openxmlformats.org/officeDocument/2006/relationships" xmlns:p="http://schemas.openxmlformats.org/presentationml/2006/main">
+  <p:cSld>
+    <p:spTree>
+      <p:nvGrpSpPr>
+        <p:cNvPr id="1" name=""/>
+        <p:cNvGrpSpPr/>
+        <p:nvPr/>
+      </p:nvGrpSpPr>
+      <p:grpSpPr>
+        <a:xfrm>
+          <a:off x="0" y="0"/>
+          <a:ext cx="0" cy="0"/>
+          <a:chOff x="0" y="0"/>
+          <a:chExt cx="0" cy="0"/>
+        </a:xfrm>
+      </p:grpSpPr>
+      <p:sp>
+        <p:nvSpPr>
+          <p:cNvPr id="2" name="Slide Image Placeholder 1"/>
+          <p:cNvSpPr>
+            <a:spLocks noGrp="1" noRot="1" noChangeAspect="1"/>
+          </p:cNvSpPr>
+          <p:nvPr>
+            <p:ph type="sldImg"/>
+          </p:nvPr>
+        </p:nvSpPr>
+        <p:spPr/>
+      </p:sp>
+      <p:sp>
+        <p:nvSpPr>
+          <p:cNvPr id="3" name="Notes Placeholder 2"/>
+          <p:cNvSpPr>
+            <a:spLocks noGrp="1"/>
+          </p:cNvSpPr>
+          <p:nvPr>
+            <p:ph type="body" idx="1"/>
+          </p:nvPr>
+        </p:nvSpPr>
+        <p:spPr/>
+        <p:txBody>
+          <a:bodyPr/>
+          <a:lstStyle/>
+          <a:p>
+            <a:endParaRPr lang="en-US"/>
+          </a:p>
+        </p:txBody>
+      </p:sp>
+      <p:sp>
+        <p:nvSpPr>
+          <p:cNvPr id="4" name="Slide Number Placeholder 3"/>
+          <p:cNvSpPr>
+            <a:spLocks noGrp="1"/>
+          </p:cNvSpPr>
+          <p:nvPr>
+            <p:ph type="sldNum" sz="quarter" idx="10"/>
+          </p:nvPr>
+        </p:nvSpPr>
+        <p:spPr/>
+        <p:txBody>
+          <a:bodyPr/>
+          <a:lstStyle/>
+          <a:p>
+            <a:fld id="{C5B28697-986A-40D8-A866-8267F43CAE9A}" type="slidenum">
+              <a:rPr lang="en-US" smtClean="0"/>
+              <a:t>33</a:t>
+            </a:fld>
+            <a:endParaRPr lang="en-US"/>
+          </a:p>
+        </p:txBody>
+      </p:sp>
+    </p:spTree>
+    <p:extLst>
+      <p:ext uri="{BB962C8B-B14F-4D97-AF65-F5344CB8AC3E}">
+        <p14:creationId xmlns:p14="http://schemas.microsoft.com/office/powerpoint/2010/main" val="1106143117"/>
+      </p:ext>
+    </p:extLst>
+  </p:cSld>
+  <p:clrMapOvr>
+    <a:masterClrMapping/>
+  </p:clrMapOvr>
+</p:notes>
+</file>
+
+<file path=ppt/notesSlides/notesSlide4.xml><?xml version="1.0" encoding="utf-8"?>
+<p:notes xmlns:a="http://schemas.openxmlformats.org/drawingml/2006/main" xmlns:r="http://schemas.openxmlformats.org/officeDocument/2006/relationships" xmlns:p="http://schemas.openxmlformats.org/presentationml/2006/main">
+  <p:cSld>
+    <p:spTree>
+      <p:nvGrpSpPr>
+        <p:cNvPr id="1" name=""/>
+        <p:cNvGrpSpPr/>
+        <p:nvPr/>
+      </p:nvGrpSpPr>
+      <p:grpSpPr>
+        <a:xfrm>
+          <a:off x="0" y="0"/>
+          <a:ext cx="0" cy="0"/>
+          <a:chOff x="0" y="0"/>
+          <a:chExt cx="0" cy="0"/>
+        </a:xfrm>
+      </p:grpSpPr>
+      <p:sp>
+        <p:nvSpPr>
+          <p:cNvPr id="2" name="Slide Image Placeholder 1"/>
+          <p:cNvSpPr>
+            <a:spLocks noGrp="1" noRot="1" noChangeAspect="1"/>
+          </p:cNvSpPr>
+          <p:nvPr>
+            <p:ph type="sldImg"/>
+          </p:nvPr>
+        </p:nvSpPr>
+        <p:spPr/>
+      </p:sp>
+      <p:sp>
+        <p:nvSpPr>
+          <p:cNvPr id="3" name="Notes Placeholder 2"/>
+          <p:cNvSpPr>
+            <a:spLocks noGrp="1"/>
+          </p:cNvSpPr>
+          <p:nvPr>
+            <p:ph type="body" idx="1"/>
+          </p:nvPr>
+        </p:nvSpPr>
+        <p:spPr/>
+        <p:txBody>
+          <a:bodyPr/>
+          <a:lstStyle/>
+          <a:p>
+            <a:endParaRPr lang="en-US"/>
+          </a:p>
+        </p:txBody>
+      </p:sp>
+      <p:sp>
+        <p:nvSpPr>
+          <p:cNvPr id="4" name="Slide Number Placeholder 3"/>
+          <p:cNvSpPr>
+            <a:spLocks noGrp="1"/>
+          </p:cNvSpPr>
+          <p:nvPr>
+            <p:ph type="sldNum" sz="quarter" idx="10"/>
+          </p:nvPr>
+        </p:nvSpPr>
+        <p:spPr/>
+        <p:txBody>
+          <a:bodyPr/>
+          <a:lstStyle/>
+          <a:p>
+            <a:fld id="{C5B28697-986A-40D8-A866-8267F43CAE9A}" type="slidenum">
+              <a:rPr lang="en-US" smtClean="0"/>
+              <a:t>4</a:t>
+            </a:fld>
+            <a:endParaRPr lang="en-US"/>
+          </a:p>
+        </p:txBody>
+      </p:sp>
+    </p:spTree>
+    <p:extLst>
+      <p:ext uri="{BB962C8B-B14F-4D97-AF65-F5344CB8AC3E}">
+        <p14:creationId xmlns:p14="http://schemas.microsoft.com/office/powerpoint/2010/main" val="924464297"/>
+      </p:ext>
+    </p:extLst>
+  </p:cSld>
+  <p:clrMapOvr>
+    <a:masterClrMapping/>
+  </p:clrMapOvr>
+</p:notes>
+</file>
+
+<file path=ppt/notesSlides/notesSlide5.xml><?xml version="1.0" encoding="utf-8"?>
+<p:notes xmlns:a="http://schemas.openxmlformats.org/drawingml/2006/main" xmlns:r="http://schemas.openxmlformats.org/officeDocument/2006/relationships" xmlns:p="http://schemas.openxmlformats.org/presentationml/2006/main">
+  <p:cSld>
+    <p:spTree>
+      <p:nvGrpSpPr>
+        <p:cNvPr id="1" name=""/>
+        <p:cNvGrpSpPr/>
+        <p:nvPr/>
+      </p:nvGrpSpPr>
+      <p:grpSpPr>
+        <a:xfrm>
+          <a:off x="0" y="0"/>
+          <a:ext cx="0" cy="0"/>
+          <a:chOff x="0" y="0"/>
+          <a:chExt cx="0" cy="0"/>
+        </a:xfrm>
+      </p:grpSpPr>
+      <p:sp>
+        <p:nvSpPr>
+          <p:cNvPr id="2" name="Slide Image Placeholder 1"/>
+          <p:cNvSpPr>
+            <a:spLocks noGrp="1" noRot="1" noChangeAspect="1"/>
+          </p:cNvSpPr>
+          <p:nvPr>
+            <p:ph type="sldImg"/>
+          </p:nvPr>
+        </p:nvSpPr>
+        <p:spPr/>
+      </p:sp>
+      <p:sp>
+        <p:nvSpPr>
+          <p:cNvPr id="3" name="Notes Placeholder 2"/>
+          <p:cNvSpPr>
+            <a:spLocks noGrp="1"/>
+          </p:cNvSpPr>
+          <p:nvPr>
+            <p:ph type="body" idx="1"/>
+          </p:nvPr>
+        </p:nvSpPr>
+        <p:spPr/>
+        <p:txBody>
+          <a:bodyPr/>
+          <a:lstStyle/>
+          <a:p>
+            <a:endParaRPr lang="en-US"/>
+          </a:p>
+        </p:txBody>
+      </p:sp>
+      <p:sp>
+        <p:nvSpPr>
+          <p:cNvPr id="4" name="Slide Number Placeholder 3"/>
+          <p:cNvSpPr>
+            <a:spLocks noGrp="1"/>
+          </p:cNvSpPr>
+          <p:nvPr>
+            <p:ph type="sldNum" sz="quarter" idx="10"/>
+          </p:nvPr>
+        </p:nvSpPr>
+        <p:spPr/>
+        <p:txBody>
+          <a:bodyPr/>
+          <a:lstStyle/>
+          <a:p>
+            <a:fld id="{C5B28697-986A-40D8-A866-8267F43CAE9A}" type="slidenum">
+              <a:rPr lang="en-US" smtClean="0"/>
+              <a:t>5</a:t>
+            </a:fld>
+            <a:endParaRPr lang="en-US"/>
+          </a:p>
+        </p:txBody>
+      </p:sp>
+    </p:spTree>
+    <p:extLst>
+      <p:ext uri="{BB962C8B-B14F-4D97-AF65-F5344CB8AC3E}">
+        <p14:creationId xmlns:p14="http://schemas.microsoft.com/office/powerpoint/2010/main" val="2751729925"/>
+      </p:ext>
+    </p:extLst>
+  </p:cSld>
+  <p:clrMapOvr>
+    <a:masterClrMapping/>
+  </p:clrMapOvr>
+</p:notes>
+</file>
+
+<file path=ppt/notesSlides/notesSlide6.xml><?xml version="1.0" encoding="utf-8"?>
+<p:notes xmlns:a="http://schemas.openxmlformats.org/drawingml/2006/main" xmlns:r="http://schemas.openxmlformats.org/officeDocument/2006/relationships" xmlns:p="http://schemas.openxmlformats.org/presentationml/2006/main">
+  <p:cSld>
+    <p:spTree>
+      <p:nvGrpSpPr>
+        <p:cNvPr id="1" name=""/>
+        <p:cNvGrpSpPr/>
+        <p:nvPr/>
+      </p:nvGrpSpPr>
+      <p:grpSpPr>
+        <a:xfrm>
+          <a:off x="0" y="0"/>
+          <a:ext cx="0" cy="0"/>
+          <a:chOff x="0" y="0"/>
+          <a:chExt cx="0" cy="0"/>
+        </a:xfrm>
+      </p:grpSpPr>
+      <p:sp>
+        <p:nvSpPr>
+          <p:cNvPr id="2" name="Slide Image Placeholder 1"/>
+          <p:cNvSpPr>
+            <a:spLocks noGrp="1" noRot="1" noChangeAspect="1"/>
+          </p:cNvSpPr>
+          <p:nvPr>
+            <p:ph type="sldImg"/>
+          </p:nvPr>
+        </p:nvSpPr>
+        <p:spPr/>
+      </p:sp>
+      <p:sp>
+        <p:nvSpPr>
+          <p:cNvPr id="3" name="Notes Placeholder 2"/>
+          <p:cNvSpPr>
+            <a:spLocks noGrp="1"/>
+          </p:cNvSpPr>
+          <p:nvPr>
+            <p:ph type="body" idx="1"/>
+          </p:nvPr>
+        </p:nvSpPr>
+        <p:spPr/>
+        <p:txBody>
+          <a:bodyPr/>
+          <a:lstStyle/>
+          <a:p>
+            <a:endParaRPr lang="en-US"/>
+          </a:p>
+        </p:txBody>
+      </p:sp>
+      <p:sp>
+        <p:nvSpPr>
+          <p:cNvPr id="4" name="Slide Number Placeholder 3"/>
+          <p:cNvSpPr>
+            <a:spLocks noGrp="1"/>
+          </p:cNvSpPr>
+          <p:nvPr>
+            <p:ph type="sldNum" sz="quarter" idx="10"/>
+          </p:nvPr>
+        </p:nvSpPr>
+        <p:spPr/>
+        <p:txBody>
+          <a:bodyPr/>
+          <a:lstStyle/>
+          <a:p>
+            <a:fld id="{C5B28697-986A-40D8-A866-8267F43CAE9A}" type="slidenum">
+              <a:rPr lang="en-US" smtClean="0"/>
+              <a:t>6</a:t>
+            </a:fld>
+            <a:endParaRPr lang="en-US"/>
+          </a:p>
+        </p:txBody>
+      </p:sp>
+    </p:spTree>
+    <p:extLst>
+      <p:ext uri="{BB962C8B-B14F-4D97-AF65-F5344CB8AC3E}">
+        <p14:creationId xmlns:p14="http://schemas.microsoft.com/office/powerpoint/2010/main" val="3474623084"/>
+      </p:ext>
+    </p:extLst>
+  </p:cSld>
+  <p:clrMapOvr>
+    <a:masterClrMapping/>
+  </p:clrMapOvr>
+</p:notes>
+</file>
+
+<file path=ppt/notesSlides/notesSlide7.xml><?xml version="1.0" encoding="utf-8"?>
+<p:notes xmlns:a="http://schemas.openxmlformats.org/drawingml/2006/main" xmlns:r="http://schemas.openxmlformats.org/officeDocument/2006/relationships" xmlns:p="http://schemas.openxmlformats.org/presentationml/2006/main">
+  <p:cSld>
+    <p:spTree>
+      <p:nvGrpSpPr>
+        <p:cNvPr id="1" name=""/>
+        <p:cNvGrpSpPr/>
+        <p:nvPr/>
+      </p:nvGrpSpPr>
+      <p:grpSpPr>
+        <a:xfrm>
+          <a:off x="0" y="0"/>
+          <a:ext cx="0" cy="0"/>
+          <a:chOff x="0" y="0"/>
+          <a:chExt cx="0" cy="0"/>
+        </a:xfrm>
+      </p:grpSpPr>
+      <p:sp>
+        <p:nvSpPr>
+          <p:cNvPr id="2" name="Slide Image Placeholder 1"/>
+          <p:cNvSpPr>
+            <a:spLocks noGrp="1" noRot="1" noChangeAspect="1"/>
+          </p:cNvSpPr>
+          <p:nvPr>
+            <p:ph type="sldImg"/>
+          </p:nvPr>
+        </p:nvSpPr>
+        <p:spPr/>
+      </p:sp>
+      <p:sp>
+        <p:nvSpPr>
+          <p:cNvPr id="3" name="Notes Placeholder 2"/>
+          <p:cNvSpPr>
+            <a:spLocks noGrp="1"/>
+          </p:cNvSpPr>
+          <p:nvPr>
+            <p:ph type="body" idx="1"/>
+          </p:nvPr>
+        </p:nvSpPr>
+        <p:spPr/>
+        <p:txBody>
+          <a:bodyPr/>
+          <a:lstStyle/>
+          <a:p>
+            <a:endParaRPr lang="en-US"/>
+          </a:p>
+        </p:txBody>
+      </p:sp>
+      <p:sp>
+        <p:nvSpPr>
+          <p:cNvPr id="4" name="Slide Number Placeholder 3"/>
+          <p:cNvSpPr>
+            <a:spLocks noGrp="1"/>
+          </p:cNvSpPr>
+          <p:nvPr>
+            <p:ph type="sldNum" sz="quarter" idx="10"/>
+          </p:nvPr>
+        </p:nvSpPr>
+        <p:spPr/>
+        <p:txBody>
+          <a:bodyPr/>
+          <a:lstStyle/>
+          <a:p>
+            <a:fld id="{C5B28697-986A-40D8-A866-8267F43CAE9A}" type="slidenum">
+              <a:rPr lang="en-US" smtClean="0"/>
+              <a:t>7</a:t>
+            </a:fld>
+            <a:endParaRPr lang="en-US"/>
+          </a:p>
+        </p:txBody>
+      </p:sp>
+    </p:spTree>
+    <p:extLst>
+      <p:ext uri="{BB962C8B-B14F-4D97-AF65-F5344CB8AC3E}">
+        <p14:creationId xmlns:p14="http://schemas.microsoft.com/office/powerpoint/2010/main" val="847076119"/>
+      </p:ext>
+    </p:extLst>
+  </p:cSld>
+  <p:clrMapOvr>
+    <a:masterClrMapping/>
+  </p:clrMapOvr>
+</p:notes>
+</file>
+
+<file path=ppt/notesSlides/notesSlide8.xml><?xml version="1.0" encoding="utf-8"?>
+<p:notes xmlns:a="http://schemas.openxmlformats.org/drawingml/2006/main" xmlns:r="http://schemas.openxmlformats.org/officeDocument/2006/relationships" xmlns:p="http://schemas.openxmlformats.org/presentationml/2006/main">
+  <p:cSld>
+    <p:spTree>
+      <p:nvGrpSpPr>
+        <p:cNvPr id="1" name=""/>
+        <p:cNvGrpSpPr/>
+        <p:nvPr/>
+      </p:nvGrpSpPr>
+      <p:grpSpPr>
+        <a:xfrm>
+          <a:off x="0" y="0"/>
+          <a:ext cx="0" cy="0"/>
+          <a:chOff x="0" y="0"/>
+          <a:chExt cx="0" cy="0"/>
+        </a:xfrm>
+      </p:grpSpPr>
+      <p:sp>
+        <p:nvSpPr>
+          <p:cNvPr id="2" name="Slide Image Placeholder 1"/>
+          <p:cNvSpPr>
+            <a:spLocks noGrp="1" noRot="1" noChangeAspect="1"/>
+          </p:cNvSpPr>
+          <p:nvPr>
+            <p:ph type="sldImg"/>
+          </p:nvPr>
+        </p:nvSpPr>
+        <p:spPr/>
+      </p:sp>
+      <p:sp>
+        <p:nvSpPr>
+          <p:cNvPr id="3" name="Notes Placeholder 2"/>
+          <p:cNvSpPr>
+            <a:spLocks noGrp="1"/>
+          </p:cNvSpPr>
+          <p:nvPr>
+            <p:ph type="body" idx="1"/>
+          </p:nvPr>
+        </p:nvSpPr>
+        <p:spPr/>
+        <p:txBody>
+          <a:bodyPr/>
+          <a:lstStyle/>
+          <a:p>
+            <a:endParaRPr lang="en-US"/>
+          </a:p>
+        </p:txBody>
+      </p:sp>
+      <p:sp>
+        <p:nvSpPr>
+          <p:cNvPr id="4" name="Slide Number Placeholder 3"/>
+          <p:cNvSpPr>
+            <a:spLocks noGrp="1"/>
+          </p:cNvSpPr>
+          <p:nvPr>
+            <p:ph type="sldNum" sz="quarter" idx="10"/>
+          </p:nvPr>
+        </p:nvSpPr>
+        <p:spPr/>
+        <p:txBody>
+          <a:bodyPr/>
+          <a:lstStyle/>
+          <a:p>
+            <a:fld id="{C5B28697-986A-40D8-A866-8267F43CAE9A}" type="slidenum">
+              <a:rPr lang="en-US" smtClean="0"/>
+              <a:t>8</a:t>
+            </a:fld>
+            <a:endParaRPr lang="en-US"/>
+          </a:p>
+        </p:txBody>
+      </p:sp>
+    </p:spTree>
+    <p:extLst>
+      <p:ext uri="{BB962C8B-B14F-4D97-AF65-F5344CB8AC3E}">
+        <p14:creationId xmlns:p14="http://schemas.microsoft.com/office/powerpoint/2010/main" val="4080225204"/>
+      </p:ext>
+    </p:extLst>
+  </p:cSld>
+  <p:clrMapOvr>
+    <a:masterClrMapping/>
+  </p:clrMapOvr>
+</p:notes>
+</file>
+
+<file path=ppt/notesSlides/notesSlide9.xml><?xml version="1.0" encoding="utf-8"?>
+<p:notes xmlns:a="http://schemas.openxmlformats.org/drawingml/2006/main" xmlns:r="http://schemas.openxmlformats.org/officeDocument/2006/relationships" xmlns:p="http://schemas.openxmlformats.org/presentationml/2006/main">
+  <p:cSld>
+    <p:spTree>
+      <p:nvGrpSpPr>
+        <p:cNvPr id="1" name=""/>
+        <p:cNvGrpSpPr/>
+        <p:nvPr/>
+      </p:nvGrpSpPr>
+      <p:grpSpPr>
+        <a:xfrm>
+          <a:off x="0" y="0"/>
+          <a:ext cx="0" cy="0"/>
+          <a:chOff x="0" y="0"/>
+          <a:chExt cx="0" cy="0"/>
+        </a:xfrm>
+      </p:grpSpPr>
+      <p:sp>
+        <p:nvSpPr>
+          <p:cNvPr id="2" name="Slide Image Placeholder 1"/>
+          <p:cNvSpPr>
+            <a:spLocks noGrp="1" noRot="1" noChangeAspect="1"/>
+          </p:cNvSpPr>
+          <p:nvPr>
+            <p:ph type="sldImg"/>
+          </p:nvPr>
+        </p:nvSpPr>
+        <p:spPr/>
+      </p:sp>
+      <p:sp>
+        <p:nvSpPr>
+          <p:cNvPr id="3" name="Notes Placeholder 2"/>
+          <p:cNvSpPr>
+            <a:spLocks noGrp="1"/>
+          </p:cNvSpPr>
+          <p:nvPr>
+            <p:ph type="body" idx="1"/>
+          </p:nvPr>
+        </p:nvSpPr>
+        <p:spPr/>
+        <p:txBody>
+          <a:bodyPr/>
+          <a:lstStyle/>
+          <a:p>
+            <a:endParaRPr lang="en-US"/>
+          </a:p>
+        </p:txBody>
+      </p:sp>
+      <p:sp>
+        <p:nvSpPr>
+          <p:cNvPr id="4" name="Slide Number Placeholder 3"/>
+          <p:cNvSpPr>
+            <a:spLocks noGrp="1"/>
+          </p:cNvSpPr>
+          <p:nvPr>
+            <p:ph type="sldNum" sz="quarter" idx="10"/>
+          </p:nvPr>
+        </p:nvSpPr>
+        <p:spPr/>
+        <p:txBody>
+          <a:bodyPr/>
+          <a:lstStyle/>
+          <a:p>
+            <a:fld id="{C5B28697-986A-40D8-A866-8267F43CAE9A}" type="slidenum">
+              <a:rPr lang="en-US" smtClean="0"/>
+              <a:t>9</a:t>
+            </a:fld>
+            <a:endParaRPr lang="en-US"/>
+          </a:p>
+        </p:txBody>
+      </p:sp>
+    </p:spTree>
+    <p:extLst>
+      <p:ext uri="{BB962C8B-B14F-4D97-AF65-F5344CB8AC3E}">
+        <p14:creationId xmlns:p14="http://schemas.microsoft.com/office/powerpoint/2010/main" val="2213849403"/>
+      </p:ext>
+    </p:extLst>
+  </p:cSld>
+  <p:clrMapOvr>
+    <a:masterClrMapping/>
+  </p:clrMapOvr>
+</p:notes>
 </file>
 
 <file path=ppt/slideLayouts/slideLayout1.xml><?xml version="1.0" encoding="utf-8"?>
@@ -1426,7 +4115,7 @@
           <a:p>
             <a:fld id="{735D7303-448D-4987-A713-76FC59F558D7}" type="datetime1">
               <a:rPr lang="en-US" smtClean="0"/>
-              <a:t>06-Dec-17</a:t>
+              <a:t>07-Dec-17</a:t>
             </a:fld>
             <a:endParaRPr lang="en-US"/>
           </a:p>
@@ -1677,7 +4366,7 @@
           <a:p>
             <a:fld id="{3A168744-867E-4C24-8B2E-AF302187F4BF}" type="datetime1">
               <a:rPr lang="en-US" smtClean="0"/>
-              <a:t>06-Dec-17</a:t>
+              <a:t>07-Dec-17</a:t>
             </a:fld>
             <a:endParaRPr lang="en-US"/>
           </a:p>
@@ -1991,7 +4680,7 @@
           <a:p>
             <a:fld id="{4E37A866-E1EF-4238-B2BE-30EF4FE8AB8B}" type="datetime1">
               <a:rPr lang="en-US" smtClean="0"/>
-              <a:t>06-Dec-17</a:t>
+              <a:t>07-Dec-17</a:t>
             </a:fld>
             <a:endParaRPr lang="en-US"/>
           </a:p>
@@ -2332,7 +5021,7 @@
           <a:p>
             <a:fld id="{473C88BB-6CEE-48B5-A07A-84EC3F1C940F}" type="datetime1">
               <a:rPr lang="en-US" smtClean="0"/>
-              <a:t>06-Dec-17</a:t>
+              <a:t>07-Dec-17</a:t>
             </a:fld>
             <a:endParaRPr lang="en-US"/>
           </a:p>
@@ -2646,7 +5335,7 @@
           <a:p>
             <a:fld id="{0C8D88AC-8907-4979-9AC5-0446AA2547BC}" type="datetime1">
               <a:rPr lang="en-US" smtClean="0"/>
-              <a:t>06-Dec-17</a:t>
+              <a:t>07-Dec-17</a:t>
             </a:fld>
             <a:endParaRPr lang="en-US"/>
           </a:p>
@@ -3039,7 +5728,7 @@
           <a:p>
             <a:fld id="{8B6ABAD7-3757-45A7-BC7A-8CE5E952CE8A}" type="datetime1">
               <a:rPr lang="en-US" smtClean="0"/>
-              <a:t>06-Dec-17</a:t>
+              <a:t>07-Dec-17</a:t>
             </a:fld>
             <a:endParaRPr lang="en-US"/>
           </a:p>
@@ -3209,7 +5898,7 @@
           <a:p>
             <a:fld id="{EDE45C13-6047-4259-9E1A-846E393D5B05}" type="datetime1">
               <a:rPr lang="en-US" smtClean="0"/>
-              <a:t>06-Dec-17</a:t>
+              <a:t>07-Dec-17</a:t>
             </a:fld>
             <a:endParaRPr lang="en-US"/>
           </a:p>
@@ -3389,7 +6078,7 @@
           <a:p>
             <a:fld id="{3AF0B478-AB28-407B-B8C1-FCE727390921}" type="datetime1">
               <a:rPr lang="en-US" smtClean="0"/>
-              <a:t>06-Dec-17</a:t>
+              <a:t>07-Dec-17</a:t>
             </a:fld>
             <a:endParaRPr lang="en-US"/>
           </a:p>
@@ -3565,7 +6254,7 @@
           <a:p>
             <a:fld id="{82281CFB-9E30-441C-B9D8-0729BDB9F586}" type="datetime1">
               <a:rPr lang="en-US" smtClean="0"/>
-              <a:t>06-Dec-17</a:t>
+              <a:t>07-Dec-17</a:t>
             </a:fld>
             <a:endParaRPr lang="en-US"/>
           </a:p>
@@ -3812,7 +6501,7 @@
           <a:p>
             <a:fld id="{C72E0282-C93F-4BA3-BA27-9E409DBD4F37}" type="datetime1">
               <a:rPr lang="en-US" smtClean="0"/>
-              <a:t>06-Dec-17</a:t>
+              <a:t>07-Dec-17</a:t>
             </a:fld>
             <a:endParaRPr lang="en-US"/>
           </a:p>
@@ -4044,7 +6733,7 @@
           <a:p>
             <a:fld id="{BFABBAD4-E38D-40D2-A1FA-160C593122CE}" type="datetime1">
               <a:rPr lang="en-US" smtClean="0"/>
-              <a:t>06-Dec-17</a:t>
+              <a:t>07-Dec-17</a:t>
             </a:fld>
             <a:endParaRPr lang="en-US"/>
           </a:p>
@@ -4418,7 +7107,7 @@
           <a:p>
             <a:fld id="{79981F0E-01BA-4931-9B7C-048789FA0F66}" type="datetime1">
               <a:rPr lang="en-US" smtClean="0"/>
-              <a:t>06-Dec-17</a:t>
+              <a:t>07-Dec-17</a:t>
             </a:fld>
             <a:endParaRPr lang="en-US"/>
           </a:p>
@@ -4541,7 +7230,7 @@
           <a:p>
             <a:fld id="{AD5CAD07-739F-4193-B763-9A1F340D3CA3}" type="datetime1">
               <a:rPr lang="en-US" smtClean="0"/>
-              <a:t>06-Dec-17</a:t>
+              <a:t>07-Dec-17</a:t>
             </a:fld>
             <a:endParaRPr lang="en-US"/>
           </a:p>
@@ -4636,7 +7325,7 @@
           <a:p>
             <a:fld id="{8A8CA216-30D1-479F-81E1-D17C3D302EE3}" type="datetime1">
               <a:rPr lang="en-US" smtClean="0"/>
-              <a:t>06-Dec-17</a:t>
+              <a:t>07-Dec-17</a:t>
             </a:fld>
             <a:endParaRPr lang="en-US"/>
           </a:p>
@@ -4891,7 +7580,7 @@
           <a:p>
             <a:fld id="{0D936126-1216-4D53-AF20-0E9966B95E8B}" type="datetime1">
               <a:rPr lang="en-US" smtClean="0"/>
-              <a:t>06-Dec-17</a:t>
+              <a:t>07-Dec-17</a:t>
             </a:fld>
             <a:endParaRPr lang="en-US"/>
           </a:p>
@@ -5154,7 +7843,7 @@
           <a:p>
             <a:fld id="{2D91A28C-04A7-4BA1-A90F-F26E6C3E8D83}" type="datetime1">
               <a:rPr lang="en-US" smtClean="0"/>
-              <a:t>06-Dec-17</a:t>
+              <a:t>07-Dec-17</a:t>
             </a:fld>
             <a:endParaRPr lang="en-US"/>
           </a:p>
@@ -5897,7 +8586,7 @@
           <a:p>
             <a:fld id="{08532FE4-17FC-4AA3-A264-75779A4D6D0A}" type="datetime1">
               <a:rPr lang="en-US" smtClean="0"/>
-              <a:t>06-Dec-17</a:t>
+              <a:t>07-Dec-17</a:t>
             </a:fld>
             <a:endParaRPr lang="en-US"/>
           </a:p>
@@ -6668,7 +9357,7 @@
           <p:nvPr/>
         </p:nvPicPr>
         <p:blipFill>
-          <a:blip r:embed="rId2">
+          <a:blip r:embed="rId3">
             <a:extLst>
               <a:ext uri="{28A0092B-C50C-407E-A947-70E740481C1C}">
                 <a14:useLocalDpi xmlns:a14="http://schemas.microsoft.com/office/drawing/2010/main" val="0"/>
@@ -7074,7 +9763,7 @@
           <p:nvPr/>
         </p:nvPicPr>
         <p:blipFill>
-          <a:blip r:embed="rId2">
+          <a:blip r:embed="rId3">
             <a:extLst>
               <a:ext uri="{28A0092B-C50C-407E-A947-70E740481C1C}">
                 <a14:useLocalDpi xmlns:a14="http://schemas.microsoft.com/office/drawing/2010/main" val="0"/>
@@ -8865,7 +11554,7 @@
           <p:nvPr/>
         </p:nvPicPr>
         <p:blipFill>
-          <a:blip r:embed="rId2">
+          <a:blip r:embed="rId3">
             <a:extLst>
               <a:ext uri="{28A0092B-C50C-407E-A947-70E740481C1C}">
                 <a14:useLocalDpi xmlns:a14="http://schemas.microsoft.com/office/drawing/2010/main" val="0"/>
@@ -9577,7 +12266,7 @@
           <p:nvPr/>
         </p:nvPicPr>
         <p:blipFill>
-          <a:blip r:embed="rId2"/>
+          <a:blip r:embed="rId3"/>
           <a:stretch>
             <a:fillRect/>
           </a:stretch>
@@ -9779,7 +12468,7 @@
           <p:nvPr/>
         </p:nvPicPr>
         <p:blipFill>
-          <a:blip r:embed="rId2"/>
+          <a:blip r:embed="rId3"/>
           <a:stretch>
             <a:fillRect/>
           </a:stretch>
@@ -11007,7 +13696,7 @@
           <p:nvPr/>
         </p:nvPicPr>
         <p:blipFill>
-          <a:blip r:embed="rId2" cstate="print">
+          <a:blip r:embed="rId3" cstate="print">
             <a:extLst>
               <a:ext uri="{28A0092B-C50C-407E-A947-70E740481C1C}">
                 <a14:useLocalDpi xmlns:a14="http://schemas.microsoft.com/office/drawing/2010/main" val="0"/>
@@ -11128,7 +13817,7 @@
           <p:nvPr/>
         </p:nvPicPr>
         <p:blipFill>
-          <a:blip r:embed="rId2">
+          <a:blip r:embed="rId3">
             <a:extLst>
               <a:ext uri="{28A0092B-C50C-407E-A947-70E740481C1C}">
                 <a14:useLocalDpi xmlns:a14="http://schemas.microsoft.com/office/drawing/2010/main" val="0"/>
@@ -11746,7 +14435,7 @@
             <p:nvPr/>
           </p:nvPicPr>
           <p:blipFill>
-            <a:blip r:embed="rId2">
+            <a:blip r:embed="rId3">
               <a:extLst>
                 <a:ext uri="{28A0092B-C50C-407E-A947-70E740481C1C}">
                   <a14:useLocalDpi xmlns:a14="http://schemas.microsoft.com/office/drawing/2010/main" val="0"/>
@@ -11785,7 +14474,7 @@
             <p:nvPr/>
           </p:nvPicPr>
           <p:blipFill>
-            <a:blip r:embed="rId3" cstate="print">
+            <a:blip r:embed="rId4" cstate="print">
               <a:extLst>
                 <a:ext uri="{28A0092B-C50C-407E-A947-70E740481C1C}">
                   <a14:useLocalDpi xmlns:a14="http://schemas.microsoft.com/office/drawing/2010/main" val="0"/>
@@ -12230,7 +14919,7 @@
           <p:nvPr/>
         </p:nvPicPr>
         <p:blipFill>
-          <a:blip r:embed="rId2">
+          <a:blip r:embed="rId3">
             <a:extLst>
               <a:ext uri="{28A0092B-C50C-407E-A947-70E740481C1C}">
                 <a14:useLocalDpi xmlns:a14="http://schemas.microsoft.com/office/drawing/2010/main" val="0"/>
@@ -12511,7 +15200,7 @@
           <p:nvPr/>
         </p:nvPicPr>
         <p:blipFill>
-          <a:blip r:embed="rId2">
+          <a:blip r:embed="rId3">
             <a:extLst>
               <a:ext uri="{28A0092B-C50C-407E-A947-70E740481C1C}">
                 <a14:useLocalDpi xmlns:a14="http://schemas.microsoft.com/office/drawing/2010/main" val="0"/>
@@ -12710,7 +15399,7 @@
           <p:nvPr/>
         </p:nvPicPr>
         <p:blipFill>
-          <a:blip r:embed="rId2"/>
+          <a:blip r:embed="rId3"/>
           <a:stretch>
             <a:fillRect/>
           </a:stretch>
@@ -12909,7 +15598,7 @@
           <p:nvPr/>
         </p:nvPicPr>
         <p:blipFill>
-          <a:blip r:embed="rId2" cstate="print">
+          <a:blip r:embed="rId3" cstate="print">
             <a:extLst>
               <a:ext uri="{28A0092B-C50C-407E-A947-70E740481C1C}">
                 <a14:useLocalDpi xmlns:a14="http://schemas.microsoft.com/office/drawing/2010/main" val="0"/>
@@ -13131,7 +15820,7 @@
           <p:nvPr/>
         </p:nvPicPr>
         <p:blipFill>
-          <a:blip r:embed="rId2" cstate="print">
+          <a:blip r:embed="rId3" cstate="print">
             <a:extLst>
               <a:ext uri="{28A0092B-C50C-407E-A947-70E740481C1C}">
                 <a14:useLocalDpi xmlns:a14="http://schemas.microsoft.com/office/drawing/2010/main" val="0"/>
@@ -13170,7 +15859,7 @@
           <p:nvPr/>
         </p:nvPicPr>
         <p:blipFill>
-          <a:blip r:embed="rId3" cstate="print">
+          <a:blip r:embed="rId4" cstate="print">
             <a:extLst>
               <a:ext uri="{28A0092B-C50C-407E-A947-70E740481C1C}">
                 <a14:useLocalDpi xmlns:a14="http://schemas.microsoft.com/office/drawing/2010/main" val="0"/>
@@ -13211,7 +15900,7 @@
           <p:nvPr/>
         </p:nvPicPr>
         <p:blipFill>
-          <a:blip r:embed="rId4">
+          <a:blip r:embed="rId5">
             <a:extLst>
               <a:ext uri="{28A0092B-C50C-407E-A947-70E740481C1C}">
                 <a14:useLocalDpi xmlns:a14="http://schemas.microsoft.com/office/drawing/2010/main" val="0"/>
@@ -13364,50 +16053,52 @@
         </p:nvSpPr>
         <p:spPr/>
         <p:txBody>
-          <a:bodyPr/>
-          <a:lstStyle/>
-          <a:p>
-            <a:r>
-              <a:rPr lang="en-US" dirty="0"/>
+          <a:bodyPr>
+            <a:normAutofit/>
+          </a:bodyPr>
+          <a:lstStyle/>
+          <a:p>
+            <a:r>
+              <a:rPr lang="en-US" sz="4500" dirty="0"/>
               <a:t>IV. </a:t>
             </a:r>
             <a:r>
-              <a:rPr lang="en-US" dirty="0" err="1"/>
+              <a:rPr lang="en-US" sz="4500" dirty="0" err="1"/>
               <a:t>Xây</a:t>
             </a:r>
             <a:r>
-              <a:rPr lang="en-US" dirty="0"/>
-              <a:t> </a:t>
-            </a:r>
-            <a:r>
-              <a:rPr lang="en-US" dirty="0" err="1"/>
+              <a:rPr lang="en-US" sz="4500" dirty="0"/>
+              <a:t> </a:t>
+            </a:r>
+            <a:r>
+              <a:rPr lang="en-US" sz="4500" dirty="0" err="1"/>
               <a:t>dựng</a:t>
             </a:r>
             <a:r>
-              <a:rPr lang="en-US" dirty="0"/>
-              <a:t> </a:t>
-            </a:r>
-            <a:r>
-              <a:rPr lang="en-US" dirty="0" err="1"/>
+              <a:rPr lang="en-US" sz="4500" dirty="0"/>
+              <a:t> </a:t>
+            </a:r>
+            <a:r>
+              <a:rPr lang="en-US" sz="4500" dirty="0" err="1"/>
               <a:t>các</a:t>
             </a:r>
             <a:r>
-              <a:rPr lang="en-US" dirty="0"/>
-              <a:t> </a:t>
-            </a:r>
-            <a:r>
-              <a:rPr lang="en-US" dirty="0" err="1"/>
+              <a:rPr lang="en-US" sz="4500" dirty="0"/>
+              <a:t> </a:t>
+            </a:r>
+            <a:r>
+              <a:rPr lang="en-US" sz="4500" dirty="0" err="1"/>
               <a:t>giao</a:t>
             </a:r>
             <a:r>
-              <a:rPr lang="en-US" dirty="0"/>
-              <a:t> </a:t>
-            </a:r>
-            <a:r>
-              <a:rPr lang="en-US" dirty="0" err="1"/>
+              <a:rPr lang="en-US" sz="4500" dirty="0"/>
+              <a:t> </a:t>
+            </a:r>
+            <a:r>
+              <a:rPr lang="en-US" sz="4500" dirty="0" err="1"/>
               <a:t>diện</a:t>
             </a:r>
-            <a:endParaRPr lang="en-US" dirty="0"/>
+            <a:endParaRPr lang="en-US" sz="4500" dirty="0"/>
           </a:p>
         </p:txBody>
       </p:sp>
@@ -13426,7 +16117,7 @@
           <p:nvPr/>
         </p:nvPicPr>
         <p:blipFill>
-          <a:blip r:embed="rId2">
+          <a:blip r:embed="rId3">
             <a:extLst>
               <a:ext uri="{28A0092B-C50C-407E-A947-70E740481C1C}">
                 <a14:useLocalDpi xmlns:a14="http://schemas.microsoft.com/office/drawing/2010/main" val="0"/>
@@ -13439,7 +16130,7 @@
         </p:blipFill>
         <p:spPr>
           <a:xfrm>
-            <a:off x="1859307" y="1270000"/>
+            <a:off x="2125139" y="1437099"/>
             <a:ext cx="2442237" cy="4231742"/>
           </a:xfrm>
           <a:prstGeom prst="rect">
@@ -13462,7 +16153,7 @@
           <p:nvPr/>
         </p:nvPicPr>
         <p:blipFill>
-          <a:blip r:embed="rId3">
+          <a:blip r:embed="rId4">
             <a:extLst>
               <a:ext uri="{28A0092B-C50C-407E-A947-70E740481C1C}">
                 <a14:useLocalDpi xmlns:a14="http://schemas.microsoft.com/office/drawing/2010/main" val="0"/>
@@ -13475,7 +16166,7 @@
         </p:blipFill>
         <p:spPr>
           <a:xfrm>
-            <a:off x="4562461" y="1270000"/>
+            <a:off x="5400171" y="1437099"/>
             <a:ext cx="2478735" cy="4231742"/>
           </a:xfrm>
           <a:prstGeom prst="rect">
@@ -13526,7 +16217,7 @@
         </p:nvSpPr>
         <p:spPr>
           <a:xfrm>
-            <a:off x="3038753" y="5792810"/>
+            <a:off x="3193299" y="5791053"/>
             <a:ext cx="3057247" cy="369332"/>
           </a:xfrm>
           <a:prstGeom prst="rect">
@@ -13695,7 +16386,7 @@
           <p:nvPr/>
         </p:nvPicPr>
         <p:blipFill>
-          <a:blip r:embed="rId2">
+          <a:blip r:embed="rId3">
             <a:extLst>
               <a:ext uri="{28A0092B-C50C-407E-A947-70E740481C1C}">
                 <a14:useLocalDpi xmlns:a14="http://schemas.microsoft.com/office/drawing/2010/main" val="0"/>
@@ -13708,7 +16399,7 @@
         </p:blipFill>
         <p:spPr>
           <a:xfrm>
-            <a:off x="925695" y="1352282"/>
+            <a:off x="677334" y="1446102"/>
             <a:ext cx="2603116" cy="4475140"/>
           </a:xfrm>
           <a:prstGeom prst="rect">
@@ -13729,7 +16420,7 @@
           <p:nvPr/>
         </p:nvPicPr>
         <p:blipFill>
-          <a:blip r:embed="rId3">
+          <a:blip r:embed="rId4">
             <a:extLst>
               <a:ext uri="{28A0092B-C50C-407E-A947-70E740481C1C}">
                 <a14:useLocalDpi xmlns:a14="http://schemas.microsoft.com/office/drawing/2010/main" val="0"/>
@@ -13743,8 +16434,8 @@
         </p:blipFill>
         <p:spPr bwMode="auto">
           <a:xfrm>
-            <a:off x="3769443" y="1352280"/>
-            <a:ext cx="2603116" cy="4475140"/>
+            <a:off x="3681443" y="1446102"/>
+            <a:ext cx="2603116" cy="4265407"/>
           </a:xfrm>
           <a:prstGeom prst="rect">
             <a:avLst/>
@@ -13755,12 +16446,224 @@
           </a:ln>
         </p:spPr>
       </p:pic>
+      <p:sp>
+        <p:nvSpPr>
+          <p:cNvPr id="3" name="Slide Number Placeholder 2">
+            <a:extLst>
+              <a:ext uri="{FF2B5EF4-FFF2-40B4-BE49-F238E27FC236}">
+                <a16:creationId xmlns:a16="http://schemas.microsoft.com/office/drawing/2014/main" id="{7F65368C-E281-47D8-871B-6DB60455A906}"/>
+              </a:ext>
+            </a:extLst>
+          </p:cNvPr>
+          <p:cNvSpPr>
+            <a:spLocks noGrp="1"/>
+          </p:cNvSpPr>
+          <p:nvPr>
+            <p:ph type="sldNum" sz="quarter" idx="12"/>
+          </p:nvPr>
+        </p:nvSpPr>
+        <p:spPr/>
+        <p:txBody>
+          <a:bodyPr/>
+          <a:lstStyle/>
+          <a:p>
+            <a:fld id="{3CC90D32-697D-4F0D-8E4A-0F6F398B2A4E}" type="slidenum">
+              <a:rPr lang="en-US" smtClean="0"/>
+              <a:t>27</a:t>
+            </a:fld>
+            <a:endParaRPr lang="en-US"/>
+          </a:p>
+        </p:txBody>
+      </p:sp>
+      <p:sp>
+        <p:nvSpPr>
+          <p:cNvPr id="7" name="TextBox 6">
+            <a:extLst>
+              <a:ext uri="{FF2B5EF4-FFF2-40B4-BE49-F238E27FC236}">
+                <a16:creationId xmlns:a16="http://schemas.microsoft.com/office/drawing/2014/main" id="{38F3C6DA-7EEF-4830-8D1F-702E5C9C7F8B}"/>
+              </a:ext>
+            </a:extLst>
+          </p:cNvPr>
+          <p:cNvSpPr txBox="1"/>
+          <p:nvPr/>
+        </p:nvSpPr>
+        <p:spPr>
+          <a:xfrm>
+            <a:off x="1314182" y="6037155"/>
+            <a:ext cx="1826141" cy="369332"/>
+          </a:xfrm>
+          <a:prstGeom prst="rect">
+            <a:avLst/>
+          </a:prstGeom>
+          <a:noFill/>
+        </p:spPr>
+        <p:txBody>
+          <a:bodyPr wrap="none" rtlCol="0">
+            <a:spAutoFit/>
+          </a:bodyPr>
+          <a:lstStyle/>
+          <a:p>
+            <a:r>
+              <a:rPr lang="en-US" i="1" dirty="0" err="1"/>
+              <a:t>Giao</a:t>
+            </a:r>
+            <a:r>
+              <a:rPr lang="en-US" i="1" dirty="0"/>
+              <a:t> </a:t>
+            </a:r>
+            <a:r>
+              <a:rPr lang="en-US" i="1" dirty="0" err="1"/>
+              <a:t>đăng</a:t>
+            </a:r>
+            <a:r>
+              <a:rPr lang="en-US" i="1" dirty="0"/>
+              <a:t> </a:t>
+            </a:r>
+            <a:r>
+              <a:rPr lang="en-US" i="1" dirty="0" err="1"/>
+              <a:t>nhập</a:t>
+            </a:r>
+            <a:endParaRPr lang="en-US" i="1" dirty="0"/>
+          </a:p>
+        </p:txBody>
+      </p:sp>
+      <p:sp>
+        <p:nvSpPr>
+          <p:cNvPr id="8" name="TextBox 7">
+            <a:extLst>
+              <a:ext uri="{FF2B5EF4-FFF2-40B4-BE49-F238E27FC236}">
+                <a16:creationId xmlns:a16="http://schemas.microsoft.com/office/drawing/2014/main" id="{B8447C13-5885-4E46-8A88-63D4A67DA696}"/>
+              </a:ext>
+            </a:extLst>
+          </p:cNvPr>
+          <p:cNvSpPr txBox="1"/>
+          <p:nvPr/>
+        </p:nvSpPr>
+        <p:spPr>
+          <a:xfrm>
+            <a:off x="6825680" y="6138969"/>
+            <a:ext cx="2121093" cy="369332"/>
+          </a:xfrm>
+          <a:prstGeom prst="rect">
+            <a:avLst/>
+          </a:prstGeom>
+          <a:noFill/>
+        </p:spPr>
+        <p:txBody>
+          <a:bodyPr wrap="none" rtlCol="0">
+            <a:spAutoFit/>
+          </a:bodyPr>
+          <a:lstStyle/>
+          <a:p>
+            <a:r>
+              <a:rPr lang="en-US" i="1" dirty="0" err="1"/>
+              <a:t>Giao</a:t>
+            </a:r>
+            <a:r>
+              <a:rPr lang="en-US" i="1" dirty="0"/>
+              <a:t> </a:t>
+            </a:r>
+            <a:r>
+              <a:rPr lang="en-US" i="1" dirty="0" err="1"/>
+              <a:t>diện</a:t>
+            </a:r>
+            <a:r>
+              <a:rPr lang="en-US" i="1" dirty="0"/>
+              <a:t> </a:t>
+            </a:r>
+            <a:r>
+              <a:rPr lang="en-US" i="1" dirty="0" err="1"/>
+              <a:t>thông</a:t>
+            </a:r>
+            <a:r>
+              <a:rPr lang="en-US" i="1" dirty="0"/>
+              <a:t> tin</a:t>
+            </a:r>
+          </a:p>
+        </p:txBody>
+      </p:sp>
+      <p:sp>
+        <p:nvSpPr>
+          <p:cNvPr id="9" name="TextBox 8">
+            <a:extLst>
+              <a:ext uri="{FF2B5EF4-FFF2-40B4-BE49-F238E27FC236}">
+                <a16:creationId xmlns:a16="http://schemas.microsoft.com/office/drawing/2014/main" id="{10F69EA3-F19E-4D6A-8488-07AE24BD5A90}"/>
+              </a:ext>
+            </a:extLst>
+          </p:cNvPr>
+          <p:cNvSpPr txBox="1"/>
+          <p:nvPr/>
+        </p:nvSpPr>
+        <p:spPr>
+          <a:xfrm>
+            <a:off x="3394265" y="6041362"/>
+            <a:ext cx="3177473" cy="369332"/>
+          </a:xfrm>
+          <a:prstGeom prst="rect">
+            <a:avLst/>
+          </a:prstGeom>
+          <a:noFill/>
+        </p:spPr>
+        <p:txBody>
+          <a:bodyPr wrap="none" rtlCol="0">
+            <a:spAutoFit/>
+          </a:bodyPr>
+          <a:lstStyle/>
+          <a:p>
+            <a:r>
+              <a:rPr lang="en-US" i="1" dirty="0" err="1"/>
+              <a:t>Giao</a:t>
+            </a:r>
+            <a:r>
+              <a:rPr lang="en-US" i="1" dirty="0"/>
+              <a:t> </a:t>
+            </a:r>
+            <a:r>
+              <a:rPr lang="en-US" i="1" dirty="0" err="1"/>
+              <a:t>diện</a:t>
+            </a:r>
+            <a:r>
+              <a:rPr lang="en-US" i="1" dirty="0"/>
+              <a:t> </a:t>
+            </a:r>
+            <a:r>
+              <a:rPr lang="en-US" i="1" dirty="0" err="1"/>
+              <a:t>danh</a:t>
+            </a:r>
+            <a:r>
+              <a:rPr lang="en-US" i="1" dirty="0"/>
+              <a:t> </a:t>
+            </a:r>
+            <a:r>
+              <a:rPr lang="en-US" i="1" dirty="0" err="1"/>
+              <a:t>sách</a:t>
+            </a:r>
+            <a:r>
+              <a:rPr lang="en-US" i="1" dirty="0"/>
+              <a:t> </a:t>
+            </a:r>
+            <a:r>
+              <a:rPr lang="en-US" i="1" dirty="0" err="1"/>
+              <a:t>khu</a:t>
+            </a:r>
+            <a:r>
+              <a:rPr lang="en-US" i="1" dirty="0"/>
+              <a:t> </a:t>
+            </a:r>
+            <a:r>
+              <a:rPr lang="en-US" i="1" dirty="0" err="1"/>
+              <a:t>vực</a:t>
+            </a:r>
+            <a:endParaRPr lang="en-US" i="1" dirty="0"/>
+          </a:p>
+        </p:txBody>
+      </p:sp>
       <p:pic>
         <p:nvPicPr>
-          <p:cNvPr id="15" name="Picture 14">
+          <p:cNvPr id="4" name="Picture 3">
             <a:extLst>
               <a:ext uri="{FF2B5EF4-FFF2-40B4-BE49-F238E27FC236}">
-                <a16:creationId xmlns:a16="http://schemas.microsoft.com/office/drawing/2014/main" id="{CACAD153-1C68-4B18-B580-DAEB47FD1BBC}"/>
+                <a16:creationId xmlns:a16="http://schemas.microsoft.com/office/drawing/2014/main" id="{DB995E8F-8FF1-4DAD-99CB-106899B6547C}"/>
               </a:ext>
             </a:extLst>
           </p:cNvPr>
@@ -13770,239 +16673,21 @@
           <p:nvPr/>
         </p:nvPicPr>
         <p:blipFill>
-          <a:blip r:embed="rId4">
-            <a:extLst>
-              <a:ext uri="{28A0092B-C50C-407E-A947-70E740481C1C}">
-                <a14:useLocalDpi xmlns:a14="http://schemas.microsoft.com/office/drawing/2010/main" val="0"/>
-              </a:ext>
-            </a:extLst>
-          </a:blip>
+          <a:blip r:embed="rId5"/>
           <a:stretch>
             <a:fillRect/>
           </a:stretch>
         </p:blipFill>
         <p:spPr>
           <a:xfrm>
-            <a:off x="6587888" y="1352281"/>
-            <a:ext cx="2520518" cy="4475139"/>
+            <a:off x="6670886" y="1446102"/>
+            <a:ext cx="2603116" cy="4556606"/>
           </a:xfrm>
           <a:prstGeom prst="rect">
             <a:avLst/>
           </a:prstGeom>
         </p:spPr>
       </p:pic>
-      <p:sp>
-        <p:nvSpPr>
-          <p:cNvPr id="3" name="Slide Number Placeholder 2">
-            <a:extLst>
-              <a:ext uri="{FF2B5EF4-FFF2-40B4-BE49-F238E27FC236}">
-                <a16:creationId xmlns:a16="http://schemas.microsoft.com/office/drawing/2014/main" id="{7F65368C-E281-47D8-871B-6DB60455A906}"/>
-              </a:ext>
-            </a:extLst>
-          </p:cNvPr>
-          <p:cNvSpPr>
-            <a:spLocks noGrp="1"/>
-          </p:cNvSpPr>
-          <p:nvPr>
-            <p:ph type="sldNum" sz="quarter" idx="12"/>
-          </p:nvPr>
-        </p:nvSpPr>
-        <p:spPr/>
-        <p:txBody>
-          <a:bodyPr/>
-          <a:lstStyle/>
-          <a:p>
-            <a:fld id="{3CC90D32-697D-4F0D-8E4A-0F6F398B2A4E}" type="slidenum">
-              <a:rPr lang="en-US" smtClean="0"/>
-              <a:t>27</a:t>
-            </a:fld>
-            <a:endParaRPr lang="en-US"/>
-          </a:p>
-        </p:txBody>
-      </p:sp>
-      <p:sp>
-        <p:nvSpPr>
-          <p:cNvPr id="7" name="TextBox 6">
-            <a:extLst>
-              <a:ext uri="{FF2B5EF4-FFF2-40B4-BE49-F238E27FC236}">
-                <a16:creationId xmlns:a16="http://schemas.microsoft.com/office/drawing/2014/main" id="{38F3C6DA-7EEF-4830-8D1F-702E5C9C7F8B}"/>
-              </a:ext>
-            </a:extLst>
-          </p:cNvPr>
-          <p:cNvSpPr txBox="1"/>
-          <p:nvPr/>
-        </p:nvSpPr>
-        <p:spPr>
-          <a:xfrm>
-            <a:off x="1314182" y="5918875"/>
-            <a:ext cx="1826141" cy="369332"/>
-          </a:xfrm>
-          <a:prstGeom prst="rect">
-            <a:avLst/>
-          </a:prstGeom>
-          <a:noFill/>
-        </p:spPr>
-        <p:txBody>
-          <a:bodyPr wrap="none" rtlCol="0">
-            <a:spAutoFit/>
-          </a:bodyPr>
-          <a:lstStyle/>
-          <a:p>
-            <a:r>
-              <a:rPr lang="en-US" i="1" dirty="0" err="1"/>
-              <a:t>Giao</a:t>
-            </a:r>
-            <a:r>
-              <a:rPr lang="en-US" i="1" dirty="0"/>
-              <a:t> </a:t>
-            </a:r>
-            <a:r>
-              <a:rPr lang="en-US" i="1" dirty="0" err="1"/>
-              <a:t>đăng</a:t>
-            </a:r>
-            <a:r>
-              <a:rPr lang="en-US" i="1" dirty="0"/>
-              <a:t> </a:t>
-            </a:r>
-            <a:r>
-              <a:rPr lang="en-US" i="1" dirty="0" err="1"/>
-              <a:t>nhập</a:t>
-            </a:r>
-            <a:endParaRPr lang="en-US" i="1" dirty="0"/>
-          </a:p>
-        </p:txBody>
-      </p:sp>
-      <p:sp>
-        <p:nvSpPr>
-          <p:cNvPr id="8" name="TextBox 7">
-            <a:extLst>
-              <a:ext uri="{FF2B5EF4-FFF2-40B4-BE49-F238E27FC236}">
-                <a16:creationId xmlns:a16="http://schemas.microsoft.com/office/drawing/2014/main" id="{B8447C13-5885-4E46-8A88-63D4A67DA696}"/>
-              </a:ext>
-            </a:extLst>
-          </p:cNvPr>
-          <p:cNvSpPr txBox="1"/>
-          <p:nvPr/>
-        </p:nvSpPr>
-        <p:spPr>
-          <a:xfrm>
-            <a:off x="6935076" y="5918875"/>
-            <a:ext cx="2121093" cy="369332"/>
-          </a:xfrm>
-          <a:prstGeom prst="rect">
-            <a:avLst/>
-          </a:prstGeom>
-          <a:noFill/>
-        </p:spPr>
-        <p:txBody>
-          <a:bodyPr wrap="none" rtlCol="0">
-            <a:spAutoFit/>
-          </a:bodyPr>
-          <a:lstStyle/>
-          <a:p>
-            <a:r>
-              <a:rPr lang="en-US" i="1" dirty="0" err="1"/>
-              <a:t>Giao</a:t>
-            </a:r>
-            <a:r>
-              <a:rPr lang="en-US" i="1" dirty="0"/>
-              <a:t> </a:t>
-            </a:r>
-            <a:r>
-              <a:rPr lang="en-US" i="1" dirty="0" err="1"/>
-              <a:t>diện</a:t>
-            </a:r>
-            <a:r>
-              <a:rPr lang="en-US" i="1" dirty="0"/>
-              <a:t> </a:t>
-            </a:r>
-            <a:r>
-              <a:rPr lang="en-US" i="1" dirty="0" err="1"/>
-              <a:t>thông</a:t>
-            </a:r>
-            <a:r>
-              <a:rPr lang="en-US" i="1" dirty="0"/>
-              <a:t> tin</a:t>
-            </a:r>
-          </a:p>
-        </p:txBody>
-      </p:sp>
-      <p:sp>
-        <p:nvSpPr>
-          <p:cNvPr id="9" name="TextBox 8">
-            <a:extLst>
-              <a:ext uri="{FF2B5EF4-FFF2-40B4-BE49-F238E27FC236}">
-                <a16:creationId xmlns:a16="http://schemas.microsoft.com/office/drawing/2014/main" id="{10F69EA3-F19E-4D6A-8488-07AE24BD5A90}"/>
-              </a:ext>
-            </a:extLst>
-          </p:cNvPr>
-          <p:cNvSpPr txBox="1"/>
-          <p:nvPr/>
-        </p:nvSpPr>
-        <p:spPr>
-          <a:xfrm>
-            <a:off x="3448963" y="5918875"/>
-            <a:ext cx="3177473" cy="369332"/>
-          </a:xfrm>
-          <a:prstGeom prst="rect">
-            <a:avLst/>
-          </a:prstGeom>
-          <a:noFill/>
-        </p:spPr>
-        <p:txBody>
-          <a:bodyPr wrap="none" rtlCol="0">
-            <a:spAutoFit/>
-          </a:bodyPr>
-          <a:lstStyle/>
-          <a:p>
-            <a:r>
-              <a:rPr lang="en-US" i="1" dirty="0" err="1"/>
-              <a:t>Giao</a:t>
-            </a:r>
-            <a:r>
-              <a:rPr lang="en-US" i="1" dirty="0"/>
-              <a:t> </a:t>
-            </a:r>
-            <a:r>
-              <a:rPr lang="en-US" i="1" dirty="0" err="1"/>
-              <a:t>diện</a:t>
-            </a:r>
-            <a:r>
-              <a:rPr lang="en-US" i="1" dirty="0"/>
-              <a:t> </a:t>
-            </a:r>
-            <a:r>
-              <a:rPr lang="en-US" i="1" dirty="0" err="1"/>
-              <a:t>danh</a:t>
-            </a:r>
-            <a:r>
-              <a:rPr lang="en-US" i="1" dirty="0"/>
-              <a:t> </a:t>
-            </a:r>
-            <a:r>
-              <a:rPr lang="en-US" i="1" dirty="0" err="1"/>
-              <a:t>sách</a:t>
-            </a:r>
-            <a:r>
-              <a:rPr lang="en-US" i="1" dirty="0"/>
-              <a:t> </a:t>
-            </a:r>
-            <a:r>
-              <a:rPr lang="en-US" i="1" dirty="0" err="1"/>
-              <a:t>khu</a:t>
-            </a:r>
-            <a:r>
-              <a:rPr lang="en-US" i="1" dirty="0"/>
-              <a:t> </a:t>
-            </a:r>
-            <a:r>
-              <a:rPr lang="en-US" i="1" dirty="0" err="1"/>
-              <a:t>vực</a:t>
-            </a:r>
-            <a:endParaRPr lang="en-US" i="1" dirty="0"/>
-          </a:p>
-        </p:txBody>
-      </p:sp>
     </p:spTree>
     <p:extLst>
       <p:ext uri="{BB962C8B-B14F-4D97-AF65-F5344CB8AC3E}">
@@ -14115,7 +16800,7 @@
           <p:nvPr/>
         </p:nvPicPr>
         <p:blipFill>
-          <a:blip r:embed="rId2">
+          <a:blip r:embed="rId3">
             <a:extLst>
               <a:ext uri="{28A0092B-C50C-407E-A947-70E740481C1C}">
                 <a14:useLocalDpi xmlns:a14="http://schemas.microsoft.com/office/drawing/2010/main" val="0"/>
@@ -14128,7 +16813,7 @@
         </p:blipFill>
         <p:spPr>
           <a:xfrm>
-            <a:off x="4244193" y="1378039"/>
+            <a:off x="5287382" y="1378039"/>
             <a:ext cx="2382593" cy="4213128"/>
           </a:xfrm>
           <a:prstGeom prst="rect">
@@ -14151,7 +16836,7 @@
           <p:nvPr/>
         </p:nvPicPr>
         <p:blipFill>
-          <a:blip r:embed="rId3">
+          <a:blip r:embed="rId4">
             <a:extLst>
               <a:ext uri="{28A0092B-C50C-407E-A947-70E740481C1C}">
                 <a14:useLocalDpi xmlns:a14="http://schemas.microsoft.com/office/drawing/2010/main" val="0"/>
@@ -14164,7 +16849,7 @@
         </p:blipFill>
         <p:spPr>
           <a:xfrm>
-            <a:off x="1596979" y="1378039"/>
+            <a:off x="2163649" y="1378039"/>
             <a:ext cx="2382593" cy="4213127"/>
           </a:xfrm>
           <a:prstGeom prst="rect">
@@ -14392,42 +17077,6 @@
       </p:sp>
       <p:pic>
         <p:nvPicPr>
-          <p:cNvPr id="5" name="Picture 4">
-            <a:extLst>
-              <a:ext uri="{FF2B5EF4-FFF2-40B4-BE49-F238E27FC236}">
-                <a16:creationId xmlns:a16="http://schemas.microsoft.com/office/drawing/2014/main" id="{9322E812-D4E3-44F0-AC3A-B47DF25B1798}"/>
-              </a:ext>
-            </a:extLst>
-          </p:cNvPr>
-          <p:cNvPicPr>
-            <a:picLocks noChangeAspect="1"/>
-          </p:cNvPicPr>
-          <p:nvPr/>
-        </p:nvPicPr>
-        <p:blipFill>
-          <a:blip r:embed="rId2">
-            <a:extLst>
-              <a:ext uri="{28A0092B-C50C-407E-A947-70E740481C1C}">
-                <a14:useLocalDpi xmlns:a14="http://schemas.microsoft.com/office/drawing/2010/main" val="0"/>
-              </a:ext>
-            </a:extLst>
-          </a:blip>
-          <a:stretch>
-            <a:fillRect/>
-          </a:stretch>
-        </p:blipFill>
-        <p:spPr>
-          <a:xfrm>
-            <a:off x="1360868" y="1390918"/>
-            <a:ext cx="2309611" cy="4061309"/>
-          </a:xfrm>
-          <a:prstGeom prst="rect">
-            <a:avLst/>
-          </a:prstGeom>
-        </p:spPr>
-      </p:pic>
-      <p:pic>
-        <p:nvPicPr>
           <p:cNvPr id="9" name="Picture 8">
             <a:extLst>
               <a:ext uri="{FF2B5EF4-FFF2-40B4-BE49-F238E27FC236}">
@@ -14454,44 +17103,8 @@
         </p:blipFill>
         <p:spPr>
           <a:xfrm>
-            <a:off x="3786389" y="1390918"/>
-            <a:ext cx="2309611" cy="4061309"/>
-          </a:xfrm>
-          <a:prstGeom prst="rect">
-            <a:avLst/>
-          </a:prstGeom>
-        </p:spPr>
-      </p:pic>
-      <p:pic>
-        <p:nvPicPr>
-          <p:cNvPr id="11" name="Picture 10">
-            <a:extLst>
-              <a:ext uri="{FF2B5EF4-FFF2-40B4-BE49-F238E27FC236}">
-                <a16:creationId xmlns:a16="http://schemas.microsoft.com/office/drawing/2014/main" id="{EBCEB14F-0C0F-49CA-AC44-EBD9ACE86BAD}"/>
-              </a:ext>
-            </a:extLst>
-          </p:cNvPr>
-          <p:cNvPicPr>
-            <a:picLocks noChangeAspect="1"/>
-          </p:cNvPicPr>
-          <p:nvPr/>
-        </p:nvPicPr>
-        <p:blipFill>
-          <a:blip r:embed="rId4">
-            <a:extLst>
-              <a:ext uri="{28A0092B-C50C-407E-A947-70E740481C1C}">
-                <a14:useLocalDpi xmlns:a14="http://schemas.microsoft.com/office/drawing/2010/main" val="0"/>
-              </a:ext>
-            </a:extLst>
-          </a:blip>
-          <a:stretch>
-            <a:fillRect/>
-          </a:stretch>
-        </p:blipFill>
-        <p:spPr>
-          <a:xfrm>
-            <a:off x="6211909" y="1390918"/>
-            <a:ext cx="2309611" cy="4061309"/>
+            <a:off x="5191250" y="1394123"/>
+            <a:ext cx="2441380" cy="4061309"/>
           </a:xfrm>
           <a:prstGeom prst="rect">
             <a:avLst/>
@@ -14595,6 +17208,36 @@
           </a:p>
         </p:txBody>
       </p:sp>
+      <p:pic>
+        <p:nvPicPr>
+          <p:cNvPr id="4" name="Picture 3">
+            <a:extLst>
+              <a:ext uri="{FF2B5EF4-FFF2-40B4-BE49-F238E27FC236}">
+                <a16:creationId xmlns:a16="http://schemas.microsoft.com/office/drawing/2014/main" id="{72743116-C72F-4878-95FE-1A2DA7C34C0A}"/>
+              </a:ext>
+            </a:extLst>
+          </p:cNvPr>
+          <p:cNvPicPr>
+            <a:picLocks noChangeAspect="1"/>
+          </p:cNvPicPr>
+          <p:nvPr/>
+        </p:nvPicPr>
+        <p:blipFill>
+          <a:blip r:embed="rId4"/>
+          <a:stretch>
+            <a:fillRect/>
+          </a:stretch>
+        </p:blipFill>
+        <p:spPr>
+          <a:xfrm>
+            <a:off x="2329188" y="1394123"/>
+            <a:ext cx="2441380" cy="4057087"/>
+          </a:xfrm>
+          <a:prstGeom prst="rect">
+            <a:avLst/>
+          </a:prstGeom>
+        </p:spPr>
+      </p:pic>
     </p:spTree>
     <p:extLst>
       <p:ext uri="{BB962C8B-B14F-4D97-AF65-F5344CB8AC3E}">
@@ -15822,7 +18465,7 @@
           <p:nvPr/>
         </p:nvPicPr>
         <p:blipFill>
-          <a:blip r:embed="rId2">
+          <a:blip r:embed="rId3">
             <a:extLst>
               <a:ext uri="{28A0092B-C50C-407E-A947-70E740481C1C}">
                 <a14:useLocalDpi xmlns:a14="http://schemas.microsoft.com/office/drawing/2010/main" val="0"/>
@@ -15835,7 +18478,7 @@
         </p:blipFill>
         <p:spPr>
           <a:xfrm>
-            <a:off x="3567448" y="1249251"/>
+            <a:off x="3569531" y="1405836"/>
             <a:ext cx="2678866" cy="4514321"/>
           </a:xfrm>
           <a:prstGeom prst="rect">
@@ -15986,31 +18629,6 @@
       </p:sp>
       <p:sp>
         <p:nvSpPr>
-          <p:cNvPr id="3" name="Content Placeholder 2">
-            <a:extLst>
-              <a:ext uri="{FF2B5EF4-FFF2-40B4-BE49-F238E27FC236}">
-                <a16:creationId xmlns:a16="http://schemas.microsoft.com/office/drawing/2014/main" id="{D59D2F5F-0201-4967-9C7D-D286579FCAF8}"/>
-              </a:ext>
-            </a:extLst>
-          </p:cNvPr>
-          <p:cNvSpPr>
-            <a:spLocks noGrp="1"/>
-          </p:cNvSpPr>
-          <p:nvPr>
-            <p:ph idx="1"/>
-          </p:nvPr>
-        </p:nvSpPr>
-        <p:spPr/>
-        <p:txBody>
-          <a:bodyPr/>
-          <a:lstStyle/>
-          <a:p>
-            <a:endParaRPr lang="en-US" dirty="0"/>
-          </a:p>
-        </p:txBody>
-      </p:sp>
-      <p:sp>
-        <p:nvSpPr>
           <p:cNvPr id="4" name="Slide Number Placeholder 3">
             <a:extLst>
               <a:ext uri="{FF2B5EF4-FFF2-40B4-BE49-F238E27FC236}">
@@ -16070,6 +18688,595 @@
       </p:grpSpPr>
       <p:sp>
         <p:nvSpPr>
+          <p:cNvPr id="2" name="Title 1">
+            <a:extLst>
+              <a:ext uri="{FF2B5EF4-FFF2-40B4-BE49-F238E27FC236}">
+                <a16:creationId xmlns:a16="http://schemas.microsoft.com/office/drawing/2014/main" id="{3BB3887D-1FE1-49A6-912A-3F85B8932872}"/>
+              </a:ext>
+            </a:extLst>
+          </p:cNvPr>
+          <p:cNvSpPr>
+            <a:spLocks noGrp="1"/>
+          </p:cNvSpPr>
+          <p:nvPr>
+            <p:ph type="title"/>
+          </p:nvPr>
+        </p:nvSpPr>
+        <p:spPr/>
+        <p:txBody>
+          <a:bodyPr>
+            <a:normAutofit/>
+          </a:bodyPr>
+          <a:lstStyle/>
+          <a:p>
+            <a:r>
+              <a:rPr lang="en-US" sz="4500" dirty="0"/>
+              <a:t>VI. </a:t>
+            </a:r>
+            <a:r>
+              <a:rPr lang="en-US" sz="4500" dirty="0" err="1"/>
+              <a:t>Hướng</a:t>
+            </a:r>
+            <a:r>
+              <a:rPr lang="en-US" sz="4500" dirty="0"/>
+              <a:t> </a:t>
+            </a:r>
+            <a:r>
+              <a:rPr lang="en-US" sz="4500" dirty="0" err="1"/>
+              <a:t>phát</a:t>
+            </a:r>
+            <a:r>
+              <a:rPr lang="en-US" sz="4500" dirty="0"/>
+              <a:t> </a:t>
+            </a:r>
+            <a:r>
+              <a:rPr lang="en-US" sz="4500" dirty="0" err="1"/>
+              <a:t>triển</a:t>
+            </a:r>
+            <a:endParaRPr lang="en-US" sz="4500" dirty="0"/>
+          </a:p>
+        </p:txBody>
+      </p:sp>
+      <p:sp>
+        <p:nvSpPr>
+          <p:cNvPr id="3" name="Content Placeholder 2">
+            <a:extLst>
+              <a:ext uri="{FF2B5EF4-FFF2-40B4-BE49-F238E27FC236}">
+                <a16:creationId xmlns:a16="http://schemas.microsoft.com/office/drawing/2014/main" id="{685FC2B8-42BA-47E5-A0ED-0D34877D228C}"/>
+              </a:ext>
+            </a:extLst>
+          </p:cNvPr>
+          <p:cNvSpPr>
+            <a:spLocks noGrp="1"/>
+          </p:cNvSpPr>
+          <p:nvPr>
+            <p:ph idx="1"/>
+          </p:nvPr>
+        </p:nvSpPr>
+        <p:spPr>
+          <a:xfrm>
+            <a:off x="677334" y="1488613"/>
+            <a:ext cx="8596668" cy="3880773"/>
+          </a:xfrm>
+        </p:spPr>
+        <p:txBody>
+          <a:bodyPr>
+            <a:normAutofit/>
+          </a:bodyPr>
+          <a:lstStyle/>
+          <a:p>
+            <a:r>
+              <a:rPr lang="en-US" sz="2400" dirty="0" err="1"/>
+              <a:t>Xây</a:t>
+            </a:r>
+            <a:r>
+              <a:rPr lang="en-US" sz="2400" dirty="0"/>
+              <a:t> </a:t>
+            </a:r>
+            <a:r>
+              <a:rPr lang="en-US" sz="2400" dirty="0" err="1"/>
+              <a:t>dựng</a:t>
+            </a:r>
+            <a:r>
+              <a:rPr lang="en-US" sz="2400" dirty="0"/>
+              <a:t> </a:t>
+            </a:r>
+            <a:r>
+              <a:rPr lang="en-US" sz="2400" dirty="0" err="1"/>
+              <a:t>thêm</a:t>
+            </a:r>
+            <a:r>
+              <a:rPr lang="en-US" sz="2400" dirty="0"/>
+              <a:t> </a:t>
+            </a:r>
+            <a:r>
+              <a:rPr lang="en-US" sz="2400" dirty="0" err="1"/>
+              <a:t>giao</a:t>
+            </a:r>
+            <a:r>
+              <a:rPr lang="en-US" sz="2400" dirty="0"/>
+              <a:t> </a:t>
+            </a:r>
+            <a:r>
+              <a:rPr lang="en-US" sz="2400" dirty="0" err="1"/>
+              <a:t>diện</a:t>
+            </a:r>
+            <a:r>
+              <a:rPr lang="en-US" sz="2400" dirty="0"/>
+              <a:t> </a:t>
+            </a:r>
+            <a:r>
+              <a:rPr lang="en-US" sz="2400" dirty="0" err="1"/>
+              <a:t>cho</a:t>
+            </a:r>
+            <a:r>
+              <a:rPr lang="en-US" sz="2400" dirty="0"/>
+              <a:t> </a:t>
+            </a:r>
+            <a:r>
+              <a:rPr lang="en-US" sz="2400" dirty="0" err="1"/>
+              <a:t>khách</a:t>
+            </a:r>
+            <a:r>
+              <a:rPr lang="en-US" sz="2400" dirty="0"/>
+              <a:t> </a:t>
+            </a:r>
+            <a:r>
+              <a:rPr lang="en-US" sz="2400" dirty="0" err="1"/>
+              <a:t>hàng</a:t>
+            </a:r>
+            <a:endParaRPr lang="en-US" sz="2400" dirty="0"/>
+          </a:p>
+          <a:p>
+            <a:r>
+              <a:rPr lang="en-US" sz="2400" dirty="0" err="1"/>
+              <a:t>Cải</a:t>
+            </a:r>
+            <a:r>
+              <a:rPr lang="en-US" sz="2400" dirty="0"/>
+              <a:t> </a:t>
+            </a:r>
+            <a:r>
+              <a:rPr lang="en-US" sz="2400" dirty="0" err="1"/>
+              <a:t>thiện</a:t>
+            </a:r>
+            <a:r>
+              <a:rPr lang="en-US" sz="2400" dirty="0"/>
+              <a:t> </a:t>
+            </a:r>
+            <a:r>
+              <a:rPr lang="en-US" sz="2400" dirty="0" err="1"/>
+              <a:t>hiệu</a:t>
+            </a:r>
+            <a:r>
+              <a:rPr lang="en-US" sz="2400" dirty="0"/>
+              <a:t> </a:t>
+            </a:r>
+            <a:r>
+              <a:rPr lang="en-US" sz="2400" dirty="0" err="1"/>
+              <a:t>suất</a:t>
+            </a:r>
+            <a:r>
+              <a:rPr lang="en-US" sz="2400" dirty="0"/>
+              <a:t> </a:t>
+            </a:r>
+            <a:r>
+              <a:rPr lang="en-US" sz="2400" dirty="0" err="1"/>
+              <a:t>hoạt</a:t>
+            </a:r>
+            <a:r>
+              <a:rPr lang="en-US" sz="2400" dirty="0"/>
+              <a:t> </a:t>
+            </a:r>
+            <a:r>
+              <a:rPr lang="en-US" sz="2400" dirty="0" err="1"/>
+              <a:t>động</a:t>
+            </a:r>
+            <a:r>
+              <a:rPr lang="en-US" sz="2400" dirty="0"/>
+              <a:t> </a:t>
+            </a:r>
+            <a:r>
+              <a:rPr lang="en-US" sz="2400" dirty="0" err="1"/>
+              <a:t>của</a:t>
+            </a:r>
+            <a:r>
+              <a:rPr lang="en-US" sz="2400" dirty="0"/>
+              <a:t> </a:t>
+            </a:r>
+            <a:r>
+              <a:rPr lang="en-US" sz="2400" dirty="0" err="1"/>
+              <a:t>ứng</a:t>
+            </a:r>
+            <a:r>
+              <a:rPr lang="en-US" sz="2400" dirty="0"/>
+              <a:t> </a:t>
+            </a:r>
+            <a:r>
+              <a:rPr lang="en-US" sz="2400" dirty="0" err="1"/>
+              <a:t>dụng</a:t>
+            </a:r>
+            <a:endParaRPr lang="en-US" sz="2400" dirty="0"/>
+          </a:p>
+          <a:p>
+            <a:r>
+              <a:rPr lang="en-US" sz="2400" dirty="0" err="1"/>
+              <a:t>Cập</a:t>
+            </a:r>
+            <a:r>
+              <a:rPr lang="en-US" sz="2400" dirty="0"/>
+              <a:t> </a:t>
+            </a:r>
+            <a:r>
+              <a:rPr lang="en-US" sz="2400" dirty="0" err="1"/>
+              <a:t>nhật</a:t>
+            </a:r>
+            <a:r>
+              <a:rPr lang="en-US" sz="2400" dirty="0"/>
+              <a:t>, </a:t>
+            </a:r>
+            <a:r>
+              <a:rPr lang="en-US" sz="2400" dirty="0" err="1"/>
+              <a:t>vá</a:t>
+            </a:r>
+            <a:r>
+              <a:rPr lang="en-US" sz="2400" dirty="0"/>
+              <a:t> </a:t>
+            </a:r>
+            <a:r>
+              <a:rPr lang="en-US" sz="2400" dirty="0" err="1"/>
+              <a:t>lỗi</a:t>
+            </a:r>
+            <a:r>
+              <a:rPr lang="en-US" sz="2400" dirty="0"/>
+              <a:t> </a:t>
+            </a:r>
+            <a:r>
+              <a:rPr lang="en-US" sz="2400" dirty="0" err="1"/>
+              <a:t>một</a:t>
+            </a:r>
+            <a:r>
+              <a:rPr lang="en-US" sz="2400" dirty="0"/>
+              <a:t> </a:t>
+            </a:r>
+            <a:r>
+              <a:rPr lang="en-US" sz="2400" dirty="0" err="1"/>
+              <a:t>số</a:t>
+            </a:r>
+            <a:r>
+              <a:rPr lang="en-US" sz="2400" dirty="0"/>
+              <a:t> </a:t>
+            </a:r>
+            <a:r>
+              <a:rPr lang="en-US" sz="2400" dirty="0" err="1"/>
+              <a:t>ph</a:t>
+            </a:r>
+            <a:r>
+              <a:rPr lang="vi-VN" sz="2400" dirty="0"/>
+              <a:t>ư</a:t>
+            </a:r>
+            <a:r>
+              <a:rPr lang="en-US" sz="2400" dirty="0" err="1"/>
+              <a:t>ơng</a:t>
+            </a:r>
+            <a:r>
+              <a:rPr lang="en-US" sz="2400" dirty="0"/>
+              <a:t> </a:t>
+            </a:r>
+            <a:r>
+              <a:rPr lang="en-US" sz="2400" dirty="0" err="1"/>
+              <a:t>thức</a:t>
+            </a:r>
+            <a:r>
+              <a:rPr lang="en-US" sz="2400" dirty="0"/>
+              <a:t> </a:t>
+            </a:r>
+            <a:r>
+              <a:rPr lang="en-US" sz="2400" dirty="0" err="1"/>
+              <a:t>hoạt</a:t>
+            </a:r>
+            <a:r>
+              <a:rPr lang="en-US" sz="2400" dirty="0"/>
+              <a:t> </a:t>
+            </a:r>
+            <a:r>
+              <a:rPr lang="en-US" sz="2400" dirty="0" err="1"/>
+              <a:t>động</a:t>
+            </a:r>
+            <a:r>
+              <a:rPr lang="en-US" sz="2400" dirty="0"/>
+              <a:t> </a:t>
+            </a:r>
+            <a:r>
+              <a:rPr lang="en-US" sz="2400" dirty="0" err="1"/>
+              <a:t>ch</a:t>
+            </a:r>
+            <a:r>
+              <a:rPr lang="vi-VN" sz="2400" dirty="0"/>
+              <a:t>ư</a:t>
+            </a:r>
+            <a:r>
+              <a:rPr lang="en-US" sz="2400" dirty="0"/>
+              <a:t>a </a:t>
+            </a:r>
+            <a:r>
+              <a:rPr lang="en-US" sz="2400" dirty="0" err="1"/>
+              <a:t>chính</a:t>
+            </a:r>
+            <a:r>
+              <a:rPr lang="en-US" sz="2400" dirty="0"/>
+              <a:t> </a:t>
+            </a:r>
+            <a:r>
+              <a:rPr lang="en-US" sz="2400" dirty="0" err="1"/>
+              <a:t>xác</a:t>
+            </a:r>
+            <a:r>
+              <a:rPr lang="en-US" sz="2400" dirty="0"/>
+              <a:t>.</a:t>
+            </a:r>
+          </a:p>
+        </p:txBody>
+      </p:sp>
+      <p:sp>
+        <p:nvSpPr>
+          <p:cNvPr id="4" name="Slide Number Placeholder 3">
+            <a:extLst>
+              <a:ext uri="{FF2B5EF4-FFF2-40B4-BE49-F238E27FC236}">
+                <a16:creationId xmlns:a16="http://schemas.microsoft.com/office/drawing/2014/main" id="{C5B515AB-629E-4A8F-9650-07F53BBDE4B0}"/>
+              </a:ext>
+            </a:extLst>
+          </p:cNvPr>
+          <p:cNvSpPr>
+            <a:spLocks noGrp="1"/>
+          </p:cNvSpPr>
+          <p:nvPr>
+            <p:ph type="sldNum" sz="quarter" idx="12"/>
+          </p:nvPr>
+        </p:nvSpPr>
+        <p:spPr/>
+        <p:txBody>
+          <a:bodyPr/>
+          <a:lstStyle/>
+          <a:p>
+            <a:fld id="{3CC90D32-697D-4F0D-8E4A-0F6F398B2A4E}" type="slidenum">
+              <a:rPr lang="en-US" smtClean="0"/>
+              <a:t>32</a:t>
+            </a:fld>
+            <a:endParaRPr lang="en-US"/>
+          </a:p>
+        </p:txBody>
+      </p:sp>
+    </p:spTree>
+    <p:extLst>
+      <p:ext uri="{BB962C8B-B14F-4D97-AF65-F5344CB8AC3E}">
+        <p14:creationId xmlns:p14="http://schemas.microsoft.com/office/powerpoint/2010/main" val="3455592959"/>
+      </p:ext>
+    </p:extLst>
+  </p:cSld>
+  <p:clrMapOvr>
+    <a:masterClrMapping/>
+  </p:clrMapOvr>
+  <p:timing>
+    <p:tnLst>
+      <p:par>
+        <p:cTn id="1" dur="indefinite" restart="never" nodeType="tmRoot">
+          <p:childTnLst>
+            <p:seq concurrent="1" nextAc="seek">
+              <p:cTn id="2" dur="indefinite" nodeType="mainSeq">
+                <p:childTnLst>
+                  <p:par>
+                    <p:cTn id="3" fill="hold">
+                      <p:stCondLst>
+                        <p:cond delay="indefinite"/>
+                        <p:cond evt="onBegin" delay="0">
+                          <p:tn val="2"/>
+                        </p:cond>
+                      </p:stCondLst>
+                      <p:childTnLst>
+                        <p:par>
+                          <p:cTn id="4" fill="hold">
+                            <p:stCondLst>
+                              <p:cond delay="0"/>
+                            </p:stCondLst>
+                            <p:childTnLst>
+                              <p:par>
+                                <p:cTn id="5" presetID="10" presetClass="entr" presetSubtype="0" fill="hold" nodeType="afterEffect">
+                                  <p:stCondLst>
+                                    <p:cond delay="0"/>
+                                  </p:stCondLst>
+                                  <p:childTnLst>
+                                    <p:set>
+                                      <p:cBhvr>
+                                        <p:cTn id="6" dur="1" fill="hold">
+                                          <p:stCondLst>
+                                            <p:cond delay="0"/>
+                                          </p:stCondLst>
+                                        </p:cTn>
+                                        <p:tgtEl>
+                                          <p:spTgt spid="3">
+                                            <p:txEl>
+                                              <p:pRg st="0" end="0"/>
+                                            </p:txEl>
+                                          </p:spTgt>
+                                        </p:tgtEl>
+                                        <p:attrNameLst>
+                                          <p:attrName>style.visibility</p:attrName>
+                                        </p:attrNameLst>
+                                      </p:cBhvr>
+                                      <p:to>
+                                        <p:strVal val="visible"/>
+                                      </p:to>
+                                    </p:set>
+                                    <p:animEffect transition="in" filter="fade">
+                                      <p:cBhvr>
+                                        <p:cTn id="7" dur="500"/>
+                                        <p:tgtEl>
+                                          <p:spTgt spid="3">
+                                            <p:txEl>
+                                              <p:pRg st="0" end="0"/>
+                                            </p:txEl>
+                                          </p:spTgt>
+                                        </p:tgtEl>
+                                      </p:cBhvr>
+                                    </p:animEffect>
+                                  </p:childTnLst>
+                                </p:cTn>
+                              </p:par>
+                            </p:childTnLst>
+                          </p:cTn>
+                        </p:par>
+                        <p:par>
+                          <p:cTn id="8" fill="hold">
+                            <p:stCondLst>
+                              <p:cond delay="500"/>
+                            </p:stCondLst>
+                            <p:childTnLst>
+                              <p:par>
+                                <p:cTn id="9" presetID="10" presetClass="entr" presetSubtype="0" fill="hold" nodeType="afterEffect">
+                                  <p:stCondLst>
+                                    <p:cond delay="0"/>
+                                  </p:stCondLst>
+                                  <p:childTnLst>
+                                    <p:set>
+                                      <p:cBhvr>
+                                        <p:cTn id="10" dur="1" fill="hold">
+                                          <p:stCondLst>
+                                            <p:cond delay="0"/>
+                                          </p:stCondLst>
+                                        </p:cTn>
+                                        <p:tgtEl>
+                                          <p:spTgt spid="3">
+                                            <p:txEl>
+                                              <p:pRg st="1" end="1"/>
+                                            </p:txEl>
+                                          </p:spTgt>
+                                        </p:tgtEl>
+                                        <p:attrNameLst>
+                                          <p:attrName>style.visibility</p:attrName>
+                                        </p:attrNameLst>
+                                      </p:cBhvr>
+                                      <p:to>
+                                        <p:strVal val="visible"/>
+                                      </p:to>
+                                    </p:set>
+                                    <p:animEffect transition="in" filter="fade">
+                                      <p:cBhvr>
+                                        <p:cTn id="11" dur="500"/>
+                                        <p:tgtEl>
+                                          <p:spTgt spid="3">
+                                            <p:txEl>
+                                              <p:pRg st="1" end="1"/>
+                                            </p:txEl>
+                                          </p:spTgt>
+                                        </p:tgtEl>
+                                      </p:cBhvr>
+                                    </p:animEffect>
+                                  </p:childTnLst>
+                                </p:cTn>
+                              </p:par>
+                            </p:childTnLst>
+                          </p:cTn>
+                        </p:par>
+                        <p:par>
+                          <p:cTn id="12" fill="hold">
+                            <p:stCondLst>
+                              <p:cond delay="1000"/>
+                            </p:stCondLst>
+                            <p:childTnLst>
+                              <p:par>
+                                <p:cTn id="13" presetID="10" presetClass="entr" presetSubtype="0" fill="hold" nodeType="afterEffect">
+                                  <p:stCondLst>
+                                    <p:cond delay="0"/>
+                                  </p:stCondLst>
+                                  <p:childTnLst>
+                                    <p:set>
+                                      <p:cBhvr>
+                                        <p:cTn id="14" dur="1" fill="hold">
+                                          <p:stCondLst>
+                                            <p:cond delay="0"/>
+                                          </p:stCondLst>
+                                        </p:cTn>
+                                        <p:tgtEl>
+                                          <p:spTgt spid="3">
+                                            <p:txEl>
+                                              <p:pRg st="2" end="2"/>
+                                            </p:txEl>
+                                          </p:spTgt>
+                                        </p:tgtEl>
+                                        <p:attrNameLst>
+                                          <p:attrName>style.visibility</p:attrName>
+                                        </p:attrNameLst>
+                                      </p:cBhvr>
+                                      <p:to>
+                                        <p:strVal val="visible"/>
+                                      </p:to>
+                                    </p:set>
+                                    <p:animEffect transition="in" filter="fade">
+                                      <p:cBhvr>
+                                        <p:cTn id="15" dur="500"/>
+                                        <p:tgtEl>
+                                          <p:spTgt spid="3">
+                                            <p:txEl>
+                                              <p:pRg st="2" end="2"/>
+                                            </p:txEl>
+                                          </p:spTgt>
+                                        </p:tgtEl>
+                                      </p:cBhvr>
+                                    </p:animEffect>
+                                  </p:childTnLst>
+                                </p:cTn>
+                              </p:par>
+                            </p:childTnLst>
+                          </p:cTn>
+                        </p:par>
+                      </p:childTnLst>
+                    </p:cTn>
+                  </p:par>
+                </p:childTnLst>
+              </p:cTn>
+              <p:prevCondLst>
+                <p:cond evt="onPrev" delay="0">
+                  <p:tgtEl>
+                    <p:sldTgt/>
+                  </p:tgtEl>
+                </p:cond>
+              </p:prevCondLst>
+              <p:nextCondLst>
+                <p:cond evt="onNext" delay="0">
+                  <p:tgtEl>
+                    <p:sldTgt/>
+                  </p:tgtEl>
+                </p:cond>
+              </p:nextCondLst>
+            </p:seq>
+          </p:childTnLst>
+        </p:cTn>
+      </p:par>
+    </p:tnLst>
+  </p:timing>
+</p:sld>
+</file>
+
+<file path=ppt/slides/slide33.xml><?xml version="1.0" encoding="utf-8"?>
+<p:sld xmlns:a="http://schemas.openxmlformats.org/drawingml/2006/main" xmlns:r="http://schemas.openxmlformats.org/officeDocument/2006/relationships" xmlns:p="http://schemas.openxmlformats.org/presentationml/2006/main">
+  <p:cSld>
+    <p:spTree>
+      <p:nvGrpSpPr>
+        <p:cNvPr id="1" name=""/>
+        <p:cNvGrpSpPr/>
+        <p:nvPr/>
+      </p:nvGrpSpPr>
+      <p:grpSpPr>
+        <a:xfrm>
+          <a:off x="0" y="0"/>
+          <a:ext cx="0" cy="0"/>
+          <a:chOff x="0" y="0"/>
+          <a:chExt cx="0" cy="0"/>
+        </a:xfrm>
+      </p:grpSpPr>
+      <p:sp>
+        <p:nvSpPr>
           <p:cNvPr id="6" name="Rectangle 5">
             <a:extLst>
               <a:ext uri="{FF2B5EF4-FFF2-40B4-BE49-F238E27FC236}">
@@ -16204,7 +19411,7 @@
           <a:p>
             <a:fld id="{3CC90D32-697D-4F0D-8E4A-0F6F398B2A4E}" type="slidenum">
               <a:rPr lang="en-US" smtClean="0"/>
-              <a:t>32</a:t>
+              <a:t>33</a:t>
             </a:fld>
             <a:endParaRPr lang="en-US"/>
           </a:p>
@@ -17189,8 +20396,16 @@
           <a:lstStyle/>
           <a:p>
             <a:r>
+              <a:rPr lang="en-US" sz="2400" dirty="0" err="1"/>
+              <a:t>Điện</a:t>
+            </a:r>
+            <a:r>
               <a:rPr lang="en-US" sz="2400" dirty="0"/>
-              <a:t>Smart phone </a:t>
+              <a:t> </a:t>
+            </a:r>
+            <a:r>
+              <a:rPr lang="en-US" sz="2400"/>
+              <a:t>thoại </a:t>
             </a:r>
             <a:r>
               <a:rPr lang="en-US" sz="2400" dirty="0" err="1"/>
@@ -17510,7 +20725,7 @@
           </p:nvPr>
         </p:nvPicPr>
         <p:blipFill>
-          <a:blip r:embed="rId2">
+          <a:blip r:embed="rId3">
             <a:extLst>
               <a:ext uri="{28A0092B-C50C-407E-A947-70E740481C1C}">
                 <a14:useLocalDpi xmlns:a14="http://schemas.microsoft.com/office/drawing/2010/main" val="0"/>
@@ -17764,7 +20979,7 @@
             </a:r>
             <a:r>
               <a:rPr lang="en-US" sz="2400" dirty="0">
-                <a:hlinkClick r:id="rId2" tooltip="Microsoft Windows"/>
+                <a:hlinkClick r:id="rId3" tooltip="Microsoft Windows"/>
               </a:rPr>
               <a:t>Windows</a:t>
             </a:r>
@@ -17774,7 +20989,7 @@
             </a:r>
             <a:r>
               <a:rPr lang="en-US" sz="2400" dirty="0">
-                <a:hlinkClick r:id="rId3" tooltip="OS X"/>
+                <a:hlinkClick r:id="rId4" tooltip="OS X"/>
               </a:rPr>
               <a:t>Mac OS X</a:t>
             </a:r>
@@ -17792,7 +21007,7 @@
             </a:r>
             <a:r>
               <a:rPr lang="en-US" sz="2400" dirty="0">
-                <a:hlinkClick r:id="rId4" tooltip="Linux"/>
+                <a:hlinkClick r:id="rId5" tooltip="Linux"/>
               </a:rPr>
               <a:t>Linux</a:t>
             </a:r>
@@ -18563,7 +21778,7 @@
           <p:nvPr/>
         </p:nvPicPr>
         <p:blipFill>
-          <a:blip r:embed="rId2">
+          <a:blip r:embed="rId3">
             <a:extLst>
               <a:ext uri="{28A0092B-C50C-407E-A947-70E740481C1C}">
                 <a14:useLocalDpi xmlns:a14="http://schemas.microsoft.com/office/drawing/2010/main" val="0"/>
